--- a/lec/sequence/figs/snow_unrolled.pptx
+++ b/lec/sequence/figs/snow_unrolled.pptx
@@ -7,6 +7,7 @@
   <p:sldIdLst>
     <p:sldId id="256" r:id="rId2"/>
     <p:sldId id="257" r:id="rId3"/>
+    <p:sldId id="258" r:id="rId4"/>
   </p:sldIdLst>
   <p:sldSz cx="12192000" cy="6858000"/>
   <p:notesSz cx="6858000" cy="9144000"/>
@@ -105,7 +106,24 @@
       </a:defRPr>
     </a:lvl9pPr>
   </p:defaultTextStyle>
+  <p:extLst>
+    <p:ext uri="{EFAFB233-063F-42B5-8137-9DF3F51BA10A}">
+      <p15:sldGuideLst xmlns:p15="http://schemas.microsoft.com/office/powerpoint/2012/main"/>
+    </p:ext>
+  </p:extLst>
 </p:presentation>
+</file>
+
+<file path=ppt/commentAuthors.xml><?xml version="1.0" encoding="utf-8"?>
+<p:cmAuthorLst xmlns:a="http://schemas.openxmlformats.org/drawingml/2006/main" xmlns:r="http://schemas.openxmlformats.org/officeDocument/2006/relationships" xmlns:p="http://schemas.openxmlformats.org/presentationml/2006/main">
+  <p:cmAuthor id="1" name="Culotta, Aron W" initials="CAW" lastIdx="1" clrIdx="0">
+    <p:extLst>
+      <p:ext uri="{19B8F6BF-5375-455C-9EA6-DF929625EA0E}">
+        <p15:presenceInfo xmlns:p15="http://schemas.microsoft.com/office/powerpoint/2012/main" userId="S::aculotta@tulane.edu::b35c3724-f222-453c-8261-04d9d50a521f" providerId="AD"/>
+      </p:ext>
+    </p:extLst>
+  </p:cmAuthor>
+</p:cmAuthorLst>
 </file>
 
 <file path=ppt/slideLayouts/slideLayout1.xml><?xml version="1.0" encoding="utf-8"?>
@@ -150,10 +168,9 @@
           </a:lstStyle>
           <a:p>
             <a:r>
-              <a:rPr lang="en-US" smtClean="0"/>
+              <a:rPr lang="en-US"/>
               <a:t>Click to edit Master title style</a:t>
             </a:r>
-            <a:endParaRPr lang="en-US"/>
           </a:p>
         </p:txBody>
       </p:sp>
@@ -215,10 +232,9 @@
           </a:lstStyle>
           <a:p>
             <a:r>
-              <a:rPr lang="en-US" smtClean="0"/>
+              <a:rPr lang="en-US"/>
               <a:t>Click to edit Master subtitle style</a:t>
             </a:r>
-            <a:endParaRPr lang="en-US"/>
           </a:p>
         </p:txBody>
       </p:sp>
@@ -239,7 +255,7 @@
           <a:p>
             <a:fld id="{4AFAEF00-FD01-6240-B492-4D02BA9707E8}" type="datetimeFigureOut">
               <a:rPr lang="en-US" smtClean="0"/>
-              <a:t>1/31/17</a:t>
+              <a:t>2/25/21</a:t>
             </a:fld>
             <a:endParaRPr lang="en-US"/>
           </a:p>
@@ -333,10 +349,9 @@
           <a:lstStyle/>
           <a:p>
             <a:r>
-              <a:rPr lang="en-US" smtClean="0"/>
+              <a:rPr lang="en-US"/>
               <a:t>Click to edit Master title style</a:t>
             </a:r>
-            <a:endParaRPr lang="en-US"/>
           </a:p>
         </p:txBody>
       </p:sp>
@@ -357,38 +372,37 @@
           <a:p>
             <a:pPr lvl="0"/>
             <a:r>
-              <a:rPr lang="en-US" smtClean="0"/>
+              <a:rPr lang="en-US"/>
               <a:t>Click to edit Master text styles</a:t>
             </a:r>
           </a:p>
           <a:p>
             <a:pPr lvl="1"/>
             <a:r>
-              <a:rPr lang="en-US" smtClean="0"/>
+              <a:rPr lang="en-US"/>
               <a:t>Second level</a:t>
             </a:r>
           </a:p>
           <a:p>
             <a:pPr lvl="2"/>
             <a:r>
-              <a:rPr lang="en-US" smtClean="0"/>
+              <a:rPr lang="en-US"/>
               <a:t>Third level</a:t>
             </a:r>
           </a:p>
           <a:p>
             <a:pPr lvl="3"/>
             <a:r>
-              <a:rPr lang="en-US" smtClean="0"/>
+              <a:rPr lang="en-US"/>
               <a:t>Fourth level</a:t>
             </a:r>
           </a:p>
           <a:p>
             <a:pPr lvl="4"/>
             <a:r>
-              <a:rPr lang="en-US" smtClean="0"/>
+              <a:rPr lang="en-US"/>
               <a:t>Fifth level</a:t>
             </a:r>
-            <a:endParaRPr lang="en-US"/>
           </a:p>
         </p:txBody>
       </p:sp>
@@ -409,7 +423,7 @@
           <a:p>
             <a:fld id="{4AFAEF00-FD01-6240-B492-4D02BA9707E8}" type="datetimeFigureOut">
               <a:rPr lang="en-US" smtClean="0"/>
-              <a:t>1/31/17</a:t>
+              <a:t>2/25/21</a:t>
             </a:fld>
             <a:endParaRPr lang="en-US"/>
           </a:p>
@@ -508,10 +522,9 @@
           <a:lstStyle/>
           <a:p>
             <a:r>
-              <a:rPr lang="en-US" smtClean="0"/>
+              <a:rPr lang="en-US"/>
               <a:t>Click to edit Master title style</a:t>
             </a:r>
-            <a:endParaRPr lang="en-US"/>
           </a:p>
         </p:txBody>
       </p:sp>
@@ -537,38 +550,37 @@
           <a:p>
             <a:pPr lvl="0"/>
             <a:r>
-              <a:rPr lang="en-US" smtClean="0"/>
+              <a:rPr lang="en-US"/>
               <a:t>Click to edit Master text styles</a:t>
             </a:r>
           </a:p>
           <a:p>
             <a:pPr lvl="1"/>
             <a:r>
-              <a:rPr lang="en-US" smtClean="0"/>
+              <a:rPr lang="en-US"/>
               <a:t>Second level</a:t>
             </a:r>
           </a:p>
           <a:p>
             <a:pPr lvl="2"/>
             <a:r>
-              <a:rPr lang="en-US" smtClean="0"/>
+              <a:rPr lang="en-US"/>
               <a:t>Third level</a:t>
             </a:r>
           </a:p>
           <a:p>
             <a:pPr lvl="3"/>
             <a:r>
-              <a:rPr lang="en-US" smtClean="0"/>
+              <a:rPr lang="en-US"/>
               <a:t>Fourth level</a:t>
             </a:r>
           </a:p>
           <a:p>
             <a:pPr lvl="4"/>
             <a:r>
-              <a:rPr lang="en-US" smtClean="0"/>
+              <a:rPr lang="en-US"/>
               <a:t>Fifth level</a:t>
             </a:r>
-            <a:endParaRPr lang="en-US"/>
           </a:p>
         </p:txBody>
       </p:sp>
@@ -589,7 +601,7 @@
           <a:p>
             <a:fld id="{4AFAEF00-FD01-6240-B492-4D02BA9707E8}" type="datetimeFigureOut">
               <a:rPr lang="en-US" smtClean="0"/>
-              <a:t>1/31/17</a:t>
+              <a:t>2/25/21</a:t>
             </a:fld>
             <a:endParaRPr lang="en-US"/>
           </a:p>
@@ -683,10 +695,9 @@
           <a:lstStyle/>
           <a:p>
             <a:r>
-              <a:rPr lang="en-US" smtClean="0"/>
+              <a:rPr lang="en-US"/>
               <a:t>Click to edit Master title style</a:t>
             </a:r>
-            <a:endParaRPr lang="en-US"/>
           </a:p>
         </p:txBody>
       </p:sp>
@@ -707,38 +718,37 @@
           <a:p>
             <a:pPr lvl="0"/>
             <a:r>
-              <a:rPr lang="en-US" smtClean="0"/>
+              <a:rPr lang="en-US"/>
               <a:t>Click to edit Master text styles</a:t>
             </a:r>
           </a:p>
           <a:p>
             <a:pPr lvl="1"/>
             <a:r>
-              <a:rPr lang="en-US" smtClean="0"/>
+              <a:rPr lang="en-US"/>
               <a:t>Second level</a:t>
             </a:r>
           </a:p>
           <a:p>
             <a:pPr lvl="2"/>
             <a:r>
-              <a:rPr lang="en-US" smtClean="0"/>
+              <a:rPr lang="en-US"/>
               <a:t>Third level</a:t>
             </a:r>
           </a:p>
           <a:p>
             <a:pPr lvl="3"/>
             <a:r>
-              <a:rPr lang="en-US" smtClean="0"/>
+              <a:rPr lang="en-US"/>
               <a:t>Fourth level</a:t>
             </a:r>
           </a:p>
           <a:p>
             <a:pPr lvl="4"/>
             <a:r>
-              <a:rPr lang="en-US" smtClean="0"/>
+              <a:rPr lang="en-US"/>
               <a:t>Fifth level</a:t>
             </a:r>
-            <a:endParaRPr lang="en-US"/>
           </a:p>
         </p:txBody>
       </p:sp>
@@ -759,7 +769,7 @@
           <a:p>
             <a:fld id="{4AFAEF00-FD01-6240-B492-4D02BA9707E8}" type="datetimeFigureOut">
               <a:rPr lang="en-US" smtClean="0"/>
-              <a:t>1/31/17</a:t>
+              <a:t>2/25/21</a:t>
             </a:fld>
             <a:endParaRPr lang="en-US"/>
           </a:p>
@@ -862,10 +872,9 @@
           </a:lstStyle>
           <a:p>
             <a:r>
-              <a:rPr lang="en-US" smtClean="0"/>
+              <a:rPr lang="en-US"/>
               <a:t>Click to edit Master title style</a:t>
             </a:r>
-            <a:endParaRPr lang="en-US"/>
           </a:p>
         </p:txBody>
       </p:sp>
@@ -982,7 +991,7 @@
           <a:p>
             <a:pPr lvl="0"/>
             <a:r>
-              <a:rPr lang="en-US" smtClean="0"/>
+              <a:rPr lang="en-US"/>
               <a:t>Click to edit Master text styles</a:t>
             </a:r>
           </a:p>
@@ -1005,7 +1014,7 @@
           <a:p>
             <a:fld id="{4AFAEF00-FD01-6240-B492-4D02BA9707E8}" type="datetimeFigureOut">
               <a:rPr lang="en-US" smtClean="0"/>
-              <a:t>1/31/17</a:t>
+              <a:t>2/25/21</a:t>
             </a:fld>
             <a:endParaRPr lang="en-US"/>
           </a:p>
@@ -1099,10 +1108,9 @@
           <a:lstStyle/>
           <a:p>
             <a:r>
-              <a:rPr lang="en-US" smtClean="0"/>
+              <a:rPr lang="en-US"/>
               <a:t>Click to edit Master title style</a:t>
             </a:r>
-            <a:endParaRPr lang="en-US"/>
           </a:p>
         </p:txBody>
       </p:sp>
@@ -1128,38 +1136,37 @@
           <a:p>
             <a:pPr lvl="0"/>
             <a:r>
-              <a:rPr lang="en-US" smtClean="0"/>
+              <a:rPr lang="en-US"/>
               <a:t>Click to edit Master text styles</a:t>
             </a:r>
           </a:p>
           <a:p>
             <a:pPr lvl="1"/>
             <a:r>
-              <a:rPr lang="en-US" smtClean="0"/>
+              <a:rPr lang="en-US"/>
               <a:t>Second level</a:t>
             </a:r>
           </a:p>
           <a:p>
             <a:pPr lvl="2"/>
             <a:r>
-              <a:rPr lang="en-US" smtClean="0"/>
+              <a:rPr lang="en-US"/>
               <a:t>Third level</a:t>
             </a:r>
           </a:p>
           <a:p>
             <a:pPr lvl="3"/>
             <a:r>
-              <a:rPr lang="en-US" smtClean="0"/>
+              <a:rPr lang="en-US"/>
               <a:t>Fourth level</a:t>
             </a:r>
           </a:p>
           <a:p>
             <a:pPr lvl="4"/>
             <a:r>
-              <a:rPr lang="en-US" smtClean="0"/>
+              <a:rPr lang="en-US"/>
               <a:t>Fifth level</a:t>
             </a:r>
-            <a:endParaRPr lang="en-US"/>
           </a:p>
         </p:txBody>
       </p:sp>
@@ -1185,38 +1192,37 @@
           <a:p>
             <a:pPr lvl="0"/>
             <a:r>
-              <a:rPr lang="en-US" smtClean="0"/>
+              <a:rPr lang="en-US"/>
               <a:t>Click to edit Master text styles</a:t>
             </a:r>
           </a:p>
           <a:p>
             <a:pPr lvl="1"/>
             <a:r>
-              <a:rPr lang="en-US" smtClean="0"/>
+              <a:rPr lang="en-US"/>
               <a:t>Second level</a:t>
             </a:r>
           </a:p>
           <a:p>
             <a:pPr lvl="2"/>
             <a:r>
-              <a:rPr lang="en-US" smtClean="0"/>
+              <a:rPr lang="en-US"/>
               <a:t>Third level</a:t>
             </a:r>
           </a:p>
           <a:p>
             <a:pPr lvl="3"/>
             <a:r>
-              <a:rPr lang="en-US" smtClean="0"/>
+              <a:rPr lang="en-US"/>
               <a:t>Fourth level</a:t>
             </a:r>
           </a:p>
           <a:p>
             <a:pPr lvl="4"/>
             <a:r>
-              <a:rPr lang="en-US" smtClean="0"/>
+              <a:rPr lang="en-US"/>
               <a:t>Fifth level</a:t>
             </a:r>
-            <a:endParaRPr lang="en-US"/>
           </a:p>
         </p:txBody>
       </p:sp>
@@ -1237,7 +1243,7 @@
           <a:p>
             <a:fld id="{4AFAEF00-FD01-6240-B492-4D02BA9707E8}" type="datetimeFigureOut">
               <a:rPr lang="en-US" smtClean="0"/>
-              <a:t>1/31/17</a:t>
+              <a:t>2/25/21</a:t>
             </a:fld>
             <a:endParaRPr lang="en-US"/>
           </a:p>
@@ -1336,10 +1342,9 @@
           <a:lstStyle/>
           <a:p>
             <a:r>
-              <a:rPr lang="en-US" smtClean="0"/>
+              <a:rPr lang="en-US"/>
               <a:t>Click to edit Master title style</a:t>
             </a:r>
-            <a:endParaRPr lang="en-US"/>
           </a:p>
         </p:txBody>
       </p:sp>
@@ -1402,7 +1407,7 @@
           <a:p>
             <a:pPr lvl="0"/>
             <a:r>
-              <a:rPr lang="en-US" smtClean="0"/>
+              <a:rPr lang="en-US"/>
               <a:t>Click to edit Master text styles</a:t>
             </a:r>
           </a:p>
@@ -1430,38 +1435,37 @@
           <a:p>
             <a:pPr lvl="0"/>
             <a:r>
-              <a:rPr lang="en-US" smtClean="0"/>
+              <a:rPr lang="en-US"/>
               <a:t>Click to edit Master text styles</a:t>
             </a:r>
           </a:p>
           <a:p>
             <a:pPr lvl="1"/>
             <a:r>
-              <a:rPr lang="en-US" smtClean="0"/>
+              <a:rPr lang="en-US"/>
               <a:t>Second level</a:t>
             </a:r>
           </a:p>
           <a:p>
             <a:pPr lvl="2"/>
             <a:r>
-              <a:rPr lang="en-US" smtClean="0"/>
+              <a:rPr lang="en-US"/>
               <a:t>Third level</a:t>
             </a:r>
           </a:p>
           <a:p>
             <a:pPr lvl="3"/>
             <a:r>
-              <a:rPr lang="en-US" smtClean="0"/>
+              <a:rPr lang="en-US"/>
               <a:t>Fourth level</a:t>
             </a:r>
           </a:p>
           <a:p>
             <a:pPr lvl="4"/>
             <a:r>
-              <a:rPr lang="en-US" smtClean="0"/>
+              <a:rPr lang="en-US"/>
               <a:t>Fifth level</a:t>
             </a:r>
-            <a:endParaRPr lang="en-US"/>
           </a:p>
         </p:txBody>
       </p:sp>
@@ -1524,7 +1528,7 @@
           <a:p>
             <a:pPr lvl="0"/>
             <a:r>
-              <a:rPr lang="en-US" smtClean="0"/>
+              <a:rPr lang="en-US"/>
               <a:t>Click to edit Master text styles</a:t>
             </a:r>
           </a:p>
@@ -1552,38 +1556,37 @@
           <a:p>
             <a:pPr lvl="0"/>
             <a:r>
-              <a:rPr lang="en-US" smtClean="0"/>
+              <a:rPr lang="en-US"/>
               <a:t>Click to edit Master text styles</a:t>
             </a:r>
           </a:p>
           <a:p>
             <a:pPr lvl="1"/>
             <a:r>
-              <a:rPr lang="en-US" smtClean="0"/>
+              <a:rPr lang="en-US"/>
               <a:t>Second level</a:t>
             </a:r>
           </a:p>
           <a:p>
             <a:pPr lvl="2"/>
             <a:r>
-              <a:rPr lang="en-US" smtClean="0"/>
+              <a:rPr lang="en-US"/>
               <a:t>Third level</a:t>
             </a:r>
           </a:p>
           <a:p>
             <a:pPr lvl="3"/>
             <a:r>
-              <a:rPr lang="en-US" smtClean="0"/>
+              <a:rPr lang="en-US"/>
               <a:t>Fourth level</a:t>
             </a:r>
           </a:p>
           <a:p>
             <a:pPr lvl="4"/>
             <a:r>
-              <a:rPr lang="en-US" smtClean="0"/>
+              <a:rPr lang="en-US"/>
               <a:t>Fifth level</a:t>
             </a:r>
-            <a:endParaRPr lang="en-US"/>
           </a:p>
         </p:txBody>
       </p:sp>
@@ -1604,7 +1607,7 @@
           <a:p>
             <a:fld id="{4AFAEF00-FD01-6240-B492-4D02BA9707E8}" type="datetimeFigureOut">
               <a:rPr lang="en-US" smtClean="0"/>
-              <a:t>1/31/17</a:t>
+              <a:t>2/25/21</a:t>
             </a:fld>
             <a:endParaRPr lang="en-US"/>
           </a:p>
@@ -1698,10 +1701,9 @@
           <a:lstStyle/>
           <a:p>
             <a:r>
-              <a:rPr lang="en-US" smtClean="0"/>
+              <a:rPr lang="en-US"/>
               <a:t>Click to edit Master title style</a:t>
             </a:r>
-            <a:endParaRPr lang="en-US"/>
           </a:p>
         </p:txBody>
       </p:sp>
@@ -1722,7 +1724,7 @@
           <a:p>
             <a:fld id="{4AFAEF00-FD01-6240-B492-4D02BA9707E8}" type="datetimeFigureOut">
               <a:rPr lang="en-US" smtClean="0"/>
-              <a:t>1/31/17</a:t>
+              <a:t>2/25/21</a:t>
             </a:fld>
             <a:endParaRPr lang="en-US"/>
           </a:p>
@@ -1817,7 +1819,7 @@
           <a:p>
             <a:fld id="{4AFAEF00-FD01-6240-B492-4D02BA9707E8}" type="datetimeFigureOut">
               <a:rPr lang="en-US" smtClean="0"/>
-              <a:t>1/31/17</a:t>
+              <a:t>2/25/21</a:t>
             </a:fld>
             <a:endParaRPr lang="en-US"/>
           </a:p>
@@ -1920,10 +1922,9 @@
           </a:lstStyle>
           <a:p>
             <a:r>
-              <a:rPr lang="en-US" smtClean="0"/>
+              <a:rPr lang="en-US"/>
               <a:t>Click to edit Master title style</a:t>
             </a:r>
-            <a:endParaRPr lang="en-US"/>
           </a:p>
         </p:txBody>
       </p:sp>
@@ -1977,38 +1978,37 @@
           <a:p>
             <a:pPr lvl="0"/>
             <a:r>
-              <a:rPr lang="en-US" smtClean="0"/>
+              <a:rPr lang="en-US"/>
               <a:t>Click to edit Master text styles</a:t>
             </a:r>
           </a:p>
           <a:p>
             <a:pPr lvl="1"/>
             <a:r>
-              <a:rPr lang="en-US" smtClean="0"/>
+              <a:rPr lang="en-US"/>
               <a:t>Second level</a:t>
             </a:r>
           </a:p>
           <a:p>
             <a:pPr lvl="2"/>
             <a:r>
-              <a:rPr lang="en-US" smtClean="0"/>
+              <a:rPr lang="en-US"/>
               <a:t>Third level</a:t>
             </a:r>
           </a:p>
           <a:p>
             <a:pPr lvl="3"/>
             <a:r>
-              <a:rPr lang="en-US" smtClean="0"/>
+              <a:rPr lang="en-US"/>
               <a:t>Fourth level</a:t>
             </a:r>
           </a:p>
           <a:p>
             <a:pPr lvl="4"/>
             <a:r>
-              <a:rPr lang="en-US" smtClean="0"/>
+              <a:rPr lang="en-US"/>
               <a:t>Fifth level</a:t>
             </a:r>
-            <a:endParaRPr lang="en-US"/>
           </a:p>
         </p:txBody>
       </p:sp>
@@ -2071,7 +2071,7 @@
           <a:p>
             <a:pPr lvl="0"/>
             <a:r>
-              <a:rPr lang="en-US" smtClean="0"/>
+              <a:rPr lang="en-US"/>
               <a:t>Click to edit Master text styles</a:t>
             </a:r>
           </a:p>
@@ -2094,7 +2094,7 @@
           <a:p>
             <a:fld id="{4AFAEF00-FD01-6240-B492-4D02BA9707E8}" type="datetimeFigureOut">
               <a:rPr lang="en-US" smtClean="0"/>
-              <a:t>1/31/17</a:t>
+              <a:t>2/25/21</a:t>
             </a:fld>
             <a:endParaRPr lang="en-US"/>
           </a:p>
@@ -2197,10 +2197,9 @@
           </a:lstStyle>
           <a:p>
             <a:r>
-              <a:rPr lang="en-US" smtClean="0"/>
+              <a:rPr lang="en-US"/>
               <a:t>Click to edit Master title style</a:t>
             </a:r>
-            <a:endParaRPr lang="en-US"/>
           </a:p>
         </p:txBody>
       </p:sp>
@@ -2324,7 +2323,7 @@
           <a:p>
             <a:pPr lvl="0"/>
             <a:r>
-              <a:rPr lang="en-US" smtClean="0"/>
+              <a:rPr lang="en-US"/>
               <a:t>Click to edit Master text styles</a:t>
             </a:r>
           </a:p>
@@ -2347,7 +2346,7 @@
           <a:p>
             <a:fld id="{4AFAEF00-FD01-6240-B492-4D02BA9707E8}" type="datetimeFigureOut">
               <a:rPr lang="en-US" smtClean="0"/>
-              <a:t>1/31/17</a:t>
+              <a:t>2/25/21</a:t>
             </a:fld>
             <a:endParaRPr lang="en-US"/>
           </a:p>
@@ -2456,10 +2455,9 @@
           <a:lstStyle/>
           <a:p>
             <a:r>
-              <a:rPr lang="en-US" smtClean="0"/>
+              <a:rPr lang="en-US"/>
               <a:t>Click to edit Master title style</a:t>
             </a:r>
-            <a:endParaRPr lang="en-US"/>
           </a:p>
         </p:txBody>
       </p:sp>
@@ -2490,38 +2488,37 @@
           <a:p>
             <a:pPr lvl="0"/>
             <a:r>
-              <a:rPr lang="en-US" smtClean="0"/>
+              <a:rPr lang="en-US"/>
               <a:t>Click to edit Master text styles</a:t>
             </a:r>
           </a:p>
           <a:p>
             <a:pPr lvl="1"/>
             <a:r>
-              <a:rPr lang="en-US" smtClean="0"/>
+              <a:rPr lang="en-US"/>
               <a:t>Second level</a:t>
             </a:r>
           </a:p>
           <a:p>
             <a:pPr lvl="2"/>
             <a:r>
-              <a:rPr lang="en-US" smtClean="0"/>
+              <a:rPr lang="en-US"/>
               <a:t>Third level</a:t>
             </a:r>
           </a:p>
           <a:p>
             <a:pPr lvl="3"/>
             <a:r>
-              <a:rPr lang="en-US" smtClean="0"/>
+              <a:rPr lang="en-US"/>
               <a:t>Fourth level</a:t>
             </a:r>
           </a:p>
           <a:p>
             <a:pPr lvl="4"/>
             <a:r>
-              <a:rPr lang="en-US" smtClean="0"/>
+              <a:rPr lang="en-US"/>
               <a:t>Fifth level</a:t>
             </a:r>
-            <a:endParaRPr lang="en-US"/>
           </a:p>
         </p:txBody>
       </p:sp>
@@ -2560,7 +2557,7 @@
           <a:p>
             <a:fld id="{4AFAEF00-FD01-6240-B492-4D02BA9707E8}" type="datetimeFigureOut">
               <a:rPr lang="en-US" smtClean="0"/>
-              <a:t>1/31/17</a:t>
+              <a:t>2/25/21</a:t>
             </a:fld>
             <a:endParaRPr lang="en-US"/>
           </a:p>
@@ -3012,7 +3009,7 @@
           <a:p>
             <a:pPr algn="ctr"/>
             <a:r>
-              <a:rPr lang="en-US" dirty="0" smtClean="0">
+              <a:rPr lang="en-US" dirty="0">
                 <a:solidFill>
                   <a:schemeClr val="tx1"/>
                 </a:solidFill>
@@ -3070,7 +3067,7 @@
           <a:p>
             <a:pPr algn="ctr"/>
             <a:r>
-              <a:rPr lang="en-US" dirty="0" smtClean="0">
+              <a:rPr lang="en-US" dirty="0">
                 <a:solidFill>
                   <a:schemeClr val="tx1"/>
                 </a:solidFill>
@@ -3128,7 +3125,7 @@
           <a:p>
             <a:pPr algn="ctr"/>
             <a:r>
-              <a:rPr lang="en-US" dirty="0" smtClean="0">
+              <a:rPr lang="en-US" dirty="0">
                 <a:solidFill>
                   <a:schemeClr val="tx1"/>
                 </a:solidFill>
@@ -3261,7 +3258,7 @@
           <a:p>
             <a:pPr algn="ctr"/>
             <a:r>
-              <a:rPr lang="en-US" dirty="0" smtClean="0">
+              <a:rPr lang="en-US" dirty="0">
                 <a:solidFill>
                   <a:schemeClr val="tx1"/>
                 </a:solidFill>
@@ -3358,7 +3355,7 @@
           <a:p>
             <a:pPr algn="ctr"/>
             <a:r>
-              <a:rPr lang="en-US" dirty="0" smtClean="0">
+              <a:rPr lang="en-US" dirty="0">
                 <a:solidFill>
                   <a:schemeClr val="tx1"/>
                 </a:solidFill>
@@ -3430,14 +3427,13 @@
           <a:lstStyle/>
           <a:p>
             <a:r>
-              <a:rPr lang="en-US" dirty="0" smtClean="0"/>
+              <a:rPr lang="en-US" dirty="0"/>
               <a:t>a</a:t>
             </a:r>
             <a:r>
-              <a:rPr lang="en-US" baseline="-25000" dirty="0" smtClean="0"/>
+              <a:rPr lang="en-US" baseline="-25000" dirty="0"/>
               <a:t>02</a:t>
             </a:r>
-            <a:endParaRPr lang="en-US" baseline="-25000" dirty="0"/>
           </a:p>
         </p:txBody>
       </p:sp>
@@ -3464,14 +3460,13 @@
           <a:lstStyle/>
           <a:p>
             <a:r>
-              <a:rPr lang="en-US" dirty="0" smtClean="0"/>
+              <a:rPr lang="en-US" dirty="0"/>
               <a:t>a</a:t>
             </a:r>
             <a:r>
-              <a:rPr lang="en-US" baseline="-25000" dirty="0" smtClean="0"/>
+              <a:rPr lang="en-US" baseline="-25000" dirty="0"/>
               <a:t>23</a:t>
             </a:r>
-            <a:endParaRPr lang="en-US" baseline="-25000" dirty="0"/>
           </a:p>
         </p:txBody>
       </p:sp>
@@ -3498,14 +3493,13 @@
           <a:lstStyle/>
           <a:p>
             <a:r>
-              <a:rPr lang="en-US" dirty="0" smtClean="0"/>
+              <a:rPr lang="en-US" dirty="0"/>
               <a:t>a</a:t>
             </a:r>
             <a:r>
-              <a:rPr lang="en-US" baseline="-25000" dirty="0" smtClean="0"/>
+              <a:rPr lang="en-US" baseline="-25000" dirty="0"/>
               <a:t>31</a:t>
             </a:r>
-            <a:endParaRPr lang="en-US" baseline="-25000" dirty="0"/>
           </a:p>
         </p:txBody>
       </p:sp>
@@ -3532,14 +3526,13 @@
           <a:lstStyle/>
           <a:p>
             <a:r>
-              <a:rPr lang="en-US" dirty="0" smtClean="0"/>
+              <a:rPr lang="en-US" dirty="0"/>
               <a:t>a</a:t>
             </a:r>
             <a:r>
-              <a:rPr lang="en-US" baseline="-25000" dirty="0" smtClean="0"/>
+              <a:rPr lang="en-US" baseline="-25000" dirty="0"/>
               <a:t>14</a:t>
             </a:r>
-            <a:endParaRPr lang="en-US" baseline="-25000" dirty="0"/>
           </a:p>
         </p:txBody>
       </p:sp>
@@ -3590,7 +3583,7 @@
           <a:p>
             <a:pPr algn="ctr"/>
             <a:r>
-              <a:rPr lang="en-US" dirty="0" smtClean="0">
+              <a:rPr lang="en-US" dirty="0">
                 <a:solidFill>
                   <a:schemeClr val="tx1"/>
                 </a:solidFill>
@@ -3648,7 +3641,7 @@
           <a:p>
             <a:pPr algn="ctr"/>
             <a:r>
-              <a:rPr lang="en-US" dirty="0" smtClean="0">
+              <a:rPr lang="en-US" dirty="0">
                 <a:solidFill>
                   <a:schemeClr val="tx1"/>
                 </a:solidFill>
@@ -3706,7 +3699,7 @@
           <a:p>
             <a:pPr algn="ctr"/>
             <a:r>
-              <a:rPr lang="en-US" dirty="0" smtClean="0">
+              <a:rPr lang="en-US" dirty="0">
                 <a:solidFill>
                   <a:schemeClr val="tx1"/>
                 </a:solidFill>
@@ -3740,14 +3733,13 @@
           <a:lstStyle/>
           <a:p>
             <a:r>
-              <a:rPr lang="en-US" dirty="0" smtClean="0"/>
+              <a:rPr lang="en-US" dirty="0"/>
               <a:t>b</a:t>
             </a:r>
             <a:r>
-              <a:rPr lang="en-US" baseline="-25000" dirty="0" smtClean="0"/>
+              <a:rPr lang="en-US" baseline="-25000" dirty="0"/>
               <a:t>3,snow</a:t>
             </a:r>
-            <a:endParaRPr lang="en-US" baseline="-25000" dirty="0"/>
           </a:p>
         </p:txBody>
       </p:sp>
@@ -3774,14 +3766,13 @@
           <a:lstStyle/>
           <a:p>
             <a:r>
-              <a:rPr lang="en-US" dirty="0" smtClean="0"/>
+              <a:rPr lang="en-US" dirty="0"/>
               <a:t>b</a:t>
             </a:r>
             <a:r>
-              <a:rPr lang="en-US" baseline="-25000" dirty="0" smtClean="0"/>
+              <a:rPr lang="en-US" baseline="-25000" dirty="0"/>
               <a:t>3,white</a:t>
             </a:r>
-            <a:endParaRPr lang="en-US" baseline="-25000" dirty="0"/>
           </a:p>
         </p:txBody>
       </p:sp>
@@ -3828,7 +3819,7 @@
           <a:p>
             <a:pPr algn="ctr"/>
             <a:r>
-              <a:rPr lang="en-US" dirty="0" smtClean="0">
+              <a:rPr lang="en-US" dirty="0">
                 <a:solidFill>
                   <a:schemeClr val="tx1"/>
                 </a:solidFill>
@@ -3882,7 +3873,7 @@
           <a:p>
             <a:pPr algn="ctr"/>
             <a:r>
-              <a:rPr lang="en-US" dirty="0" smtClean="0">
+              <a:rPr lang="en-US" dirty="0">
                 <a:solidFill>
                   <a:schemeClr val="tx1"/>
                 </a:solidFill>
@@ -3936,7 +3927,7 @@
           <a:p>
             <a:pPr algn="ctr"/>
             <a:r>
-              <a:rPr lang="en-US" dirty="0" smtClean="0">
+              <a:rPr lang="en-US" dirty="0">
                 <a:solidFill>
                   <a:schemeClr val="tx1"/>
                 </a:solidFill>
@@ -4069,7 +4060,7 @@
           <a:p>
             <a:pPr algn="ctr"/>
             <a:r>
-              <a:rPr lang="en-US" dirty="0" smtClean="0">
+              <a:rPr lang="en-US" dirty="0">
                 <a:solidFill>
                   <a:schemeClr val="tx1"/>
                 </a:solidFill>
@@ -4166,7 +4157,7 @@
           <a:p>
             <a:pPr algn="ctr"/>
             <a:r>
-              <a:rPr lang="en-US" dirty="0" smtClean="0">
+              <a:rPr lang="en-US" dirty="0">
                 <a:solidFill>
                   <a:schemeClr val="tx1"/>
                 </a:solidFill>
@@ -4236,14 +4227,13 @@
           <a:lstStyle/>
           <a:p>
             <a:r>
-              <a:rPr lang="en-US" dirty="0" smtClean="0"/>
+              <a:rPr lang="en-US" dirty="0"/>
               <a:t>a</a:t>
             </a:r>
             <a:r>
-              <a:rPr lang="en-US" baseline="-25000" dirty="0" smtClean="0"/>
+              <a:rPr lang="en-US" baseline="-25000" dirty="0"/>
               <a:t>03</a:t>
             </a:r>
-            <a:endParaRPr lang="en-US" baseline="-25000" dirty="0"/>
           </a:p>
         </p:txBody>
       </p:sp>
@@ -4270,18 +4260,13 @@
           <a:lstStyle/>
           <a:p>
             <a:r>
-              <a:rPr lang="en-US" dirty="0" smtClean="0"/>
+              <a:rPr lang="en-US" dirty="0"/>
               <a:t>a</a:t>
             </a:r>
             <a:r>
               <a:rPr lang="en-US" baseline="-25000" dirty="0"/>
-              <a:t>3</a:t>
-            </a:r>
-            <a:r>
-              <a:rPr lang="en-US" baseline="-25000" dirty="0" smtClean="0"/>
-              <a:t>3</a:t>
-            </a:r>
-            <a:endParaRPr lang="en-US" baseline="-25000" dirty="0"/>
+              <a:t>33</a:t>
+            </a:r>
           </a:p>
         </p:txBody>
       </p:sp>
@@ -4308,14 +4293,13 @@
           <a:lstStyle/>
           <a:p>
             <a:r>
-              <a:rPr lang="en-US" dirty="0" smtClean="0"/>
+              <a:rPr lang="en-US" dirty="0"/>
               <a:t>a</a:t>
             </a:r>
             <a:r>
-              <a:rPr lang="en-US" baseline="-25000" dirty="0" smtClean="0"/>
+              <a:rPr lang="en-US" baseline="-25000" dirty="0"/>
               <a:t>32</a:t>
             </a:r>
-            <a:endParaRPr lang="en-US" baseline="-25000" dirty="0"/>
           </a:p>
         </p:txBody>
       </p:sp>
@@ -4342,18 +4326,13 @@
           <a:lstStyle/>
           <a:p>
             <a:r>
-              <a:rPr lang="en-US" dirty="0" smtClean="0"/>
+              <a:rPr lang="en-US" dirty="0"/>
               <a:t>a</a:t>
             </a:r>
             <a:r>
               <a:rPr lang="en-US" baseline="-25000" dirty="0"/>
-              <a:t>2</a:t>
-            </a:r>
-            <a:r>
-              <a:rPr lang="en-US" baseline="-25000" dirty="0" smtClean="0"/>
-              <a:t>4</a:t>
-            </a:r>
-            <a:endParaRPr lang="en-US" baseline="-25000" dirty="0"/>
+              <a:t>24</a:t>
+            </a:r>
           </a:p>
         </p:txBody>
       </p:sp>
@@ -4494,14 +4473,13 @@
           <a:lstStyle/>
           <a:p>
             <a:r>
-              <a:rPr lang="en-US" dirty="0" smtClean="0"/>
+              <a:rPr lang="en-US" dirty="0"/>
               <a:t>b</a:t>
             </a:r>
             <a:r>
-              <a:rPr lang="en-US" baseline="-25000" dirty="0" smtClean="0"/>
+              <a:rPr lang="en-US" baseline="-25000" dirty="0"/>
               <a:t>4,is</a:t>
             </a:r>
-            <a:endParaRPr lang="en-US" baseline="-25000" dirty="0"/>
           </a:p>
         </p:txBody>
       </p:sp>
@@ -4578,7 +4556,7 @@
           <a:p>
             <a:pPr algn="ctr"/>
             <a:r>
-              <a:rPr lang="en-US" dirty="0" smtClean="0">
+              <a:rPr lang="en-US" dirty="0">
                 <a:solidFill>
                   <a:schemeClr val="tx1"/>
                 </a:solidFill>
@@ -4586,7 +4564,7 @@
               <a:t>Noun</a:t>
             </a:r>
             <a:r>
-              <a:rPr lang="en-US" baseline="-25000" dirty="0" smtClean="0">
+              <a:rPr lang="en-US" baseline="-25000" dirty="0">
                 <a:solidFill>
                   <a:schemeClr val="tx1"/>
                 </a:solidFill>
@@ -4640,7 +4618,7 @@
           <a:p>
             <a:pPr algn="ctr"/>
             <a:r>
-              <a:rPr lang="en-US" dirty="0" smtClean="0">
+              <a:rPr lang="en-US" dirty="0">
                 <a:solidFill>
                   <a:schemeClr val="tx1"/>
                 </a:solidFill>
@@ -4648,7 +4626,7 @@
               <a:t>Verb</a:t>
             </a:r>
             <a:r>
-              <a:rPr lang="en-US" baseline="-25000" dirty="0" smtClean="0">
+              <a:rPr lang="en-US" baseline="-25000" dirty="0">
                 <a:solidFill>
                   <a:schemeClr val="tx1"/>
                 </a:solidFill>
@@ -4706,7 +4684,7 @@
           <a:p>
             <a:pPr algn="ctr"/>
             <a:r>
-              <a:rPr lang="en-US" dirty="0" smtClean="0">
+              <a:rPr lang="en-US" dirty="0">
                 <a:solidFill>
                   <a:schemeClr val="tx1"/>
                 </a:solidFill>
@@ -4714,7 +4692,7 @@
               <a:t>start</a:t>
             </a:r>
             <a:r>
-              <a:rPr lang="en-US" baseline="-25000" dirty="0" smtClean="0">
+              <a:rPr lang="en-US" baseline="-25000" dirty="0">
                 <a:solidFill>
                   <a:schemeClr val="tx1"/>
                 </a:solidFill>
@@ -4772,7 +4750,7 @@
           <a:p>
             <a:pPr algn="ctr"/>
             <a:r>
-              <a:rPr lang="en-US" dirty="0" smtClean="0">
+              <a:rPr lang="en-US" dirty="0">
                 <a:solidFill>
                   <a:schemeClr val="tx1"/>
                 </a:solidFill>
@@ -4780,7 +4758,7 @@
               <a:t>end</a:t>
             </a:r>
             <a:r>
-              <a:rPr lang="en-US" baseline="-25000" dirty="0" smtClean="0">
+              <a:rPr lang="en-US" baseline="-25000" dirty="0">
                 <a:solidFill>
                   <a:schemeClr val="tx1"/>
                 </a:solidFill>
@@ -4834,7 +4812,7 @@
           <a:p>
             <a:pPr algn="ctr"/>
             <a:r>
-              <a:rPr lang="en-US" dirty="0" smtClean="0">
+              <a:rPr lang="en-US" dirty="0">
                 <a:solidFill>
                   <a:schemeClr val="tx1"/>
                 </a:solidFill>
@@ -4842,7 +4820,7 @@
               <a:t>Adj</a:t>
             </a:r>
             <a:r>
-              <a:rPr lang="en-US" baseline="-25000" dirty="0" smtClean="0">
+              <a:rPr lang="en-US" baseline="-25000" dirty="0">
                 <a:solidFill>
                   <a:schemeClr val="tx1"/>
                 </a:solidFill>
@@ -5342,6 +5320,2128 @@
     <p:extLst>
       <p:ext uri="{BB962C8B-B14F-4D97-AF65-F5344CB8AC3E}">
         <p14:creationId xmlns:p14="http://schemas.microsoft.com/office/powerpoint/2010/main" val="1144497270"/>
+      </p:ext>
+    </p:extLst>
+  </p:cSld>
+  <p:clrMapOvr>
+    <a:masterClrMapping/>
+  </p:clrMapOvr>
+</p:sld>
+</file>
+
+<file path=ppt/slides/slide3.xml><?xml version="1.0" encoding="utf-8"?>
+<p:sld xmlns:a="http://schemas.openxmlformats.org/drawingml/2006/main" xmlns:r="http://schemas.openxmlformats.org/officeDocument/2006/relationships" xmlns:p="http://schemas.openxmlformats.org/presentationml/2006/main">
+  <p:cSld>
+    <p:spTree>
+      <p:nvGrpSpPr>
+        <p:cNvPr id="1" name=""/>
+        <p:cNvGrpSpPr/>
+        <p:nvPr/>
+      </p:nvGrpSpPr>
+      <p:grpSpPr>
+        <a:xfrm>
+          <a:off x="0" y="0"/>
+          <a:ext cx="0" cy="0"/>
+          <a:chOff x="0" y="0"/>
+          <a:chExt cx="0" cy="0"/>
+        </a:xfrm>
+      </p:grpSpPr>
+      <p:pic>
+        <p:nvPicPr>
+          <p:cNvPr id="5" name="Picture 4" descr="Diagram, schematic&#10;&#10;Description automatically generated">
+            <a:extLst>
+              <a:ext uri="{FF2B5EF4-FFF2-40B4-BE49-F238E27FC236}">
+                <a16:creationId xmlns:a16="http://schemas.microsoft.com/office/drawing/2014/main" id="{81396FC0-5FED-A64A-8F85-FDA71FE4AA21}"/>
+              </a:ext>
+            </a:extLst>
+          </p:cNvPr>
+          <p:cNvPicPr>
+            <a:picLocks noChangeAspect="1"/>
+          </p:cNvPicPr>
+          <p:nvPr/>
+        </p:nvPicPr>
+        <p:blipFill>
+          <a:blip r:embed="rId2"/>
+          <a:stretch>
+            <a:fillRect/>
+          </a:stretch>
+        </p:blipFill>
+        <p:spPr>
+          <a:xfrm>
+            <a:off x="1263650" y="1549400"/>
+            <a:ext cx="9664700" cy="3759200"/>
+          </a:xfrm>
+          <a:prstGeom prst="rect">
+            <a:avLst/>
+          </a:prstGeom>
+        </p:spPr>
+      </p:pic>
+      <mc:AlternateContent xmlns:mc="http://schemas.openxmlformats.org/markup-compatibility/2006">
+        <mc:Choice xmlns:a14="http://schemas.microsoft.com/office/drawing/2010/main" Requires="a14">
+          <p:sp>
+            <p:nvSpPr>
+              <p:cNvPr id="6" name="TextBox 5">
+                <a:extLst>
+                  <a:ext uri="{FF2B5EF4-FFF2-40B4-BE49-F238E27FC236}">
+                    <a16:creationId xmlns:a16="http://schemas.microsoft.com/office/drawing/2014/main" id="{BA09671A-C3EF-3C4A-8327-D97F426AD573}"/>
+                  </a:ext>
+                </a:extLst>
+              </p:cNvPr>
+              <p:cNvSpPr txBox="1"/>
+              <p:nvPr/>
+            </p:nvSpPr>
+            <p:spPr>
+              <a:xfrm>
+                <a:off x="1445741" y="1401805"/>
+                <a:ext cx="605481" cy="400110"/>
+              </a:xfrm>
+              <a:prstGeom prst="rect">
+                <a:avLst/>
+              </a:prstGeom>
+              <a:solidFill>
+                <a:schemeClr val="bg1"/>
+              </a:solidFill>
+            </p:spPr>
+            <p:txBody>
+              <a:bodyPr wrap="square" rtlCol="0">
+                <a:spAutoFit/>
+              </a:bodyPr>
+              <a:lstStyle/>
+              <a:p>
+                <a14:m>
+                  <m:oMathPara xmlns:m="http://schemas.openxmlformats.org/officeDocument/2006/math">
+                    <m:oMathParaPr>
+                      <m:jc m:val="centerGroup"/>
+                    </m:oMathParaPr>
+                    <m:oMath xmlns:m="http://schemas.openxmlformats.org/officeDocument/2006/math">
+                      <m:r>
+                        <a:rPr lang="en-US" sz="2000" i="1" dirty="0" smtClean="0">
+                          <a:latin typeface="Cambria Math" panose="02040503050406030204" pitchFamily="18" charset="0"/>
+                        </a:rPr>
+                        <m:t>𝑦</m:t>
+                      </m:r>
+                    </m:oMath>
+                  </m:oMathPara>
+                </a14:m>
+                <a:endParaRPr lang="en-US" sz="2000" dirty="0"/>
+              </a:p>
+            </p:txBody>
+          </p:sp>
+        </mc:Choice>
+        <mc:Fallback>
+          <p:sp>
+            <p:nvSpPr>
+              <p:cNvPr id="6" name="TextBox 5">
+                <a:extLst>
+                  <a:ext uri="{FF2B5EF4-FFF2-40B4-BE49-F238E27FC236}">
+                    <a16:creationId xmlns:a16="http://schemas.microsoft.com/office/drawing/2014/main" id="{BA09671A-C3EF-3C4A-8327-D97F426AD573}"/>
+                  </a:ext>
+                </a:extLst>
+              </p:cNvPr>
+              <p:cNvSpPr txBox="1">
+                <a:spLocks noRot="1" noChangeAspect="1" noMove="1" noResize="1" noEditPoints="1" noAdjustHandles="1" noChangeArrowheads="1" noChangeShapeType="1" noTextEdit="1"/>
+              </p:cNvSpPr>
+              <p:nvPr/>
+            </p:nvSpPr>
+            <p:spPr>
+              <a:xfrm>
+                <a:off x="1445741" y="1401805"/>
+                <a:ext cx="605481" cy="400110"/>
+              </a:xfrm>
+              <a:prstGeom prst="rect">
+                <a:avLst/>
+              </a:prstGeom>
+              <a:blipFill>
+                <a:blip r:embed="rId3"/>
+                <a:stretch>
+                  <a:fillRect b="-3030"/>
+                </a:stretch>
+              </a:blipFill>
+            </p:spPr>
+            <p:txBody>
+              <a:bodyPr/>
+              <a:lstStyle/>
+              <a:p>
+                <a:r>
+                  <a:rPr lang="en-US">
+                    <a:noFill/>
+                  </a:rPr>
+                  <a:t> </a:t>
+                </a:r>
+              </a:p>
+            </p:txBody>
+          </p:sp>
+        </mc:Fallback>
+      </mc:AlternateContent>
+      <mc:AlternateContent xmlns:mc="http://schemas.openxmlformats.org/markup-compatibility/2006">
+        <mc:Choice xmlns:a14="http://schemas.microsoft.com/office/drawing/2010/main" Requires="a14">
+          <p:sp>
+            <p:nvSpPr>
+              <p:cNvPr id="8" name="TextBox 7">
+                <a:extLst>
+                  <a:ext uri="{FF2B5EF4-FFF2-40B4-BE49-F238E27FC236}">
+                    <a16:creationId xmlns:a16="http://schemas.microsoft.com/office/drawing/2014/main" id="{E306A430-B929-7242-9EF6-DFA2BB748EC7}"/>
+                  </a:ext>
+                </a:extLst>
+              </p:cNvPr>
+              <p:cNvSpPr txBox="1"/>
+              <p:nvPr/>
+            </p:nvSpPr>
+            <p:spPr>
+              <a:xfrm>
+                <a:off x="1166253" y="2578802"/>
+                <a:ext cx="484833" cy="424283"/>
+              </a:xfrm>
+              <a:prstGeom prst="rect">
+                <a:avLst/>
+              </a:prstGeom>
+              <a:solidFill>
+                <a:schemeClr val="bg1"/>
+              </a:solidFill>
+            </p:spPr>
+            <p:txBody>
+              <a:bodyPr wrap="square" rtlCol="0">
+                <a:spAutoFit/>
+              </a:bodyPr>
+              <a:lstStyle/>
+              <a:p>
+                <a14:m>
+                  <m:oMathPara xmlns:m="http://schemas.openxmlformats.org/officeDocument/2006/math">
+                    <m:oMathParaPr>
+                      <m:jc m:val="centerGroup"/>
+                    </m:oMathParaPr>
+                    <m:oMath xmlns:m="http://schemas.openxmlformats.org/officeDocument/2006/math">
+                      <m:sSub>
+                        <m:sSubPr>
+                          <m:ctrlPr>
+                            <a:rPr lang="en-US" sz="2000" b="0" i="1" dirty="0" smtClean="0">
+                              <a:latin typeface="Cambria Math" panose="02040503050406030204" pitchFamily="18" charset="0"/>
+                            </a:rPr>
+                          </m:ctrlPr>
+                        </m:sSubPr>
+                        <m:e>
+                          <m:r>
+                            <a:rPr lang="en-US" sz="2000" b="0" i="1" dirty="0" smtClean="0">
+                              <a:latin typeface="Cambria Math" panose="02040503050406030204" pitchFamily="18" charset="0"/>
+                            </a:rPr>
+                            <m:t>𝑊</m:t>
+                          </m:r>
+                        </m:e>
+                        <m:sub>
+                          <m:r>
+                            <a:rPr lang="en-US" sz="2000" b="0" i="1" dirty="0" smtClean="0">
+                              <a:latin typeface="Cambria Math" panose="02040503050406030204" pitchFamily="18" charset="0"/>
+                            </a:rPr>
+                            <m:t>h𝑦</m:t>
+                          </m:r>
+                        </m:sub>
+                      </m:sSub>
+                    </m:oMath>
+                  </m:oMathPara>
+                </a14:m>
+                <a:endParaRPr lang="en-US" sz="2000" b="0" dirty="0"/>
+              </a:p>
+            </p:txBody>
+          </p:sp>
+        </mc:Choice>
+        <mc:Fallback>
+          <p:sp>
+            <p:nvSpPr>
+              <p:cNvPr id="8" name="TextBox 7">
+                <a:extLst>
+                  <a:ext uri="{FF2B5EF4-FFF2-40B4-BE49-F238E27FC236}">
+                    <a16:creationId xmlns:a16="http://schemas.microsoft.com/office/drawing/2014/main" id="{E306A430-B929-7242-9EF6-DFA2BB748EC7}"/>
+                  </a:ext>
+                </a:extLst>
+              </p:cNvPr>
+              <p:cNvSpPr txBox="1">
+                <a:spLocks noRot="1" noChangeAspect="1" noMove="1" noResize="1" noEditPoints="1" noAdjustHandles="1" noChangeArrowheads="1" noChangeShapeType="1" noTextEdit="1"/>
+              </p:cNvSpPr>
+              <p:nvPr/>
+            </p:nvSpPr>
+            <p:spPr>
+              <a:xfrm>
+                <a:off x="1166253" y="2578802"/>
+                <a:ext cx="484833" cy="424283"/>
+              </a:xfrm>
+              <a:prstGeom prst="rect">
+                <a:avLst/>
+              </a:prstGeom>
+              <a:blipFill>
+                <a:blip r:embed="rId4"/>
+                <a:stretch>
+                  <a:fillRect r="-25000" b="-8824"/>
+                </a:stretch>
+              </a:blipFill>
+            </p:spPr>
+            <p:txBody>
+              <a:bodyPr/>
+              <a:lstStyle/>
+              <a:p>
+                <a:r>
+                  <a:rPr lang="en-US">
+                    <a:noFill/>
+                  </a:rPr>
+                  <a:t> </a:t>
+                </a:r>
+              </a:p>
+            </p:txBody>
+          </p:sp>
+        </mc:Fallback>
+      </mc:AlternateContent>
+      <mc:AlternateContent xmlns:mc="http://schemas.openxmlformats.org/markup-compatibility/2006">
+        <mc:Choice xmlns:a14="http://schemas.microsoft.com/office/drawing/2010/main" Requires="a14">
+          <p:sp>
+            <p:nvSpPr>
+              <p:cNvPr id="7" name="TextBox 6">
+                <a:extLst>
+                  <a:ext uri="{FF2B5EF4-FFF2-40B4-BE49-F238E27FC236}">
+                    <a16:creationId xmlns:a16="http://schemas.microsoft.com/office/drawing/2014/main" id="{23A874DD-D508-824B-B37B-A251567DF502}"/>
+                  </a:ext>
+                </a:extLst>
+              </p:cNvPr>
+              <p:cNvSpPr txBox="1"/>
+              <p:nvPr/>
+            </p:nvSpPr>
+            <p:spPr>
+              <a:xfrm>
+                <a:off x="1047409" y="3164817"/>
+                <a:ext cx="484832" cy="400110"/>
+              </a:xfrm>
+              <a:prstGeom prst="rect">
+                <a:avLst/>
+              </a:prstGeom>
+              <a:solidFill>
+                <a:schemeClr val="bg1"/>
+              </a:solidFill>
+            </p:spPr>
+            <p:txBody>
+              <a:bodyPr wrap="square" rtlCol="0">
+                <a:spAutoFit/>
+              </a:bodyPr>
+              <a:lstStyle/>
+              <a:p>
+                <a14:m>
+                  <m:oMathPara xmlns:m="http://schemas.openxmlformats.org/officeDocument/2006/math">
+                    <m:oMathParaPr>
+                      <m:jc m:val="centerGroup"/>
+                    </m:oMathParaPr>
+                    <m:oMath xmlns:m="http://schemas.openxmlformats.org/officeDocument/2006/math">
+                      <m:r>
+                        <a:rPr lang="en-US" sz="2000" b="0" i="1" dirty="0" smtClean="0">
+                          <a:latin typeface="Cambria Math" panose="02040503050406030204" pitchFamily="18" charset="0"/>
+                        </a:rPr>
+                        <m:t>h</m:t>
+                      </m:r>
+                    </m:oMath>
+                  </m:oMathPara>
+                </a14:m>
+                <a:endParaRPr lang="en-US" sz="2000" dirty="0"/>
+              </a:p>
+            </p:txBody>
+          </p:sp>
+        </mc:Choice>
+        <mc:Fallback>
+          <p:sp>
+            <p:nvSpPr>
+              <p:cNvPr id="7" name="TextBox 6">
+                <a:extLst>
+                  <a:ext uri="{FF2B5EF4-FFF2-40B4-BE49-F238E27FC236}">
+                    <a16:creationId xmlns:a16="http://schemas.microsoft.com/office/drawing/2014/main" id="{23A874DD-D508-824B-B37B-A251567DF502}"/>
+                  </a:ext>
+                </a:extLst>
+              </p:cNvPr>
+              <p:cNvSpPr txBox="1">
+                <a:spLocks noRot="1" noChangeAspect="1" noMove="1" noResize="1" noEditPoints="1" noAdjustHandles="1" noChangeArrowheads="1" noChangeShapeType="1" noTextEdit="1"/>
+              </p:cNvSpPr>
+              <p:nvPr/>
+            </p:nvSpPr>
+            <p:spPr>
+              <a:xfrm>
+                <a:off x="1047409" y="3164817"/>
+                <a:ext cx="484832" cy="400110"/>
+              </a:xfrm>
+              <a:prstGeom prst="rect">
+                <a:avLst/>
+              </a:prstGeom>
+              <a:blipFill>
+                <a:blip r:embed="rId5"/>
+                <a:stretch>
+                  <a:fillRect/>
+                </a:stretch>
+              </a:blipFill>
+            </p:spPr>
+            <p:txBody>
+              <a:bodyPr/>
+              <a:lstStyle/>
+              <a:p>
+                <a:r>
+                  <a:rPr lang="en-US">
+                    <a:noFill/>
+                  </a:rPr>
+                  <a:t> </a:t>
+                </a:r>
+              </a:p>
+            </p:txBody>
+          </p:sp>
+        </mc:Fallback>
+      </mc:AlternateContent>
+      <mc:AlternateContent xmlns:mc="http://schemas.openxmlformats.org/markup-compatibility/2006">
+        <mc:Choice xmlns:a14="http://schemas.microsoft.com/office/drawing/2010/main" Requires="a14">
+          <p:sp>
+            <p:nvSpPr>
+              <p:cNvPr id="9" name="TextBox 8">
+                <a:extLst>
+                  <a:ext uri="{FF2B5EF4-FFF2-40B4-BE49-F238E27FC236}">
+                    <a16:creationId xmlns:a16="http://schemas.microsoft.com/office/drawing/2014/main" id="{4D61AA16-165D-4B41-A4EC-DCD5F3077078}"/>
+                  </a:ext>
+                </a:extLst>
+              </p:cNvPr>
+              <p:cNvSpPr txBox="1"/>
+              <p:nvPr/>
+            </p:nvSpPr>
+            <p:spPr>
+              <a:xfrm>
+                <a:off x="1173890" y="4058735"/>
+                <a:ext cx="484833" cy="400110"/>
+              </a:xfrm>
+              <a:prstGeom prst="rect">
+                <a:avLst/>
+              </a:prstGeom>
+              <a:solidFill>
+                <a:schemeClr val="bg1"/>
+              </a:solidFill>
+            </p:spPr>
+            <p:txBody>
+              <a:bodyPr wrap="square" rtlCol="0">
+                <a:spAutoFit/>
+              </a:bodyPr>
+              <a:lstStyle/>
+              <a:p>
+                <a14:m>
+                  <m:oMathPara xmlns:m="http://schemas.openxmlformats.org/officeDocument/2006/math">
+                    <m:oMathParaPr>
+                      <m:jc m:val="centerGroup"/>
+                    </m:oMathParaPr>
+                    <m:oMath xmlns:m="http://schemas.openxmlformats.org/officeDocument/2006/math">
+                      <m:sSub>
+                        <m:sSubPr>
+                          <m:ctrlPr>
+                            <a:rPr lang="en-US" sz="2000" b="0" i="1" dirty="0" smtClean="0">
+                              <a:latin typeface="Cambria Math" panose="02040503050406030204" pitchFamily="18" charset="0"/>
+                            </a:rPr>
+                          </m:ctrlPr>
+                        </m:sSubPr>
+                        <m:e>
+                          <m:r>
+                            <a:rPr lang="en-US" sz="2000" b="0" i="1" dirty="0" smtClean="0">
+                              <a:latin typeface="Cambria Math" panose="02040503050406030204" pitchFamily="18" charset="0"/>
+                            </a:rPr>
+                            <m:t>𝑊</m:t>
+                          </m:r>
+                        </m:e>
+                        <m:sub>
+                          <m:r>
+                            <a:rPr lang="en-US" sz="2000" b="0" i="1" dirty="0" smtClean="0">
+                              <a:latin typeface="Cambria Math" panose="02040503050406030204" pitchFamily="18" charset="0"/>
+                            </a:rPr>
+                            <m:t>𝑥h</m:t>
+                          </m:r>
+                        </m:sub>
+                      </m:sSub>
+                    </m:oMath>
+                  </m:oMathPara>
+                </a14:m>
+                <a:endParaRPr lang="en-US" sz="2000" b="0" dirty="0"/>
+              </a:p>
+            </p:txBody>
+          </p:sp>
+        </mc:Choice>
+        <mc:Fallback>
+          <p:sp>
+            <p:nvSpPr>
+              <p:cNvPr id="9" name="TextBox 8">
+                <a:extLst>
+                  <a:ext uri="{FF2B5EF4-FFF2-40B4-BE49-F238E27FC236}">
+                    <a16:creationId xmlns:a16="http://schemas.microsoft.com/office/drawing/2014/main" id="{4D61AA16-165D-4B41-A4EC-DCD5F3077078}"/>
+                  </a:ext>
+                </a:extLst>
+              </p:cNvPr>
+              <p:cNvSpPr txBox="1">
+                <a:spLocks noRot="1" noChangeAspect="1" noMove="1" noResize="1" noEditPoints="1" noAdjustHandles="1" noChangeArrowheads="1" noChangeShapeType="1" noTextEdit="1"/>
+              </p:cNvSpPr>
+              <p:nvPr/>
+            </p:nvSpPr>
+            <p:spPr>
+              <a:xfrm>
+                <a:off x="1173890" y="4058735"/>
+                <a:ext cx="484833" cy="400110"/>
+              </a:xfrm>
+              <a:prstGeom prst="rect">
+                <a:avLst/>
+              </a:prstGeom>
+              <a:blipFill>
+                <a:blip r:embed="rId6"/>
+                <a:stretch>
+                  <a:fillRect r="-23077" b="-3125"/>
+                </a:stretch>
+              </a:blipFill>
+            </p:spPr>
+            <p:txBody>
+              <a:bodyPr/>
+              <a:lstStyle/>
+              <a:p>
+                <a:r>
+                  <a:rPr lang="en-US">
+                    <a:noFill/>
+                  </a:rPr>
+                  <a:t> </a:t>
+                </a:r>
+              </a:p>
+            </p:txBody>
+          </p:sp>
+        </mc:Fallback>
+      </mc:AlternateContent>
+      <mc:AlternateContent xmlns:mc="http://schemas.openxmlformats.org/markup-compatibility/2006">
+        <mc:Choice xmlns:a14="http://schemas.microsoft.com/office/drawing/2010/main" Requires="a14">
+          <p:sp>
+            <p:nvSpPr>
+              <p:cNvPr id="10" name="TextBox 9">
+                <a:extLst>
+                  <a:ext uri="{FF2B5EF4-FFF2-40B4-BE49-F238E27FC236}">
+                    <a16:creationId xmlns:a16="http://schemas.microsoft.com/office/drawing/2014/main" id="{93813D05-3C9B-1E48-A60B-77F219071071}"/>
+                  </a:ext>
+                </a:extLst>
+              </p:cNvPr>
+              <p:cNvSpPr txBox="1"/>
+              <p:nvPr/>
+            </p:nvSpPr>
+            <p:spPr>
+              <a:xfrm>
+                <a:off x="2413684" y="2799091"/>
+                <a:ext cx="576649" cy="400110"/>
+              </a:xfrm>
+              <a:prstGeom prst="rect">
+                <a:avLst/>
+              </a:prstGeom>
+              <a:solidFill>
+                <a:schemeClr val="bg1"/>
+              </a:solidFill>
+            </p:spPr>
+            <p:txBody>
+              <a:bodyPr wrap="square" rtlCol="0">
+                <a:spAutoFit/>
+              </a:bodyPr>
+              <a:lstStyle/>
+              <a:p>
+                <a14:m>
+                  <m:oMathPara xmlns:m="http://schemas.openxmlformats.org/officeDocument/2006/math">
+                    <m:oMathParaPr>
+                      <m:jc m:val="centerGroup"/>
+                    </m:oMathParaPr>
+                    <m:oMath xmlns:m="http://schemas.openxmlformats.org/officeDocument/2006/math">
+                      <m:sSub>
+                        <m:sSubPr>
+                          <m:ctrlPr>
+                            <a:rPr lang="en-US" sz="2000" b="0" i="1" dirty="0" smtClean="0">
+                              <a:latin typeface="Cambria Math" panose="02040503050406030204" pitchFamily="18" charset="0"/>
+                            </a:rPr>
+                          </m:ctrlPr>
+                        </m:sSubPr>
+                        <m:e>
+                          <m:r>
+                            <a:rPr lang="en-US" sz="2000" b="0" i="1" dirty="0" smtClean="0">
+                              <a:latin typeface="Cambria Math" panose="02040503050406030204" pitchFamily="18" charset="0"/>
+                            </a:rPr>
+                            <m:t>𝑊</m:t>
+                          </m:r>
+                        </m:e>
+                        <m:sub>
+                          <m:r>
+                            <a:rPr lang="en-US" sz="2000" b="0" i="1" dirty="0" smtClean="0">
+                              <a:latin typeface="Cambria Math" panose="02040503050406030204" pitchFamily="18" charset="0"/>
+                            </a:rPr>
+                            <m:t>hh</m:t>
+                          </m:r>
+                        </m:sub>
+                      </m:sSub>
+                    </m:oMath>
+                  </m:oMathPara>
+                </a14:m>
+                <a:endParaRPr lang="en-US" sz="2000" b="0" dirty="0"/>
+              </a:p>
+            </p:txBody>
+          </p:sp>
+        </mc:Choice>
+        <mc:Fallback>
+          <p:sp>
+            <p:nvSpPr>
+              <p:cNvPr id="10" name="TextBox 9">
+                <a:extLst>
+                  <a:ext uri="{FF2B5EF4-FFF2-40B4-BE49-F238E27FC236}">
+                    <a16:creationId xmlns:a16="http://schemas.microsoft.com/office/drawing/2014/main" id="{93813D05-3C9B-1E48-A60B-77F219071071}"/>
+                  </a:ext>
+                </a:extLst>
+              </p:cNvPr>
+              <p:cNvSpPr txBox="1">
+                <a:spLocks noRot="1" noChangeAspect="1" noMove="1" noResize="1" noEditPoints="1" noAdjustHandles="1" noChangeArrowheads="1" noChangeShapeType="1" noTextEdit="1"/>
+              </p:cNvSpPr>
+              <p:nvPr/>
+            </p:nvSpPr>
+            <p:spPr>
+              <a:xfrm>
+                <a:off x="2413684" y="2799091"/>
+                <a:ext cx="576649" cy="400110"/>
+              </a:xfrm>
+              <a:prstGeom prst="rect">
+                <a:avLst/>
+              </a:prstGeom>
+              <a:blipFill>
+                <a:blip r:embed="rId7"/>
+                <a:stretch>
+                  <a:fillRect r="-4348"/>
+                </a:stretch>
+              </a:blipFill>
+            </p:spPr>
+            <p:txBody>
+              <a:bodyPr/>
+              <a:lstStyle/>
+              <a:p>
+                <a:r>
+                  <a:rPr lang="en-US">
+                    <a:noFill/>
+                  </a:rPr>
+                  <a:t> </a:t>
+                </a:r>
+              </a:p>
+            </p:txBody>
+          </p:sp>
+        </mc:Fallback>
+      </mc:AlternateContent>
+      <mc:AlternateContent xmlns:mc="http://schemas.openxmlformats.org/markup-compatibility/2006">
+        <mc:Choice xmlns:a14="http://schemas.microsoft.com/office/drawing/2010/main" Requires="a14">
+          <p:sp>
+            <p:nvSpPr>
+              <p:cNvPr id="12" name="TextBox 11">
+                <a:extLst>
+                  <a:ext uri="{FF2B5EF4-FFF2-40B4-BE49-F238E27FC236}">
+                    <a16:creationId xmlns:a16="http://schemas.microsoft.com/office/drawing/2014/main" id="{A6E21189-D66D-CE4C-A535-30CC74292F97}"/>
+                  </a:ext>
+                </a:extLst>
+              </p:cNvPr>
+              <p:cNvSpPr txBox="1"/>
+              <p:nvPr/>
+            </p:nvSpPr>
+            <p:spPr>
+              <a:xfrm>
+                <a:off x="6223685" y="2974432"/>
+                <a:ext cx="576649" cy="400110"/>
+              </a:xfrm>
+              <a:prstGeom prst="rect">
+                <a:avLst/>
+              </a:prstGeom>
+              <a:solidFill>
+                <a:schemeClr val="bg1"/>
+              </a:solidFill>
+            </p:spPr>
+            <p:txBody>
+              <a:bodyPr wrap="square" rtlCol="0">
+                <a:spAutoFit/>
+              </a:bodyPr>
+              <a:lstStyle/>
+              <a:p>
+                <a14:m>
+                  <m:oMathPara xmlns:m="http://schemas.openxmlformats.org/officeDocument/2006/math">
+                    <m:oMathParaPr>
+                      <m:jc m:val="centerGroup"/>
+                    </m:oMathParaPr>
+                    <m:oMath xmlns:m="http://schemas.openxmlformats.org/officeDocument/2006/math">
+                      <m:sSub>
+                        <m:sSubPr>
+                          <m:ctrlPr>
+                            <a:rPr lang="en-US" sz="2000" b="0" i="1" dirty="0" smtClean="0">
+                              <a:latin typeface="Cambria Math" panose="02040503050406030204" pitchFamily="18" charset="0"/>
+                            </a:rPr>
+                          </m:ctrlPr>
+                        </m:sSubPr>
+                        <m:e>
+                          <m:r>
+                            <a:rPr lang="en-US" sz="2000" b="0" i="1" dirty="0" smtClean="0">
+                              <a:latin typeface="Cambria Math" panose="02040503050406030204" pitchFamily="18" charset="0"/>
+                            </a:rPr>
+                            <m:t>h</m:t>
+                          </m:r>
+                        </m:e>
+                        <m:sub>
+                          <m:r>
+                            <a:rPr lang="en-US" sz="2000" b="0" i="1" dirty="0" smtClean="0">
+                              <a:latin typeface="Cambria Math" panose="02040503050406030204" pitchFamily="18" charset="0"/>
+                            </a:rPr>
+                            <m:t>𝑡</m:t>
+                          </m:r>
+                          <m:r>
+                            <a:rPr lang="en-US" sz="2000" b="0" i="1" dirty="0" smtClean="0">
+                              <a:latin typeface="Cambria Math" panose="02040503050406030204" pitchFamily="18" charset="0"/>
+                            </a:rPr>
+                            <m:t>−1</m:t>
+                          </m:r>
+                        </m:sub>
+                      </m:sSub>
+                    </m:oMath>
+                  </m:oMathPara>
+                </a14:m>
+                <a:endParaRPr lang="en-US" sz="2000" b="0" dirty="0"/>
+              </a:p>
+            </p:txBody>
+          </p:sp>
+        </mc:Choice>
+        <mc:Fallback>
+          <p:sp>
+            <p:nvSpPr>
+              <p:cNvPr id="12" name="TextBox 11">
+                <a:extLst>
+                  <a:ext uri="{FF2B5EF4-FFF2-40B4-BE49-F238E27FC236}">
+                    <a16:creationId xmlns:a16="http://schemas.microsoft.com/office/drawing/2014/main" id="{A6E21189-D66D-CE4C-A535-30CC74292F97}"/>
+                  </a:ext>
+                </a:extLst>
+              </p:cNvPr>
+              <p:cNvSpPr txBox="1">
+                <a:spLocks noRot="1" noChangeAspect="1" noMove="1" noResize="1" noEditPoints="1" noAdjustHandles="1" noChangeArrowheads="1" noChangeShapeType="1" noTextEdit="1"/>
+              </p:cNvSpPr>
+              <p:nvPr/>
+            </p:nvSpPr>
+            <p:spPr>
+              <a:xfrm>
+                <a:off x="6223685" y="2974432"/>
+                <a:ext cx="576649" cy="400110"/>
+              </a:xfrm>
+              <a:prstGeom prst="rect">
+                <a:avLst/>
+              </a:prstGeom>
+              <a:blipFill>
+                <a:blip r:embed="rId8"/>
+                <a:stretch>
+                  <a:fillRect r="-8696"/>
+                </a:stretch>
+              </a:blipFill>
+            </p:spPr>
+            <p:txBody>
+              <a:bodyPr/>
+              <a:lstStyle/>
+              <a:p>
+                <a:r>
+                  <a:rPr lang="en-US">
+                    <a:noFill/>
+                  </a:rPr>
+                  <a:t> </a:t>
+                </a:r>
+              </a:p>
+            </p:txBody>
+          </p:sp>
+        </mc:Fallback>
+      </mc:AlternateContent>
+      <mc:AlternateContent xmlns:mc="http://schemas.openxmlformats.org/markup-compatibility/2006">
+        <mc:Choice xmlns:a14="http://schemas.microsoft.com/office/drawing/2010/main" Requires="a14">
+          <p:sp>
+            <p:nvSpPr>
+              <p:cNvPr id="13" name="TextBox 12">
+                <a:extLst>
+                  <a:ext uri="{FF2B5EF4-FFF2-40B4-BE49-F238E27FC236}">
+                    <a16:creationId xmlns:a16="http://schemas.microsoft.com/office/drawing/2014/main" id="{4A82AEDA-050C-AA41-9F00-0BED9F5C9765}"/>
+                  </a:ext>
+                </a:extLst>
+              </p:cNvPr>
+              <p:cNvSpPr txBox="1"/>
+              <p:nvPr/>
+            </p:nvSpPr>
+            <p:spPr>
+              <a:xfrm>
+                <a:off x="7925656" y="2974432"/>
+                <a:ext cx="402799" cy="400110"/>
+              </a:xfrm>
+              <a:prstGeom prst="rect">
+                <a:avLst/>
+              </a:prstGeom>
+              <a:solidFill>
+                <a:schemeClr val="bg1"/>
+              </a:solidFill>
+            </p:spPr>
+            <p:txBody>
+              <a:bodyPr wrap="square" rtlCol="0">
+                <a:spAutoFit/>
+              </a:bodyPr>
+              <a:lstStyle/>
+              <a:p>
+                <a14:m>
+                  <m:oMathPara xmlns:m="http://schemas.openxmlformats.org/officeDocument/2006/math">
+                    <m:oMathParaPr>
+                      <m:jc m:val="centerGroup"/>
+                    </m:oMathParaPr>
+                    <m:oMath xmlns:m="http://schemas.openxmlformats.org/officeDocument/2006/math">
+                      <m:sSub>
+                        <m:sSubPr>
+                          <m:ctrlPr>
+                            <a:rPr lang="en-US" sz="2000" b="0" i="1" dirty="0" smtClean="0">
+                              <a:latin typeface="Cambria Math" panose="02040503050406030204" pitchFamily="18" charset="0"/>
+                            </a:rPr>
+                          </m:ctrlPr>
+                        </m:sSubPr>
+                        <m:e>
+                          <m:r>
+                            <a:rPr lang="en-US" sz="2000" b="0" i="1" dirty="0" smtClean="0">
+                              <a:latin typeface="Cambria Math" panose="02040503050406030204" pitchFamily="18" charset="0"/>
+                            </a:rPr>
+                            <m:t>h</m:t>
+                          </m:r>
+                        </m:e>
+                        <m:sub>
+                          <m:r>
+                            <a:rPr lang="en-US" sz="2000" b="0" i="1" dirty="0" smtClean="0">
+                              <a:latin typeface="Cambria Math" panose="02040503050406030204" pitchFamily="18" charset="0"/>
+                            </a:rPr>
+                            <m:t>𝑡</m:t>
+                          </m:r>
+                        </m:sub>
+                      </m:sSub>
+                    </m:oMath>
+                  </m:oMathPara>
+                </a14:m>
+                <a:endParaRPr lang="en-US" sz="2000" b="0" dirty="0"/>
+              </a:p>
+            </p:txBody>
+          </p:sp>
+        </mc:Choice>
+        <mc:Fallback>
+          <p:sp>
+            <p:nvSpPr>
+              <p:cNvPr id="13" name="TextBox 12">
+                <a:extLst>
+                  <a:ext uri="{FF2B5EF4-FFF2-40B4-BE49-F238E27FC236}">
+                    <a16:creationId xmlns:a16="http://schemas.microsoft.com/office/drawing/2014/main" id="{4A82AEDA-050C-AA41-9F00-0BED9F5C9765}"/>
+                  </a:ext>
+                </a:extLst>
+              </p:cNvPr>
+              <p:cNvSpPr txBox="1">
+                <a:spLocks noRot="1" noChangeAspect="1" noMove="1" noResize="1" noEditPoints="1" noAdjustHandles="1" noChangeArrowheads="1" noChangeShapeType="1" noTextEdit="1"/>
+              </p:cNvSpPr>
+              <p:nvPr/>
+            </p:nvSpPr>
+            <p:spPr>
+              <a:xfrm>
+                <a:off x="7925656" y="2974432"/>
+                <a:ext cx="402799" cy="400110"/>
+              </a:xfrm>
+              <a:prstGeom prst="rect">
+                <a:avLst/>
+              </a:prstGeom>
+              <a:blipFill>
+                <a:blip r:embed="rId9"/>
+                <a:stretch>
+                  <a:fillRect/>
+                </a:stretch>
+              </a:blipFill>
+            </p:spPr>
+            <p:txBody>
+              <a:bodyPr/>
+              <a:lstStyle/>
+              <a:p>
+                <a:r>
+                  <a:rPr lang="en-US">
+                    <a:noFill/>
+                  </a:rPr>
+                  <a:t> </a:t>
+                </a:r>
+              </a:p>
+            </p:txBody>
+          </p:sp>
+        </mc:Fallback>
+      </mc:AlternateContent>
+      <mc:AlternateContent xmlns:mc="http://schemas.openxmlformats.org/markup-compatibility/2006">
+        <mc:Choice xmlns:a14="http://schemas.microsoft.com/office/drawing/2010/main" Requires="a14">
+          <p:sp>
+            <p:nvSpPr>
+              <p:cNvPr id="14" name="TextBox 13">
+                <a:extLst>
+                  <a:ext uri="{FF2B5EF4-FFF2-40B4-BE49-F238E27FC236}">
+                    <a16:creationId xmlns:a16="http://schemas.microsoft.com/office/drawing/2014/main" id="{453E9E07-E1CE-D540-AAD8-EF30243CBD83}"/>
+                  </a:ext>
+                </a:extLst>
+              </p:cNvPr>
+              <p:cNvSpPr txBox="1"/>
+              <p:nvPr/>
+            </p:nvSpPr>
+            <p:spPr>
+              <a:xfrm>
+                <a:off x="9593816" y="2988276"/>
+                <a:ext cx="576649" cy="400110"/>
+              </a:xfrm>
+              <a:prstGeom prst="rect">
+                <a:avLst/>
+              </a:prstGeom>
+              <a:solidFill>
+                <a:schemeClr val="bg1"/>
+              </a:solidFill>
+            </p:spPr>
+            <p:txBody>
+              <a:bodyPr wrap="square" rtlCol="0">
+                <a:spAutoFit/>
+              </a:bodyPr>
+              <a:lstStyle/>
+              <a:p>
+                <a14:m>
+                  <m:oMathPara xmlns:m="http://schemas.openxmlformats.org/officeDocument/2006/math">
+                    <m:oMathParaPr>
+                      <m:jc m:val="centerGroup"/>
+                    </m:oMathParaPr>
+                    <m:oMath xmlns:m="http://schemas.openxmlformats.org/officeDocument/2006/math">
+                      <m:sSub>
+                        <m:sSubPr>
+                          <m:ctrlPr>
+                            <a:rPr lang="en-US" sz="2000" b="0" i="1" dirty="0" smtClean="0">
+                              <a:latin typeface="Cambria Math" panose="02040503050406030204" pitchFamily="18" charset="0"/>
+                            </a:rPr>
+                          </m:ctrlPr>
+                        </m:sSubPr>
+                        <m:e>
+                          <m:r>
+                            <a:rPr lang="en-US" sz="2000" b="0" i="1" dirty="0" smtClean="0">
+                              <a:latin typeface="Cambria Math" panose="02040503050406030204" pitchFamily="18" charset="0"/>
+                            </a:rPr>
+                            <m:t>h</m:t>
+                          </m:r>
+                        </m:e>
+                        <m:sub>
+                          <m:r>
+                            <a:rPr lang="en-US" sz="2000" b="0" i="1" dirty="0" smtClean="0">
+                              <a:latin typeface="Cambria Math" panose="02040503050406030204" pitchFamily="18" charset="0"/>
+                            </a:rPr>
+                            <m:t>𝑡</m:t>
+                          </m:r>
+                          <m:r>
+                            <a:rPr lang="en-US" sz="2000" b="0" i="1" dirty="0" smtClean="0">
+                              <a:latin typeface="Cambria Math" panose="02040503050406030204" pitchFamily="18" charset="0"/>
+                            </a:rPr>
+                            <m:t>+1</m:t>
+                          </m:r>
+                        </m:sub>
+                      </m:sSub>
+                    </m:oMath>
+                  </m:oMathPara>
+                </a14:m>
+                <a:endParaRPr lang="en-US" sz="2000" b="0" dirty="0"/>
+              </a:p>
+            </p:txBody>
+          </p:sp>
+        </mc:Choice>
+        <mc:Fallback>
+          <p:sp>
+            <p:nvSpPr>
+              <p:cNvPr id="14" name="TextBox 13">
+                <a:extLst>
+                  <a:ext uri="{FF2B5EF4-FFF2-40B4-BE49-F238E27FC236}">
+                    <a16:creationId xmlns:a16="http://schemas.microsoft.com/office/drawing/2014/main" id="{453E9E07-E1CE-D540-AAD8-EF30243CBD83}"/>
+                  </a:ext>
+                </a:extLst>
+              </p:cNvPr>
+              <p:cNvSpPr txBox="1">
+                <a:spLocks noRot="1" noChangeAspect="1" noMove="1" noResize="1" noEditPoints="1" noAdjustHandles="1" noChangeArrowheads="1" noChangeShapeType="1" noTextEdit="1"/>
+              </p:cNvSpPr>
+              <p:nvPr/>
+            </p:nvSpPr>
+            <p:spPr>
+              <a:xfrm>
+                <a:off x="9593816" y="2988276"/>
+                <a:ext cx="576649" cy="400110"/>
+              </a:xfrm>
+              <a:prstGeom prst="rect">
+                <a:avLst/>
+              </a:prstGeom>
+              <a:blipFill>
+                <a:blip r:embed="rId10"/>
+                <a:stretch>
+                  <a:fillRect r="-8696"/>
+                </a:stretch>
+              </a:blipFill>
+            </p:spPr>
+            <p:txBody>
+              <a:bodyPr/>
+              <a:lstStyle/>
+              <a:p>
+                <a:r>
+                  <a:rPr lang="en-US">
+                    <a:noFill/>
+                  </a:rPr>
+                  <a:t> </a:t>
+                </a:r>
+              </a:p>
+            </p:txBody>
+          </p:sp>
+        </mc:Fallback>
+      </mc:AlternateContent>
+      <mc:AlternateContent xmlns:mc="http://schemas.openxmlformats.org/markup-compatibility/2006">
+        <mc:Choice xmlns:a14="http://schemas.microsoft.com/office/drawing/2010/main" Requires="a14">
+          <p:sp>
+            <p:nvSpPr>
+              <p:cNvPr id="15" name="TextBox 14">
+                <a:extLst>
+                  <a:ext uri="{FF2B5EF4-FFF2-40B4-BE49-F238E27FC236}">
+                    <a16:creationId xmlns:a16="http://schemas.microsoft.com/office/drawing/2014/main" id="{C41BDA73-E68F-744D-8EA1-B14282D6B189}"/>
+                  </a:ext>
+                </a:extLst>
+              </p:cNvPr>
+              <p:cNvSpPr txBox="1"/>
+              <p:nvPr/>
+            </p:nvSpPr>
+            <p:spPr>
+              <a:xfrm>
+                <a:off x="4924600" y="3027116"/>
+                <a:ext cx="576649" cy="400110"/>
+              </a:xfrm>
+              <a:prstGeom prst="rect">
+                <a:avLst/>
+              </a:prstGeom>
+              <a:solidFill>
+                <a:schemeClr val="bg1"/>
+              </a:solidFill>
+            </p:spPr>
+            <p:txBody>
+              <a:bodyPr wrap="square" rtlCol="0">
+                <a:spAutoFit/>
+              </a:bodyPr>
+              <a:lstStyle/>
+              <a:p>
+                <a14:m>
+                  <m:oMathPara xmlns:m="http://schemas.openxmlformats.org/officeDocument/2006/math">
+                    <m:oMathParaPr>
+                      <m:jc m:val="centerGroup"/>
+                    </m:oMathParaPr>
+                    <m:oMath xmlns:m="http://schemas.openxmlformats.org/officeDocument/2006/math">
+                      <m:sSub>
+                        <m:sSubPr>
+                          <m:ctrlPr>
+                            <a:rPr lang="en-US" sz="2000" b="0" i="1" dirty="0" smtClean="0">
+                              <a:latin typeface="Cambria Math" panose="02040503050406030204" pitchFamily="18" charset="0"/>
+                            </a:rPr>
+                          </m:ctrlPr>
+                        </m:sSubPr>
+                        <m:e>
+                          <m:r>
+                            <a:rPr lang="en-US" sz="2000" b="0" i="1" dirty="0" smtClean="0">
+                              <a:latin typeface="Cambria Math" panose="02040503050406030204" pitchFamily="18" charset="0"/>
+                            </a:rPr>
+                            <m:t>𝑊</m:t>
+                          </m:r>
+                        </m:e>
+                        <m:sub>
+                          <m:r>
+                            <a:rPr lang="en-US" sz="2000" b="0" i="1" dirty="0" smtClean="0">
+                              <a:latin typeface="Cambria Math" panose="02040503050406030204" pitchFamily="18" charset="0"/>
+                            </a:rPr>
+                            <m:t>hh</m:t>
+                          </m:r>
+                        </m:sub>
+                      </m:sSub>
+                    </m:oMath>
+                  </m:oMathPara>
+                </a14:m>
+                <a:endParaRPr lang="en-US" sz="2000" b="0" dirty="0"/>
+              </a:p>
+            </p:txBody>
+          </p:sp>
+        </mc:Choice>
+        <mc:Fallback>
+          <p:sp>
+            <p:nvSpPr>
+              <p:cNvPr id="15" name="TextBox 14">
+                <a:extLst>
+                  <a:ext uri="{FF2B5EF4-FFF2-40B4-BE49-F238E27FC236}">
+                    <a16:creationId xmlns:a16="http://schemas.microsoft.com/office/drawing/2014/main" id="{C41BDA73-E68F-744D-8EA1-B14282D6B189}"/>
+                  </a:ext>
+                </a:extLst>
+              </p:cNvPr>
+              <p:cNvSpPr txBox="1">
+                <a:spLocks noRot="1" noChangeAspect="1" noMove="1" noResize="1" noEditPoints="1" noAdjustHandles="1" noChangeArrowheads="1" noChangeShapeType="1" noTextEdit="1"/>
+              </p:cNvSpPr>
+              <p:nvPr/>
+            </p:nvSpPr>
+            <p:spPr>
+              <a:xfrm>
+                <a:off x="4924600" y="3027116"/>
+                <a:ext cx="576649" cy="400110"/>
+              </a:xfrm>
+              <a:prstGeom prst="rect">
+                <a:avLst/>
+              </a:prstGeom>
+              <a:blipFill>
+                <a:blip r:embed="rId11"/>
+                <a:stretch>
+                  <a:fillRect r="-4348" b="-3125"/>
+                </a:stretch>
+              </a:blipFill>
+            </p:spPr>
+            <p:txBody>
+              <a:bodyPr/>
+              <a:lstStyle/>
+              <a:p>
+                <a:r>
+                  <a:rPr lang="en-US">
+                    <a:noFill/>
+                  </a:rPr>
+                  <a:t> </a:t>
+                </a:r>
+              </a:p>
+            </p:txBody>
+          </p:sp>
+        </mc:Fallback>
+      </mc:AlternateContent>
+      <mc:AlternateContent xmlns:mc="http://schemas.openxmlformats.org/markup-compatibility/2006">
+        <mc:Choice xmlns:a14="http://schemas.microsoft.com/office/drawing/2010/main" Requires="a14">
+          <p:sp>
+            <p:nvSpPr>
+              <p:cNvPr id="16" name="TextBox 15">
+                <a:extLst>
+                  <a:ext uri="{FF2B5EF4-FFF2-40B4-BE49-F238E27FC236}">
+                    <a16:creationId xmlns:a16="http://schemas.microsoft.com/office/drawing/2014/main" id="{31E8754E-1BA9-A644-A656-E6AD34A134D8}"/>
+                  </a:ext>
+                </a:extLst>
+              </p:cNvPr>
+              <p:cNvSpPr txBox="1"/>
+              <p:nvPr/>
+            </p:nvSpPr>
+            <p:spPr>
+              <a:xfrm>
+                <a:off x="6595256" y="3635969"/>
+                <a:ext cx="576649" cy="400110"/>
+              </a:xfrm>
+              <a:prstGeom prst="rect">
+                <a:avLst/>
+              </a:prstGeom>
+              <a:solidFill>
+                <a:schemeClr val="bg1"/>
+              </a:solidFill>
+            </p:spPr>
+            <p:txBody>
+              <a:bodyPr wrap="square" rtlCol="0">
+                <a:spAutoFit/>
+              </a:bodyPr>
+              <a:lstStyle/>
+              <a:p>
+                <a14:m>
+                  <m:oMathPara xmlns:m="http://schemas.openxmlformats.org/officeDocument/2006/math">
+                    <m:oMathParaPr>
+                      <m:jc m:val="centerGroup"/>
+                    </m:oMathParaPr>
+                    <m:oMath xmlns:m="http://schemas.openxmlformats.org/officeDocument/2006/math">
+                      <m:sSub>
+                        <m:sSubPr>
+                          <m:ctrlPr>
+                            <a:rPr lang="en-US" sz="2000" b="0" i="1" dirty="0" smtClean="0">
+                              <a:latin typeface="Cambria Math" panose="02040503050406030204" pitchFamily="18" charset="0"/>
+                            </a:rPr>
+                          </m:ctrlPr>
+                        </m:sSubPr>
+                        <m:e>
+                          <m:r>
+                            <a:rPr lang="en-US" sz="2000" b="0" i="1" dirty="0" smtClean="0">
+                              <a:latin typeface="Cambria Math" panose="02040503050406030204" pitchFamily="18" charset="0"/>
+                            </a:rPr>
+                            <m:t>𝑊</m:t>
+                          </m:r>
+                        </m:e>
+                        <m:sub>
+                          <m:r>
+                            <a:rPr lang="en-US" sz="2000" b="0" i="1" dirty="0" smtClean="0">
+                              <a:latin typeface="Cambria Math" panose="02040503050406030204" pitchFamily="18" charset="0"/>
+                            </a:rPr>
+                            <m:t>hh</m:t>
+                          </m:r>
+                        </m:sub>
+                      </m:sSub>
+                    </m:oMath>
+                  </m:oMathPara>
+                </a14:m>
+                <a:endParaRPr lang="en-US" sz="2000" b="0" dirty="0"/>
+              </a:p>
+            </p:txBody>
+          </p:sp>
+        </mc:Choice>
+        <mc:Fallback>
+          <p:sp>
+            <p:nvSpPr>
+              <p:cNvPr id="16" name="TextBox 15">
+                <a:extLst>
+                  <a:ext uri="{FF2B5EF4-FFF2-40B4-BE49-F238E27FC236}">
+                    <a16:creationId xmlns:a16="http://schemas.microsoft.com/office/drawing/2014/main" id="{31E8754E-1BA9-A644-A656-E6AD34A134D8}"/>
+                  </a:ext>
+                </a:extLst>
+              </p:cNvPr>
+              <p:cNvSpPr txBox="1">
+                <a:spLocks noRot="1" noChangeAspect="1" noMove="1" noResize="1" noEditPoints="1" noAdjustHandles="1" noChangeArrowheads="1" noChangeShapeType="1" noTextEdit="1"/>
+              </p:cNvSpPr>
+              <p:nvPr/>
+            </p:nvSpPr>
+            <p:spPr>
+              <a:xfrm>
+                <a:off x="6595256" y="3635969"/>
+                <a:ext cx="576649" cy="400110"/>
+              </a:xfrm>
+              <a:prstGeom prst="rect">
+                <a:avLst/>
+              </a:prstGeom>
+              <a:blipFill>
+                <a:blip r:embed="rId12"/>
+                <a:stretch>
+                  <a:fillRect r="-4348" b="-3125"/>
+                </a:stretch>
+              </a:blipFill>
+            </p:spPr>
+            <p:txBody>
+              <a:bodyPr/>
+              <a:lstStyle/>
+              <a:p>
+                <a:r>
+                  <a:rPr lang="en-US">
+                    <a:noFill/>
+                  </a:rPr>
+                  <a:t> </a:t>
+                </a:r>
+              </a:p>
+            </p:txBody>
+          </p:sp>
+        </mc:Fallback>
+      </mc:AlternateContent>
+      <mc:AlternateContent xmlns:mc="http://schemas.openxmlformats.org/markup-compatibility/2006">
+        <mc:Choice xmlns:a14="http://schemas.microsoft.com/office/drawing/2010/main" Requires="a14">
+          <p:sp>
+            <p:nvSpPr>
+              <p:cNvPr id="17" name="TextBox 16">
+                <a:extLst>
+                  <a:ext uri="{FF2B5EF4-FFF2-40B4-BE49-F238E27FC236}">
+                    <a16:creationId xmlns:a16="http://schemas.microsoft.com/office/drawing/2014/main" id="{AC23966E-5902-734A-9362-8AA6FE05A976}"/>
+                  </a:ext>
+                </a:extLst>
+              </p:cNvPr>
+              <p:cNvSpPr txBox="1"/>
+              <p:nvPr/>
+            </p:nvSpPr>
+            <p:spPr>
+              <a:xfrm>
+                <a:off x="8114698" y="3635969"/>
+                <a:ext cx="576649" cy="400110"/>
+              </a:xfrm>
+              <a:prstGeom prst="rect">
+                <a:avLst/>
+              </a:prstGeom>
+              <a:solidFill>
+                <a:schemeClr val="bg1"/>
+              </a:solidFill>
+            </p:spPr>
+            <p:txBody>
+              <a:bodyPr wrap="square" rtlCol="0">
+                <a:spAutoFit/>
+              </a:bodyPr>
+              <a:lstStyle/>
+              <a:p>
+                <a14:m>
+                  <m:oMathPara xmlns:m="http://schemas.openxmlformats.org/officeDocument/2006/math">
+                    <m:oMathParaPr>
+                      <m:jc m:val="centerGroup"/>
+                    </m:oMathParaPr>
+                    <m:oMath xmlns:m="http://schemas.openxmlformats.org/officeDocument/2006/math">
+                      <m:sSub>
+                        <m:sSubPr>
+                          <m:ctrlPr>
+                            <a:rPr lang="en-US" sz="2000" b="0" i="1" dirty="0" smtClean="0">
+                              <a:latin typeface="Cambria Math" panose="02040503050406030204" pitchFamily="18" charset="0"/>
+                            </a:rPr>
+                          </m:ctrlPr>
+                        </m:sSubPr>
+                        <m:e>
+                          <m:r>
+                            <a:rPr lang="en-US" sz="2000" b="0" i="1" dirty="0" smtClean="0">
+                              <a:latin typeface="Cambria Math" panose="02040503050406030204" pitchFamily="18" charset="0"/>
+                            </a:rPr>
+                            <m:t>𝑊</m:t>
+                          </m:r>
+                        </m:e>
+                        <m:sub>
+                          <m:r>
+                            <a:rPr lang="en-US" sz="2000" b="0" i="1" dirty="0" smtClean="0">
+                              <a:latin typeface="Cambria Math" panose="02040503050406030204" pitchFamily="18" charset="0"/>
+                            </a:rPr>
+                            <m:t>hh</m:t>
+                          </m:r>
+                        </m:sub>
+                      </m:sSub>
+                    </m:oMath>
+                  </m:oMathPara>
+                </a14:m>
+                <a:endParaRPr lang="en-US" sz="2000" b="0" dirty="0"/>
+              </a:p>
+            </p:txBody>
+          </p:sp>
+        </mc:Choice>
+        <mc:Fallback>
+          <p:sp>
+            <p:nvSpPr>
+              <p:cNvPr id="17" name="TextBox 16">
+                <a:extLst>
+                  <a:ext uri="{FF2B5EF4-FFF2-40B4-BE49-F238E27FC236}">
+                    <a16:creationId xmlns:a16="http://schemas.microsoft.com/office/drawing/2014/main" id="{AC23966E-5902-734A-9362-8AA6FE05A976}"/>
+                  </a:ext>
+                </a:extLst>
+              </p:cNvPr>
+              <p:cNvSpPr txBox="1">
+                <a:spLocks noRot="1" noChangeAspect="1" noMove="1" noResize="1" noEditPoints="1" noAdjustHandles="1" noChangeArrowheads="1" noChangeShapeType="1" noTextEdit="1"/>
+              </p:cNvSpPr>
+              <p:nvPr/>
+            </p:nvSpPr>
+            <p:spPr>
+              <a:xfrm>
+                <a:off x="8114698" y="3635969"/>
+                <a:ext cx="576649" cy="400110"/>
+              </a:xfrm>
+              <a:prstGeom prst="rect">
+                <a:avLst/>
+              </a:prstGeom>
+              <a:blipFill>
+                <a:blip r:embed="rId13"/>
+                <a:stretch>
+                  <a:fillRect r="-2128" b="-3125"/>
+                </a:stretch>
+              </a:blipFill>
+            </p:spPr>
+            <p:txBody>
+              <a:bodyPr/>
+              <a:lstStyle/>
+              <a:p>
+                <a:r>
+                  <a:rPr lang="en-US">
+                    <a:noFill/>
+                  </a:rPr>
+                  <a:t> </a:t>
+                </a:r>
+              </a:p>
+            </p:txBody>
+          </p:sp>
+        </mc:Fallback>
+      </mc:AlternateContent>
+      <mc:AlternateContent xmlns:mc="http://schemas.openxmlformats.org/markup-compatibility/2006">
+        <mc:Choice xmlns:a14="http://schemas.microsoft.com/office/drawing/2010/main" Requires="a14">
+          <p:sp>
+            <p:nvSpPr>
+              <p:cNvPr id="18" name="TextBox 17">
+                <a:extLst>
+                  <a:ext uri="{FF2B5EF4-FFF2-40B4-BE49-F238E27FC236}">
+                    <a16:creationId xmlns:a16="http://schemas.microsoft.com/office/drawing/2014/main" id="{F50D53F5-AD08-CF49-960A-83EA29E9ACC4}"/>
+                  </a:ext>
+                </a:extLst>
+              </p:cNvPr>
+              <p:cNvSpPr txBox="1"/>
+              <p:nvPr/>
+            </p:nvSpPr>
+            <p:spPr>
+              <a:xfrm>
+                <a:off x="9857426" y="3635969"/>
+                <a:ext cx="576649" cy="400110"/>
+              </a:xfrm>
+              <a:prstGeom prst="rect">
+                <a:avLst/>
+              </a:prstGeom>
+              <a:solidFill>
+                <a:schemeClr val="bg1"/>
+              </a:solidFill>
+            </p:spPr>
+            <p:txBody>
+              <a:bodyPr wrap="square" rtlCol="0">
+                <a:spAutoFit/>
+              </a:bodyPr>
+              <a:lstStyle/>
+              <a:p>
+                <a14:m>
+                  <m:oMathPara xmlns:m="http://schemas.openxmlformats.org/officeDocument/2006/math">
+                    <m:oMathParaPr>
+                      <m:jc m:val="centerGroup"/>
+                    </m:oMathParaPr>
+                    <m:oMath xmlns:m="http://schemas.openxmlformats.org/officeDocument/2006/math">
+                      <m:sSub>
+                        <m:sSubPr>
+                          <m:ctrlPr>
+                            <a:rPr lang="en-US" sz="2000" b="0" i="1" dirty="0" smtClean="0">
+                              <a:latin typeface="Cambria Math" panose="02040503050406030204" pitchFamily="18" charset="0"/>
+                            </a:rPr>
+                          </m:ctrlPr>
+                        </m:sSubPr>
+                        <m:e>
+                          <m:r>
+                            <a:rPr lang="en-US" sz="2000" b="0" i="1" dirty="0" smtClean="0">
+                              <a:latin typeface="Cambria Math" panose="02040503050406030204" pitchFamily="18" charset="0"/>
+                            </a:rPr>
+                            <m:t>𝑊</m:t>
+                          </m:r>
+                        </m:e>
+                        <m:sub>
+                          <m:r>
+                            <a:rPr lang="en-US" sz="2000" b="0" i="1" dirty="0" smtClean="0">
+                              <a:latin typeface="Cambria Math" panose="02040503050406030204" pitchFamily="18" charset="0"/>
+                            </a:rPr>
+                            <m:t>hh</m:t>
+                          </m:r>
+                        </m:sub>
+                      </m:sSub>
+                    </m:oMath>
+                  </m:oMathPara>
+                </a14:m>
+                <a:endParaRPr lang="en-US" sz="2000" b="0" dirty="0"/>
+              </a:p>
+            </p:txBody>
+          </p:sp>
+        </mc:Choice>
+        <mc:Fallback>
+          <p:sp>
+            <p:nvSpPr>
+              <p:cNvPr id="18" name="TextBox 17">
+                <a:extLst>
+                  <a:ext uri="{FF2B5EF4-FFF2-40B4-BE49-F238E27FC236}">
+                    <a16:creationId xmlns:a16="http://schemas.microsoft.com/office/drawing/2014/main" id="{F50D53F5-AD08-CF49-960A-83EA29E9ACC4}"/>
+                  </a:ext>
+                </a:extLst>
+              </p:cNvPr>
+              <p:cNvSpPr txBox="1">
+                <a:spLocks noRot="1" noChangeAspect="1" noMove="1" noResize="1" noEditPoints="1" noAdjustHandles="1" noChangeArrowheads="1" noChangeShapeType="1" noTextEdit="1"/>
+              </p:cNvSpPr>
+              <p:nvPr/>
+            </p:nvSpPr>
+            <p:spPr>
+              <a:xfrm>
+                <a:off x="9857426" y="3635969"/>
+                <a:ext cx="576649" cy="400110"/>
+              </a:xfrm>
+              <a:prstGeom prst="rect">
+                <a:avLst/>
+              </a:prstGeom>
+              <a:blipFill>
+                <a:blip r:embed="rId14"/>
+                <a:stretch>
+                  <a:fillRect r="-4348" b="-3125"/>
+                </a:stretch>
+              </a:blipFill>
+            </p:spPr>
+            <p:txBody>
+              <a:bodyPr/>
+              <a:lstStyle/>
+              <a:p>
+                <a:r>
+                  <a:rPr lang="en-US">
+                    <a:noFill/>
+                  </a:rPr>
+                  <a:t> </a:t>
+                </a:r>
+              </a:p>
+            </p:txBody>
+          </p:sp>
+        </mc:Fallback>
+      </mc:AlternateContent>
+      <mc:AlternateContent xmlns:mc="http://schemas.openxmlformats.org/markup-compatibility/2006">
+        <mc:Choice xmlns:a14="http://schemas.microsoft.com/office/drawing/2010/main" Requires="a14">
+          <p:sp>
+            <p:nvSpPr>
+              <p:cNvPr id="19" name="TextBox 18">
+                <a:extLst>
+                  <a:ext uri="{FF2B5EF4-FFF2-40B4-BE49-F238E27FC236}">
+                    <a16:creationId xmlns:a16="http://schemas.microsoft.com/office/drawing/2014/main" id="{EF63984D-81B5-CA48-B8C1-6398DE59E129}"/>
+                  </a:ext>
+                </a:extLst>
+              </p:cNvPr>
+              <p:cNvSpPr txBox="1"/>
+              <p:nvPr/>
+            </p:nvSpPr>
+            <p:spPr>
+              <a:xfrm>
+                <a:off x="6174257" y="4103871"/>
+                <a:ext cx="484833" cy="400110"/>
+              </a:xfrm>
+              <a:prstGeom prst="rect">
+                <a:avLst/>
+              </a:prstGeom>
+              <a:solidFill>
+                <a:schemeClr val="bg1"/>
+              </a:solidFill>
+            </p:spPr>
+            <p:txBody>
+              <a:bodyPr wrap="square" rtlCol="0">
+                <a:spAutoFit/>
+              </a:bodyPr>
+              <a:lstStyle/>
+              <a:p>
+                <a14:m>
+                  <m:oMathPara xmlns:m="http://schemas.openxmlformats.org/officeDocument/2006/math">
+                    <m:oMathParaPr>
+                      <m:jc m:val="centerGroup"/>
+                    </m:oMathParaPr>
+                    <m:oMath xmlns:m="http://schemas.openxmlformats.org/officeDocument/2006/math">
+                      <m:sSub>
+                        <m:sSubPr>
+                          <m:ctrlPr>
+                            <a:rPr lang="en-US" sz="2000" b="0" i="1" dirty="0" smtClean="0">
+                              <a:latin typeface="Cambria Math" panose="02040503050406030204" pitchFamily="18" charset="0"/>
+                            </a:rPr>
+                          </m:ctrlPr>
+                        </m:sSubPr>
+                        <m:e>
+                          <m:r>
+                            <a:rPr lang="en-US" sz="2000" b="0" i="1" dirty="0" smtClean="0">
+                              <a:latin typeface="Cambria Math" panose="02040503050406030204" pitchFamily="18" charset="0"/>
+                            </a:rPr>
+                            <m:t>𝑊</m:t>
+                          </m:r>
+                        </m:e>
+                        <m:sub>
+                          <m:r>
+                            <a:rPr lang="en-US" sz="2000" b="0" i="1" dirty="0" smtClean="0">
+                              <a:latin typeface="Cambria Math" panose="02040503050406030204" pitchFamily="18" charset="0"/>
+                            </a:rPr>
+                            <m:t>𝑥h</m:t>
+                          </m:r>
+                        </m:sub>
+                      </m:sSub>
+                    </m:oMath>
+                  </m:oMathPara>
+                </a14:m>
+                <a:endParaRPr lang="en-US" sz="2000" b="0" dirty="0"/>
+              </a:p>
+            </p:txBody>
+          </p:sp>
+        </mc:Choice>
+        <mc:Fallback>
+          <p:sp>
+            <p:nvSpPr>
+              <p:cNvPr id="19" name="TextBox 18">
+                <a:extLst>
+                  <a:ext uri="{FF2B5EF4-FFF2-40B4-BE49-F238E27FC236}">
+                    <a16:creationId xmlns:a16="http://schemas.microsoft.com/office/drawing/2014/main" id="{EF63984D-81B5-CA48-B8C1-6398DE59E129}"/>
+                  </a:ext>
+                </a:extLst>
+              </p:cNvPr>
+              <p:cNvSpPr txBox="1">
+                <a:spLocks noRot="1" noChangeAspect="1" noMove="1" noResize="1" noEditPoints="1" noAdjustHandles="1" noChangeArrowheads="1" noChangeShapeType="1" noTextEdit="1"/>
+              </p:cNvSpPr>
+              <p:nvPr/>
+            </p:nvSpPr>
+            <p:spPr>
+              <a:xfrm>
+                <a:off x="6174257" y="4103871"/>
+                <a:ext cx="484833" cy="400110"/>
+              </a:xfrm>
+              <a:prstGeom prst="rect">
+                <a:avLst/>
+              </a:prstGeom>
+              <a:blipFill>
+                <a:blip r:embed="rId15"/>
+                <a:stretch>
+                  <a:fillRect r="-20513" b="-3125"/>
+                </a:stretch>
+              </a:blipFill>
+            </p:spPr>
+            <p:txBody>
+              <a:bodyPr/>
+              <a:lstStyle/>
+              <a:p>
+                <a:r>
+                  <a:rPr lang="en-US">
+                    <a:noFill/>
+                  </a:rPr>
+                  <a:t> </a:t>
+                </a:r>
+              </a:p>
+            </p:txBody>
+          </p:sp>
+        </mc:Fallback>
+      </mc:AlternateContent>
+      <mc:AlternateContent xmlns:mc="http://schemas.openxmlformats.org/markup-compatibility/2006">
+        <mc:Choice xmlns:a14="http://schemas.microsoft.com/office/drawing/2010/main" Requires="a14">
+          <p:sp>
+            <p:nvSpPr>
+              <p:cNvPr id="20" name="TextBox 19">
+                <a:extLst>
+                  <a:ext uri="{FF2B5EF4-FFF2-40B4-BE49-F238E27FC236}">
+                    <a16:creationId xmlns:a16="http://schemas.microsoft.com/office/drawing/2014/main" id="{2CA7AAC9-E97C-754D-A004-3851EFCB9811}"/>
+                  </a:ext>
+                </a:extLst>
+              </p:cNvPr>
+              <p:cNvSpPr txBox="1"/>
+              <p:nvPr/>
+            </p:nvSpPr>
+            <p:spPr>
+              <a:xfrm>
+                <a:off x="7831265" y="4103871"/>
+                <a:ext cx="484833" cy="400110"/>
+              </a:xfrm>
+              <a:prstGeom prst="rect">
+                <a:avLst/>
+              </a:prstGeom>
+              <a:solidFill>
+                <a:schemeClr val="bg1"/>
+              </a:solidFill>
+            </p:spPr>
+            <p:txBody>
+              <a:bodyPr wrap="square" rtlCol="0">
+                <a:spAutoFit/>
+              </a:bodyPr>
+              <a:lstStyle/>
+              <a:p>
+                <a14:m>
+                  <m:oMathPara xmlns:m="http://schemas.openxmlformats.org/officeDocument/2006/math">
+                    <m:oMathParaPr>
+                      <m:jc m:val="centerGroup"/>
+                    </m:oMathParaPr>
+                    <m:oMath xmlns:m="http://schemas.openxmlformats.org/officeDocument/2006/math">
+                      <m:sSub>
+                        <m:sSubPr>
+                          <m:ctrlPr>
+                            <a:rPr lang="en-US" sz="2000" b="0" i="1" dirty="0" smtClean="0">
+                              <a:latin typeface="Cambria Math" panose="02040503050406030204" pitchFamily="18" charset="0"/>
+                            </a:rPr>
+                          </m:ctrlPr>
+                        </m:sSubPr>
+                        <m:e>
+                          <m:r>
+                            <a:rPr lang="en-US" sz="2000" b="0" i="1" dirty="0" smtClean="0">
+                              <a:latin typeface="Cambria Math" panose="02040503050406030204" pitchFamily="18" charset="0"/>
+                            </a:rPr>
+                            <m:t>𝑊</m:t>
+                          </m:r>
+                        </m:e>
+                        <m:sub>
+                          <m:r>
+                            <a:rPr lang="en-US" sz="2000" b="0" i="1" dirty="0" smtClean="0">
+                              <a:latin typeface="Cambria Math" panose="02040503050406030204" pitchFamily="18" charset="0"/>
+                            </a:rPr>
+                            <m:t>𝑥h</m:t>
+                          </m:r>
+                        </m:sub>
+                      </m:sSub>
+                    </m:oMath>
+                  </m:oMathPara>
+                </a14:m>
+                <a:endParaRPr lang="en-US" sz="2000" b="0" dirty="0"/>
+              </a:p>
+            </p:txBody>
+          </p:sp>
+        </mc:Choice>
+        <mc:Fallback>
+          <p:sp>
+            <p:nvSpPr>
+              <p:cNvPr id="20" name="TextBox 19">
+                <a:extLst>
+                  <a:ext uri="{FF2B5EF4-FFF2-40B4-BE49-F238E27FC236}">
+                    <a16:creationId xmlns:a16="http://schemas.microsoft.com/office/drawing/2014/main" id="{2CA7AAC9-E97C-754D-A004-3851EFCB9811}"/>
+                  </a:ext>
+                </a:extLst>
+              </p:cNvPr>
+              <p:cNvSpPr txBox="1">
+                <a:spLocks noRot="1" noChangeAspect="1" noMove="1" noResize="1" noEditPoints="1" noAdjustHandles="1" noChangeArrowheads="1" noChangeShapeType="1" noTextEdit="1"/>
+              </p:cNvSpPr>
+              <p:nvPr/>
+            </p:nvSpPr>
+            <p:spPr>
+              <a:xfrm>
+                <a:off x="7831265" y="4103871"/>
+                <a:ext cx="484833" cy="400110"/>
+              </a:xfrm>
+              <a:prstGeom prst="rect">
+                <a:avLst/>
+              </a:prstGeom>
+              <a:blipFill>
+                <a:blip r:embed="rId16"/>
+                <a:stretch>
+                  <a:fillRect r="-23077" b="-3125"/>
+                </a:stretch>
+              </a:blipFill>
+            </p:spPr>
+            <p:txBody>
+              <a:bodyPr/>
+              <a:lstStyle/>
+              <a:p>
+                <a:r>
+                  <a:rPr lang="en-US">
+                    <a:noFill/>
+                  </a:rPr>
+                  <a:t> </a:t>
+                </a:r>
+              </a:p>
+            </p:txBody>
+          </p:sp>
+        </mc:Fallback>
+      </mc:AlternateContent>
+      <mc:AlternateContent xmlns:mc="http://schemas.openxmlformats.org/markup-compatibility/2006">
+        <mc:Choice xmlns:a14="http://schemas.microsoft.com/office/drawing/2010/main" Requires="a14">
+          <p:sp>
+            <p:nvSpPr>
+              <p:cNvPr id="21" name="TextBox 20">
+                <a:extLst>
+                  <a:ext uri="{FF2B5EF4-FFF2-40B4-BE49-F238E27FC236}">
+                    <a16:creationId xmlns:a16="http://schemas.microsoft.com/office/drawing/2014/main" id="{DD857206-CF64-BA42-9A63-C0938F2E46FF}"/>
+                  </a:ext>
+                </a:extLst>
+              </p:cNvPr>
+              <p:cNvSpPr txBox="1"/>
+              <p:nvPr/>
+            </p:nvSpPr>
+            <p:spPr>
+              <a:xfrm>
+                <a:off x="9497363" y="4103871"/>
+                <a:ext cx="484833" cy="400110"/>
+              </a:xfrm>
+              <a:prstGeom prst="rect">
+                <a:avLst/>
+              </a:prstGeom>
+              <a:solidFill>
+                <a:schemeClr val="bg1"/>
+              </a:solidFill>
+            </p:spPr>
+            <p:txBody>
+              <a:bodyPr wrap="square" rtlCol="0">
+                <a:spAutoFit/>
+              </a:bodyPr>
+              <a:lstStyle/>
+              <a:p>
+                <a14:m>
+                  <m:oMathPara xmlns:m="http://schemas.openxmlformats.org/officeDocument/2006/math">
+                    <m:oMathParaPr>
+                      <m:jc m:val="centerGroup"/>
+                    </m:oMathParaPr>
+                    <m:oMath xmlns:m="http://schemas.openxmlformats.org/officeDocument/2006/math">
+                      <m:sSub>
+                        <m:sSubPr>
+                          <m:ctrlPr>
+                            <a:rPr lang="en-US" sz="2000" b="0" i="1" dirty="0" smtClean="0">
+                              <a:latin typeface="Cambria Math" panose="02040503050406030204" pitchFamily="18" charset="0"/>
+                            </a:rPr>
+                          </m:ctrlPr>
+                        </m:sSubPr>
+                        <m:e>
+                          <m:r>
+                            <a:rPr lang="en-US" sz="2000" b="0" i="1" dirty="0" smtClean="0">
+                              <a:latin typeface="Cambria Math" panose="02040503050406030204" pitchFamily="18" charset="0"/>
+                            </a:rPr>
+                            <m:t>𝑊</m:t>
+                          </m:r>
+                        </m:e>
+                        <m:sub>
+                          <m:r>
+                            <a:rPr lang="en-US" sz="2000" b="0" i="1" dirty="0" smtClean="0">
+                              <a:latin typeface="Cambria Math" panose="02040503050406030204" pitchFamily="18" charset="0"/>
+                            </a:rPr>
+                            <m:t>𝑥h</m:t>
+                          </m:r>
+                        </m:sub>
+                      </m:sSub>
+                    </m:oMath>
+                  </m:oMathPara>
+                </a14:m>
+                <a:endParaRPr lang="en-US" sz="2000" b="0" dirty="0"/>
+              </a:p>
+            </p:txBody>
+          </p:sp>
+        </mc:Choice>
+        <mc:Fallback>
+          <p:sp>
+            <p:nvSpPr>
+              <p:cNvPr id="21" name="TextBox 20">
+                <a:extLst>
+                  <a:ext uri="{FF2B5EF4-FFF2-40B4-BE49-F238E27FC236}">
+                    <a16:creationId xmlns:a16="http://schemas.microsoft.com/office/drawing/2014/main" id="{DD857206-CF64-BA42-9A63-C0938F2E46FF}"/>
+                  </a:ext>
+                </a:extLst>
+              </p:cNvPr>
+              <p:cNvSpPr txBox="1">
+                <a:spLocks noRot="1" noChangeAspect="1" noMove="1" noResize="1" noEditPoints="1" noAdjustHandles="1" noChangeArrowheads="1" noChangeShapeType="1" noTextEdit="1"/>
+              </p:cNvSpPr>
+              <p:nvPr/>
+            </p:nvSpPr>
+            <p:spPr>
+              <a:xfrm>
+                <a:off x="9497363" y="4103871"/>
+                <a:ext cx="484833" cy="400110"/>
+              </a:xfrm>
+              <a:prstGeom prst="rect">
+                <a:avLst/>
+              </a:prstGeom>
+              <a:blipFill>
+                <a:blip r:embed="rId17"/>
+                <a:stretch>
+                  <a:fillRect r="-23077" b="-3125"/>
+                </a:stretch>
+              </a:blipFill>
+            </p:spPr>
+            <p:txBody>
+              <a:bodyPr/>
+              <a:lstStyle/>
+              <a:p>
+                <a:r>
+                  <a:rPr lang="en-US">
+                    <a:noFill/>
+                  </a:rPr>
+                  <a:t> </a:t>
+                </a:r>
+              </a:p>
+            </p:txBody>
+          </p:sp>
+        </mc:Fallback>
+      </mc:AlternateContent>
+      <mc:AlternateContent xmlns:mc="http://schemas.openxmlformats.org/markup-compatibility/2006">
+        <mc:Choice xmlns:a14="http://schemas.microsoft.com/office/drawing/2010/main" Requires="a14">
+          <p:sp>
+            <p:nvSpPr>
+              <p:cNvPr id="22" name="TextBox 21">
+                <a:extLst>
+                  <a:ext uri="{FF2B5EF4-FFF2-40B4-BE49-F238E27FC236}">
+                    <a16:creationId xmlns:a16="http://schemas.microsoft.com/office/drawing/2014/main" id="{8C39038D-D046-DB42-A166-C651854C9FEA}"/>
+                  </a:ext>
+                </a:extLst>
+              </p:cNvPr>
+              <p:cNvSpPr txBox="1"/>
+              <p:nvPr/>
+            </p:nvSpPr>
+            <p:spPr>
+              <a:xfrm>
+                <a:off x="5479453" y="2587059"/>
+                <a:ext cx="568070" cy="424283"/>
+              </a:xfrm>
+              <a:prstGeom prst="rect">
+                <a:avLst/>
+              </a:prstGeom>
+              <a:solidFill>
+                <a:schemeClr val="bg1"/>
+              </a:solidFill>
+            </p:spPr>
+            <p:txBody>
+              <a:bodyPr wrap="square" rtlCol="0">
+                <a:spAutoFit/>
+              </a:bodyPr>
+              <a:lstStyle/>
+              <a:p>
+                <a14:m>
+                  <m:oMathPara xmlns:m="http://schemas.openxmlformats.org/officeDocument/2006/math">
+                    <m:oMathParaPr>
+                      <m:jc m:val="centerGroup"/>
+                    </m:oMathParaPr>
+                    <m:oMath xmlns:m="http://schemas.openxmlformats.org/officeDocument/2006/math">
+                      <m:sSub>
+                        <m:sSubPr>
+                          <m:ctrlPr>
+                            <a:rPr lang="en-US" sz="2000" b="0" i="1" dirty="0" smtClean="0">
+                              <a:latin typeface="Cambria Math" panose="02040503050406030204" pitchFamily="18" charset="0"/>
+                            </a:rPr>
+                          </m:ctrlPr>
+                        </m:sSubPr>
+                        <m:e>
+                          <m:r>
+                            <a:rPr lang="en-US" sz="2000" b="0" i="1" dirty="0" smtClean="0">
+                              <a:latin typeface="Cambria Math" panose="02040503050406030204" pitchFamily="18" charset="0"/>
+                            </a:rPr>
+                            <m:t>𝑊</m:t>
+                          </m:r>
+                        </m:e>
+                        <m:sub>
+                          <m:r>
+                            <a:rPr lang="en-US" sz="2000" b="0" i="1" dirty="0" smtClean="0">
+                              <a:latin typeface="Cambria Math" panose="02040503050406030204" pitchFamily="18" charset="0"/>
+                            </a:rPr>
+                            <m:t>h𝑦</m:t>
+                          </m:r>
+                        </m:sub>
+                      </m:sSub>
+                    </m:oMath>
+                  </m:oMathPara>
+                </a14:m>
+                <a:endParaRPr lang="en-US" sz="2000" b="0" dirty="0"/>
+              </a:p>
+            </p:txBody>
+          </p:sp>
+        </mc:Choice>
+        <mc:Fallback>
+          <p:sp>
+            <p:nvSpPr>
+              <p:cNvPr id="22" name="TextBox 21">
+                <a:extLst>
+                  <a:ext uri="{FF2B5EF4-FFF2-40B4-BE49-F238E27FC236}">
+                    <a16:creationId xmlns:a16="http://schemas.microsoft.com/office/drawing/2014/main" id="{8C39038D-D046-DB42-A166-C651854C9FEA}"/>
+                  </a:ext>
+                </a:extLst>
+              </p:cNvPr>
+              <p:cNvSpPr txBox="1">
+                <a:spLocks noRot="1" noChangeAspect="1" noMove="1" noResize="1" noEditPoints="1" noAdjustHandles="1" noChangeArrowheads="1" noChangeShapeType="1" noTextEdit="1"/>
+              </p:cNvSpPr>
+              <p:nvPr/>
+            </p:nvSpPr>
+            <p:spPr>
+              <a:xfrm>
+                <a:off x="5479453" y="2587059"/>
+                <a:ext cx="568070" cy="424283"/>
+              </a:xfrm>
+              <a:prstGeom prst="rect">
+                <a:avLst/>
+              </a:prstGeom>
+              <a:blipFill>
+                <a:blip r:embed="rId18"/>
+                <a:stretch>
+                  <a:fillRect r="-8696" b="-8571"/>
+                </a:stretch>
+              </a:blipFill>
+            </p:spPr>
+            <p:txBody>
+              <a:bodyPr/>
+              <a:lstStyle/>
+              <a:p>
+                <a:r>
+                  <a:rPr lang="en-US">
+                    <a:noFill/>
+                  </a:rPr>
+                  <a:t> </a:t>
+                </a:r>
+              </a:p>
+            </p:txBody>
+          </p:sp>
+        </mc:Fallback>
+      </mc:AlternateContent>
+      <mc:AlternateContent xmlns:mc="http://schemas.openxmlformats.org/markup-compatibility/2006">
+        <mc:Choice xmlns:a14="http://schemas.microsoft.com/office/drawing/2010/main" Requires="a14">
+          <p:sp>
+            <p:nvSpPr>
+              <p:cNvPr id="23" name="TextBox 22">
+                <a:extLst>
+                  <a:ext uri="{FF2B5EF4-FFF2-40B4-BE49-F238E27FC236}">
+                    <a16:creationId xmlns:a16="http://schemas.microsoft.com/office/drawing/2014/main" id="{33CD4E08-C7A7-9941-9007-326ED1357EEC}"/>
+                  </a:ext>
+                </a:extLst>
+              </p:cNvPr>
+              <p:cNvSpPr txBox="1"/>
+              <p:nvPr/>
+            </p:nvSpPr>
+            <p:spPr>
+              <a:xfrm>
+                <a:off x="7094363" y="2562506"/>
+                <a:ext cx="612772" cy="424283"/>
+              </a:xfrm>
+              <a:prstGeom prst="rect">
+                <a:avLst/>
+              </a:prstGeom>
+              <a:solidFill>
+                <a:schemeClr val="bg1"/>
+              </a:solidFill>
+            </p:spPr>
+            <p:txBody>
+              <a:bodyPr wrap="square" rtlCol="0">
+                <a:spAutoFit/>
+              </a:bodyPr>
+              <a:lstStyle/>
+              <a:p>
+                <a14:m>
+                  <m:oMathPara xmlns:m="http://schemas.openxmlformats.org/officeDocument/2006/math">
+                    <m:oMathParaPr>
+                      <m:jc m:val="centerGroup"/>
+                    </m:oMathParaPr>
+                    <m:oMath xmlns:m="http://schemas.openxmlformats.org/officeDocument/2006/math">
+                      <m:sSub>
+                        <m:sSubPr>
+                          <m:ctrlPr>
+                            <a:rPr lang="en-US" sz="2000" b="0" i="1" dirty="0" smtClean="0">
+                              <a:latin typeface="Cambria Math" panose="02040503050406030204" pitchFamily="18" charset="0"/>
+                            </a:rPr>
+                          </m:ctrlPr>
+                        </m:sSubPr>
+                        <m:e>
+                          <m:r>
+                            <a:rPr lang="en-US" sz="2000" b="0" i="1" dirty="0" smtClean="0">
+                              <a:latin typeface="Cambria Math" panose="02040503050406030204" pitchFamily="18" charset="0"/>
+                            </a:rPr>
+                            <m:t>𝑊</m:t>
+                          </m:r>
+                        </m:e>
+                        <m:sub>
+                          <m:r>
+                            <a:rPr lang="en-US" sz="2000" b="0" i="1" dirty="0" smtClean="0">
+                              <a:latin typeface="Cambria Math" panose="02040503050406030204" pitchFamily="18" charset="0"/>
+                            </a:rPr>
+                            <m:t>h𝑦</m:t>
+                          </m:r>
+                        </m:sub>
+                      </m:sSub>
+                    </m:oMath>
+                  </m:oMathPara>
+                </a14:m>
+                <a:endParaRPr lang="en-US" sz="2000" b="0" dirty="0"/>
+              </a:p>
+            </p:txBody>
+          </p:sp>
+        </mc:Choice>
+        <mc:Fallback>
+          <p:sp>
+            <p:nvSpPr>
+              <p:cNvPr id="23" name="TextBox 22">
+                <a:extLst>
+                  <a:ext uri="{FF2B5EF4-FFF2-40B4-BE49-F238E27FC236}">
+                    <a16:creationId xmlns:a16="http://schemas.microsoft.com/office/drawing/2014/main" id="{33CD4E08-C7A7-9941-9007-326ED1357EEC}"/>
+                  </a:ext>
+                </a:extLst>
+              </p:cNvPr>
+              <p:cNvSpPr txBox="1">
+                <a:spLocks noRot="1" noChangeAspect="1" noMove="1" noResize="1" noEditPoints="1" noAdjustHandles="1" noChangeArrowheads="1" noChangeShapeType="1" noTextEdit="1"/>
+              </p:cNvSpPr>
+              <p:nvPr/>
+            </p:nvSpPr>
+            <p:spPr>
+              <a:xfrm>
+                <a:off x="7094363" y="2562506"/>
+                <a:ext cx="612772" cy="424283"/>
+              </a:xfrm>
+              <a:prstGeom prst="rect">
+                <a:avLst/>
+              </a:prstGeom>
+              <a:blipFill>
+                <a:blip r:embed="rId19"/>
+                <a:stretch>
+                  <a:fillRect r="-2041" b="-8571"/>
+                </a:stretch>
+              </a:blipFill>
+            </p:spPr>
+            <p:txBody>
+              <a:bodyPr/>
+              <a:lstStyle/>
+              <a:p>
+                <a:r>
+                  <a:rPr lang="en-US">
+                    <a:noFill/>
+                  </a:rPr>
+                  <a:t> </a:t>
+                </a:r>
+              </a:p>
+            </p:txBody>
+          </p:sp>
+        </mc:Fallback>
+      </mc:AlternateContent>
+      <mc:AlternateContent xmlns:mc="http://schemas.openxmlformats.org/markup-compatibility/2006">
+        <mc:Choice xmlns:a14="http://schemas.microsoft.com/office/drawing/2010/main" Requires="a14">
+          <p:sp>
+            <p:nvSpPr>
+              <p:cNvPr id="24" name="TextBox 23">
+                <a:extLst>
+                  <a:ext uri="{FF2B5EF4-FFF2-40B4-BE49-F238E27FC236}">
+                    <a16:creationId xmlns:a16="http://schemas.microsoft.com/office/drawing/2014/main" id="{3CC8A5D4-462A-D246-9356-77210866B6A6}"/>
+                  </a:ext>
+                </a:extLst>
+              </p:cNvPr>
+              <p:cNvSpPr txBox="1"/>
+              <p:nvPr/>
+            </p:nvSpPr>
+            <p:spPr>
+              <a:xfrm>
+                <a:off x="8828648" y="2562506"/>
+                <a:ext cx="576649" cy="424283"/>
+              </a:xfrm>
+              <a:prstGeom prst="rect">
+                <a:avLst/>
+              </a:prstGeom>
+              <a:solidFill>
+                <a:schemeClr val="bg1"/>
+              </a:solidFill>
+            </p:spPr>
+            <p:txBody>
+              <a:bodyPr wrap="square" rtlCol="0">
+                <a:spAutoFit/>
+              </a:bodyPr>
+              <a:lstStyle/>
+              <a:p>
+                <a14:m>
+                  <m:oMathPara xmlns:m="http://schemas.openxmlformats.org/officeDocument/2006/math">
+                    <m:oMathParaPr>
+                      <m:jc m:val="centerGroup"/>
+                    </m:oMathParaPr>
+                    <m:oMath xmlns:m="http://schemas.openxmlformats.org/officeDocument/2006/math">
+                      <m:sSub>
+                        <m:sSubPr>
+                          <m:ctrlPr>
+                            <a:rPr lang="en-US" sz="2000" b="0" i="1" dirty="0" smtClean="0">
+                              <a:latin typeface="Cambria Math" panose="02040503050406030204" pitchFamily="18" charset="0"/>
+                            </a:rPr>
+                          </m:ctrlPr>
+                        </m:sSubPr>
+                        <m:e>
+                          <m:r>
+                            <a:rPr lang="en-US" sz="2000" b="0" i="1" dirty="0" smtClean="0">
+                              <a:latin typeface="Cambria Math" panose="02040503050406030204" pitchFamily="18" charset="0"/>
+                            </a:rPr>
+                            <m:t>𝑊</m:t>
+                          </m:r>
+                        </m:e>
+                        <m:sub>
+                          <m:r>
+                            <a:rPr lang="en-US" sz="2000" b="0" i="1" dirty="0" smtClean="0">
+                              <a:latin typeface="Cambria Math" panose="02040503050406030204" pitchFamily="18" charset="0"/>
+                            </a:rPr>
+                            <m:t>h𝑦</m:t>
+                          </m:r>
+                        </m:sub>
+                      </m:sSub>
+                    </m:oMath>
+                  </m:oMathPara>
+                </a14:m>
+                <a:endParaRPr lang="en-US" sz="2000" b="0" dirty="0"/>
+              </a:p>
+            </p:txBody>
+          </p:sp>
+        </mc:Choice>
+        <mc:Fallback>
+          <p:sp>
+            <p:nvSpPr>
+              <p:cNvPr id="24" name="TextBox 23">
+                <a:extLst>
+                  <a:ext uri="{FF2B5EF4-FFF2-40B4-BE49-F238E27FC236}">
+                    <a16:creationId xmlns:a16="http://schemas.microsoft.com/office/drawing/2014/main" id="{3CC8A5D4-462A-D246-9356-77210866B6A6}"/>
+                  </a:ext>
+                </a:extLst>
+              </p:cNvPr>
+              <p:cNvSpPr txBox="1">
+                <a:spLocks noRot="1" noChangeAspect="1" noMove="1" noResize="1" noEditPoints="1" noAdjustHandles="1" noChangeArrowheads="1" noChangeShapeType="1" noTextEdit="1"/>
+              </p:cNvSpPr>
+              <p:nvPr/>
+            </p:nvSpPr>
+            <p:spPr>
+              <a:xfrm>
+                <a:off x="8828648" y="2562506"/>
+                <a:ext cx="576649" cy="424283"/>
+              </a:xfrm>
+              <a:prstGeom prst="rect">
+                <a:avLst/>
+              </a:prstGeom>
+              <a:blipFill>
+                <a:blip r:embed="rId20"/>
+                <a:stretch>
+                  <a:fillRect r="-6522" b="-8571"/>
+                </a:stretch>
+              </a:blipFill>
+            </p:spPr>
+            <p:txBody>
+              <a:bodyPr/>
+              <a:lstStyle/>
+              <a:p>
+                <a:r>
+                  <a:rPr lang="en-US">
+                    <a:noFill/>
+                  </a:rPr>
+                  <a:t> </a:t>
+                </a:r>
+              </a:p>
+            </p:txBody>
+          </p:sp>
+        </mc:Fallback>
+      </mc:AlternateContent>
+    </p:spTree>
+    <p:extLst>
+      <p:ext uri="{BB962C8B-B14F-4D97-AF65-F5344CB8AC3E}">
+        <p14:creationId xmlns:p14="http://schemas.microsoft.com/office/powerpoint/2010/main" val="3048463249"/>
       </p:ext>
     </p:extLst>
   </p:cSld>

--- a/lec/sequence/figs/snow_unrolled.pptx
+++ b/lec/sequence/figs/snow_unrolled.pptx
@@ -8,6 +8,7 @@
     <p:sldId id="256" r:id="rId2"/>
     <p:sldId id="257" r:id="rId3"/>
     <p:sldId id="258" r:id="rId4"/>
+    <p:sldId id="259" r:id="rId5"/>
   </p:sldIdLst>
   <p:sldSz cx="12192000" cy="6858000"/>
   <p:notesSz cx="6858000" cy="9144000"/>
@@ -255,7 +256,7 @@
           <a:p>
             <a:fld id="{4AFAEF00-FD01-6240-B492-4D02BA9707E8}" type="datetimeFigureOut">
               <a:rPr lang="en-US" smtClean="0"/>
-              <a:t>2/25/21</a:t>
+              <a:t>3/1/21</a:t>
             </a:fld>
             <a:endParaRPr lang="en-US"/>
           </a:p>
@@ -423,7 +424,7 @@
           <a:p>
             <a:fld id="{4AFAEF00-FD01-6240-B492-4D02BA9707E8}" type="datetimeFigureOut">
               <a:rPr lang="en-US" smtClean="0"/>
-              <a:t>2/25/21</a:t>
+              <a:t>3/1/21</a:t>
             </a:fld>
             <a:endParaRPr lang="en-US"/>
           </a:p>
@@ -601,7 +602,7 @@
           <a:p>
             <a:fld id="{4AFAEF00-FD01-6240-B492-4D02BA9707E8}" type="datetimeFigureOut">
               <a:rPr lang="en-US" smtClean="0"/>
-              <a:t>2/25/21</a:t>
+              <a:t>3/1/21</a:t>
             </a:fld>
             <a:endParaRPr lang="en-US"/>
           </a:p>
@@ -769,7 +770,7 @@
           <a:p>
             <a:fld id="{4AFAEF00-FD01-6240-B492-4D02BA9707E8}" type="datetimeFigureOut">
               <a:rPr lang="en-US" smtClean="0"/>
-              <a:t>2/25/21</a:t>
+              <a:t>3/1/21</a:t>
             </a:fld>
             <a:endParaRPr lang="en-US"/>
           </a:p>
@@ -1014,7 +1015,7 @@
           <a:p>
             <a:fld id="{4AFAEF00-FD01-6240-B492-4D02BA9707E8}" type="datetimeFigureOut">
               <a:rPr lang="en-US" smtClean="0"/>
-              <a:t>2/25/21</a:t>
+              <a:t>3/1/21</a:t>
             </a:fld>
             <a:endParaRPr lang="en-US"/>
           </a:p>
@@ -1243,7 +1244,7 @@
           <a:p>
             <a:fld id="{4AFAEF00-FD01-6240-B492-4D02BA9707E8}" type="datetimeFigureOut">
               <a:rPr lang="en-US" smtClean="0"/>
-              <a:t>2/25/21</a:t>
+              <a:t>3/1/21</a:t>
             </a:fld>
             <a:endParaRPr lang="en-US"/>
           </a:p>
@@ -1607,7 +1608,7 @@
           <a:p>
             <a:fld id="{4AFAEF00-FD01-6240-B492-4D02BA9707E8}" type="datetimeFigureOut">
               <a:rPr lang="en-US" smtClean="0"/>
-              <a:t>2/25/21</a:t>
+              <a:t>3/1/21</a:t>
             </a:fld>
             <a:endParaRPr lang="en-US"/>
           </a:p>
@@ -1724,7 +1725,7 @@
           <a:p>
             <a:fld id="{4AFAEF00-FD01-6240-B492-4D02BA9707E8}" type="datetimeFigureOut">
               <a:rPr lang="en-US" smtClean="0"/>
-              <a:t>2/25/21</a:t>
+              <a:t>3/1/21</a:t>
             </a:fld>
             <a:endParaRPr lang="en-US"/>
           </a:p>
@@ -1819,7 +1820,7 @@
           <a:p>
             <a:fld id="{4AFAEF00-FD01-6240-B492-4D02BA9707E8}" type="datetimeFigureOut">
               <a:rPr lang="en-US" smtClean="0"/>
-              <a:t>2/25/21</a:t>
+              <a:t>3/1/21</a:t>
             </a:fld>
             <a:endParaRPr lang="en-US"/>
           </a:p>
@@ -2094,7 +2095,7 @@
           <a:p>
             <a:fld id="{4AFAEF00-FD01-6240-B492-4D02BA9707E8}" type="datetimeFigureOut">
               <a:rPr lang="en-US" smtClean="0"/>
-              <a:t>2/25/21</a:t>
+              <a:t>3/1/21</a:t>
             </a:fld>
             <a:endParaRPr lang="en-US"/>
           </a:p>
@@ -2346,7 +2347,7 @@
           <a:p>
             <a:fld id="{4AFAEF00-FD01-6240-B492-4D02BA9707E8}" type="datetimeFigureOut">
               <a:rPr lang="en-US" smtClean="0"/>
-              <a:t>2/25/21</a:t>
+              <a:t>3/1/21</a:t>
             </a:fld>
             <a:endParaRPr lang="en-US"/>
           </a:p>
@@ -2557,7 +2558,7 @@
           <a:p>
             <a:fld id="{4AFAEF00-FD01-6240-B492-4D02BA9707E8}" type="datetimeFigureOut">
               <a:rPr lang="en-US" smtClean="0"/>
-              <a:t>2/25/21</a:t>
+              <a:t>3/1/21</a:t>
             </a:fld>
             <a:endParaRPr lang="en-US"/>
           </a:p>
@@ -5376,8 +5377,8 @@
           </a:prstGeom>
         </p:spPr>
       </p:pic>
-      <mc:AlternateContent xmlns:mc="http://schemas.openxmlformats.org/markup-compatibility/2006">
-        <mc:Choice xmlns:a14="http://schemas.microsoft.com/office/drawing/2010/main" Requires="a14">
+      <mc:AlternateContent xmlns:mc="http://schemas.openxmlformats.org/markup-compatibility/2006" xmlns:a14="http://schemas.microsoft.com/office/drawing/2010/main">
+        <mc:Choice Requires="a14">
           <p:sp>
             <p:nvSpPr>
               <p:cNvPr id="6" name="TextBox 5">
@@ -5408,6 +5409,7 @@
               </a:bodyPr>
               <a:lstStyle/>
               <a:p>
+                <a:pPr/>
                 <a14:m>
                   <m:oMathPara xmlns:m="http://schemas.openxmlformats.org/officeDocument/2006/math">
                     <m:oMathParaPr>
@@ -5428,7 +5430,7 @@
             </p:txBody>
           </p:sp>
         </mc:Choice>
-        <mc:Fallback>
+        <mc:Fallback xmlns="">
           <p:sp>
             <p:nvSpPr>
               <p:cNvPr id="6" name="TextBox 5">
@@ -5473,8 +5475,8 @@
           </p:sp>
         </mc:Fallback>
       </mc:AlternateContent>
-      <mc:AlternateContent xmlns:mc="http://schemas.openxmlformats.org/markup-compatibility/2006">
-        <mc:Choice xmlns:a14="http://schemas.microsoft.com/office/drawing/2010/main" Requires="a14">
+      <mc:AlternateContent xmlns:mc="http://schemas.openxmlformats.org/markup-compatibility/2006" xmlns:a14="http://schemas.microsoft.com/office/drawing/2010/main">
+        <mc:Choice Requires="a14">
           <p:sp>
             <p:nvSpPr>
               <p:cNvPr id="8" name="TextBox 7">
@@ -5505,6 +5507,7 @@
               </a:bodyPr>
               <a:lstStyle/>
               <a:p>
+                <a:pPr/>
                 <a14:m>
                   <m:oMathPara xmlns:m="http://schemas.openxmlformats.org/officeDocument/2006/math">
                     <m:oMathParaPr>
@@ -5544,7 +5547,7 @@
             </p:txBody>
           </p:sp>
         </mc:Choice>
-        <mc:Fallback>
+        <mc:Fallback xmlns="">
           <p:sp>
             <p:nvSpPr>
               <p:cNvPr id="8" name="TextBox 7">
@@ -5589,8 +5592,8 @@
           </p:sp>
         </mc:Fallback>
       </mc:AlternateContent>
-      <mc:AlternateContent xmlns:mc="http://schemas.openxmlformats.org/markup-compatibility/2006">
-        <mc:Choice xmlns:a14="http://schemas.microsoft.com/office/drawing/2010/main" Requires="a14">
+      <mc:AlternateContent xmlns:mc="http://schemas.openxmlformats.org/markup-compatibility/2006" xmlns:a14="http://schemas.microsoft.com/office/drawing/2010/main">
+        <mc:Choice Requires="a14">
           <p:sp>
             <p:nvSpPr>
               <p:cNvPr id="7" name="TextBox 6">
@@ -5621,6 +5624,7 @@
               </a:bodyPr>
               <a:lstStyle/>
               <a:p>
+                <a:pPr/>
                 <a14:m>
                   <m:oMathPara xmlns:m="http://schemas.openxmlformats.org/officeDocument/2006/math">
                     <m:oMathParaPr>
@@ -5641,7 +5645,7 @@
             </p:txBody>
           </p:sp>
         </mc:Choice>
-        <mc:Fallback>
+        <mc:Fallback xmlns="">
           <p:sp>
             <p:nvSpPr>
               <p:cNvPr id="7" name="TextBox 6">
@@ -5686,8 +5690,8 @@
           </p:sp>
         </mc:Fallback>
       </mc:AlternateContent>
-      <mc:AlternateContent xmlns:mc="http://schemas.openxmlformats.org/markup-compatibility/2006">
-        <mc:Choice xmlns:a14="http://schemas.microsoft.com/office/drawing/2010/main" Requires="a14">
+      <mc:AlternateContent xmlns:mc="http://schemas.openxmlformats.org/markup-compatibility/2006" xmlns:a14="http://schemas.microsoft.com/office/drawing/2010/main">
+        <mc:Choice Requires="a14">
           <p:sp>
             <p:nvSpPr>
               <p:cNvPr id="9" name="TextBox 8">
@@ -5718,6 +5722,7 @@
               </a:bodyPr>
               <a:lstStyle/>
               <a:p>
+                <a:pPr/>
                 <a14:m>
                   <m:oMathPara xmlns:m="http://schemas.openxmlformats.org/officeDocument/2006/math">
                     <m:oMathParaPr>
@@ -5757,7 +5762,7 @@
             </p:txBody>
           </p:sp>
         </mc:Choice>
-        <mc:Fallback>
+        <mc:Fallback xmlns="">
           <p:sp>
             <p:nvSpPr>
               <p:cNvPr id="9" name="TextBox 8">
@@ -5802,8 +5807,8 @@
           </p:sp>
         </mc:Fallback>
       </mc:AlternateContent>
-      <mc:AlternateContent xmlns:mc="http://schemas.openxmlformats.org/markup-compatibility/2006">
-        <mc:Choice xmlns:a14="http://schemas.microsoft.com/office/drawing/2010/main" Requires="a14">
+      <mc:AlternateContent xmlns:mc="http://schemas.openxmlformats.org/markup-compatibility/2006" xmlns:a14="http://schemas.microsoft.com/office/drawing/2010/main">
+        <mc:Choice Requires="a14">
           <p:sp>
             <p:nvSpPr>
               <p:cNvPr id="10" name="TextBox 9">
@@ -5834,6 +5839,7 @@
               </a:bodyPr>
               <a:lstStyle/>
               <a:p>
+                <a:pPr/>
                 <a14:m>
                   <m:oMathPara xmlns:m="http://schemas.openxmlformats.org/officeDocument/2006/math">
                     <m:oMathParaPr>
@@ -5873,7 +5879,7 @@
             </p:txBody>
           </p:sp>
         </mc:Choice>
-        <mc:Fallback>
+        <mc:Fallback xmlns="">
           <p:sp>
             <p:nvSpPr>
               <p:cNvPr id="10" name="TextBox 9">
@@ -5918,8 +5924,8 @@
           </p:sp>
         </mc:Fallback>
       </mc:AlternateContent>
-      <mc:AlternateContent xmlns:mc="http://schemas.openxmlformats.org/markup-compatibility/2006">
-        <mc:Choice xmlns:a14="http://schemas.microsoft.com/office/drawing/2010/main" Requires="a14">
+      <mc:AlternateContent xmlns:mc="http://schemas.openxmlformats.org/markup-compatibility/2006" xmlns:a14="http://schemas.microsoft.com/office/drawing/2010/main">
+        <mc:Choice Requires="a14">
           <p:sp>
             <p:nvSpPr>
               <p:cNvPr id="12" name="TextBox 11">
@@ -5950,6 +5956,7 @@
               </a:bodyPr>
               <a:lstStyle/>
               <a:p>
+                <a:pPr/>
                 <a14:m>
                   <m:oMathPara xmlns:m="http://schemas.openxmlformats.org/officeDocument/2006/math">
                     <m:oMathParaPr>
@@ -5995,7 +6002,7 @@
             </p:txBody>
           </p:sp>
         </mc:Choice>
-        <mc:Fallback>
+        <mc:Fallback xmlns="">
           <p:sp>
             <p:nvSpPr>
               <p:cNvPr id="12" name="TextBox 11">
@@ -6040,8 +6047,8 @@
           </p:sp>
         </mc:Fallback>
       </mc:AlternateContent>
-      <mc:AlternateContent xmlns:mc="http://schemas.openxmlformats.org/markup-compatibility/2006">
-        <mc:Choice xmlns:a14="http://schemas.microsoft.com/office/drawing/2010/main" Requires="a14">
+      <mc:AlternateContent xmlns:mc="http://schemas.openxmlformats.org/markup-compatibility/2006" xmlns:a14="http://schemas.microsoft.com/office/drawing/2010/main">
+        <mc:Choice Requires="a14">
           <p:sp>
             <p:nvSpPr>
               <p:cNvPr id="13" name="TextBox 12">
@@ -6072,6 +6079,7 @@
               </a:bodyPr>
               <a:lstStyle/>
               <a:p>
+                <a:pPr/>
                 <a14:m>
                   <m:oMathPara xmlns:m="http://schemas.openxmlformats.org/officeDocument/2006/math">
                     <m:oMathParaPr>
@@ -6111,7 +6119,7 @@
             </p:txBody>
           </p:sp>
         </mc:Choice>
-        <mc:Fallback>
+        <mc:Fallback xmlns="">
           <p:sp>
             <p:nvSpPr>
               <p:cNvPr id="13" name="TextBox 12">
@@ -6156,8 +6164,8 @@
           </p:sp>
         </mc:Fallback>
       </mc:AlternateContent>
-      <mc:AlternateContent xmlns:mc="http://schemas.openxmlformats.org/markup-compatibility/2006">
-        <mc:Choice xmlns:a14="http://schemas.microsoft.com/office/drawing/2010/main" Requires="a14">
+      <mc:AlternateContent xmlns:mc="http://schemas.openxmlformats.org/markup-compatibility/2006" xmlns:a14="http://schemas.microsoft.com/office/drawing/2010/main">
+        <mc:Choice Requires="a14">
           <p:sp>
             <p:nvSpPr>
               <p:cNvPr id="14" name="TextBox 13">
@@ -6188,6 +6196,7 @@
               </a:bodyPr>
               <a:lstStyle/>
               <a:p>
+                <a:pPr/>
                 <a14:m>
                   <m:oMathPara xmlns:m="http://schemas.openxmlformats.org/officeDocument/2006/math">
                     <m:oMathParaPr>
@@ -6233,7 +6242,7 @@
             </p:txBody>
           </p:sp>
         </mc:Choice>
-        <mc:Fallback>
+        <mc:Fallback xmlns="">
           <p:sp>
             <p:nvSpPr>
               <p:cNvPr id="14" name="TextBox 13">
@@ -6278,8 +6287,8 @@
           </p:sp>
         </mc:Fallback>
       </mc:AlternateContent>
-      <mc:AlternateContent xmlns:mc="http://schemas.openxmlformats.org/markup-compatibility/2006">
-        <mc:Choice xmlns:a14="http://schemas.microsoft.com/office/drawing/2010/main" Requires="a14">
+      <mc:AlternateContent xmlns:mc="http://schemas.openxmlformats.org/markup-compatibility/2006" xmlns:a14="http://schemas.microsoft.com/office/drawing/2010/main">
+        <mc:Choice Requires="a14">
           <p:sp>
             <p:nvSpPr>
               <p:cNvPr id="15" name="TextBox 14">
@@ -6310,6 +6319,7 @@
               </a:bodyPr>
               <a:lstStyle/>
               <a:p>
+                <a:pPr/>
                 <a14:m>
                   <m:oMathPara xmlns:m="http://schemas.openxmlformats.org/officeDocument/2006/math">
                     <m:oMathParaPr>
@@ -6349,7 +6359,7 @@
             </p:txBody>
           </p:sp>
         </mc:Choice>
-        <mc:Fallback>
+        <mc:Fallback xmlns="">
           <p:sp>
             <p:nvSpPr>
               <p:cNvPr id="15" name="TextBox 14">
@@ -6394,8 +6404,8 @@
           </p:sp>
         </mc:Fallback>
       </mc:AlternateContent>
-      <mc:AlternateContent xmlns:mc="http://schemas.openxmlformats.org/markup-compatibility/2006">
-        <mc:Choice xmlns:a14="http://schemas.microsoft.com/office/drawing/2010/main" Requires="a14">
+      <mc:AlternateContent xmlns:mc="http://schemas.openxmlformats.org/markup-compatibility/2006" xmlns:a14="http://schemas.microsoft.com/office/drawing/2010/main">
+        <mc:Choice Requires="a14">
           <p:sp>
             <p:nvSpPr>
               <p:cNvPr id="16" name="TextBox 15">
@@ -6426,6 +6436,1735 @@
               </a:bodyPr>
               <a:lstStyle/>
               <a:p>
+                <a:pPr/>
+                <a14:m>
+                  <m:oMathPara xmlns:m="http://schemas.openxmlformats.org/officeDocument/2006/math">
+                    <m:oMathParaPr>
+                      <m:jc m:val="centerGroup"/>
+                    </m:oMathParaPr>
+                    <m:oMath xmlns:m="http://schemas.openxmlformats.org/officeDocument/2006/math">
+                      <m:sSub>
+                        <m:sSubPr>
+                          <m:ctrlPr>
+                            <a:rPr lang="en-US" sz="2000" b="0" i="1" dirty="0" smtClean="0">
+                              <a:latin typeface="Cambria Math" panose="02040503050406030204" pitchFamily="18" charset="0"/>
+                            </a:rPr>
+                          </m:ctrlPr>
+                        </m:sSubPr>
+                        <m:e>
+                          <m:r>
+                            <a:rPr lang="en-US" sz="2000" b="0" i="1" dirty="0" smtClean="0">
+                              <a:latin typeface="Cambria Math" panose="02040503050406030204" pitchFamily="18" charset="0"/>
+                            </a:rPr>
+                            <m:t>𝑊</m:t>
+                          </m:r>
+                        </m:e>
+                        <m:sub>
+                          <m:r>
+                            <a:rPr lang="en-US" sz="2000" b="0" i="1" dirty="0" smtClean="0">
+                              <a:latin typeface="Cambria Math" panose="02040503050406030204" pitchFamily="18" charset="0"/>
+                            </a:rPr>
+                            <m:t>hh</m:t>
+                          </m:r>
+                        </m:sub>
+                      </m:sSub>
+                    </m:oMath>
+                  </m:oMathPara>
+                </a14:m>
+                <a:endParaRPr lang="en-US" sz="2000" b="0" dirty="0"/>
+              </a:p>
+            </p:txBody>
+          </p:sp>
+        </mc:Choice>
+        <mc:Fallback xmlns="">
+          <p:sp>
+            <p:nvSpPr>
+              <p:cNvPr id="16" name="TextBox 15">
+                <a:extLst>
+                  <a:ext uri="{FF2B5EF4-FFF2-40B4-BE49-F238E27FC236}">
+                    <a16:creationId xmlns:a16="http://schemas.microsoft.com/office/drawing/2014/main" id="{31E8754E-1BA9-A644-A656-E6AD34A134D8}"/>
+                  </a:ext>
+                </a:extLst>
+              </p:cNvPr>
+              <p:cNvSpPr txBox="1">
+                <a:spLocks noRot="1" noChangeAspect="1" noMove="1" noResize="1" noEditPoints="1" noAdjustHandles="1" noChangeArrowheads="1" noChangeShapeType="1" noTextEdit="1"/>
+              </p:cNvSpPr>
+              <p:nvPr/>
+            </p:nvSpPr>
+            <p:spPr>
+              <a:xfrm>
+                <a:off x="6595256" y="3635969"/>
+                <a:ext cx="576649" cy="400110"/>
+              </a:xfrm>
+              <a:prstGeom prst="rect">
+                <a:avLst/>
+              </a:prstGeom>
+              <a:blipFill>
+                <a:blip r:embed="rId12"/>
+                <a:stretch>
+                  <a:fillRect r="-4348" b="-3125"/>
+                </a:stretch>
+              </a:blipFill>
+            </p:spPr>
+            <p:txBody>
+              <a:bodyPr/>
+              <a:lstStyle/>
+              <a:p>
+                <a:r>
+                  <a:rPr lang="en-US">
+                    <a:noFill/>
+                  </a:rPr>
+                  <a:t> </a:t>
+                </a:r>
+              </a:p>
+            </p:txBody>
+          </p:sp>
+        </mc:Fallback>
+      </mc:AlternateContent>
+      <mc:AlternateContent xmlns:mc="http://schemas.openxmlformats.org/markup-compatibility/2006" xmlns:a14="http://schemas.microsoft.com/office/drawing/2010/main">
+        <mc:Choice Requires="a14">
+          <p:sp>
+            <p:nvSpPr>
+              <p:cNvPr id="17" name="TextBox 16">
+                <a:extLst>
+                  <a:ext uri="{FF2B5EF4-FFF2-40B4-BE49-F238E27FC236}">
+                    <a16:creationId xmlns:a16="http://schemas.microsoft.com/office/drawing/2014/main" id="{AC23966E-5902-734A-9362-8AA6FE05A976}"/>
+                  </a:ext>
+                </a:extLst>
+              </p:cNvPr>
+              <p:cNvSpPr txBox="1"/>
+              <p:nvPr/>
+            </p:nvSpPr>
+            <p:spPr>
+              <a:xfrm>
+                <a:off x="8114698" y="3635969"/>
+                <a:ext cx="576649" cy="400110"/>
+              </a:xfrm>
+              <a:prstGeom prst="rect">
+                <a:avLst/>
+              </a:prstGeom>
+              <a:solidFill>
+                <a:schemeClr val="bg1"/>
+              </a:solidFill>
+            </p:spPr>
+            <p:txBody>
+              <a:bodyPr wrap="square" rtlCol="0">
+                <a:spAutoFit/>
+              </a:bodyPr>
+              <a:lstStyle/>
+              <a:p>
+                <a:pPr/>
+                <a14:m>
+                  <m:oMathPara xmlns:m="http://schemas.openxmlformats.org/officeDocument/2006/math">
+                    <m:oMathParaPr>
+                      <m:jc m:val="centerGroup"/>
+                    </m:oMathParaPr>
+                    <m:oMath xmlns:m="http://schemas.openxmlformats.org/officeDocument/2006/math">
+                      <m:sSub>
+                        <m:sSubPr>
+                          <m:ctrlPr>
+                            <a:rPr lang="en-US" sz="2000" b="0" i="1" dirty="0" smtClean="0">
+                              <a:latin typeface="Cambria Math" panose="02040503050406030204" pitchFamily="18" charset="0"/>
+                            </a:rPr>
+                          </m:ctrlPr>
+                        </m:sSubPr>
+                        <m:e>
+                          <m:r>
+                            <a:rPr lang="en-US" sz="2000" b="0" i="1" dirty="0" smtClean="0">
+                              <a:latin typeface="Cambria Math" panose="02040503050406030204" pitchFamily="18" charset="0"/>
+                            </a:rPr>
+                            <m:t>𝑊</m:t>
+                          </m:r>
+                        </m:e>
+                        <m:sub>
+                          <m:r>
+                            <a:rPr lang="en-US" sz="2000" b="0" i="1" dirty="0" smtClean="0">
+                              <a:latin typeface="Cambria Math" panose="02040503050406030204" pitchFamily="18" charset="0"/>
+                            </a:rPr>
+                            <m:t>hh</m:t>
+                          </m:r>
+                        </m:sub>
+                      </m:sSub>
+                    </m:oMath>
+                  </m:oMathPara>
+                </a14:m>
+                <a:endParaRPr lang="en-US" sz="2000" b="0" dirty="0"/>
+              </a:p>
+            </p:txBody>
+          </p:sp>
+        </mc:Choice>
+        <mc:Fallback xmlns="">
+          <p:sp>
+            <p:nvSpPr>
+              <p:cNvPr id="17" name="TextBox 16">
+                <a:extLst>
+                  <a:ext uri="{FF2B5EF4-FFF2-40B4-BE49-F238E27FC236}">
+                    <a16:creationId xmlns:a16="http://schemas.microsoft.com/office/drawing/2014/main" id="{AC23966E-5902-734A-9362-8AA6FE05A976}"/>
+                  </a:ext>
+                </a:extLst>
+              </p:cNvPr>
+              <p:cNvSpPr txBox="1">
+                <a:spLocks noRot="1" noChangeAspect="1" noMove="1" noResize="1" noEditPoints="1" noAdjustHandles="1" noChangeArrowheads="1" noChangeShapeType="1" noTextEdit="1"/>
+              </p:cNvSpPr>
+              <p:nvPr/>
+            </p:nvSpPr>
+            <p:spPr>
+              <a:xfrm>
+                <a:off x="8114698" y="3635969"/>
+                <a:ext cx="576649" cy="400110"/>
+              </a:xfrm>
+              <a:prstGeom prst="rect">
+                <a:avLst/>
+              </a:prstGeom>
+              <a:blipFill>
+                <a:blip r:embed="rId13"/>
+                <a:stretch>
+                  <a:fillRect r="-2128" b="-3125"/>
+                </a:stretch>
+              </a:blipFill>
+            </p:spPr>
+            <p:txBody>
+              <a:bodyPr/>
+              <a:lstStyle/>
+              <a:p>
+                <a:r>
+                  <a:rPr lang="en-US">
+                    <a:noFill/>
+                  </a:rPr>
+                  <a:t> </a:t>
+                </a:r>
+              </a:p>
+            </p:txBody>
+          </p:sp>
+        </mc:Fallback>
+      </mc:AlternateContent>
+      <mc:AlternateContent xmlns:mc="http://schemas.openxmlformats.org/markup-compatibility/2006" xmlns:a14="http://schemas.microsoft.com/office/drawing/2010/main">
+        <mc:Choice Requires="a14">
+          <p:sp>
+            <p:nvSpPr>
+              <p:cNvPr id="18" name="TextBox 17">
+                <a:extLst>
+                  <a:ext uri="{FF2B5EF4-FFF2-40B4-BE49-F238E27FC236}">
+                    <a16:creationId xmlns:a16="http://schemas.microsoft.com/office/drawing/2014/main" id="{F50D53F5-AD08-CF49-960A-83EA29E9ACC4}"/>
+                  </a:ext>
+                </a:extLst>
+              </p:cNvPr>
+              <p:cNvSpPr txBox="1"/>
+              <p:nvPr/>
+            </p:nvSpPr>
+            <p:spPr>
+              <a:xfrm>
+                <a:off x="9857426" y="3635969"/>
+                <a:ext cx="576649" cy="400110"/>
+              </a:xfrm>
+              <a:prstGeom prst="rect">
+                <a:avLst/>
+              </a:prstGeom>
+              <a:solidFill>
+                <a:schemeClr val="bg1"/>
+              </a:solidFill>
+            </p:spPr>
+            <p:txBody>
+              <a:bodyPr wrap="square" rtlCol="0">
+                <a:spAutoFit/>
+              </a:bodyPr>
+              <a:lstStyle/>
+              <a:p>
+                <a:pPr/>
+                <a14:m>
+                  <m:oMathPara xmlns:m="http://schemas.openxmlformats.org/officeDocument/2006/math">
+                    <m:oMathParaPr>
+                      <m:jc m:val="centerGroup"/>
+                    </m:oMathParaPr>
+                    <m:oMath xmlns:m="http://schemas.openxmlformats.org/officeDocument/2006/math">
+                      <m:sSub>
+                        <m:sSubPr>
+                          <m:ctrlPr>
+                            <a:rPr lang="en-US" sz="2000" b="0" i="1" dirty="0" smtClean="0">
+                              <a:latin typeface="Cambria Math" panose="02040503050406030204" pitchFamily="18" charset="0"/>
+                            </a:rPr>
+                          </m:ctrlPr>
+                        </m:sSubPr>
+                        <m:e>
+                          <m:r>
+                            <a:rPr lang="en-US" sz="2000" b="0" i="1" dirty="0" smtClean="0">
+                              <a:latin typeface="Cambria Math" panose="02040503050406030204" pitchFamily="18" charset="0"/>
+                            </a:rPr>
+                            <m:t>𝑊</m:t>
+                          </m:r>
+                        </m:e>
+                        <m:sub>
+                          <m:r>
+                            <a:rPr lang="en-US" sz="2000" b="0" i="1" dirty="0" smtClean="0">
+                              <a:latin typeface="Cambria Math" panose="02040503050406030204" pitchFamily="18" charset="0"/>
+                            </a:rPr>
+                            <m:t>hh</m:t>
+                          </m:r>
+                        </m:sub>
+                      </m:sSub>
+                    </m:oMath>
+                  </m:oMathPara>
+                </a14:m>
+                <a:endParaRPr lang="en-US" sz="2000" b="0" dirty="0"/>
+              </a:p>
+            </p:txBody>
+          </p:sp>
+        </mc:Choice>
+        <mc:Fallback xmlns="">
+          <p:sp>
+            <p:nvSpPr>
+              <p:cNvPr id="18" name="TextBox 17">
+                <a:extLst>
+                  <a:ext uri="{FF2B5EF4-FFF2-40B4-BE49-F238E27FC236}">
+                    <a16:creationId xmlns:a16="http://schemas.microsoft.com/office/drawing/2014/main" id="{F50D53F5-AD08-CF49-960A-83EA29E9ACC4}"/>
+                  </a:ext>
+                </a:extLst>
+              </p:cNvPr>
+              <p:cNvSpPr txBox="1">
+                <a:spLocks noRot="1" noChangeAspect="1" noMove="1" noResize="1" noEditPoints="1" noAdjustHandles="1" noChangeArrowheads="1" noChangeShapeType="1" noTextEdit="1"/>
+              </p:cNvSpPr>
+              <p:nvPr/>
+            </p:nvSpPr>
+            <p:spPr>
+              <a:xfrm>
+                <a:off x="9857426" y="3635969"/>
+                <a:ext cx="576649" cy="400110"/>
+              </a:xfrm>
+              <a:prstGeom prst="rect">
+                <a:avLst/>
+              </a:prstGeom>
+              <a:blipFill>
+                <a:blip r:embed="rId14"/>
+                <a:stretch>
+                  <a:fillRect r="-4348" b="-3125"/>
+                </a:stretch>
+              </a:blipFill>
+            </p:spPr>
+            <p:txBody>
+              <a:bodyPr/>
+              <a:lstStyle/>
+              <a:p>
+                <a:r>
+                  <a:rPr lang="en-US">
+                    <a:noFill/>
+                  </a:rPr>
+                  <a:t> </a:t>
+                </a:r>
+              </a:p>
+            </p:txBody>
+          </p:sp>
+        </mc:Fallback>
+      </mc:AlternateContent>
+      <mc:AlternateContent xmlns:mc="http://schemas.openxmlformats.org/markup-compatibility/2006" xmlns:a14="http://schemas.microsoft.com/office/drawing/2010/main">
+        <mc:Choice Requires="a14">
+          <p:sp>
+            <p:nvSpPr>
+              <p:cNvPr id="19" name="TextBox 18">
+                <a:extLst>
+                  <a:ext uri="{FF2B5EF4-FFF2-40B4-BE49-F238E27FC236}">
+                    <a16:creationId xmlns:a16="http://schemas.microsoft.com/office/drawing/2014/main" id="{EF63984D-81B5-CA48-B8C1-6398DE59E129}"/>
+                  </a:ext>
+                </a:extLst>
+              </p:cNvPr>
+              <p:cNvSpPr txBox="1"/>
+              <p:nvPr/>
+            </p:nvSpPr>
+            <p:spPr>
+              <a:xfrm>
+                <a:off x="6174257" y="4103871"/>
+                <a:ext cx="484833" cy="400110"/>
+              </a:xfrm>
+              <a:prstGeom prst="rect">
+                <a:avLst/>
+              </a:prstGeom>
+              <a:solidFill>
+                <a:schemeClr val="bg1"/>
+              </a:solidFill>
+            </p:spPr>
+            <p:txBody>
+              <a:bodyPr wrap="square" rtlCol="0">
+                <a:spAutoFit/>
+              </a:bodyPr>
+              <a:lstStyle/>
+              <a:p>
+                <a:pPr/>
+                <a14:m>
+                  <m:oMathPara xmlns:m="http://schemas.openxmlformats.org/officeDocument/2006/math">
+                    <m:oMathParaPr>
+                      <m:jc m:val="centerGroup"/>
+                    </m:oMathParaPr>
+                    <m:oMath xmlns:m="http://schemas.openxmlformats.org/officeDocument/2006/math">
+                      <m:sSub>
+                        <m:sSubPr>
+                          <m:ctrlPr>
+                            <a:rPr lang="en-US" sz="2000" b="0" i="1" dirty="0" smtClean="0">
+                              <a:latin typeface="Cambria Math" panose="02040503050406030204" pitchFamily="18" charset="0"/>
+                            </a:rPr>
+                          </m:ctrlPr>
+                        </m:sSubPr>
+                        <m:e>
+                          <m:r>
+                            <a:rPr lang="en-US" sz="2000" b="0" i="1" dirty="0" smtClean="0">
+                              <a:latin typeface="Cambria Math" panose="02040503050406030204" pitchFamily="18" charset="0"/>
+                            </a:rPr>
+                            <m:t>𝑊</m:t>
+                          </m:r>
+                        </m:e>
+                        <m:sub>
+                          <m:r>
+                            <a:rPr lang="en-US" sz="2000" b="0" i="1" dirty="0" smtClean="0">
+                              <a:latin typeface="Cambria Math" panose="02040503050406030204" pitchFamily="18" charset="0"/>
+                            </a:rPr>
+                            <m:t>𝑥h</m:t>
+                          </m:r>
+                        </m:sub>
+                      </m:sSub>
+                    </m:oMath>
+                  </m:oMathPara>
+                </a14:m>
+                <a:endParaRPr lang="en-US" sz="2000" b="0" dirty="0"/>
+              </a:p>
+            </p:txBody>
+          </p:sp>
+        </mc:Choice>
+        <mc:Fallback xmlns="">
+          <p:sp>
+            <p:nvSpPr>
+              <p:cNvPr id="19" name="TextBox 18">
+                <a:extLst>
+                  <a:ext uri="{FF2B5EF4-FFF2-40B4-BE49-F238E27FC236}">
+                    <a16:creationId xmlns:a16="http://schemas.microsoft.com/office/drawing/2014/main" id="{EF63984D-81B5-CA48-B8C1-6398DE59E129}"/>
+                  </a:ext>
+                </a:extLst>
+              </p:cNvPr>
+              <p:cNvSpPr txBox="1">
+                <a:spLocks noRot="1" noChangeAspect="1" noMove="1" noResize="1" noEditPoints="1" noAdjustHandles="1" noChangeArrowheads="1" noChangeShapeType="1" noTextEdit="1"/>
+              </p:cNvSpPr>
+              <p:nvPr/>
+            </p:nvSpPr>
+            <p:spPr>
+              <a:xfrm>
+                <a:off x="6174257" y="4103871"/>
+                <a:ext cx="484833" cy="400110"/>
+              </a:xfrm>
+              <a:prstGeom prst="rect">
+                <a:avLst/>
+              </a:prstGeom>
+              <a:blipFill>
+                <a:blip r:embed="rId15"/>
+                <a:stretch>
+                  <a:fillRect r="-20513" b="-3125"/>
+                </a:stretch>
+              </a:blipFill>
+            </p:spPr>
+            <p:txBody>
+              <a:bodyPr/>
+              <a:lstStyle/>
+              <a:p>
+                <a:r>
+                  <a:rPr lang="en-US">
+                    <a:noFill/>
+                  </a:rPr>
+                  <a:t> </a:t>
+                </a:r>
+              </a:p>
+            </p:txBody>
+          </p:sp>
+        </mc:Fallback>
+      </mc:AlternateContent>
+      <mc:AlternateContent xmlns:mc="http://schemas.openxmlformats.org/markup-compatibility/2006" xmlns:a14="http://schemas.microsoft.com/office/drawing/2010/main">
+        <mc:Choice Requires="a14">
+          <p:sp>
+            <p:nvSpPr>
+              <p:cNvPr id="20" name="TextBox 19">
+                <a:extLst>
+                  <a:ext uri="{FF2B5EF4-FFF2-40B4-BE49-F238E27FC236}">
+                    <a16:creationId xmlns:a16="http://schemas.microsoft.com/office/drawing/2014/main" id="{2CA7AAC9-E97C-754D-A004-3851EFCB9811}"/>
+                  </a:ext>
+                </a:extLst>
+              </p:cNvPr>
+              <p:cNvSpPr txBox="1"/>
+              <p:nvPr/>
+            </p:nvSpPr>
+            <p:spPr>
+              <a:xfrm>
+                <a:off x="7831265" y="4103871"/>
+                <a:ext cx="484833" cy="400110"/>
+              </a:xfrm>
+              <a:prstGeom prst="rect">
+                <a:avLst/>
+              </a:prstGeom>
+              <a:solidFill>
+                <a:schemeClr val="bg1"/>
+              </a:solidFill>
+            </p:spPr>
+            <p:txBody>
+              <a:bodyPr wrap="square" rtlCol="0">
+                <a:spAutoFit/>
+              </a:bodyPr>
+              <a:lstStyle/>
+              <a:p>
+                <a:pPr/>
+                <a14:m>
+                  <m:oMathPara xmlns:m="http://schemas.openxmlformats.org/officeDocument/2006/math">
+                    <m:oMathParaPr>
+                      <m:jc m:val="centerGroup"/>
+                    </m:oMathParaPr>
+                    <m:oMath xmlns:m="http://schemas.openxmlformats.org/officeDocument/2006/math">
+                      <m:sSub>
+                        <m:sSubPr>
+                          <m:ctrlPr>
+                            <a:rPr lang="en-US" sz="2000" b="0" i="1" dirty="0" smtClean="0">
+                              <a:latin typeface="Cambria Math" panose="02040503050406030204" pitchFamily="18" charset="0"/>
+                            </a:rPr>
+                          </m:ctrlPr>
+                        </m:sSubPr>
+                        <m:e>
+                          <m:r>
+                            <a:rPr lang="en-US" sz="2000" b="0" i="1" dirty="0" smtClean="0">
+                              <a:latin typeface="Cambria Math" panose="02040503050406030204" pitchFamily="18" charset="0"/>
+                            </a:rPr>
+                            <m:t>𝑊</m:t>
+                          </m:r>
+                        </m:e>
+                        <m:sub>
+                          <m:r>
+                            <a:rPr lang="en-US" sz="2000" b="0" i="1" dirty="0" smtClean="0">
+                              <a:latin typeface="Cambria Math" panose="02040503050406030204" pitchFamily="18" charset="0"/>
+                            </a:rPr>
+                            <m:t>𝑥h</m:t>
+                          </m:r>
+                        </m:sub>
+                      </m:sSub>
+                    </m:oMath>
+                  </m:oMathPara>
+                </a14:m>
+                <a:endParaRPr lang="en-US" sz="2000" b="0" dirty="0"/>
+              </a:p>
+            </p:txBody>
+          </p:sp>
+        </mc:Choice>
+        <mc:Fallback xmlns="">
+          <p:sp>
+            <p:nvSpPr>
+              <p:cNvPr id="20" name="TextBox 19">
+                <a:extLst>
+                  <a:ext uri="{FF2B5EF4-FFF2-40B4-BE49-F238E27FC236}">
+                    <a16:creationId xmlns:a16="http://schemas.microsoft.com/office/drawing/2014/main" id="{2CA7AAC9-E97C-754D-A004-3851EFCB9811}"/>
+                  </a:ext>
+                </a:extLst>
+              </p:cNvPr>
+              <p:cNvSpPr txBox="1">
+                <a:spLocks noRot="1" noChangeAspect="1" noMove="1" noResize="1" noEditPoints="1" noAdjustHandles="1" noChangeArrowheads="1" noChangeShapeType="1" noTextEdit="1"/>
+              </p:cNvSpPr>
+              <p:nvPr/>
+            </p:nvSpPr>
+            <p:spPr>
+              <a:xfrm>
+                <a:off x="7831265" y="4103871"/>
+                <a:ext cx="484833" cy="400110"/>
+              </a:xfrm>
+              <a:prstGeom prst="rect">
+                <a:avLst/>
+              </a:prstGeom>
+              <a:blipFill>
+                <a:blip r:embed="rId16"/>
+                <a:stretch>
+                  <a:fillRect r="-23077" b="-3125"/>
+                </a:stretch>
+              </a:blipFill>
+            </p:spPr>
+            <p:txBody>
+              <a:bodyPr/>
+              <a:lstStyle/>
+              <a:p>
+                <a:r>
+                  <a:rPr lang="en-US">
+                    <a:noFill/>
+                  </a:rPr>
+                  <a:t> </a:t>
+                </a:r>
+              </a:p>
+            </p:txBody>
+          </p:sp>
+        </mc:Fallback>
+      </mc:AlternateContent>
+      <mc:AlternateContent xmlns:mc="http://schemas.openxmlformats.org/markup-compatibility/2006" xmlns:a14="http://schemas.microsoft.com/office/drawing/2010/main">
+        <mc:Choice Requires="a14">
+          <p:sp>
+            <p:nvSpPr>
+              <p:cNvPr id="21" name="TextBox 20">
+                <a:extLst>
+                  <a:ext uri="{FF2B5EF4-FFF2-40B4-BE49-F238E27FC236}">
+                    <a16:creationId xmlns:a16="http://schemas.microsoft.com/office/drawing/2014/main" id="{DD857206-CF64-BA42-9A63-C0938F2E46FF}"/>
+                  </a:ext>
+                </a:extLst>
+              </p:cNvPr>
+              <p:cNvSpPr txBox="1"/>
+              <p:nvPr/>
+            </p:nvSpPr>
+            <p:spPr>
+              <a:xfrm>
+                <a:off x="9497363" y="4103871"/>
+                <a:ext cx="484833" cy="400110"/>
+              </a:xfrm>
+              <a:prstGeom prst="rect">
+                <a:avLst/>
+              </a:prstGeom>
+              <a:solidFill>
+                <a:schemeClr val="bg1"/>
+              </a:solidFill>
+            </p:spPr>
+            <p:txBody>
+              <a:bodyPr wrap="square" rtlCol="0">
+                <a:spAutoFit/>
+              </a:bodyPr>
+              <a:lstStyle/>
+              <a:p>
+                <a:pPr/>
+                <a14:m>
+                  <m:oMathPara xmlns:m="http://schemas.openxmlformats.org/officeDocument/2006/math">
+                    <m:oMathParaPr>
+                      <m:jc m:val="centerGroup"/>
+                    </m:oMathParaPr>
+                    <m:oMath xmlns:m="http://schemas.openxmlformats.org/officeDocument/2006/math">
+                      <m:sSub>
+                        <m:sSubPr>
+                          <m:ctrlPr>
+                            <a:rPr lang="en-US" sz="2000" b="0" i="1" dirty="0" smtClean="0">
+                              <a:latin typeface="Cambria Math" panose="02040503050406030204" pitchFamily="18" charset="0"/>
+                            </a:rPr>
+                          </m:ctrlPr>
+                        </m:sSubPr>
+                        <m:e>
+                          <m:r>
+                            <a:rPr lang="en-US" sz="2000" b="0" i="1" dirty="0" smtClean="0">
+                              <a:latin typeface="Cambria Math" panose="02040503050406030204" pitchFamily="18" charset="0"/>
+                            </a:rPr>
+                            <m:t>𝑊</m:t>
+                          </m:r>
+                        </m:e>
+                        <m:sub>
+                          <m:r>
+                            <a:rPr lang="en-US" sz="2000" b="0" i="1" dirty="0" smtClean="0">
+                              <a:latin typeface="Cambria Math" panose="02040503050406030204" pitchFamily="18" charset="0"/>
+                            </a:rPr>
+                            <m:t>𝑥h</m:t>
+                          </m:r>
+                        </m:sub>
+                      </m:sSub>
+                    </m:oMath>
+                  </m:oMathPara>
+                </a14:m>
+                <a:endParaRPr lang="en-US" sz="2000" b="0" dirty="0"/>
+              </a:p>
+            </p:txBody>
+          </p:sp>
+        </mc:Choice>
+        <mc:Fallback xmlns="">
+          <p:sp>
+            <p:nvSpPr>
+              <p:cNvPr id="21" name="TextBox 20">
+                <a:extLst>
+                  <a:ext uri="{FF2B5EF4-FFF2-40B4-BE49-F238E27FC236}">
+                    <a16:creationId xmlns:a16="http://schemas.microsoft.com/office/drawing/2014/main" id="{DD857206-CF64-BA42-9A63-C0938F2E46FF}"/>
+                  </a:ext>
+                </a:extLst>
+              </p:cNvPr>
+              <p:cNvSpPr txBox="1">
+                <a:spLocks noRot="1" noChangeAspect="1" noMove="1" noResize="1" noEditPoints="1" noAdjustHandles="1" noChangeArrowheads="1" noChangeShapeType="1" noTextEdit="1"/>
+              </p:cNvSpPr>
+              <p:nvPr/>
+            </p:nvSpPr>
+            <p:spPr>
+              <a:xfrm>
+                <a:off x="9497363" y="4103871"/>
+                <a:ext cx="484833" cy="400110"/>
+              </a:xfrm>
+              <a:prstGeom prst="rect">
+                <a:avLst/>
+              </a:prstGeom>
+              <a:blipFill>
+                <a:blip r:embed="rId17"/>
+                <a:stretch>
+                  <a:fillRect r="-23077" b="-3125"/>
+                </a:stretch>
+              </a:blipFill>
+            </p:spPr>
+            <p:txBody>
+              <a:bodyPr/>
+              <a:lstStyle/>
+              <a:p>
+                <a:r>
+                  <a:rPr lang="en-US">
+                    <a:noFill/>
+                  </a:rPr>
+                  <a:t> </a:t>
+                </a:r>
+              </a:p>
+            </p:txBody>
+          </p:sp>
+        </mc:Fallback>
+      </mc:AlternateContent>
+      <mc:AlternateContent xmlns:mc="http://schemas.openxmlformats.org/markup-compatibility/2006" xmlns:a14="http://schemas.microsoft.com/office/drawing/2010/main">
+        <mc:Choice Requires="a14">
+          <p:sp>
+            <p:nvSpPr>
+              <p:cNvPr id="22" name="TextBox 21">
+                <a:extLst>
+                  <a:ext uri="{FF2B5EF4-FFF2-40B4-BE49-F238E27FC236}">
+                    <a16:creationId xmlns:a16="http://schemas.microsoft.com/office/drawing/2014/main" id="{8C39038D-D046-DB42-A166-C651854C9FEA}"/>
+                  </a:ext>
+                </a:extLst>
+              </p:cNvPr>
+              <p:cNvSpPr txBox="1"/>
+              <p:nvPr/>
+            </p:nvSpPr>
+            <p:spPr>
+              <a:xfrm>
+                <a:off x="5479453" y="2587059"/>
+                <a:ext cx="568070" cy="424283"/>
+              </a:xfrm>
+              <a:prstGeom prst="rect">
+                <a:avLst/>
+              </a:prstGeom>
+              <a:solidFill>
+                <a:schemeClr val="bg1"/>
+              </a:solidFill>
+            </p:spPr>
+            <p:txBody>
+              <a:bodyPr wrap="square" rtlCol="0">
+                <a:spAutoFit/>
+              </a:bodyPr>
+              <a:lstStyle/>
+              <a:p>
+                <a:pPr/>
+                <a14:m>
+                  <m:oMathPara xmlns:m="http://schemas.openxmlformats.org/officeDocument/2006/math">
+                    <m:oMathParaPr>
+                      <m:jc m:val="centerGroup"/>
+                    </m:oMathParaPr>
+                    <m:oMath xmlns:m="http://schemas.openxmlformats.org/officeDocument/2006/math">
+                      <m:sSub>
+                        <m:sSubPr>
+                          <m:ctrlPr>
+                            <a:rPr lang="en-US" sz="2000" b="0" i="1" dirty="0" smtClean="0">
+                              <a:latin typeface="Cambria Math" panose="02040503050406030204" pitchFamily="18" charset="0"/>
+                            </a:rPr>
+                          </m:ctrlPr>
+                        </m:sSubPr>
+                        <m:e>
+                          <m:r>
+                            <a:rPr lang="en-US" sz="2000" b="0" i="1" dirty="0" smtClean="0">
+                              <a:latin typeface="Cambria Math" panose="02040503050406030204" pitchFamily="18" charset="0"/>
+                            </a:rPr>
+                            <m:t>𝑊</m:t>
+                          </m:r>
+                        </m:e>
+                        <m:sub>
+                          <m:r>
+                            <a:rPr lang="en-US" sz="2000" b="0" i="1" dirty="0" smtClean="0">
+                              <a:latin typeface="Cambria Math" panose="02040503050406030204" pitchFamily="18" charset="0"/>
+                            </a:rPr>
+                            <m:t>h𝑦</m:t>
+                          </m:r>
+                        </m:sub>
+                      </m:sSub>
+                    </m:oMath>
+                  </m:oMathPara>
+                </a14:m>
+                <a:endParaRPr lang="en-US" sz="2000" b="0" dirty="0"/>
+              </a:p>
+            </p:txBody>
+          </p:sp>
+        </mc:Choice>
+        <mc:Fallback xmlns="">
+          <p:sp>
+            <p:nvSpPr>
+              <p:cNvPr id="22" name="TextBox 21">
+                <a:extLst>
+                  <a:ext uri="{FF2B5EF4-FFF2-40B4-BE49-F238E27FC236}">
+                    <a16:creationId xmlns:a16="http://schemas.microsoft.com/office/drawing/2014/main" id="{8C39038D-D046-DB42-A166-C651854C9FEA}"/>
+                  </a:ext>
+                </a:extLst>
+              </p:cNvPr>
+              <p:cNvSpPr txBox="1">
+                <a:spLocks noRot="1" noChangeAspect="1" noMove="1" noResize="1" noEditPoints="1" noAdjustHandles="1" noChangeArrowheads="1" noChangeShapeType="1" noTextEdit="1"/>
+              </p:cNvSpPr>
+              <p:nvPr/>
+            </p:nvSpPr>
+            <p:spPr>
+              <a:xfrm>
+                <a:off x="5479453" y="2587059"/>
+                <a:ext cx="568070" cy="424283"/>
+              </a:xfrm>
+              <a:prstGeom prst="rect">
+                <a:avLst/>
+              </a:prstGeom>
+              <a:blipFill>
+                <a:blip r:embed="rId18"/>
+                <a:stretch>
+                  <a:fillRect r="-8696" b="-8571"/>
+                </a:stretch>
+              </a:blipFill>
+            </p:spPr>
+            <p:txBody>
+              <a:bodyPr/>
+              <a:lstStyle/>
+              <a:p>
+                <a:r>
+                  <a:rPr lang="en-US">
+                    <a:noFill/>
+                  </a:rPr>
+                  <a:t> </a:t>
+                </a:r>
+              </a:p>
+            </p:txBody>
+          </p:sp>
+        </mc:Fallback>
+      </mc:AlternateContent>
+      <mc:AlternateContent xmlns:mc="http://schemas.openxmlformats.org/markup-compatibility/2006" xmlns:a14="http://schemas.microsoft.com/office/drawing/2010/main">
+        <mc:Choice Requires="a14">
+          <p:sp>
+            <p:nvSpPr>
+              <p:cNvPr id="23" name="TextBox 22">
+                <a:extLst>
+                  <a:ext uri="{FF2B5EF4-FFF2-40B4-BE49-F238E27FC236}">
+                    <a16:creationId xmlns:a16="http://schemas.microsoft.com/office/drawing/2014/main" id="{33CD4E08-C7A7-9941-9007-326ED1357EEC}"/>
+                  </a:ext>
+                </a:extLst>
+              </p:cNvPr>
+              <p:cNvSpPr txBox="1"/>
+              <p:nvPr/>
+            </p:nvSpPr>
+            <p:spPr>
+              <a:xfrm>
+                <a:off x="7094363" y="2562506"/>
+                <a:ext cx="612772" cy="424283"/>
+              </a:xfrm>
+              <a:prstGeom prst="rect">
+                <a:avLst/>
+              </a:prstGeom>
+              <a:solidFill>
+                <a:schemeClr val="bg1"/>
+              </a:solidFill>
+            </p:spPr>
+            <p:txBody>
+              <a:bodyPr wrap="square" rtlCol="0">
+                <a:spAutoFit/>
+              </a:bodyPr>
+              <a:lstStyle/>
+              <a:p>
+                <a:pPr/>
+                <a14:m>
+                  <m:oMathPara xmlns:m="http://schemas.openxmlformats.org/officeDocument/2006/math">
+                    <m:oMathParaPr>
+                      <m:jc m:val="centerGroup"/>
+                    </m:oMathParaPr>
+                    <m:oMath xmlns:m="http://schemas.openxmlformats.org/officeDocument/2006/math">
+                      <m:sSub>
+                        <m:sSubPr>
+                          <m:ctrlPr>
+                            <a:rPr lang="en-US" sz="2000" b="0" i="1" dirty="0" smtClean="0">
+                              <a:latin typeface="Cambria Math" panose="02040503050406030204" pitchFamily="18" charset="0"/>
+                            </a:rPr>
+                          </m:ctrlPr>
+                        </m:sSubPr>
+                        <m:e>
+                          <m:r>
+                            <a:rPr lang="en-US" sz="2000" b="0" i="1" dirty="0" smtClean="0">
+                              <a:latin typeface="Cambria Math" panose="02040503050406030204" pitchFamily="18" charset="0"/>
+                            </a:rPr>
+                            <m:t>𝑊</m:t>
+                          </m:r>
+                        </m:e>
+                        <m:sub>
+                          <m:r>
+                            <a:rPr lang="en-US" sz="2000" b="0" i="1" dirty="0" smtClean="0">
+                              <a:latin typeface="Cambria Math" panose="02040503050406030204" pitchFamily="18" charset="0"/>
+                            </a:rPr>
+                            <m:t>h𝑦</m:t>
+                          </m:r>
+                        </m:sub>
+                      </m:sSub>
+                    </m:oMath>
+                  </m:oMathPara>
+                </a14:m>
+                <a:endParaRPr lang="en-US" sz="2000" b="0" dirty="0"/>
+              </a:p>
+            </p:txBody>
+          </p:sp>
+        </mc:Choice>
+        <mc:Fallback xmlns="">
+          <p:sp>
+            <p:nvSpPr>
+              <p:cNvPr id="23" name="TextBox 22">
+                <a:extLst>
+                  <a:ext uri="{FF2B5EF4-FFF2-40B4-BE49-F238E27FC236}">
+                    <a16:creationId xmlns:a16="http://schemas.microsoft.com/office/drawing/2014/main" id="{33CD4E08-C7A7-9941-9007-326ED1357EEC}"/>
+                  </a:ext>
+                </a:extLst>
+              </p:cNvPr>
+              <p:cNvSpPr txBox="1">
+                <a:spLocks noRot="1" noChangeAspect="1" noMove="1" noResize="1" noEditPoints="1" noAdjustHandles="1" noChangeArrowheads="1" noChangeShapeType="1" noTextEdit="1"/>
+              </p:cNvSpPr>
+              <p:nvPr/>
+            </p:nvSpPr>
+            <p:spPr>
+              <a:xfrm>
+                <a:off x="7094363" y="2562506"/>
+                <a:ext cx="612772" cy="424283"/>
+              </a:xfrm>
+              <a:prstGeom prst="rect">
+                <a:avLst/>
+              </a:prstGeom>
+              <a:blipFill>
+                <a:blip r:embed="rId19"/>
+                <a:stretch>
+                  <a:fillRect r="-2041" b="-8571"/>
+                </a:stretch>
+              </a:blipFill>
+            </p:spPr>
+            <p:txBody>
+              <a:bodyPr/>
+              <a:lstStyle/>
+              <a:p>
+                <a:r>
+                  <a:rPr lang="en-US">
+                    <a:noFill/>
+                  </a:rPr>
+                  <a:t> </a:t>
+                </a:r>
+              </a:p>
+            </p:txBody>
+          </p:sp>
+        </mc:Fallback>
+      </mc:AlternateContent>
+      <mc:AlternateContent xmlns:mc="http://schemas.openxmlformats.org/markup-compatibility/2006" xmlns:a14="http://schemas.microsoft.com/office/drawing/2010/main">
+        <mc:Choice Requires="a14">
+          <p:sp>
+            <p:nvSpPr>
+              <p:cNvPr id="24" name="TextBox 23">
+                <a:extLst>
+                  <a:ext uri="{FF2B5EF4-FFF2-40B4-BE49-F238E27FC236}">
+                    <a16:creationId xmlns:a16="http://schemas.microsoft.com/office/drawing/2014/main" id="{3CC8A5D4-462A-D246-9356-77210866B6A6}"/>
+                  </a:ext>
+                </a:extLst>
+              </p:cNvPr>
+              <p:cNvSpPr txBox="1"/>
+              <p:nvPr/>
+            </p:nvSpPr>
+            <p:spPr>
+              <a:xfrm>
+                <a:off x="8828648" y="2562506"/>
+                <a:ext cx="576649" cy="424283"/>
+              </a:xfrm>
+              <a:prstGeom prst="rect">
+                <a:avLst/>
+              </a:prstGeom>
+              <a:solidFill>
+                <a:schemeClr val="bg1"/>
+              </a:solidFill>
+            </p:spPr>
+            <p:txBody>
+              <a:bodyPr wrap="square" rtlCol="0">
+                <a:spAutoFit/>
+              </a:bodyPr>
+              <a:lstStyle/>
+              <a:p>
+                <a:pPr/>
+                <a14:m>
+                  <m:oMathPara xmlns:m="http://schemas.openxmlformats.org/officeDocument/2006/math">
+                    <m:oMathParaPr>
+                      <m:jc m:val="centerGroup"/>
+                    </m:oMathParaPr>
+                    <m:oMath xmlns:m="http://schemas.openxmlformats.org/officeDocument/2006/math">
+                      <m:sSub>
+                        <m:sSubPr>
+                          <m:ctrlPr>
+                            <a:rPr lang="en-US" sz="2000" b="0" i="1" dirty="0" smtClean="0">
+                              <a:latin typeface="Cambria Math" panose="02040503050406030204" pitchFamily="18" charset="0"/>
+                            </a:rPr>
+                          </m:ctrlPr>
+                        </m:sSubPr>
+                        <m:e>
+                          <m:r>
+                            <a:rPr lang="en-US" sz="2000" b="0" i="1" dirty="0" smtClean="0">
+                              <a:latin typeface="Cambria Math" panose="02040503050406030204" pitchFamily="18" charset="0"/>
+                            </a:rPr>
+                            <m:t>𝑊</m:t>
+                          </m:r>
+                        </m:e>
+                        <m:sub>
+                          <m:r>
+                            <a:rPr lang="en-US" sz="2000" b="0" i="1" dirty="0" smtClean="0">
+                              <a:latin typeface="Cambria Math" panose="02040503050406030204" pitchFamily="18" charset="0"/>
+                            </a:rPr>
+                            <m:t>h𝑦</m:t>
+                          </m:r>
+                        </m:sub>
+                      </m:sSub>
+                    </m:oMath>
+                  </m:oMathPara>
+                </a14:m>
+                <a:endParaRPr lang="en-US" sz="2000" b="0" dirty="0"/>
+              </a:p>
+            </p:txBody>
+          </p:sp>
+        </mc:Choice>
+        <mc:Fallback xmlns="">
+          <p:sp>
+            <p:nvSpPr>
+              <p:cNvPr id="24" name="TextBox 23">
+                <a:extLst>
+                  <a:ext uri="{FF2B5EF4-FFF2-40B4-BE49-F238E27FC236}">
+                    <a16:creationId xmlns:a16="http://schemas.microsoft.com/office/drawing/2014/main" id="{3CC8A5D4-462A-D246-9356-77210866B6A6}"/>
+                  </a:ext>
+                </a:extLst>
+              </p:cNvPr>
+              <p:cNvSpPr txBox="1">
+                <a:spLocks noRot="1" noChangeAspect="1" noMove="1" noResize="1" noEditPoints="1" noAdjustHandles="1" noChangeArrowheads="1" noChangeShapeType="1" noTextEdit="1"/>
+              </p:cNvSpPr>
+              <p:nvPr/>
+            </p:nvSpPr>
+            <p:spPr>
+              <a:xfrm>
+                <a:off x="8828648" y="2562506"/>
+                <a:ext cx="576649" cy="424283"/>
+              </a:xfrm>
+              <a:prstGeom prst="rect">
+                <a:avLst/>
+              </a:prstGeom>
+              <a:blipFill>
+                <a:blip r:embed="rId20"/>
+                <a:stretch>
+                  <a:fillRect r="-6522" b="-8571"/>
+                </a:stretch>
+              </a:blipFill>
+            </p:spPr>
+            <p:txBody>
+              <a:bodyPr/>
+              <a:lstStyle/>
+              <a:p>
+                <a:r>
+                  <a:rPr lang="en-US">
+                    <a:noFill/>
+                  </a:rPr>
+                  <a:t> </a:t>
+                </a:r>
+              </a:p>
+            </p:txBody>
+          </p:sp>
+        </mc:Fallback>
+      </mc:AlternateContent>
+      <mc:AlternateContent xmlns:mc="http://schemas.openxmlformats.org/markup-compatibility/2006" xmlns:a14="http://schemas.microsoft.com/office/drawing/2010/main">
+        <mc:Choice Requires="a14">
+          <p:sp>
+            <p:nvSpPr>
+              <p:cNvPr id="25" name="TextBox 24">
+                <a:extLst>
+                  <a:ext uri="{FF2B5EF4-FFF2-40B4-BE49-F238E27FC236}">
+                    <a16:creationId xmlns:a16="http://schemas.microsoft.com/office/drawing/2014/main" id="{FE8C2BA0-A382-534A-BAF1-854B205E9AFB}"/>
+                  </a:ext>
+                </a:extLst>
+              </p:cNvPr>
+              <p:cNvSpPr txBox="1"/>
+              <p:nvPr/>
+            </p:nvSpPr>
+            <p:spPr>
+              <a:xfrm>
+                <a:off x="5744782" y="1674488"/>
+                <a:ext cx="605481" cy="400110"/>
+              </a:xfrm>
+              <a:prstGeom prst="rect">
+                <a:avLst/>
+              </a:prstGeom>
+              <a:solidFill>
+                <a:schemeClr val="bg1"/>
+              </a:solidFill>
+            </p:spPr>
+            <p:txBody>
+              <a:bodyPr wrap="square" rtlCol="0">
+                <a:spAutoFit/>
+              </a:bodyPr>
+              <a:lstStyle/>
+              <a:p>
+                <a:pPr/>
+                <a14:m>
+                  <m:oMathPara xmlns:m="http://schemas.openxmlformats.org/officeDocument/2006/math">
+                    <m:oMathParaPr>
+                      <m:jc m:val="centerGroup"/>
+                    </m:oMathParaPr>
+                    <m:oMath xmlns:m="http://schemas.openxmlformats.org/officeDocument/2006/math">
+                      <m:r>
+                        <a:rPr lang="en-US" sz="2000" i="1" dirty="0" smtClean="0">
+                          <a:latin typeface="Cambria Math" panose="02040503050406030204" pitchFamily="18" charset="0"/>
+                        </a:rPr>
+                        <m:t>𝑦</m:t>
+                      </m:r>
+                    </m:oMath>
+                  </m:oMathPara>
+                </a14:m>
+                <a:endParaRPr lang="en-US" sz="2000" dirty="0"/>
+              </a:p>
+            </p:txBody>
+          </p:sp>
+        </mc:Choice>
+        <mc:Fallback xmlns="">
+          <p:sp>
+            <p:nvSpPr>
+              <p:cNvPr id="25" name="TextBox 24">
+                <a:extLst>
+                  <a:ext uri="{FF2B5EF4-FFF2-40B4-BE49-F238E27FC236}">
+                    <a16:creationId xmlns:a16="http://schemas.microsoft.com/office/drawing/2014/main" id="{FE8C2BA0-A382-534A-BAF1-854B205E9AFB}"/>
+                  </a:ext>
+                </a:extLst>
+              </p:cNvPr>
+              <p:cNvSpPr txBox="1">
+                <a:spLocks noRot="1" noChangeAspect="1" noMove="1" noResize="1" noEditPoints="1" noAdjustHandles="1" noChangeArrowheads="1" noChangeShapeType="1" noTextEdit="1"/>
+              </p:cNvSpPr>
+              <p:nvPr/>
+            </p:nvSpPr>
+            <p:spPr>
+              <a:xfrm>
+                <a:off x="5744782" y="1674488"/>
+                <a:ext cx="605481" cy="400110"/>
+              </a:xfrm>
+              <a:prstGeom prst="rect">
+                <a:avLst/>
+              </a:prstGeom>
+              <a:blipFill>
+                <a:blip r:embed="rId21"/>
+                <a:stretch>
+                  <a:fillRect b="-6250"/>
+                </a:stretch>
+              </a:blipFill>
+            </p:spPr>
+            <p:txBody>
+              <a:bodyPr/>
+              <a:lstStyle/>
+              <a:p>
+                <a:r>
+                  <a:rPr lang="en-US">
+                    <a:noFill/>
+                  </a:rPr>
+                  <a:t> </a:t>
+                </a:r>
+              </a:p>
+            </p:txBody>
+          </p:sp>
+        </mc:Fallback>
+      </mc:AlternateContent>
+      <mc:AlternateContent xmlns:mc="http://schemas.openxmlformats.org/markup-compatibility/2006" xmlns:a14="http://schemas.microsoft.com/office/drawing/2010/main">
+        <mc:Choice Requires="a14">
+          <p:sp>
+            <p:nvSpPr>
+              <p:cNvPr id="26" name="TextBox 25">
+                <a:extLst>
+                  <a:ext uri="{FF2B5EF4-FFF2-40B4-BE49-F238E27FC236}">
+                    <a16:creationId xmlns:a16="http://schemas.microsoft.com/office/drawing/2014/main" id="{3BA2AB93-D894-DA49-8BCE-909D0FCC92BF}"/>
+                  </a:ext>
+                </a:extLst>
+              </p:cNvPr>
+              <p:cNvSpPr txBox="1"/>
+              <p:nvPr/>
+            </p:nvSpPr>
+            <p:spPr>
+              <a:xfrm>
+                <a:off x="7400749" y="1674488"/>
+                <a:ext cx="605481" cy="400110"/>
+              </a:xfrm>
+              <a:prstGeom prst="rect">
+                <a:avLst/>
+              </a:prstGeom>
+              <a:solidFill>
+                <a:schemeClr val="bg1"/>
+              </a:solidFill>
+            </p:spPr>
+            <p:txBody>
+              <a:bodyPr wrap="square" rtlCol="0">
+                <a:spAutoFit/>
+              </a:bodyPr>
+              <a:lstStyle/>
+              <a:p>
+                <a:pPr/>
+                <a14:m>
+                  <m:oMathPara xmlns:m="http://schemas.openxmlformats.org/officeDocument/2006/math">
+                    <m:oMathParaPr>
+                      <m:jc m:val="centerGroup"/>
+                    </m:oMathParaPr>
+                    <m:oMath xmlns:m="http://schemas.openxmlformats.org/officeDocument/2006/math">
+                      <m:r>
+                        <a:rPr lang="en-US" sz="2000" i="1" dirty="0" smtClean="0">
+                          <a:latin typeface="Cambria Math" panose="02040503050406030204" pitchFamily="18" charset="0"/>
+                        </a:rPr>
+                        <m:t>𝑦</m:t>
+                      </m:r>
+                    </m:oMath>
+                  </m:oMathPara>
+                </a14:m>
+                <a:endParaRPr lang="en-US" sz="2000" dirty="0"/>
+              </a:p>
+            </p:txBody>
+          </p:sp>
+        </mc:Choice>
+        <mc:Fallback xmlns="">
+          <p:sp>
+            <p:nvSpPr>
+              <p:cNvPr id="26" name="TextBox 25">
+                <a:extLst>
+                  <a:ext uri="{FF2B5EF4-FFF2-40B4-BE49-F238E27FC236}">
+                    <a16:creationId xmlns:a16="http://schemas.microsoft.com/office/drawing/2014/main" id="{3BA2AB93-D894-DA49-8BCE-909D0FCC92BF}"/>
+                  </a:ext>
+                </a:extLst>
+              </p:cNvPr>
+              <p:cNvSpPr txBox="1">
+                <a:spLocks noRot="1" noChangeAspect="1" noMove="1" noResize="1" noEditPoints="1" noAdjustHandles="1" noChangeArrowheads="1" noChangeShapeType="1" noTextEdit="1"/>
+              </p:cNvSpPr>
+              <p:nvPr/>
+            </p:nvSpPr>
+            <p:spPr>
+              <a:xfrm>
+                <a:off x="7400749" y="1674488"/>
+                <a:ext cx="605481" cy="400110"/>
+              </a:xfrm>
+              <a:prstGeom prst="rect">
+                <a:avLst/>
+              </a:prstGeom>
+              <a:blipFill>
+                <a:blip r:embed="rId22"/>
+                <a:stretch>
+                  <a:fillRect b="-6250"/>
+                </a:stretch>
+              </a:blipFill>
+            </p:spPr>
+            <p:txBody>
+              <a:bodyPr/>
+              <a:lstStyle/>
+              <a:p>
+                <a:r>
+                  <a:rPr lang="en-US">
+                    <a:noFill/>
+                  </a:rPr>
+                  <a:t> </a:t>
+                </a:r>
+              </a:p>
+            </p:txBody>
+          </p:sp>
+        </mc:Fallback>
+      </mc:AlternateContent>
+      <mc:AlternateContent xmlns:mc="http://schemas.openxmlformats.org/markup-compatibility/2006" xmlns:a14="http://schemas.microsoft.com/office/drawing/2010/main">
+        <mc:Choice Requires="a14">
+          <p:sp>
+            <p:nvSpPr>
+              <p:cNvPr id="27" name="TextBox 26">
+                <a:extLst>
+                  <a:ext uri="{FF2B5EF4-FFF2-40B4-BE49-F238E27FC236}">
+                    <a16:creationId xmlns:a16="http://schemas.microsoft.com/office/drawing/2014/main" id="{D10D93C0-C43B-C848-B192-9801998AD486}"/>
+                  </a:ext>
+                </a:extLst>
+              </p:cNvPr>
+              <p:cNvSpPr txBox="1"/>
+              <p:nvPr/>
+            </p:nvSpPr>
+            <p:spPr>
+              <a:xfrm>
+                <a:off x="9056716" y="1703516"/>
+                <a:ext cx="605481" cy="400110"/>
+              </a:xfrm>
+              <a:prstGeom prst="rect">
+                <a:avLst/>
+              </a:prstGeom>
+              <a:solidFill>
+                <a:schemeClr val="bg1"/>
+              </a:solidFill>
+            </p:spPr>
+            <p:txBody>
+              <a:bodyPr wrap="square" rtlCol="0">
+                <a:spAutoFit/>
+              </a:bodyPr>
+              <a:lstStyle/>
+              <a:p>
+                <a:pPr/>
+                <a14:m>
+                  <m:oMathPara xmlns:m="http://schemas.openxmlformats.org/officeDocument/2006/math">
+                    <m:oMathParaPr>
+                      <m:jc m:val="centerGroup"/>
+                    </m:oMathParaPr>
+                    <m:oMath xmlns:m="http://schemas.openxmlformats.org/officeDocument/2006/math">
+                      <m:r>
+                        <a:rPr lang="en-US" sz="2000" i="1" dirty="0" smtClean="0">
+                          <a:latin typeface="Cambria Math" panose="02040503050406030204" pitchFamily="18" charset="0"/>
+                        </a:rPr>
+                        <m:t>𝑦</m:t>
+                      </m:r>
+                    </m:oMath>
+                  </m:oMathPara>
+                </a14:m>
+                <a:endParaRPr lang="en-US" sz="2000" dirty="0"/>
+              </a:p>
+            </p:txBody>
+          </p:sp>
+        </mc:Choice>
+        <mc:Fallback xmlns="">
+          <p:sp>
+            <p:nvSpPr>
+              <p:cNvPr id="27" name="TextBox 26">
+                <a:extLst>
+                  <a:ext uri="{FF2B5EF4-FFF2-40B4-BE49-F238E27FC236}">
+                    <a16:creationId xmlns:a16="http://schemas.microsoft.com/office/drawing/2014/main" id="{D10D93C0-C43B-C848-B192-9801998AD486}"/>
+                  </a:ext>
+                </a:extLst>
+              </p:cNvPr>
+              <p:cNvSpPr txBox="1">
+                <a:spLocks noRot="1" noChangeAspect="1" noMove="1" noResize="1" noEditPoints="1" noAdjustHandles="1" noChangeArrowheads="1" noChangeShapeType="1" noTextEdit="1"/>
+              </p:cNvSpPr>
+              <p:nvPr/>
+            </p:nvSpPr>
+            <p:spPr>
+              <a:xfrm>
+                <a:off x="9056716" y="1703516"/>
+                <a:ext cx="605481" cy="400110"/>
+              </a:xfrm>
+              <a:prstGeom prst="rect">
+                <a:avLst/>
+              </a:prstGeom>
+              <a:blipFill>
+                <a:blip r:embed="rId23"/>
+                <a:stretch>
+                  <a:fillRect b="-6061"/>
+                </a:stretch>
+              </a:blipFill>
+            </p:spPr>
+            <p:txBody>
+              <a:bodyPr/>
+              <a:lstStyle/>
+              <a:p>
+                <a:r>
+                  <a:rPr lang="en-US">
+                    <a:noFill/>
+                  </a:rPr>
+                  <a:t> </a:t>
+                </a:r>
+              </a:p>
+            </p:txBody>
+          </p:sp>
+        </mc:Fallback>
+      </mc:AlternateContent>
+    </p:spTree>
+    <p:extLst>
+      <p:ext uri="{BB962C8B-B14F-4D97-AF65-F5344CB8AC3E}">
+        <p14:creationId xmlns:p14="http://schemas.microsoft.com/office/powerpoint/2010/main" val="3048463249"/>
+      </p:ext>
+    </p:extLst>
+  </p:cSld>
+  <p:clrMapOvr>
+    <a:masterClrMapping/>
+  </p:clrMapOvr>
+</p:sld>
+</file>
+
+<file path=ppt/slides/slide4.xml><?xml version="1.0" encoding="utf-8"?>
+<p:sld xmlns:a="http://schemas.openxmlformats.org/drawingml/2006/main" xmlns:r="http://schemas.openxmlformats.org/officeDocument/2006/relationships" xmlns:p="http://schemas.openxmlformats.org/presentationml/2006/main">
+  <p:cSld>
+    <p:spTree>
+      <p:nvGrpSpPr>
+        <p:cNvPr id="1" name=""/>
+        <p:cNvGrpSpPr/>
+        <p:nvPr/>
+      </p:nvGrpSpPr>
+      <p:grpSpPr>
+        <a:xfrm>
+          <a:off x="0" y="0"/>
+          <a:ext cx="0" cy="0"/>
+          <a:chOff x="0" y="0"/>
+          <a:chExt cx="0" cy="0"/>
+        </a:xfrm>
+      </p:grpSpPr>
+      <mc:AlternateContent xmlns:mc="http://schemas.openxmlformats.org/markup-compatibility/2006">
+        <mc:Choice xmlns:a14="http://schemas.microsoft.com/office/drawing/2010/main" Requires="a14">
+          <p:sp>
+            <p:nvSpPr>
+              <p:cNvPr id="12" name="TextBox 11">
+                <a:extLst>
+                  <a:ext uri="{FF2B5EF4-FFF2-40B4-BE49-F238E27FC236}">
+                    <a16:creationId xmlns:a16="http://schemas.microsoft.com/office/drawing/2014/main" id="{A6E21189-D66D-CE4C-A535-30CC74292F97}"/>
+                  </a:ext>
+                </a:extLst>
+              </p:cNvPr>
+              <p:cNvSpPr txBox="1"/>
+              <p:nvPr/>
+            </p:nvSpPr>
+            <p:spPr>
+              <a:xfrm>
+                <a:off x="6069447" y="2875279"/>
+                <a:ext cx="576649" cy="400110"/>
+              </a:xfrm>
+              <a:prstGeom prst="rect">
+                <a:avLst/>
+              </a:prstGeom>
+              <a:solidFill>
+                <a:schemeClr val="bg1"/>
+              </a:solidFill>
+            </p:spPr>
+            <p:txBody>
+              <a:bodyPr wrap="square" rtlCol="0">
+                <a:spAutoFit/>
+              </a:bodyPr>
+              <a:lstStyle/>
+              <a:p>
+                <a:pPr/>
+                <a14:m>
+                  <m:oMathPara xmlns:m="http://schemas.openxmlformats.org/officeDocument/2006/math">
+                    <m:oMathParaPr>
+                      <m:jc m:val="centerGroup"/>
+                    </m:oMathParaPr>
+                    <m:oMath xmlns:m="http://schemas.openxmlformats.org/officeDocument/2006/math">
+                      <m:sSub>
+                        <m:sSubPr>
+                          <m:ctrlPr>
+                            <a:rPr lang="en-US" sz="2000" b="0" i="1" dirty="0" smtClean="0">
+                              <a:latin typeface="Cambria Math" panose="02040503050406030204" pitchFamily="18" charset="0"/>
+                            </a:rPr>
+                          </m:ctrlPr>
+                        </m:sSubPr>
+                        <m:e>
+                          <m:r>
+                            <a:rPr lang="en-US" sz="2000" b="0" i="1" dirty="0" smtClean="0">
+                              <a:latin typeface="Cambria Math" panose="02040503050406030204" pitchFamily="18" charset="0"/>
+                            </a:rPr>
+                            <m:t>h</m:t>
+                          </m:r>
+                        </m:e>
+                        <m:sub>
+                          <m:r>
+                            <a:rPr lang="en-US" sz="2000" b="0" i="1" dirty="0" smtClean="0">
+                              <a:latin typeface="Cambria Math" panose="02040503050406030204" pitchFamily="18" charset="0"/>
+                            </a:rPr>
+                            <m:t>1</m:t>
+                          </m:r>
+                        </m:sub>
+                      </m:sSub>
+                    </m:oMath>
+                  </m:oMathPara>
+                </a14:m>
+                <a:endParaRPr lang="en-US" sz="2000" b="0" dirty="0"/>
+              </a:p>
+            </p:txBody>
+          </p:sp>
+        </mc:Choice>
+        <mc:Fallback>
+          <p:sp>
+            <p:nvSpPr>
+              <p:cNvPr id="12" name="TextBox 11">
+                <a:extLst>
+                  <a:ext uri="{FF2B5EF4-FFF2-40B4-BE49-F238E27FC236}">
+                    <a16:creationId xmlns:a16="http://schemas.microsoft.com/office/drawing/2014/main" id="{A6E21189-D66D-CE4C-A535-30CC74292F97}"/>
+                  </a:ext>
+                </a:extLst>
+              </p:cNvPr>
+              <p:cNvSpPr txBox="1">
+                <a:spLocks noRot="1" noChangeAspect="1" noMove="1" noResize="1" noEditPoints="1" noAdjustHandles="1" noChangeArrowheads="1" noChangeShapeType="1" noTextEdit="1"/>
+              </p:cNvSpPr>
+              <p:nvPr/>
+            </p:nvSpPr>
+            <p:spPr>
+              <a:xfrm>
+                <a:off x="6069447" y="2875279"/>
+                <a:ext cx="576649" cy="400110"/>
+              </a:xfrm>
+              <a:prstGeom prst="rect">
+                <a:avLst/>
+              </a:prstGeom>
+              <a:blipFill>
+                <a:blip r:embed="rId2"/>
+                <a:stretch>
+                  <a:fillRect/>
+                </a:stretch>
+              </a:blipFill>
+            </p:spPr>
+            <p:txBody>
+              <a:bodyPr/>
+              <a:lstStyle/>
+              <a:p>
+                <a:r>
+                  <a:rPr lang="en-US">
+                    <a:noFill/>
+                  </a:rPr>
+                  <a:t> </a:t>
+                </a:r>
+              </a:p>
+            </p:txBody>
+          </p:sp>
+        </mc:Fallback>
+      </mc:AlternateContent>
+      <mc:AlternateContent xmlns:mc="http://schemas.openxmlformats.org/markup-compatibility/2006">
+        <mc:Choice xmlns:a14="http://schemas.microsoft.com/office/drawing/2010/main" Requires="a14">
+          <p:sp>
+            <p:nvSpPr>
+              <p:cNvPr id="13" name="TextBox 12">
+                <a:extLst>
+                  <a:ext uri="{FF2B5EF4-FFF2-40B4-BE49-F238E27FC236}">
+                    <a16:creationId xmlns:a16="http://schemas.microsoft.com/office/drawing/2014/main" id="{4A82AEDA-050C-AA41-9F00-0BED9F5C9765}"/>
+                  </a:ext>
+                </a:extLst>
+              </p:cNvPr>
+              <p:cNvSpPr txBox="1"/>
+              <p:nvPr/>
+            </p:nvSpPr>
+            <p:spPr>
+              <a:xfrm>
+                <a:off x="7771418" y="2875279"/>
+                <a:ext cx="402799" cy="400110"/>
+              </a:xfrm>
+              <a:prstGeom prst="rect">
+                <a:avLst/>
+              </a:prstGeom>
+              <a:solidFill>
+                <a:schemeClr val="bg1"/>
+              </a:solidFill>
+            </p:spPr>
+            <p:txBody>
+              <a:bodyPr wrap="square" rtlCol="0">
+                <a:spAutoFit/>
+              </a:bodyPr>
+              <a:lstStyle/>
+              <a:p>
+                <a:pPr/>
+                <a14:m>
+                  <m:oMathPara xmlns:m="http://schemas.openxmlformats.org/officeDocument/2006/math">
+                    <m:oMathParaPr>
+                      <m:jc m:val="centerGroup"/>
+                    </m:oMathParaPr>
+                    <m:oMath xmlns:m="http://schemas.openxmlformats.org/officeDocument/2006/math">
+                      <m:sSub>
+                        <m:sSubPr>
+                          <m:ctrlPr>
+                            <a:rPr lang="en-US" sz="2000" b="0" i="1" dirty="0" smtClean="0">
+                              <a:latin typeface="Cambria Math" panose="02040503050406030204" pitchFamily="18" charset="0"/>
+                            </a:rPr>
+                          </m:ctrlPr>
+                        </m:sSubPr>
+                        <m:e>
+                          <m:r>
+                            <a:rPr lang="en-US" sz="2000" b="0" i="1" dirty="0" smtClean="0">
+                              <a:latin typeface="Cambria Math" panose="02040503050406030204" pitchFamily="18" charset="0"/>
+                            </a:rPr>
+                            <m:t>h</m:t>
+                          </m:r>
+                        </m:e>
+                        <m:sub>
+                          <m:r>
+                            <a:rPr lang="en-US" sz="2000" b="0" i="1" dirty="0" smtClean="0">
+                              <a:latin typeface="Cambria Math" panose="02040503050406030204" pitchFamily="18" charset="0"/>
+                            </a:rPr>
+                            <m:t>2</m:t>
+                          </m:r>
+                        </m:sub>
+                      </m:sSub>
+                    </m:oMath>
+                  </m:oMathPara>
+                </a14:m>
+                <a:endParaRPr lang="en-US" sz="2000" b="0" dirty="0"/>
+              </a:p>
+            </p:txBody>
+          </p:sp>
+        </mc:Choice>
+        <mc:Fallback>
+          <p:sp>
+            <p:nvSpPr>
+              <p:cNvPr id="13" name="TextBox 12">
+                <a:extLst>
+                  <a:ext uri="{FF2B5EF4-FFF2-40B4-BE49-F238E27FC236}">
+                    <a16:creationId xmlns:a16="http://schemas.microsoft.com/office/drawing/2014/main" id="{4A82AEDA-050C-AA41-9F00-0BED9F5C9765}"/>
+                  </a:ext>
+                </a:extLst>
+              </p:cNvPr>
+              <p:cNvSpPr txBox="1">
+                <a:spLocks noRot="1" noChangeAspect="1" noMove="1" noResize="1" noEditPoints="1" noAdjustHandles="1" noChangeArrowheads="1" noChangeShapeType="1" noTextEdit="1"/>
+              </p:cNvSpPr>
+              <p:nvPr/>
+            </p:nvSpPr>
+            <p:spPr>
+              <a:xfrm>
+                <a:off x="7771418" y="2875279"/>
+                <a:ext cx="402799" cy="400110"/>
+              </a:xfrm>
+              <a:prstGeom prst="rect">
+                <a:avLst/>
+              </a:prstGeom>
+              <a:blipFill>
+                <a:blip r:embed="rId3"/>
+                <a:stretch>
+                  <a:fillRect/>
+                </a:stretch>
+              </a:blipFill>
+            </p:spPr>
+            <p:txBody>
+              <a:bodyPr/>
+              <a:lstStyle/>
+              <a:p>
+                <a:r>
+                  <a:rPr lang="en-US">
+                    <a:noFill/>
+                  </a:rPr>
+                  <a:t> </a:t>
+                </a:r>
+              </a:p>
+            </p:txBody>
+          </p:sp>
+        </mc:Fallback>
+      </mc:AlternateContent>
+      <mc:AlternateContent xmlns:mc="http://schemas.openxmlformats.org/markup-compatibility/2006">
+        <mc:Choice xmlns:a14="http://schemas.microsoft.com/office/drawing/2010/main" Requires="a14">
+          <p:sp>
+            <p:nvSpPr>
+              <p:cNvPr id="14" name="TextBox 13">
+                <a:extLst>
+                  <a:ext uri="{FF2B5EF4-FFF2-40B4-BE49-F238E27FC236}">
+                    <a16:creationId xmlns:a16="http://schemas.microsoft.com/office/drawing/2014/main" id="{453E9E07-E1CE-D540-AAD8-EF30243CBD83}"/>
+                  </a:ext>
+                </a:extLst>
+              </p:cNvPr>
+              <p:cNvSpPr txBox="1"/>
+              <p:nvPr/>
+            </p:nvSpPr>
+            <p:spPr>
+              <a:xfrm>
+                <a:off x="9439578" y="2889123"/>
+                <a:ext cx="576649" cy="400110"/>
+              </a:xfrm>
+              <a:prstGeom prst="rect">
+                <a:avLst/>
+              </a:prstGeom>
+              <a:solidFill>
+                <a:schemeClr val="bg1"/>
+              </a:solidFill>
+            </p:spPr>
+            <p:txBody>
+              <a:bodyPr wrap="square" rtlCol="0">
+                <a:spAutoFit/>
+              </a:bodyPr>
+              <a:lstStyle/>
+              <a:p>
+                <a:pPr/>
+                <a14:m>
+                  <m:oMathPara xmlns:m="http://schemas.openxmlformats.org/officeDocument/2006/math">
+                    <m:oMathParaPr>
+                      <m:jc m:val="centerGroup"/>
+                    </m:oMathParaPr>
+                    <m:oMath xmlns:m="http://schemas.openxmlformats.org/officeDocument/2006/math">
+                      <m:sSub>
+                        <m:sSubPr>
+                          <m:ctrlPr>
+                            <a:rPr lang="en-US" sz="2000" b="0" i="1" dirty="0" smtClean="0">
+                              <a:latin typeface="Cambria Math" panose="02040503050406030204" pitchFamily="18" charset="0"/>
+                            </a:rPr>
+                          </m:ctrlPr>
+                        </m:sSubPr>
+                        <m:e>
+                          <m:r>
+                            <a:rPr lang="en-US" sz="2000" b="0" i="1" dirty="0" smtClean="0">
+                              <a:latin typeface="Cambria Math" panose="02040503050406030204" pitchFamily="18" charset="0"/>
+                            </a:rPr>
+                            <m:t>h</m:t>
+                          </m:r>
+                        </m:e>
+                        <m:sub>
+                          <m:r>
+                            <a:rPr lang="en-US" sz="2000" b="0" i="1" dirty="0" smtClean="0">
+                              <a:latin typeface="Cambria Math" panose="02040503050406030204" pitchFamily="18" charset="0"/>
+                            </a:rPr>
+                            <m:t>3</m:t>
+                          </m:r>
+                        </m:sub>
+                      </m:sSub>
+                    </m:oMath>
+                  </m:oMathPara>
+                </a14:m>
+                <a:endParaRPr lang="en-US" sz="2000" b="0" dirty="0"/>
+              </a:p>
+            </p:txBody>
+          </p:sp>
+        </mc:Choice>
+        <mc:Fallback>
+          <p:sp>
+            <p:nvSpPr>
+              <p:cNvPr id="14" name="TextBox 13">
+                <a:extLst>
+                  <a:ext uri="{FF2B5EF4-FFF2-40B4-BE49-F238E27FC236}">
+                    <a16:creationId xmlns:a16="http://schemas.microsoft.com/office/drawing/2014/main" id="{453E9E07-E1CE-D540-AAD8-EF30243CBD83}"/>
+                  </a:ext>
+                </a:extLst>
+              </p:cNvPr>
+              <p:cNvSpPr txBox="1">
+                <a:spLocks noRot="1" noChangeAspect="1" noMove="1" noResize="1" noEditPoints="1" noAdjustHandles="1" noChangeArrowheads="1" noChangeShapeType="1" noTextEdit="1"/>
+              </p:cNvSpPr>
+              <p:nvPr/>
+            </p:nvSpPr>
+            <p:spPr>
+              <a:xfrm>
+                <a:off x="9439578" y="2889123"/>
+                <a:ext cx="576649" cy="400110"/>
+              </a:xfrm>
+              <a:prstGeom prst="rect">
+                <a:avLst/>
+              </a:prstGeom>
+              <a:blipFill>
+                <a:blip r:embed="rId4"/>
+                <a:stretch>
+                  <a:fillRect/>
+                </a:stretch>
+              </a:blipFill>
+            </p:spPr>
+            <p:txBody>
+              <a:bodyPr/>
+              <a:lstStyle/>
+              <a:p>
+                <a:r>
+                  <a:rPr lang="en-US">
+                    <a:noFill/>
+                  </a:rPr>
+                  <a:t> </a:t>
+                </a:r>
+              </a:p>
+            </p:txBody>
+          </p:sp>
+        </mc:Fallback>
+      </mc:AlternateContent>
+      <mc:AlternateContent xmlns:mc="http://schemas.openxmlformats.org/markup-compatibility/2006">
+        <mc:Choice xmlns:a14="http://schemas.microsoft.com/office/drawing/2010/main" Requires="a14">
+          <p:sp>
+            <p:nvSpPr>
+              <p:cNvPr id="16" name="TextBox 15">
+                <a:extLst>
+                  <a:ext uri="{FF2B5EF4-FFF2-40B4-BE49-F238E27FC236}">
+                    <a16:creationId xmlns:a16="http://schemas.microsoft.com/office/drawing/2014/main" id="{31E8754E-1BA9-A644-A656-E6AD34A134D8}"/>
+                  </a:ext>
+                </a:extLst>
+              </p:cNvPr>
+              <p:cNvSpPr txBox="1"/>
+              <p:nvPr/>
+            </p:nvSpPr>
+            <p:spPr>
+              <a:xfrm>
+                <a:off x="6544663" y="3435914"/>
+                <a:ext cx="576649" cy="400110"/>
+              </a:xfrm>
+              <a:prstGeom prst="rect">
+                <a:avLst/>
+              </a:prstGeom>
+              <a:solidFill>
+                <a:schemeClr val="bg1"/>
+              </a:solidFill>
+            </p:spPr>
+            <p:txBody>
+              <a:bodyPr wrap="square" rtlCol="0">
+                <a:spAutoFit/>
+              </a:bodyPr>
+              <a:lstStyle/>
+              <a:p>
+                <a:pPr/>
                 <a14:m>
                   <m:oMathPara xmlns:m="http://schemas.openxmlformats.org/officeDocument/2006/math">
                     <m:oMathParaPr>
@@ -6482,14 +8221,14 @@
             </p:nvSpPr>
             <p:spPr>
               <a:xfrm>
-                <a:off x="6595256" y="3635969"/>
+                <a:off x="6544663" y="3435914"/>
                 <a:ext cx="576649" cy="400110"/>
               </a:xfrm>
               <a:prstGeom prst="rect">
                 <a:avLst/>
               </a:prstGeom>
               <a:blipFill>
-                <a:blip r:embed="rId12"/>
+                <a:blip r:embed="rId5"/>
                 <a:stretch>
                   <a:fillRect r="-4348" b="-3125"/>
                 </a:stretch>
@@ -6526,7 +8265,7 @@
             </p:nvSpPr>
             <p:spPr>
               <a:xfrm>
-                <a:off x="8114698" y="3635969"/>
+                <a:off x="8174217" y="3382523"/>
                 <a:ext cx="576649" cy="400110"/>
               </a:xfrm>
               <a:prstGeom prst="rect">
@@ -6542,6 +8281,7 @@
               </a:bodyPr>
               <a:lstStyle/>
               <a:p>
+                <a:pPr/>
                 <a14:m>
                   <m:oMathPara xmlns:m="http://schemas.openxmlformats.org/officeDocument/2006/math">
                     <m:oMathParaPr>
@@ -6598,712 +8338,16 @@
             </p:nvSpPr>
             <p:spPr>
               <a:xfrm>
-                <a:off x="8114698" y="3635969"/>
+                <a:off x="8174217" y="3382523"/>
                 <a:ext cx="576649" cy="400110"/>
               </a:xfrm>
               <a:prstGeom prst="rect">
                 <a:avLst/>
               </a:prstGeom>
               <a:blipFill>
-                <a:blip r:embed="rId13"/>
+                <a:blip r:embed="rId6"/>
                 <a:stretch>
-                  <a:fillRect r="-2128" b="-3125"/>
-                </a:stretch>
-              </a:blipFill>
-            </p:spPr>
-            <p:txBody>
-              <a:bodyPr/>
-              <a:lstStyle/>
-              <a:p>
-                <a:r>
-                  <a:rPr lang="en-US">
-                    <a:noFill/>
-                  </a:rPr>
-                  <a:t> </a:t>
-                </a:r>
-              </a:p>
-            </p:txBody>
-          </p:sp>
-        </mc:Fallback>
-      </mc:AlternateContent>
-      <mc:AlternateContent xmlns:mc="http://schemas.openxmlformats.org/markup-compatibility/2006">
-        <mc:Choice xmlns:a14="http://schemas.microsoft.com/office/drawing/2010/main" Requires="a14">
-          <p:sp>
-            <p:nvSpPr>
-              <p:cNvPr id="18" name="TextBox 17">
-                <a:extLst>
-                  <a:ext uri="{FF2B5EF4-FFF2-40B4-BE49-F238E27FC236}">
-                    <a16:creationId xmlns:a16="http://schemas.microsoft.com/office/drawing/2014/main" id="{F50D53F5-AD08-CF49-960A-83EA29E9ACC4}"/>
-                  </a:ext>
-                </a:extLst>
-              </p:cNvPr>
-              <p:cNvSpPr txBox="1"/>
-              <p:nvPr/>
-            </p:nvSpPr>
-            <p:spPr>
-              <a:xfrm>
-                <a:off x="9857426" y="3635969"/>
-                <a:ext cx="576649" cy="400110"/>
-              </a:xfrm>
-              <a:prstGeom prst="rect">
-                <a:avLst/>
-              </a:prstGeom>
-              <a:solidFill>
-                <a:schemeClr val="bg1"/>
-              </a:solidFill>
-            </p:spPr>
-            <p:txBody>
-              <a:bodyPr wrap="square" rtlCol="0">
-                <a:spAutoFit/>
-              </a:bodyPr>
-              <a:lstStyle/>
-              <a:p>
-                <a14:m>
-                  <m:oMathPara xmlns:m="http://schemas.openxmlformats.org/officeDocument/2006/math">
-                    <m:oMathParaPr>
-                      <m:jc m:val="centerGroup"/>
-                    </m:oMathParaPr>
-                    <m:oMath xmlns:m="http://schemas.openxmlformats.org/officeDocument/2006/math">
-                      <m:sSub>
-                        <m:sSubPr>
-                          <m:ctrlPr>
-                            <a:rPr lang="en-US" sz="2000" b="0" i="1" dirty="0" smtClean="0">
-                              <a:latin typeface="Cambria Math" panose="02040503050406030204" pitchFamily="18" charset="0"/>
-                            </a:rPr>
-                          </m:ctrlPr>
-                        </m:sSubPr>
-                        <m:e>
-                          <m:r>
-                            <a:rPr lang="en-US" sz="2000" b="0" i="1" dirty="0" smtClean="0">
-                              <a:latin typeface="Cambria Math" panose="02040503050406030204" pitchFamily="18" charset="0"/>
-                            </a:rPr>
-                            <m:t>𝑊</m:t>
-                          </m:r>
-                        </m:e>
-                        <m:sub>
-                          <m:r>
-                            <a:rPr lang="en-US" sz="2000" b="0" i="1" dirty="0" smtClean="0">
-                              <a:latin typeface="Cambria Math" panose="02040503050406030204" pitchFamily="18" charset="0"/>
-                            </a:rPr>
-                            <m:t>hh</m:t>
-                          </m:r>
-                        </m:sub>
-                      </m:sSub>
-                    </m:oMath>
-                  </m:oMathPara>
-                </a14:m>
-                <a:endParaRPr lang="en-US" sz="2000" b="0" dirty="0"/>
-              </a:p>
-            </p:txBody>
-          </p:sp>
-        </mc:Choice>
-        <mc:Fallback>
-          <p:sp>
-            <p:nvSpPr>
-              <p:cNvPr id="18" name="TextBox 17">
-                <a:extLst>
-                  <a:ext uri="{FF2B5EF4-FFF2-40B4-BE49-F238E27FC236}">
-                    <a16:creationId xmlns:a16="http://schemas.microsoft.com/office/drawing/2014/main" id="{F50D53F5-AD08-CF49-960A-83EA29E9ACC4}"/>
-                  </a:ext>
-                </a:extLst>
-              </p:cNvPr>
-              <p:cNvSpPr txBox="1">
-                <a:spLocks noRot="1" noChangeAspect="1" noMove="1" noResize="1" noEditPoints="1" noAdjustHandles="1" noChangeArrowheads="1" noChangeShapeType="1" noTextEdit="1"/>
-              </p:cNvSpPr>
-              <p:nvPr/>
-            </p:nvSpPr>
-            <p:spPr>
-              <a:xfrm>
-                <a:off x="9857426" y="3635969"/>
-                <a:ext cx="576649" cy="400110"/>
-              </a:xfrm>
-              <a:prstGeom prst="rect">
-                <a:avLst/>
-              </a:prstGeom>
-              <a:blipFill>
-                <a:blip r:embed="rId14"/>
-                <a:stretch>
-                  <a:fillRect r="-4348" b="-3125"/>
-                </a:stretch>
-              </a:blipFill>
-            </p:spPr>
-            <p:txBody>
-              <a:bodyPr/>
-              <a:lstStyle/>
-              <a:p>
-                <a:r>
-                  <a:rPr lang="en-US">
-                    <a:noFill/>
-                  </a:rPr>
-                  <a:t> </a:t>
-                </a:r>
-              </a:p>
-            </p:txBody>
-          </p:sp>
-        </mc:Fallback>
-      </mc:AlternateContent>
-      <mc:AlternateContent xmlns:mc="http://schemas.openxmlformats.org/markup-compatibility/2006">
-        <mc:Choice xmlns:a14="http://schemas.microsoft.com/office/drawing/2010/main" Requires="a14">
-          <p:sp>
-            <p:nvSpPr>
-              <p:cNvPr id="19" name="TextBox 18">
-                <a:extLst>
-                  <a:ext uri="{FF2B5EF4-FFF2-40B4-BE49-F238E27FC236}">
-                    <a16:creationId xmlns:a16="http://schemas.microsoft.com/office/drawing/2014/main" id="{EF63984D-81B5-CA48-B8C1-6398DE59E129}"/>
-                  </a:ext>
-                </a:extLst>
-              </p:cNvPr>
-              <p:cNvSpPr txBox="1"/>
-              <p:nvPr/>
-            </p:nvSpPr>
-            <p:spPr>
-              <a:xfrm>
-                <a:off x="6174257" y="4103871"/>
-                <a:ext cx="484833" cy="400110"/>
-              </a:xfrm>
-              <a:prstGeom prst="rect">
-                <a:avLst/>
-              </a:prstGeom>
-              <a:solidFill>
-                <a:schemeClr val="bg1"/>
-              </a:solidFill>
-            </p:spPr>
-            <p:txBody>
-              <a:bodyPr wrap="square" rtlCol="0">
-                <a:spAutoFit/>
-              </a:bodyPr>
-              <a:lstStyle/>
-              <a:p>
-                <a14:m>
-                  <m:oMathPara xmlns:m="http://schemas.openxmlformats.org/officeDocument/2006/math">
-                    <m:oMathParaPr>
-                      <m:jc m:val="centerGroup"/>
-                    </m:oMathParaPr>
-                    <m:oMath xmlns:m="http://schemas.openxmlformats.org/officeDocument/2006/math">
-                      <m:sSub>
-                        <m:sSubPr>
-                          <m:ctrlPr>
-                            <a:rPr lang="en-US" sz="2000" b="0" i="1" dirty="0" smtClean="0">
-                              <a:latin typeface="Cambria Math" panose="02040503050406030204" pitchFamily="18" charset="0"/>
-                            </a:rPr>
-                          </m:ctrlPr>
-                        </m:sSubPr>
-                        <m:e>
-                          <m:r>
-                            <a:rPr lang="en-US" sz="2000" b="0" i="1" dirty="0" smtClean="0">
-                              <a:latin typeface="Cambria Math" panose="02040503050406030204" pitchFamily="18" charset="0"/>
-                            </a:rPr>
-                            <m:t>𝑊</m:t>
-                          </m:r>
-                        </m:e>
-                        <m:sub>
-                          <m:r>
-                            <a:rPr lang="en-US" sz="2000" b="0" i="1" dirty="0" smtClean="0">
-                              <a:latin typeface="Cambria Math" panose="02040503050406030204" pitchFamily="18" charset="0"/>
-                            </a:rPr>
-                            <m:t>𝑥h</m:t>
-                          </m:r>
-                        </m:sub>
-                      </m:sSub>
-                    </m:oMath>
-                  </m:oMathPara>
-                </a14:m>
-                <a:endParaRPr lang="en-US" sz="2000" b="0" dirty="0"/>
-              </a:p>
-            </p:txBody>
-          </p:sp>
-        </mc:Choice>
-        <mc:Fallback>
-          <p:sp>
-            <p:nvSpPr>
-              <p:cNvPr id="19" name="TextBox 18">
-                <a:extLst>
-                  <a:ext uri="{FF2B5EF4-FFF2-40B4-BE49-F238E27FC236}">
-                    <a16:creationId xmlns:a16="http://schemas.microsoft.com/office/drawing/2014/main" id="{EF63984D-81B5-CA48-B8C1-6398DE59E129}"/>
-                  </a:ext>
-                </a:extLst>
-              </p:cNvPr>
-              <p:cNvSpPr txBox="1">
-                <a:spLocks noRot="1" noChangeAspect="1" noMove="1" noResize="1" noEditPoints="1" noAdjustHandles="1" noChangeArrowheads="1" noChangeShapeType="1" noTextEdit="1"/>
-              </p:cNvSpPr>
-              <p:nvPr/>
-            </p:nvSpPr>
-            <p:spPr>
-              <a:xfrm>
-                <a:off x="6174257" y="4103871"/>
-                <a:ext cx="484833" cy="400110"/>
-              </a:xfrm>
-              <a:prstGeom prst="rect">
-                <a:avLst/>
-              </a:prstGeom>
-              <a:blipFill>
-                <a:blip r:embed="rId15"/>
-                <a:stretch>
-                  <a:fillRect r="-20513" b="-3125"/>
-                </a:stretch>
-              </a:blipFill>
-            </p:spPr>
-            <p:txBody>
-              <a:bodyPr/>
-              <a:lstStyle/>
-              <a:p>
-                <a:r>
-                  <a:rPr lang="en-US">
-                    <a:noFill/>
-                  </a:rPr>
-                  <a:t> </a:t>
-                </a:r>
-              </a:p>
-            </p:txBody>
-          </p:sp>
-        </mc:Fallback>
-      </mc:AlternateContent>
-      <mc:AlternateContent xmlns:mc="http://schemas.openxmlformats.org/markup-compatibility/2006">
-        <mc:Choice xmlns:a14="http://schemas.microsoft.com/office/drawing/2010/main" Requires="a14">
-          <p:sp>
-            <p:nvSpPr>
-              <p:cNvPr id="20" name="TextBox 19">
-                <a:extLst>
-                  <a:ext uri="{FF2B5EF4-FFF2-40B4-BE49-F238E27FC236}">
-                    <a16:creationId xmlns:a16="http://schemas.microsoft.com/office/drawing/2014/main" id="{2CA7AAC9-E97C-754D-A004-3851EFCB9811}"/>
-                  </a:ext>
-                </a:extLst>
-              </p:cNvPr>
-              <p:cNvSpPr txBox="1"/>
-              <p:nvPr/>
-            </p:nvSpPr>
-            <p:spPr>
-              <a:xfrm>
-                <a:off x="7831265" y="4103871"/>
-                <a:ext cx="484833" cy="400110"/>
-              </a:xfrm>
-              <a:prstGeom prst="rect">
-                <a:avLst/>
-              </a:prstGeom>
-              <a:solidFill>
-                <a:schemeClr val="bg1"/>
-              </a:solidFill>
-            </p:spPr>
-            <p:txBody>
-              <a:bodyPr wrap="square" rtlCol="0">
-                <a:spAutoFit/>
-              </a:bodyPr>
-              <a:lstStyle/>
-              <a:p>
-                <a14:m>
-                  <m:oMathPara xmlns:m="http://schemas.openxmlformats.org/officeDocument/2006/math">
-                    <m:oMathParaPr>
-                      <m:jc m:val="centerGroup"/>
-                    </m:oMathParaPr>
-                    <m:oMath xmlns:m="http://schemas.openxmlformats.org/officeDocument/2006/math">
-                      <m:sSub>
-                        <m:sSubPr>
-                          <m:ctrlPr>
-                            <a:rPr lang="en-US" sz="2000" b="0" i="1" dirty="0" smtClean="0">
-                              <a:latin typeface="Cambria Math" panose="02040503050406030204" pitchFamily="18" charset="0"/>
-                            </a:rPr>
-                          </m:ctrlPr>
-                        </m:sSubPr>
-                        <m:e>
-                          <m:r>
-                            <a:rPr lang="en-US" sz="2000" b="0" i="1" dirty="0" smtClean="0">
-                              <a:latin typeface="Cambria Math" panose="02040503050406030204" pitchFamily="18" charset="0"/>
-                            </a:rPr>
-                            <m:t>𝑊</m:t>
-                          </m:r>
-                        </m:e>
-                        <m:sub>
-                          <m:r>
-                            <a:rPr lang="en-US" sz="2000" b="0" i="1" dirty="0" smtClean="0">
-                              <a:latin typeface="Cambria Math" panose="02040503050406030204" pitchFamily="18" charset="0"/>
-                            </a:rPr>
-                            <m:t>𝑥h</m:t>
-                          </m:r>
-                        </m:sub>
-                      </m:sSub>
-                    </m:oMath>
-                  </m:oMathPara>
-                </a14:m>
-                <a:endParaRPr lang="en-US" sz="2000" b="0" dirty="0"/>
-              </a:p>
-            </p:txBody>
-          </p:sp>
-        </mc:Choice>
-        <mc:Fallback>
-          <p:sp>
-            <p:nvSpPr>
-              <p:cNvPr id="20" name="TextBox 19">
-                <a:extLst>
-                  <a:ext uri="{FF2B5EF4-FFF2-40B4-BE49-F238E27FC236}">
-                    <a16:creationId xmlns:a16="http://schemas.microsoft.com/office/drawing/2014/main" id="{2CA7AAC9-E97C-754D-A004-3851EFCB9811}"/>
-                  </a:ext>
-                </a:extLst>
-              </p:cNvPr>
-              <p:cNvSpPr txBox="1">
-                <a:spLocks noRot="1" noChangeAspect="1" noMove="1" noResize="1" noEditPoints="1" noAdjustHandles="1" noChangeArrowheads="1" noChangeShapeType="1" noTextEdit="1"/>
-              </p:cNvSpPr>
-              <p:nvPr/>
-            </p:nvSpPr>
-            <p:spPr>
-              <a:xfrm>
-                <a:off x="7831265" y="4103871"/>
-                <a:ext cx="484833" cy="400110"/>
-              </a:xfrm>
-              <a:prstGeom prst="rect">
-                <a:avLst/>
-              </a:prstGeom>
-              <a:blipFill>
-                <a:blip r:embed="rId16"/>
-                <a:stretch>
-                  <a:fillRect r="-23077" b="-3125"/>
-                </a:stretch>
-              </a:blipFill>
-            </p:spPr>
-            <p:txBody>
-              <a:bodyPr/>
-              <a:lstStyle/>
-              <a:p>
-                <a:r>
-                  <a:rPr lang="en-US">
-                    <a:noFill/>
-                  </a:rPr>
-                  <a:t> </a:t>
-                </a:r>
-              </a:p>
-            </p:txBody>
-          </p:sp>
-        </mc:Fallback>
-      </mc:AlternateContent>
-      <mc:AlternateContent xmlns:mc="http://schemas.openxmlformats.org/markup-compatibility/2006">
-        <mc:Choice xmlns:a14="http://schemas.microsoft.com/office/drawing/2010/main" Requires="a14">
-          <p:sp>
-            <p:nvSpPr>
-              <p:cNvPr id="21" name="TextBox 20">
-                <a:extLst>
-                  <a:ext uri="{FF2B5EF4-FFF2-40B4-BE49-F238E27FC236}">
-                    <a16:creationId xmlns:a16="http://schemas.microsoft.com/office/drawing/2014/main" id="{DD857206-CF64-BA42-9A63-C0938F2E46FF}"/>
-                  </a:ext>
-                </a:extLst>
-              </p:cNvPr>
-              <p:cNvSpPr txBox="1"/>
-              <p:nvPr/>
-            </p:nvSpPr>
-            <p:spPr>
-              <a:xfrm>
-                <a:off x="9497363" y="4103871"/>
-                <a:ext cx="484833" cy="400110"/>
-              </a:xfrm>
-              <a:prstGeom prst="rect">
-                <a:avLst/>
-              </a:prstGeom>
-              <a:solidFill>
-                <a:schemeClr val="bg1"/>
-              </a:solidFill>
-            </p:spPr>
-            <p:txBody>
-              <a:bodyPr wrap="square" rtlCol="0">
-                <a:spAutoFit/>
-              </a:bodyPr>
-              <a:lstStyle/>
-              <a:p>
-                <a14:m>
-                  <m:oMathPara xmlns:m="http://schemas.openxmlformats.org/officeDocument/2006/math">
-                    <m:oMathParaPr>
-                      <m:jc m:val="centerGroup"/>
-                    </m:oMathParaPr>
-                    <m:oMath xmlns:m="http://schemas.openxmlformats.org/officeDocument/2006/math">
-                      <m:sSub>
-                        <m:sSubPr>
-                          <m:ctrlPr>
-                            <a:rPr lang="en-US" sz="2000" b="0" i="1" dirty="0" smtClean="0">
-                              <a:latin typeface="Cambria Math" panose="02040503050406030204" pitchFamily="18" charset="0"/>
-                            </a:rPr>
-                          </m:ctrlPr>
-                        </m:sSubPr>
-                        <m:e>
-                          <m:r>
-                            <a:rPr lang="en-US" sz="2000" b="0" i="1" dirty="0" smtClean="0">
-                              <a:latin typeface="Cambria Math" panose="02040503050406030204" pitchFamily="18" charset="0"/>
-                            </a:rPr>
-                            <m:t>𝑊</m:t>
-                          </m:r>
-                        </m:e>
-                        <m:sub>
-                          <m:r>
-                            <a:rPr lang="en-US" sz="2000" b="0" i="1" dirty="0" smtClean="0">
-                              <a:latin typeface="Cambria Math" panose="02040503050406030204" pitchFamily="18" charset="0"/>
-                            </a:rPr>
-                            <m:t>𝑥h</m:t>
-                          </m:r>
-                        </m:sub>
-                      </m:sSub>
-                    </m:oMath>
-                  </m:oMathPara>
-                </a14:m>
-                <a:endParaRPr lang="en-US" sz="2000" b="0" dirty="0"/>
-              </a:p>
-            </p:txBody>
-          </p:sp>
-        </mc:Choice>
-        <mc:Fallback>
-          <p:sp>
-            <p:nvSpPr>
-              <p:cNvPr id="21" name="TextBox 20">
-                <a:extLst>
-                  <a:ext uri="{FF2B5EF4-FFF2-40B4-BE49-F238E27FC236}">
-                    <a16:creationId xmlns:a16="http://schemas.microsoft.com/office/drawing/2014/main" id="{DD857206-CF64-BA42-9A63-C0938F2E46FF}"/>
-                  </a:ext>
-                </a:extLst>
-              </p:cNvPr>
-              <p:cNvSpPr txBox="1">
-                <a:spLocks noRot="1" noChangeAspect="1" noMove="1" noResize="1" noEditPoints="1" noAdjustHandles="1" noChangeArrowheads="1" noChangeShapeType="1" noTextEdit="1"/>
-              </p:cNvSpPr>
-              <p:nvPr/>
-            </p:nvSpPr>
-            <p:spPr>
-              <a:xfrm>
-                <a:off x="9497363" y="4103871"/>
-                <a:ext cx="484833" cy="400110"/>
-              </a:xfrm>
-              <a:prstGeom prst="rect">
-                <a:avLst/>
-              </a:prstGeom>
-              <a:blipFill>
-                <a:blip r:embed="rId17"/>
-                <a:stretch>
-                  <a:fillRect r="-23077" b="-3125"/>
-                </a:stretch>
-              </a:blipFill>
-            </p:spPr>
-            <p:txBody>
-              <a:bodyPr/>
-              <a:lstStyle/>
-              <a:p>
-                <a:r>
-                  <a:rPr lang="en-US">
-                    <a:noFill/>
-                  </a:rPr>
-                  <a:t> </a:t>
-                </a:r>
-              </a:p>
-            </p:txBody>
-          </p:sp>
-        </mc:Fallback>
-      </mc:AlternateContent>
-      <mc:AlternateContent xmlns:mc="http://schemas.openxmlformats.org/markup-compatibility/2006">
-        <mc:Choice xmlns:a14="http://schemas.microsoft.com/office/drawing/2010/main" Requires="a14">
-          <p:sp>
-            <p:nvSpPr>
-              <p:cNvPr id="22" name="TextBox 21">
-                <a:extLst>
-                  <a:ext uri="{FF2B5EF4-FFF2-40B4-BE49-F238E27FC236}">
-                    <a16:creationId xmlns:a16="http://schemas.microsoft.com/office/drawing/2014/main" id="{8C39038D-D046-DB42-A166-C651854C9FEA}"/>
-                  </a:ext>
-                </a:extLst>
-              </p:cNvPr>
-              <p:cNvSpPr txBox="1"/>
-              <p:nvPr/>
-            </p:nvSpPr>
-            <p:spPr>
-              <a:xfrm>
-                <a:off x="5479453" y="2587059"/>
-                <a:ext cx="568070" cy="424283"/>
-              </a:xfrm>
-              <a:prstGeom prst="rect">
-                <a:avLst/>
-              </a:prstGeom>
-              <a:solidFill>
-                <a:schemeClr val="bg1"/>
-              </a:solidFill>
-            </p:spPr>
-            <p:txBody>
-              <a:bodyPr wrap="square" rtlCol="0">
-                <a:spAutoFit/>
-              </a:bodyPr>
-              <a:lstStyle/>
-              <a:p>
-                <a14:m>
-                  <m:oMathPara xmlns:m="http://schemas.openxmlformats.org/officeDocument/2006/math">
-                    <m:oMathParaPr>
-                      <m:jc m:val="centerGroup"/>
-                    </m:oMathParaPr>
-                    <m:oMath xmlns:m="http://schemas.openxmlformats.org/officeDocument/2006/math">
-                      <m:sSub>
-                        <m:sSubPr>
-                          <m:ctrlPr>
-                            <a:rPr lang="en-US" sz="2000" b="0" i="1" dirty="0" smtClean="0">
-                              <a:latin typeface="Cambria Math" panose="02040503050406030204" pitchFamily="18" charset="0"/>
-                            </a:rPr>
-                          </m:ctrlPr>
-                        </m:sSubPr>
-                        <m:e>
-                          <m:r>
-                            <a:rPr lang="en-US" sz="2000" b="0" i="1" dirty="0" smtClean="0">
-                              <a:latin typeface="Cambria Math" panose="02040503050406030204" pitchFamily="18" charset="0"/>
-                            </a:rPr>
-                            <m:t>𝑊</m:t>
-                          </m:r>
-                        </m:e>
-                        <m:sub>
-                          <m:r>
-                            <a:rPr lang="en-US" sz="2000" b="0" i="1" dirty="0" smtClean="0">
-                              <a:latin typeface="Cambria Math" panose="02040503050406030204" pitchFamily="18" charset="0"/>
-                            </a:rPr>
-                            <m:t>h𝑦</m:t>
-                          </m:r>
-                        </m:sub>
-                      </m:sSub>
-                    </m:oMath>
-                  </m:oMathPara>
-                </a14:m>
-                <a:endParaRPr lang="en-US" sz="2000" b="0" dirty="0"/>
-              </a:p>
-            </p:txBody>
-          </p:sp>
-        </mc:Choice>
-        <mc:Fallback>
-          <p:sp>
-            <p:nvSpPr>
-              <p:cNvPr id="22" name="TextBox 21">
-                <a:extLst>
-                  <a:ext uri="{FF2B5EF4-FFF2-40B4-BE49-F238E27FC236}">
-                    <a16:creationId xmlns:a16="http://schemas.microsoft.com/office/drawing/2014/main" id="{8C39038D-D046-DB42-A166-C651854C9FEA}"/>
-                  </a:ext>
-                </a:extLst>
-              </p:cNvPr>
-              <p:cNvSpPr txBox="1">
-                <a:spLocks noRot="1" noChangeAspect="1" noMove="1" noResize="1" noEditPoints="1" noAdjustHandles="1" noChangeArrowheads="1" noChangeShapeType="1" noTextEdit="1"/>
-              </p:cNvSpPr>
-              <p:nvPr/>
-            </p:nvSpPr>
-            <p:spPr>
-              <a:xfrm>
-                <a:off x="5479453" y="2587059"/>
-                <a:ext cx="568070" cy="424283"/>
-              </a:xfrm>
-              <a:prstGeom prst="rect">
-                <a:avLst/>
-              </a:prstGeom>
-              <a:blipFill>
-                <a:blip r:embed="rId18"/>
-                <a:stretch>
-                  <a:fillRect r="-8696" b="-8571"/>
-                </a:stretch>
-              </a:blipFill>
-            </p:spPr>
-            <p:txBody>
-              <a:bodyPr/>
-              <a:lstStyle/>
-              <a:p>
-                <a:r>
-                  <a:rPr lang="en-US">
-                    <a:noFill/>
-                  </a:rPr>
-                  <a:t> </a:t>
-                </a:r>
-              </a:p>
-            </p:txBody>
-          </p:sp>
-        </mc:Fallback>
-      </mc:AlternateContent>
-      <mc:AlternateContent xmlns:mc="http://schemas.openxmlformats.org/markup-compatibility/2006">
-        <mc:Choice xmlns:a14="http://schemas.microsoft.com/office/drawing/2010/main" Requires="a14">
-          <p:sp>
-            <p:nvSpPr>
-              <p:cNvPr id="23" name="TextBox 22">
-                <a:extLst>
-                  <a:ext uri="{FF2B5EF4-FFF2-40B4-BE49-F238E27FC236}">
-                    <a16:creationId xmlns:a16="http://schemas.microsoft.com/office/drawing/2014/main" id="{33CD4E08-C7A7-9941-9007-326ED1357EEC}"/>
-                  </a:ext>
-                </a:extLst>
-              </p:cNvPr>
-              <p:cNvSpPr txBox="1"/>
-              <p:nvPr/>
-            </p:nvSpPr>
-            <p:spPr>
-              <a:xfrm>
-                <a:off x="7094363" y="2562506"/>
-                <a:ext cx="612772" cy="424283"/>
-              </a:xfrm>
-              <a:prstGeom prst="rect">
-                <a:avLst/>
-              </a:prstGeom>
-              <a:solidFill>
-                <a:schemeClr val="bg1"/>
-              </a:solidFill>
-            </p:spPr>
-            <p:txBody>
-              <a:bodyPr wrap="square" rtlCol="0">
-                <a:spAutoFit/>
-              </a:bodyPr>
-              <a:lstStyle/>
-              <a:p>
-                <a14:m>
-                  <m:oMathPara xmlns:m="http://schemas.openxmlformats.org/officeDocument/2006/math">
-                    <m:oMathParaPr>
-                      <m:jc m:val="centerGroup"/>
-                    </m:oMathParaPr>
-                    <m:oMath xmlns:m="http://schemas.openxmlformats.org/officeDocument/2006/math">
-                      <m:sSub>
-                        <m:sSubPr>
-                          <m:ctrlPr>
-                            <a:rPr lang="en-US" sz="2000" b="0" i="1" dirty="0" smtClean="0">
-                              <a:latin typeface="Cambria Math" panose="02040503050406030204" pitchFamily="18" charset="0"/>
-                            </a:rPr>
-                          </m:ctrlPr>
-                        </m:sSubPr>
-                        <m:e>
-                          <m:r>
-                            <a:rPr lang="en-US" sz="2000" b="0" i="1" dirty="0" smtClean="0">
-                              <a:latin typeface="Cambria Math" panose="02040503050406030204" pitchFamily="18" charset="0"/>
-                            </a:rPr>
-                            <m:t>𝑊</m:t>
-                          </m:r>
-                        </m:e>
-                        <m:sub>
-                          <m:r>
-                            <a:rPr lang="en-US" sz="2000" b="0" i="1" dirty="0" smtClean="0">
-                              <a:latin typeface="Cambria Math" panose="02040503050406030204" pitchFamily="18" charset="0"/>
-                            </a:rPr>
-                            <m:t>h𝑦</m:t>
-                          </m:r>
-                        </m:sub>
-                      </m:sSub>
-                    </m:oMath>
-                  </m:oMathPara>
-                </a14:m>
-                <a:endParaRPr lang="en-US" sz="2000" b="0" dirty="0"/>
-              </a:p>
-            </p:txBody>
-          </p:sp>
-        </mc:Choice>
-        <mc:Fallback>
-          <p:sp>
-            <p:nvSpPr>
-              <p:cNvPr id="23" name="TextBox 22">
-                <a:extLst>
-                  <a:ext uri="{FF2B5EF4-FFF2-40B4-BE49-F238E27FC236}">
-                    <a16:creationId xmlns:a16="http://schemas.microsoft.com/office/drawing/2014/main" id="{33CD4E08-C7A7-9941-9007-326ED1357EEC}"/>
-                  </a:ext>
-                </a:extLst>
-              </p:cNvPr>
-              <p:cNvSpPr txBox="1">
-                <a:spLocks noRot="1" noChangeAspect="1" noMove="1" noResize="1" noEditPoints="1" noAdjustHandles="1" noChangeArrowheads="1" noChangeShapeType="1" noTextEdit="1"/>
-              </p:cNvSpPr>
-              <p:nvPr/>
-            </p:nvSpPr>
-            <p:spPr>
-              <a:xfrm>
-                <a:off x="7094363" y="2562506"/>
-                <a:ext cx="612772" cy="424283"/>
-              </a:xfrm>
-              <a:prstGeom prst="rect">
-                <a:avLst/>
-              </a:prstGeom>
-              <a:blipFill>
-                <a:blip r:embed="rId19"/>
-                <a:stretch>
-                  <a:fillRect r="-2041" b="-8571"/>
+                  <a:fillRect r="-2128"/>
                 </a:stretch>
               </a:blipFill>
             </p:spPr>
@@ -7354,6 +8398,7 @@
               </a:bodyPr>
               <a:lstStyle/>
               <a:p>
+                <a:pPr/>
                 <a14:m>
                   <m:oMathPara xmlns:m="http://schemas.openxmlformats.org/officeDocument/2006/math">
                     <m:oMathParaPr>
@@ -7417,7 +8462,7 @@
                 <a:avLst/>
               </a:prstGeom>
               <a:blipFill>
-                <a:blip r:embed="rId20"/>
+                <a:blip r:embed="rId7"/>
                 <a:stretch>
                   <a:fillRect r="-6522" b="-8571"/>
                 </a:stretch>
@@ -7438,10 +8483,674 @@
           </p:sp>
         </mc:Fallback>
       </mc:AlternateContent>
+      <mc:AlternateContent xmlns:mc="http://schemas.openxmlformats.org/markup-compatibility/2006">
+        <mc:Choice xmlns:a14="http://schemas.microsoft.com/office/drawing/2010/main" Requires="a14">
+          <p:sp>
+            <p:nvSpPr>
+              <p:cNvPr id="27" name="TextBox 26">
+                <a:extLst>
+                  <a:ext uri="{FF2B5EF4-FFF2-40B4-BE49-F238E27FC236}">
+                    <a16:creationId xmlns:a16="http://schemas.microsoft.com/office/drawing/2014/main" id="{D10D93C0-C43B-C848-B192-9801998AD486}"/>
+                  </a:ext>
+                </a:extLst>
+              </p:cNvPr>
+              <p:cNvSpPr txBox="1"/>
+              <p:nvPr/>
+            </p:nvSpPr>
+            <p:spPr>
+              <a:xfrm>
+                <a:off x="9056716" y="1703516"/>
+                <a:ext cx="605481" cy="400110"/>
+              </a:xfrm>
+              <a:prstGeom prst="rect">
+                <a:avLst/>
+              </a:prstGeom>
+              <a:solidFill>
+                <a:schemeClr val="bg1"/>
+              </a:solidFill>
+            </p:spPr>
+            <p:txBody>
+              <a:bodyPr wrap="square" rtlCol="0">
+                <a:spAutoFit/>
+              </a:bodyPr>
+              <a:lstStyle/>
+              <a:p>
+                <a:pPr/>
+                <a14:m>
+                  <m:oMathPara xmlns:m="http://schemas.openxmlformats.org/officeDocument/2006/math">
+                    <m:oMathParaPr>
+                      <m:jc m:val="centerGroup"/>
+                    </m:oMathParaPr>
+                    <m:oMath xmlns:m="http://schemas.openxmlformats.org/officeDocument/2006/math">
+                      <m:sSub>
+                        <m:sSubPr>
+                          <m:ctrlPr>
+                            <a:rPr lang="en-US" sz="2000" b="0" i="1" dirty="0" smtClean="0">
+                              <a:latin typeface="Cambria Math" panose="02040503050406030204" pitchFamily="18" charset="0"/>
+                            </a:rPr>
+                          </m:ctrlPr>
+                        </m:sSubPr>
+                        <m:e>
+                          <m:r>
+                            <a:rPr lang="en-US" sz="2000" i="1" dirty="0" smtClean="0">
+                              <a:latin typeface="Cambria Math" panose="02040503050406030204" pitchFamily="18" charset="0"/>
+                            </a:rPr>
+                            <m:t>𝑦</m:t>
+                          </m:r>
+                        </m:e>
+                        <m:sub>
+                          <m:r>
+                            <a:rPr lang="en-US" sz="2000" b="0" i="1" dirty="0" smtClean="0">
+                              <a:latin typeface="Cambria Math" panose="02040503050406030204" pitchFamily="18" charset="0"/>
+                            </a:rPr>
+                            <m:t>3</m:t>
+                          </m:r>
+                        </m:sub>
+                      </m:sSub>
+                    </m:oMath>
+                  </m:oMathPara>
+                </a14:m>
+                <a:endParaRPr lang="en-US" sz="2000" b="0" dirty="0"/>
+              </a:p>
+            </p:txBody>
+          </p:sp>
+        </mc:Choice>
+        <mc:Fallback>
+          <p:sp>
+            <p:nvSpPr>
+              <p:cNvPr id="27" name="TextBox 26">
+                <a:extLst>
+                  <a:ext uri="{FF2B5EF4-FFF2-40B4-BE49-F238E27FC236}">
+                    <a16:creationId xmlns:a16="http://schemas.microsoft.com/office/drawing/2014/main" id="{D10D93C0-C43B-C848-B192-9801998AD486}"/>
+                  </a:ext>
+                </a:extLst>
+              </p:cNvPr>
+              <p:cNvSpPr txBox="1">
+                <a:spLocks noRot="1" noChangeAspect="1" noMove="1" noResize="1" noEditPoints="1" noAdjustHandles="1" noChangeArrowheads="1" noChangeShapeType="1" noTextEdit="1"/>
+              </p:cNvSpPr>
+              <p:nvPr/>
+            </p:nvSpPr>
+            <p:spPr>
+              <a:xfrm>
+                <a:off x="9056716" y="1703516"/>
+                <a:ext cx="605481" cy="400110"/>
+              </a:xfrm>
+              <a:prstGeom prst="rect">
+                <a:avLst/>
+              </a:prstGeom>
+              <a:blipFill>
+                <a:blip r:embed="rId8"/>
+                <a:stretch>
+                  <a:fillRect b="-6061"/>
+                </a:stretch>
+              </a:blipFill>
+            </p:spPr>
+            <p:txBody>
+              <a:bodyPr/>
+              <a:lstStyle/>
+              <a:p>
+                <a:r>
+                  <a:rPr lang="en-US">
+                    <a:noFill/>
+                  </a:rPr>
+                  <a:t> </a:t>
+                </a:r>
+              </a:p>
+            </p:txBody>
+          </p:sp>
+        </mc:Fallback>
+      </mc:AlternateContent>
+      <p:sp>
+        <p:nvSpPr>
+          <p:cNvPr id="2" name="Oval 1">
+            <a:extLst>
+              <a:ext uri="{FF2B5EF4-FFF2-40B4-BE49-F238E27FC236}">
+                <a16:creationId xmlns:a16="http://schemas.microsoft.com/office/drawing/2014/main" id="{75BA4B34-70F7-4049-BBF1-A726F5716703}"/>
+              </a:ext>
+            </a:extLst>
+          </p:cNvPr>
+          <p:cNvSpPr/>
+          <p:nvPr/>
+        </p:nvSpPr>
+        <p:spPr>
+          <a:xfrm>
+            <a:off x="5761489" y="3205137"/>
+            <a:ext cx="407624" cy="411926"/>
+          </a:xfrm>
+          <a:prstGeom prst="ellipse">
+            <a:avLst/>
+          </a:prstGeom>
+          <a:noFill/>
+        </p:spPr>
+        <p:style>
+          <a:lnRef idx="2">
+            <a:schemeClr val="accent1">
+              <a:shade val="50000"/>
+            </a:schemeClr>
+          </a:lnRef>
+          <a:fillRef idx="1">
+            <a:schemeClr val="accent1"/>
+          </a:fillRef>
+          <a:effectRef idx="0">
+            <a:schemeClr val="accent1"/>
+          </a:effectRef>
+          <a:fontRef idx="minor">
+            <a:schemeClr val="lt1"/>
+          </a:fontRef>
+        </p:style>
+        <p:txBody>
+          <a:bodyPr rtlCol="0" anchor="ctr"/>
+          <a:lstStyle/>
+          <a:p>
+            <a:pPr algn="ctr"/>
+            <a:endParaRPr lang="en-US"/>
+          </a:p>
+        </p:txBody>
+      </p:sp>
+      <p:sp>
+        <p:nvSpPr>
+          <p:cNvPr id="28" name="Oval 27">
+            <a:extLst>
+              <a:ext uri="{FF2B5EF4-FFF2-40B4-BE49-F238E27FC236}">
+                <a16:creationId xmlns:a16="http://schemas.microsoft.com/office/drawing/2014/main" id="{7EC46ADF-5DB6-C344-BC91-B119183FC7A6}"/>
+              </a:ext>
+            </a:extLst>
+          </p:cNvPr>
+          <p:cNvSpPr/>
+          <p:nvPr/>
+        </p:nvSpPr>
+        <p:spPr>
+          <a:xfrm>
+            <a:off x="7518032" y="3188331"/>
+            <a:ext cx="407624" cy="411926"/>
+          </a:xfrm>
+          <a:prstGeom prst="ellipse">
+            <a:avLst/>
+          </a:prstGeom>
+          <a:noFill/>
+        </p:spPr>
+        <p:style>
+          <a:lnRef idx="2">
+            <a:schemeClr val="accent1">
+              <a:shade val="50000"/>
+            </a:schemeClr>
+          </a:lnRef>
+          <a:fillRef idx="1">
+            <a:schemeClr val="accent1"/>
+          </a:fillRef>
+          <a:effectRef idx="0">
+            <a:schemeClr val="accent1"/>
+          </a:effectRef>
+          <a:fontRef idx="minor">
+            <a:schemeClr val="lt1"/>
+          </a:fontRef>
+        </p:style>
+        <p:txBody>
+          <a:bodyPr rtlCol="0" anchor="ctr"/>
+          <a:lstStyle/>
+          <a:p>
+            <a:pPr algn="ctr"/>
+            <a:endParaRPr lang="en-US"/>
+          </a:p>
+        </p:txBody>
+      </p:sp>
+      <p:sp>
+        <p:nvSpPr>
+          <p:cNvPr id="29" name="Oval 28">
+            <a:extLst>
+              <a:ext uri="{FF2B5EF4-FFF2-40B4-BE49-F238E27FC236}">
+                <a16:creationId xmlns:a16="http://schemas.microsoft.com/office/drawing/2014/main" id="{C542FF00-A57A-B24A-9C2B-B6E4201C0F25}"/>
+              </a:ext>
+            </a:extLst>
+          </p:cNvPr>
+          <p:cNvSpPr/>
+          <p:nvPr/>
+        </p:nvSpPr>
+        <p:spPr>
+          <a:xfrm>
+            <a:off x="9295745" y="3170652"/>
+            <a:ext cx="407624" cy="411926"/>
+          </a:xfrm>
+          <a:prstGeom prst="ellipse">
+            <a:avLst/>
+          </a:prstGeom>
+          <a:noFill/>
+        </p:spPr>
+        <p:style>
+          <a:lnRef idx="2">
+            <a:schemeClr val="accent1">
+              <a:shade val="50000"/>
+            </a:schemeClr>
+          </a:lnRef>
+          <a:fillRef idx="1">
+            <a:schemeClr val="accent1"/>
+          </a:fillRef>
+          <a:effectRef idx="0">
+            <a:schemeClr val="accent1"/>
+          </a:effectRef>
+          <a:fontRef idx="minor">
+            <a:schemeClr val="lt1"/>
+          </a:fontRef>
+        </p:style>
+        <p:txBody>
+          <a:bodyPr rtlCol="0" anchor="ctr"/>
+          <a:lstStyle/>
+          <a:p>
+            <a:pPr algn="ctr"/>
+            <a:endParaRPr lang="en-US"/>
+          </a:p>
+        </p:txBody>
+      </p:sp>
+      <p:cxnSp>
+        <p:nvCxnSpPr>
+          <p:cNvPr id="4" name="Straight Arrow Connector 3">
+            <a:extLst>
+              <a:ext uri="{FF2B5EF4-FFF2-40B4-BE49-F238E27FC236}">
+                <a16:creationId xmlns:a16="http://schemas.microsoft.com/office/drawing/2014/main" id="{4E003BA6-8313-9047-B97A-ACEED97CBB45}"/>
+              </a:ext>
+            </a:extLst>
+          </p:cNvPr>
+          <p:cNvCxnSpPr>
+            <a:stCxn id="2" idx="6"/>
+            <a:endCxn id="28" idx="2"/>
+          </p:cNvCxnSpPr>
+          <p:nvPr/>
+        </p:nvCxnSpPr>
+        <p:spPr>
+          <a:xfrm flipV="1">
+            <a:off x="6169113" y="3394294"/>
+            <a:ext cx="1348919" cy="16806"/>
+          </a:xfrm>
+          <a:prstGeom prst="straightConnector1">
+            <a:avLst/>
+          </a:prstGeom>
+          <a:ln w="28575">
+            <a:solidFill>
+              <a:schemeClr val="tx1"/>
+            </a:solidFill>
+            <a:tailEnd type="triangle"/>
+          </a:ln>
+        </p:spPr>
+        <p:style>
+          <a:lnRef idx="1">
+            <a:schemeClr val="accent1"/>
+          </a:lnRef>
+          <a:fillRef idx="0">
+            <a:schemeClr val="accent1"/>
+          </a:fillRef>
+          <a:effectRef idx="0">
+            <a:schemeClr val="accent1"/>
+          </a:effectRef>
+          <a:fontRef idx="minor">
+            <a:schemeClr val="tx1"/>
+          </a:fontRef>
+        </p:style>
+      </p:cxnSp>
+      <p:cxnSp>
+        <p:nvCxnSpPr>
+          <p:cNvPr id="30" name="Straight Arrow Connector 29">
+            <a:extLst>
+              <a:ext uri="{FF2B5EF4-FFF2-40B4-BE49-F238E27FC236}">
+                <a16:creationId xmlns:a16="http://schemas.microsoft.com/office/drawing/2014/main" id="{ECC3C749-6B72-2648-A46F-FAF02ABE5C07}"/>
+              </a:ext>
+            </a:extLst>
+          </p:cNvPr>
+          <p:cNvCxnSpPr>
+            <a:cxnSpLocks/>
+            <a:stCxn id="28" idx="6"/>
+            <a:endCxn id="29" idx="2"/>
+          </p:cNvCxnSpPr>
+          <p:nvPr/>
+        </p:nvCxnSpPr>
+        <p:spPr>
+          <a:xfrm flipV="1">
+            <a:off x="7925656" y="3376615"/>
+            <a:ext cx="1370089" cy="17679"/>
+          </a:xfrm>
+          <a:prstGeom prst="straightConnector1">
+            <a:avLst/>
+          </a:prstGeom>
+          <a:ln w="28575">
+            <a:solidFill>
+              <a:schemeClr val="tx1"/>
+            </a:solidFill>
+            <a:tailEnd type="triangle"/>
+          </a:ln>
+        </p:spPr>
+        <p:style>
+          <a:lnRef idx="1">
+            <a:schemeClr val="accent1"/>
+          </a:lnRef>
+          <a:fillRef idx="0">
+            <a:schemeClr val="accent1"/>
+          </a:fillRef>
+          <a:effectRef idx="0">
+            <a:schemeClr val="accent1"/>
+          </a:effectRef>
+          <a:fontRef idx="minor">
+            <a:schemeClr val="tx1"/>
+          </a:fontRef>
+        </p:style>
+      </p:cxnSp>
+      <p:cxnSp>
+        <p:nvCxnSpPr>
+          <p:cNvPr id="32" name="Straight Arrow Connector 31">
+            <a:extLst>
+              <a:ext uri="{FF2B5EF4-FFF2-40B4-BE49-F238E27FC236}">
+                <a16:creationId xmlns:a16="http://schemas.microsoft.com/office/drawing/2014/main" id="{46E94873-A434-8C45-89F5-10FDC61E54BD}"/>
+              </a:ext>
+            </a:extLst>
+          </p:cNvPr>
+          <p:cNvCxnSpPr>
+            <a:cxnSpLocks/>
+            <a:stCxn id="29" idx="0"/>
+            <a:endCxn id="33" idx="4"/>
+          </p:cNvCxnSpPr>
+          <p:nvPr/>
+        </p:nvCxnSpPr>
+        <p:spPr>
+          <a:xfrm flipV="1">
+            <a:off x="9499557" y="2531696"/>
+            <a:ext cx="0" cy="638956"/>
+          </a:xfrm>
+          <a:prstGeom prst="straightConnector1">
+            <a:avLst/>
+          </a:prstGeom>
+          <a:ln w="28575">
+            <a:solidFill>
+              <a:schemeClr val="tx1"/>
+            </a:solidFill>
+            <a:tailEnd type="triangle"/>
+          </a:ln>
+        </p:spPr>
+        <p:style>
+          <a:lnRef idx="1">
+            <a:schemeClr val="accent1"/>
+          </a:lnRef>
+          <a:fillRef idx="0">
+            <a:schemeClr val="accent1"/>
+          </a:fillRef>
+          <a:effectRef idx="0">
+            <a:schemeClr val="accent1"/>
+          </a:effectRef>
+          <a:fontRef idx="minor">
+            <a:schemeClr val="tx1"/>
+          </a:fontRef>
+        </p:style>
+      </p:cxnSp>
+      <p:sp>
+        <p:nvSpPr>
+          <p:cNvPr id="33" name="Oval 32">
+            <a:extLst>
+              <a:ext uri="{FF2B5EF4-FFF2-40B4-BE49-F238E27FC236}">
+                <a16:creationId xmlns:a16="http://schemas.microsoft.com/office/drawing/2014/main" id="{F31668A9-821D-7E42-8208-2865FC020C5C}"/>
+              </a:ext>
+            </a:extLst>
+          </p:cNvPr>
+          <p:cNvSpPr/>
+          <p:nvPr/>
+        </p:nvSpPr>
+        <p:spPr>
+          <a:xfrm>
+            <a:off x="9295745" y="2119770"/>
+            <a:ext cx="407624" cy="411926"/>
+          </a:xfrm>
+          <a:prstGeom prst="ellipse">
+            <a:avLst/>
+          </a:prstGeom>
+          <a:noFill/>
+        </p:spPr>
+        <p:style>
+          <a:lnRef idx="2">
+            <a:schemeClr val="accent1">
+              <a:shade val="50000"/>
+            </a:schemeClr>
+          </a:lnRef>
+          <a:fillRef idx="1">
+            <a:schemeClr val="accent1"/>
+          </a:fillRef>
+          <a:effectRef idx="0">
+            <a:schemeClr val="accent1"/>
+          </a:effectRef>
+          <a:fontRef idx="minor">
+            <a:schemeClr val="lt1"/>
+          </a:fontRef>
+        </p:style>
+        <p:txBody>
+          <a:bodyPr rtlCol="0" anchor="ctr"/>
+          <a:lstStyle/>
+          <a:p>
+            <a:pPr algn="ctr"/>
+            <a:endParaRPr lang="en-US"/>
+          </a:p>
+        </p:txBody>
+      </p:sp>
+      <p:pic>
+        <p:nvPicPr>
+          <p:cNvPr id="37" name="Picture 36">
+            <a:extLst>
+              <a:ext uri="{FF2B5EF4-FFF2-40B4-BE49-F238E27FC236}">
+                <a16:creationId xmlns:a16="http://schemas.microsoft.com/office/drawing/2014/main" id="{C62E89D6-A8E7-C844-9E33-3ECFDE260672}"/>
+              </a:ext>
+            </a:extLst>
+          </p:cNvPr>
+          <p:cNvPicPr>
+            <a:picLocks noChangeAspect="1"/>
+          </p:cNvPicPr>
+          <p:nvPr/>
+        </p:nvPicPr>
+        <p:blipFill>
+          <a:blip r:embed="rId9"/>
+          <a:stretch>
+            <a:fillRect/>
+          </a:stretch>
+        </p:blipFill>
+        <p:spPr>
+          <a:xfrm>
+            <a:off x="10213685" y="2337424"/>
+            <a:ext cx="736600" cy="1028700"/>
+          </a:xfrm>
+          <a:prstGeom prst="rect">
+            <a:avLst/>
+          </a:prstGeom>
+        </p:spPr>
+      </p:pic>
+      <p:cxnSp>
+        <p:nvCxnSpPr>
+          <p:cNvPr id="38" name="Straight Arrow Connector 37">
+            <a:extLst>
+              <a:ext uri="{FF2B5EF4-FFF2-40B4-BE49-F238E27FC236}">
+                <a16:creationId xmlns:a16="http://schemas.microsoft.com/office/drawing/2014/main" id="{CD999569-B1FE-6640-BAED-C834701CE78B}"/>
+              </a:ext>
+            </a:extLst>
+          </p:cNvPr>
+          <p:cNvCxnSpPr>
+            <a:cxnSpLocks/>
+          </p:cNvCxnSpPr>
+          <p:nvPr/>
+        </p:nvCxnSpPr>
+        <p:spPr>
+          <a:xfrm>
+            <a:off x="10007105" y="2528687"/>
+            <a:ext cx="0" cy="760546"/>
+          </a:xfrm>
+          <a:prstGeom prst="straightConnector1">
+            <a:avLst/>
+          </a:prstGeom>
+          <a:ln w="28575">
+            <a:solidFill>
+              <a:srgbClr val="0062EE"/>
+            </a:solidFill>
+            <a:tailEnd type="triangle"/>
+          </a:ln>
+        </p:spPr>
+        <p:style>
+          <a:lnRef idx="1">
+            <a:schemeClr val="accent1"/>
+          </a:lnRef>
+          <a:fillRef idx="0">
+            <a:schemeClr val="accent1"/>
+          </a:fillRef>
+          <a:effectRef idx="0">
+            <a:schemeClr val="accent1"/>
+          </a:effectRef>
+          <a:fontRef idx="minor">
+            <a:schemeClr val="tx1"/>
+          </a:fontRef>
+        </p:style>
+      </p:cxnSp>
+      <p:cxnSp>
+        <p:nvCxnSpPr>
+          <p:cNvPr id="41" name="Straight Arrow Connector 40">
+            <a:extLst>
+              <a:ext uri="{FF2B5EF4-FFF2-40B4-BE49-F238E27FC236}">
+                <a16:creationId xmlns:a16="http://schemas.microsoft.com/office/drawing/2014/main" id="{FC5177F7-8504-C14C-8B2D-BB740F1D2810}"/>
+              </a:ext>
+            </a:extLst>
+          </p:cNvPr>
+          <p:cNvCxnSpPr>
+            <a:cxnSpLocks/>
+          </p:cNvCxnSpPr>
+          <p:nvPr/>
+        </p:nvCxnSpPr>
+        <p:spPr>
+          <a:xfrm flipH="1">
+            <a:off x="7903622" y="3925854"/>
+            <a:ext cx="1370089" cy="0"/>
+          </a:xfrm>
+          <a:prstGeom prst="straightConnector1">
+            <a:avLst/>
+          </a:prstGeom>
+          <a:ln w="28575">
+            <a:solidFill>
+              <a:srgbClr val="0062EE"/>
+            </a:solidFill>
+            <a:tailEnd type="triangle"/>
+          </a:ln>
+        </p:spPr>
+        <p:style>
+          <a:lnRef idx="1">
+            <a:schemeClr val="accent1"/>
+          </a:lnRef>
+          <a:fillRef idx="0">
+            <a:schemeClr val="accent1"/>
+          </a:fillRef>
+          <a:effectRef idx="0">
+            <a:schemeClr val="accent1"/>
+          </a:effectRef>
+          <a:fontRef idx="minor">
+            <a:schemeClr val="tx1"/>
+          </a:fontRef>
+        </p:style>
+      </p:cxnSp>
+      <p:cxnSp>
+        <p:nvCxnSpPr>
+          <p:cNvPr id="43" name="Straight Arrow Connector 42">
+            <a:extLst>
+              <a:ext uri="{FF2B5EF4-FFF2-40B4-BE49-F238E27FC236}">
+                <a16:creationId xmlns:a16="http://schemas.microsoft.com/office/drawing/2014/main" id="{8C29BCCF-DF5B-8C48-9BA1-0CC9AFEB61F4}"/>
+              </a:ext>
+            </a:extLst>
+          </p:cNvPr>
+          <p:cNvCxnSpPr>
+            <a:cxnSpLocks/>
+          </p:cNvCxnSpPr>
+          <p:nvPr/>
+        </p:nvCxnSpPr>
+        <p:spPr>
+          <a:xfrm flipH="1">
+            <a:off x="6147943" y="3949762"/>
+            <a:ext cx="1370089" cy="0"/>
+          </a:xfrm>
+          <a:prstGeom prst="straightConnector1">
+            <a:avLst/>
+          </a:prstGeom>
+          <a:ln w="28575">
+            <a:solidFill>
+              <a:srgbClr val="0062EE"/>
+            </a:solidFill>
+            <a:tailEnd type="triangle"/>
+          </a:ln>
+        </p:spPr>
+        <p:style>
+          <a:lnRef idx="1">
+            <a:schemeClr val="accent1"/>
+          </a:lnRef>
+          <a:fillRef idx="0">
+            <a:schemeClr val="accent1"/>
+          </a:fillRef>
+          <a:effectRef idx="0">
+            <a:schemeClr val="accent1"/>
+          </a:effectRef>
+          <a:fontRef idx="minor">
+            <a:schemeClr val="tx1"/>
+          </a:fontRef>
+        </p:style>
+      </p:cxnSp>
+      <p:pic>
+        <p:nvPicPr>
+          <p:cNvPr id="44" name="Picture 43">
+            <a:extLst>
+              <a:ext uri="{FF2B5EF4-FFF2-40B4-BE49-F238E27FC236}">
+                <a16:creationId xmlns:a16="http://schemas.microsoft.com/office/drawing/2014/main" id="{D4306BC8-A0E9-0348-938E-F5FF755C3D01}"/>
+              </a:ext>
+            </a:extLst>
+          </p:cNvPr>
+          <p:cNvPicPr>
+            <a:picLocks noChangeAspect="1"/>
+          </p:cNvPicPr>
+          <p:nvPr/>
+        </p:nvPicPr>
+        <p:blipFill>
+          <a:blip r:embed="rId10"/>
+          <a:stretch>
+            <a:fillRect/>
+          </a:stretch>
+        </p:blipFill>
+        <p:spPr>
+          <a:xfrm>
+            <a:off x="8220366" y="4060763"/>
+            <a:ext cx="736600" cy="1028700"/>
+          </a:xfrm>
+          <a:prstGeom prst="rect">
+            <a:avLst/>
+          </a:prstGeom>
+        </p:spPr>
+      </p:pic>
+      <p:pic>
+        <p:nvPicPr>
+          <p:cNvPr id="45" name="Picture 44">
+            <a:extLst>
+              <a:ext uri="{FF2B5EF4-FFF2-40B4-BE49-F238E27FC236}">
+                <a16:creationId xmlns:a16="http://schemas.microsoft.com/office/drawing/2014/main" id="{6C631FF9-7461-3E4E-96A9-A342B9D8E859}"/>
+              </a:ext>
+            </a:extLst>
+          </p:cNvPr>
+          <p:cNvPicPr>
+            <a:picLocks noChangeAspect="1"/>
+          </p:cNvPicPr>
+          <p:nvPr/>
+        </p:nvPicPr>
+        <p:blipFill>
+          <a:blip r:embed="rId11"/>
+          <a:stretch>
+            <a:fillRect/>
+          </a:stretch>
+        </p:blipFill>
+        <p:spPr>
+          <a:xfrm>
+            <a:off x="6544663" y="4060640"/>
+            <a:ext cx="736600" cy="1028700"/>
+          </a:xfrm>
+          <a:prstGeom prst="rect">
+            <a:avLst/>
+          </a:prstGeom>
+        </p:spPr>
+      </p:pic>
     </p:spTree>
     <p:extLst>
       <p:ext uri="{BB962C8B-B14F-4D97-AF65-F5344CB8AC3E}">
-        <p14:creationId xmlns:p14="http://schemas.microsoft.com/office/powerpoint/2010/main" val="3048463249"/>
+        <p14:creationId xmlns:p14="http://schemas.microsoft.com/office/powerpoint/2010/main" val="1985577269"/>
       </p:ext>
     </p:extLst>
   </p:cSld>

--- a/lec/sequence/figs/snow_unrolled.pptx
+++ b/lec/sequence/figs/snow_unrolled.pptx
@@ -15,6 +15,9 @@
     <p:sldId id="263" r:id="rId9"/>
     <p:sldId id="264" r:id="rId10"/>
     <p:sldId id="265" r:id="rId11"/>
+    <p:sldId id="266" r:id="rId12"/>
+    <p:sldId id="268" r:id="rId13"/>
+    <p:sldId id="267" r:id="rId14"/>
   </p:sldIdLst>
   <p:sldSz cx="12192000" cy="6858000"/>
   <p:notesSz cx="6858000" cy="9144000"/>
@@ -6328,6 +6331,7815 @@
     <p:extLst>
       <p:ext uri="{BB962C8B-B14F-4D97-AF65-F5344CB8AC3E}">
         <p14:creationId xmlns:p14="http://schemas.microsoft.com/office/powerpoint/2010/main" val="3467900711"/>
+      </p:ext>
+    </p:extLst>
+  </p:cSld>
+  <p:clrMapOvr>
+    <a:masterClrMapping/>
+  </p:clrMapOvr>
+</p:sld>
+</file>
+
+<file path=ppt/slides/slide11.xml><?xml version="1.0" encoding="utf-8"?>
+<p:sld xmlns:a="http://schemas.openxmlformats.org/drawingml/2006/main" xmlns:r="http://schemas.openxmlformats.org/officeDocument/2006/relationships" xmlns:p="http://schemas.openxmlformats.org/presentationml/2006/main">
+  <p:cSld>
+    <p:spTree>
+      <p:nvGrpSpPr>
+        <p:cNvPr id="1" name=""/>
+        <p:cNvGrpSpPr/>
+        <p:nvPr/>
+      </p:nvGrpSpPr>
+      <p:grpSpPr>
+        <a:xfrm>
+          <a:off x="0" y="0"/>
+          <a:ext cx="0" cy="0"/>
+          <a:chOff x="0" y="0"/>
+          <a:chExt cx="0" cy="0"/>
+        </a:xfrm>
+      </p:grpSpPr>
+      <p:pic>
+        <p:nvPicPr>
+          <p:cNvPr id="4" name="Picture 3" descr="Diagram, schematic&#10;&#10;Description automatically generated">
+            <a:extLst>
+              <a:ext uri="{FF2B5EF4-FFF2-40B4-BE49-F238E27FC236}">
+                <a16:creationId xmlns:a16="http://schemas.microsoft.com/office/drawing/2014/main" id="{E295E8DA-F514-244A-95BB-363D61A00CC6}"/>
+              </a:ext>
+            </a:extLst>
+          </p:cNvPr>
+          <p:cNvPicPr>
+            <a:picLocks noChangeAspect="1"/>
+          </p:cNvPicPr>
+          <p:nvPr/>
+        </p:nvPicPr>
+        <p:blipFill>
+          <a:blip r:embed="rId2"/>
+          <a:stretch>
+            <a:fillRect/>
+          </a:stretch>
+        </p:blipFill>
+        <p:spPr>
+          <a:xfrm>
+            <a:off x="1263650" y="1549400"/>
+            <a:ext cx="9664700" cy="3759200"/>
+          </a:xfrm>
+          <a:prstGeom prst="rect">
+            <a:avLst/>
+          </a:prstGeom>
+        </p:spPr>
+      </p:pic>
+      <mc:AlternateContent xmlns:mc="http://schemas.openxmlformats.org/markup-compatibility/2006">
+        <mc:Choice xmlns:a14="http://schemas.microsoft.com/office/drawing/2010/main" Requires="a14">
+          <p:sp>
+            <p:nvSpPr>
+              <p:cNvPr id="5" name="TextBox 4">
+                <a:extLst>
+                  <a:ext uri="{FF2B5EF4-FFF2-40B4-BE49-F238E27FC236}">
+                    <a16:creationId xmlns:a16="http://schemas.microsoft.com/office/drawing/2014/main" id="{759901A9-D980-0C40-8395-BDDBA7E34933}"/>
+                  </a:ext>
+                </a:extLst>
+              </p:cNvPr>
+              <p:cNvSpPr txBox="1"/>
+              <p:nvPr/>
+            </p:nvSpPr>
+            <p:spPr>
+              <a:xfrm>
+                <a:off x="1445741" y="1401805"/>
+                <a:ext cx="605481" cy="400110"/>
+              </a:xfrm>
+              <a:prstGeom prst="rect">
+                <a:avLst/>
+              </a:prstGeom>
+              <a:solidFill>
+                <a:schemeClr val="bg1"/>
+              </a:solidFill>
+            </p:spPr>
+            <p:txBody>
+              <a:bodyPr wrap="square" rtlCol="0">
+                <a:spAutoFit/>
+              </a:bodyPr>
+              <a:lstStyle/>
+              <a:p>
+                <a:pPr/>
+                <a14:m>
+                  <m:oMathPara xmlns:m="http://schemas.openxmlformats.org/officeDocument/2006/math">
+                    <m:oMathParaPr>
+                      <m:jc m:val="centerGroup"/>
+                    </m:oMathParaPr>
+                    <m:oMath xmlns:m="http://schemas.openxmlformats.org/officeDocument/2006/math">
+                      <m:r>
+                        <a:rPr lang="en-US" sz="2000" i="1" dirty="0" smtClean="0">
+                          <a:latin typeface="Cambria Math" panose="02040503050406030204" pitchFamily="18" charset="0"/>
+                        </a:rPr>
+                        <m:t>𝑦</m:t>
+                      </m:r>
+                    </m:oMath>
+                  </m:oMathPara>
+                </a14:m>
+                <a:endParaRPr lang="en-US" sz="2000" dirty="0"/>
+              </a:p>
+            </p:txBody>
+          </p:sp>
+        </mc:Choice>
+        <mc:Fallback>
+          <p:sp>
+            <p:nvSpPr>
+              <p:cNvPr id="5" name="TextBox 4">
+                <a:extLst>
+                  <a:ext uri="{FF2B5EF4-FFF2-40B4-BE49-F238E27FC236}">
+                    <a16:creationId xmlns:a16="http://schemas.microsoft.com/office/drawing/2014/main" id="{759901A9-D980-0C40-8395-BDDBA7E34933}"/>
+                  </a:ext>
+                </a:extLst>
+              </p:cNvPr>
+              <p:cNvSpPr txBox="1">
+                <a:spLocks noRot="1" noChangeAspect="1" noMove="1" noResize="1" noEditPoints="1" noAdjustHandles="1" noChangeArrowheads="1" noChangeShapeType="1" noTextEdit="1"/>
+              </p:cNvSpPr>
+              <p:nvPr/>
+            </p:nvSpPr>
+            <p:spPr>
+              <a:xfrm>
+                <a:off x="1445741" y="1401805"/>
+                <a:ext cx="605481" cy="400110"/>
+              </a:xfrm>
+              <a:prstGeom prst="rect">
+                <a:avLst/>
+              </a:prstGeom>
+              <a:blipFill>
+                <a:blip r:embed="rId3"/>
+                <a:stretch>
+                  <a:fillRect b="-3030"/>
+                </a:stretch>
+              </a:blipFill>
+            </p:spPr>
+            <p:txBody>
+              <a:bodyPr/>
+              <a:lstStyle/>
+              <a:p>
+                <a:r>
+                  <a:rPr lang="en-US">
+                    <a:noFill/>
+                  </a:rPr>
+                  <a:t> </a:t>
+                </a:r>
+              </a:p>
+            </p:txBody>
+          </p:sp>
+        </mc:Fallback>
+      </mc:AlternateContent>
+      <mc:AlternateContent xmlns:mc="http://schemas.openxmlformats.org/markup-compatibility/2006">
+        <mc:Choice xmlns:a14="http://schemas.microsoft.com/office/drawing/2010/main" Requires="a14">
+          <p:sp>
+            <p:nvSpPr>
+              <p:cNvPr id="6" name="TextBox 5">
+                <a:extLst>
+                  <a:ext uri="{FF2B5EF4-FFF2-40B4-BE49-F238E27FC236}">
+                    <a16:creationId xmlns:a16="http://schemas.microsoft.com/office/drawing/2014/main" id="{4041C7D4-870D-8B44-98AF-15908AE32E99}"/>
+                  </a:ext>
+                </a:extLst>
+              </p:cNvPr>
+              <p:cNvSpPr txBox="1"/>
+              <p:nvPr/>
+            </p:nvSpPr>
+            <p:spPr>
+              <a:xfrm>
+                <a:off x="1166253" y="2578802"/>
+                <a:ext cx="484833" cy="424283"/>
+              </a:xfrm>
+              <a:prstGeom prst="rect">
+                <a:avLst/>
+              </a:prstGeom>
+              <a:solidFill>
+                <a:schemeClr val="bg1"/>
+              </a:solidFill>
+            </p:spPr>
+            <p:txBody>
+              <a:bodyPr wrap="square" rtlCol="0">
+                <a:spAutoFit/>
+              </a:bodyPr>
+              <a:lstStyle/>
+              <a:p>
+                <a:pPr/>
+                <a14:m>
+                  <m:oMathPara xmlns:m="http://schemas.openxmlformats.org/officeDocument/2006/math">
+                    <m:oMathParaPr>
+                      <m:jc m:val="centerGroup"/>
+                    </m:oMathParaPr>
+                    <m:oMath xmlns:m="http://schemas.openxmlformats.org/officeDocument/2006/math">
+                      <m:sSub>
+                        <m:sSubPr>
+                          <m:ctrlPr>
+                            <a:rPr lang="en-US" sz="2000" b="0" i="1" dirty="0" smtClean="0">
+                              <a:latin typeface="Cambria Math" panose="02040503050406030204" pitchFamily="18" charset="0"/>
+                            </a:rPr>
+                          </m:ctrlPr>
+                        </m:sSubPr>
+                        <m:e>
+                          <m:r>
+                            <a:rPr lang="en-US" sz="2000" b="0" i="1" dirty="0" smtClean="0">
+                              <a:latin typeface="Cambria Math" panose="02040503050406030204" pitchFamily="18" charset="0"/>
+                            </a:rPr>
+                            <m:t>𝑊</m:t>
+                          </m:r>
+                        </m:e>
+                        <m:sub>
+                          <m:r>
+                            <a:rPr lang="en-US" sz="2000" b="0" i="1" dirty="0" smtClean="0">
+                              <a:latin typeface="Cambria Math" panose="02040503050406030204" pitchFamily="18" charset="0"/>
+                            </a:rPr>
+                            <m:t>h𝑦</m:t>
+                          </m:r>
+                        </m:sub>
+                      </m:sSub>
+                    </m:oMath>
+                  </m:oMathPara>
+                </a14:m>
+                <a:endParaRPr lang="en-US" sz="2000" b="0" dirty="0"/>
+              </a:p>
+            </p:txBody>
+          </p:sp>
+        </mc:Choice>
+        <mc:Fallback>
+          <p:sp>
+            <p:nvSpPr>
+              <p:cNvPr id="6" name="TextBox 5">
+                <a:extLst>
+                  <a:ext uri="{FF2B5EF4-FFF2-40B4-BE49-F238E27FC236}">
+                    <a16:creationId xmlns:a16="http://schemas.microsoft.com/office/drawing/2014/main" id="{4041C7D4-870D-8B44-98AF-15908AE32E99}"/>
+                  </a:ext>
+                </a:extLst>
+              </p:cNvPr>
+              <p:cNvSpPr txBox="1">
+                <a:spLocks noRot="1" noChangeAspect="1" noMove="1" noResize="1" noEditPoints="1" noAdjustHandles="1" noChangeArrowheads="1" noChangeShapeType="1" noTextEdit="1"/>
+              </p:cNvSpPr>
+              <p:nvPr/>
+            </p:nvSpPr>
+            <p:spPr>
+              <a:xfrm>
+                <a:off x="1166253" y="2578802"/>
+                <a:ext cx="484833" cy="424283"/>
+              </a:xfrm>
+              <a:prstGeom prst="rect">
+                <a:avLst/>
+              </a:prstGeom>
+              <a:blipFill>
+                <a:blip r:embed="rId4"/>
+                <a:stretch>
+                  <a:fillRect r="-25000" b="-8824"/>
+                </a:stretch>
+              </a:blipFill>
+            </p:spPr>
+            <p:txBody>
+              <a:bodyPr/>
+              <a:lstStyle/>
+              <a:p>
+                <a:r>
+                  <a:rPr lang="en-US">
+                    <a:noFill/>
+                  </a:rPr>
+                  <a:t> </a:t>
+                </a:r>
+              </a:p>
+            </p:txBody>
+          </p:sp>
+        </mc:Fallback>
+      </mc:AlternateContent>
+      <mc:AlternateContent xmlns:mc="http://schemas.openxmlformats.org/markup-compatibility/2006">
+        <mc:Choice xmlns:a14="http://schemas.microsoft.com/office/drawing/2010/main" Requires="a14">
+          <p:sp>
+            <p:nvSpPr>
+              <p:cNvPr id="7" name="TextBox 6">
+                <a:extLst>
+                  <a:ext uri="{FF2B5EF4-FFF2-40B4-BE49-F238E27FC236}">
+                    <a16:creationId xmlns:a16="http://schemas.microsoft.com/office/drawing/2014/main" id="{7786D73F-CEE5-6D43-95BA-A5F10A331132}"/>
+                  </a:ext>
+                </a:extLst>
+              </p:cNvPr>
+              <p:cNvSpPr txBox="1"/>
+              <p:nvPr/>
+            </p:nvSpPr>
+            <p:spPr>
+              <a:xfrm>
+                <a:off x="1047409" y="3164817"/>
+                <a:ext cx="484832" cy="400110"/>
+              </a:xfrm>
+              <a:prstGeom prst="rect">
+                <a:avLst/>
+              </a:prstGeom>
+              <a:solidFill>
+                <a:schemeClr val="bg1"/>
+              </a:solidFill>
+            </p:spPr>
+            <p:txBody>
+              <a:bodyPr wrap="square" rtlCol="0">
+                <a:spAutoFit/>
+              </a:bodyPr>
+              <a:lstStyle/>
+              <a:p>
+                <a:pPr/>
+                <a14:m>
+                  <m:oMathPara xmlns:m="http://schemas.openxmlformats.org/officeDocument/2006/math">
+                    <m:oMathParaPr>
+                      <m:jc m:val="centerGroup"/>
+                    </m:oMathParaPr>
+                    <m:oMath xmlns:m="http://schemas.openxmlformats.org/officeDocument/2006/math">
+                      <m:r>
+                        <a:rPr lang="en-US" sz="2000" b="0" i="1" dirty="0" smtClean="0">
+                          <a:latin typeface="Cambria Math" panose="02040503050406030204" pitchFamily="18" charset="0"/>
+                        </a:rPr>
+                        <m:t>h</m:t>
+                      </m:r>
+                    </m:oMath>
+                  </m:oMathPara>
+                </a14:m>
+                <a:endParaRPr lang="en-US" sz="2000" dirty="0"/>
+              </a:p>
+            </p:txBody>
+          </p:sp>
+        </mc:Choice>
+        <mc:Fallback>
+          <p:sp>
+            <p:nvSpPr>
+              <p:cNvPr id="7" name="TextBox 6">
+                <a:extLst>
+                  <a:ext uri="{FF2B5EF4-FFF2-40B4-BE49-F238E27FC236}">
+                    <a16:creationId xmlns:a16="http://schemas.microsoft.com/office/drawing/2014/main" id="{7786D73F-CEE5-6D43-95BA-A5F10A331132}"/>
+                  </a:ext>
+                </a:extLst>
+              </p:cNvPr>
+              <p:cNvSpPr txBox="1">
+                <a:spLocks noRot="1" noChangeAspect="1" noMove="1" noResize="1" noEditPoints="1" noAdjustHandles="1" noChangeArrowheads="1" noChangeShapeType="1" noTextEdit="1"/>
+              </p:cNvSpPr>
+              <p:nvPr/>
+            </p:nvSpPr>
+            <p:spPr>
+              <a:xfrm>
+                <a:off x="1047409" y="3164817"/>
+                <a:ext cx="484832" cy="400110"/>
+              </a:xfrm>
+              <a:prstGeom prst="rect">
+                <a:avLst/>
+              </a:prstGeom>
+              <a:blipFill>
+                <a:blip r:embed="rId5"/>
+                <a:stretch>
+                  <a:fillRect/>
+                </a:stretch>
+              </a:blipFill>
+            </p:spPr>
+            <p:txBody>
+              <a:bodyPr/>
+              <a:lstStyle/>
+              <a:p>
+                <a:r>
+                  <a:rPr lang="en-US">
+                    <a:noFill/>
+                  </a:rPr>
+                  <a:t> </a:t>
+                </a:r>
+              </a:p>
+            </p:txBody>
+          </p:sp>
+        </mc:Fallback>
+      </mc:AlternateContent>
+      <mc:AlternateContent xmlns:mc="http://schemas.openxmlformats.org/markup-compatibility/2006">
+        <mc:Choice xmlns:a14="http://schemas.microsoft.com/office/drawing/2010/main" Requires="a14">
+          <p:sp>
+            <p:nvSpPr>
+              <p:cNvPr id="8" name="TextBox 7">
+                <a:extLst>
+                  <a:ext uri="{FF2B5EF4-FFF2-40B4-BE49-F238E27FC236}">
+                    <a16:creationId xmlns:a16="http://schemas.microsoft.com/office/drawing/2014/main" id="{DB437709-CCA5-904E-B71D-594E8BF367AA}"/>
+                  </a:ext>
+                </a:extLst>
+              </p:cNvPr>
+              <p:cNvSpPr txBox="1"/>
+              <p:nvPr/>
+            </p:nvSpPr>
+            <p:spPr>
+              <a:xfrm>
+                <a:off x="1173890" y="4058735"/>
+                <a:ext cx="484833" cy="400110"/>
+              </a:xfrm>
+              <a:prstGeom prst="rect">
+                <a:avLst/>
+              </a:prstGeom>
+              <a:solidFill>
+                <a:schemeClr val="bg1"/>
+              </a:solidFill>
+            </p:spPr>
+            <p:txBody>
+              <a:bodyPr wrap="square" rtlCol="0">
+                <a:spAutoFit/>
+              </a:bodyPr>
+              <a:lstStyle/>
+              <a:p>
+                <a:pPr/>
+                <a14:m>
+                  <m:oMathPara xmlns:m="http://schemas.openxmlformats.org/officeDocument/2006/math">
+                    <m:oMathParaPr>
+                      <m:jc m:val="centerGroup"/>
+                    </m:oMathParaPr>
+                    <m:oMath xmlns:m="http://schemas.openxmlformats.org/officeDocument/2006/math">
+                      <m:sSub>
+                        <m:sSubPr>
+                          <m:ctrlPr>
+                            <a:rPr lang="en-US" sz="2000" b="0" i="1" dirty="0" smtClean="0">
+                              <a:latin typeface="Cambria Math" panose="02040503050406030204" pitchFamily="18" charset="0"/>
+                            </a:rPr>
+                          </m:ctrlPr>
+                        </m:sSubPr>
+                        <m:e>
+                          <m:r>
+                            <a:rPr lang="en-US" sz="2000" b="0" i="1" dirty="0" smtClean="0">
+                              <a:latin typeface="Cambria Math" panose="02040503050406030204" pitchFamily="18" charset="0"/>
+                            </a:rPr>
+                            <m:t>𝑊</m:t>
+                          </m:r>
+                        </m:e>
+                        <m:sub>
+                          <m:r>
+                            <a:rPr lang="en-US" sz="2000" b="0" i="1" dirty="0" smtClean="0">
+                              <a:latin typeface="Cambria Math" panose="02040503050406030204" pitchFamily="18" charset="0"/>
+                            </a:rPr>
+                            <m:t>𝑥h</m:t>
+                          </m:r>
+                        </m:sub>
+                      </m:sSub>
+                    </m:oMath>
+                  </m:oMathPara>
+                </a14:m>
+                <a:endParaRPr lang="en-US" sz="2000" b="0" dirty="0"/>
+              </a:p>
+            </p:txBody>
+          </p:sp>
+        </mc:Choice>
+        <mc:Fallback>
+          <p:sp>
+            <p:nvSpPr>
+              <p:cNvPr id="8" name="TextBox 7">
+                <a:extLst>
+                  <a:ext uri="{FF2B5EF4-FFF2-40B4-BE49-F238E27FC236}">
+                    <a16:creationId xmlns:a16="http://schemas.microsoft.com/office/drawing/2014/main" id="{DB437709-CCA5-904E-B71D-594E8BF367AA}"/>
+                  </a:ext>
+                </a:extLst>
+              </p:cNvPr>
+              <p:cNvSpPr txBox="1">
+                <a:spLocks noRot="1" noChangeAspect="1" noMove="1" noResize="1" noEditPoints="1" noAdjustHandles="1" noChangeArrowheads="1" noChangeShapeType="1" noTextEdit="1"/>
+              </p:cNvSpPr>
+              <p:nvPr/>
+            </p:nvSpPr>
+            <p:spPr>
+              <a:xfrm>
+                <a:off x="1173890" y="4058735"/>
+                <a:ext cx="484833" cy="400110"/>
+              </a:xfrm>
+              <a:prstGeom prst="rect">
+                <a:avLst/>
+              </a:prstGeom>
+              <a:blipFill>
+                <a:blip r:embed="rId6"/>
+                <a:stretch>
+                  <a:fillRect r="-23077" b="-3125"/>
+                </a:stretch>
+              </a:blipFill>
+            </p:spPr>
+            <p:txBody>
+              <a:bodyPr/>
+              <a:lstStyle/>
+              <a:p>
+                <a:r>
+                  <a:rPr lang="en-US">
+                    <a:noFill/>
+                  </a:rPr>
+                  <a:t> </a:t>
+                </a:r>
+              </a:p>
+            </p:txBody>
+          </p:sp>
+        </mc:Fallback>
+      </mc:AlternateContent>
+      <mc:AlternateContent xmlns:mc="http://schemas.openxmlformats.org/markup-compatibility/2006">
+        <mc:Choice xmlns:a14="http://schemas.microsoft.com/office/drawing/2010/main" Requires="a14">
+          <p:sp>
+            <p:nvSpPr>
+              <p:cNvPr id="9" name="TextBox 8">
+                <a:extLst>
+                  <a:ext uri="{FF2B5EF4-FFF2-40B4-BE49-F238E27FC236}">
+                    <a16:creationId xmlns:a16="http://schemas.microsoft.com/office/drawing/2014/main" id="{308A1884-0AF6-3542-84F8-20C55B730EF2}"/>
+                  </a:ext>
+                </a:extLst>
+              </p:cNvPr>
+              <p:cNvSpPr txBox="1"/>
+              <p:nvPr/>
+            </p:nvSpPr>
+            <p:spPr>
+              <a:xfrm>
+                <a:off x="2413684" y="2799091"/>
+                <a:ext cx="576649" cy="400110"/>
+              </a:xfrm>
+              <a:prstGeom prst="rect">
+                <a:avLst/>
+              </a:prstGeom>
+              <a:solidFill>
+                <a:schemeClr val="bg1"/>
+              </a:solidFill>
+            </p:spPr>
+            <p:txBody>
+              <a:bodyPr wrap="square" rtlCol="0">
+                <a:spAutoFit/>
+              </a:bodyPr>
+              <a:lstStyle/>
+              <a:p>
+                <a:pPr/>
+                <a14:m>
+                  <m:oMathPara xmlns:m="http://schemas.openxmlformats.org/officeDocument/2006/math">
+                    <m:oMathParaPr>
+                      <m:jc m:val="centerGroup"/>
+                    </m:oMathParaPr>
+                    <m:oMath xmlns:m="http://schemas.openxmlformats.org/officeDocument/2006/math">
+                      <m:sSub>
+                        <m:sSubPr>
+                          <m:ctrlPr>
+                            <a:rPr lang="en-US" sz="2000" b="0" i="1" dirty="0" smtClean="0">
+                              <a:latin typeface="Cambria Math" panose="02040503050406030204" pitchFamily="18" charset="0"/>
+                            </a:rPr>
+                          </m:ctrlPr>
+                        </m:sSubPr>
+                        <m:e>
+                          <m:r>
+                            <a:rPr lang="en-US" sz="2000" b="0" i="1" dirty="0" smtClean="0">
+                              <a:latin typeface="Cambria Math" panose="02040503050406030204" pitchFamily="18" charset="0"/>
+                            </a:rPr>
+                            <m:t>𝑊</m:t>
+                          </m:r>
+                        </m:e>
+                        <m:sub>
+                          <m:r>
+                            <a:rPr lang="en-US" sz="2000" b="0" i="1" dirty="0" smtClean="0">
+                              <a:latin typeface="Cambria Math" panose="02040503050406030204" pitchFamily="18" charset="0"/>
+                            </a:rPr>
+                            <m:t>hh</m:t>
+                          </m:r>
+                        </m:sub>
+                      </m:sSub>
+                    </m:oMath>
+                  </m:oMathPara>
+                </a14:m>
+                <a:endParaRPr lang="en-US" sz="2000" b="0" dirty="0"/>
+              </a:p>
+            </p:txBody>
+          </p:sp>
+        </mc:Choice>
+        <mc:Fallback>
+          <p:sp>
+            <p:nvSpPr>
+              <p:cNvPr id="9" name="TextBox 8">
+                <a:extLst>
+                  <a:ext uri="{FF2B5EF4-FFF2-40B4-BE49-F238E27FC236}">
+                    <a16:creationId xmlns:a16="http://schemas.microsoft.com/office/drawing/2014/main" id="{308A1884-0AF6-3542-84F8-20C55B730EF2}"/>
+                  </a:ext>
+                </a:extLst>
+              </p:cNvPr>
+              <p:cNvSpPr txBox="1">
+                <a:spLocks noRot="1" noChangeAspect="1" noMove="1" noResize="1" noEditPoints="1" noAdjustHandles="1" noChangeArrowheads="1" noChangeShapeType="1" noTextEdit="1"/>
+              </p:cNvSpPr>
+              <p:nvPr/>
+            </p:nvSpPr>
+            <p:spPr>
+              <a:xfrm>
+                <a:off x="2413684" y="2799091"/>
+                <a:ext cx="576649" cy="400110"/>
+              </a:xfrm>
+              <a:prstGeom prst="rect">
+                <a:avLst/>
+              </a:prstGeom>
+              <a:blipFill>
+                <a:blip r:embed="rId7"/>
+                <a:stretch>
+                  <a:fillRect r="-4348"/>
+                </a:stretch>
+              </a:blipFill>
+            </p:spPr>
+            <p:txBody>
+              <a:bodyPr/>
+              <a:lstStyle/>
+              <a:p>
+                <a:r>
+                  <a:rPr lang="en-US">
+                    <a:noFill/>
+                  </a:rPr>
+                  <a:t> </a:t>
+                </a:r>
+              </a:p>
+            </p:txBody>
+          </p:sp>
+        </mc:Fallback>
+      </mc:AlternateContent>
+      <mc:AlternateContent xmlns:mc="http://schemas.openxmlformats.org/markup-compatibility/2006">
+        <mc:Choice xmlns:a14="http://schemas.microsoft.com/office/drawing/2010/main" Requires="a14">
+          <p:sp>
+            <p:nvSpPr>
+              <p:cNvPr id="10" name="TextBox 9">
+                <a:extLst>
+                  <a:ext uri="{FF2B5EF4-FFF2-40B4-BE49-F238E27FC236}">
+                    <a16:creationId xmlns:a16="http://schemas.microsoft.com/office/drawing/2014/main" id="{5E23468A-0974-CC43-BE55-A0BF887FABE5}"/>
+                  </a:ext>
+                </a:extLst>
+              </p:cNvPr>
+              <p:cNvSpPr txBox="1"/>
+              <p:nvPr/>
+            </p:nvSpPr>
+            <p:spPr>
+              <a:xfrm>
+                <a:off x="6223685" y="2974432"/>
+                <a:ext cx="576649" cy="400110"/>
+              </a:xfrm>
+              <a:prstGeom prst="rect">
+                <a:avLst/>
+              </a:prstGeom>
+              <a:solidFill>
+                <a:schemeClr val="bg1"/>
+              </a:solidFill>
+            </p:spPr>
+            <p:txBody>
+              <a:bodyPr wrap="square" rtlCol="0">
+                <a:spAutoFit/>
+              </a:bodyPr>
+              <a:lstStyle/>
+              <a:p>
+                <a:pPr/>
+                <a14:m>
+                  <m:oMathPara xmlns:m="http://schemas.openxmlformats.org/officeDocument/2006/math">
+                    <m:oMathParaPr>
+                      <m:jc m:val="centerGroup"/>
+                    </m:oMathParaPr>
+                    <m:oMath xmlns:m="http://schemas.openxmlformats.org/officeDocument/2006/math">
+                      <m:sSub>
+                        <m:sSubPr>
+                          <m:ctrlPr>
+                            <a:rPr lang="en-US" sz="2000" b="0" i="1" dirty="0" smtClean="0">
+                              <a:latin typeface="Cambria Math" panose="02040503050406030204" pitchFamily="18" charset="0"/>
+                            </a:rPr>
+                          </m:ctrlPr>
+                        </m:sSubPr>
+                        <m:e>
+                          <m:r>
+                            <a:rPr lang="en-US" sz="2000" b="0" i="1" dirty="0" smtClean="0">
+                              <a:latin typeface="Cambria Math" panose="02040503050406030204" pitchFamily="18" charset="0"/>
+                            </a:rPr>
+                            <m:t>h</m:t>
+                          </m:r>
+                        </m:e>
+                        <m:sub>
+                          <m:r>
+                            <a:rPr lang="en-US" sz="2000" b="0" i="1" dirty="0" smtClean="0">
+                              <a:latin typeface="Cambria Math" panose="02040503050406030204" pitchFamily="18" charset="0"/>
+                            </a:rPr>
+                            <m:t>𝑡</m:t>
+                          </m:r>
+                          <m:r>
+                            <a:rPr lang="en-US" sz="2000" b="0" i="1" dirty="0" smtClean="0">
+                              <a:latin typeface="Cambria Math" panose="02040503050406030204" pitchFamily="18" charset="0"/>
+                            </a:rPr>
+                            <m:t>−1</m:t>
+                          </m:r>
+                        </m:sub>
+                      </m:sSub>
+                    </m:oMath>
+                  </m:oMathPara>
+                </a14:m>
+                <a:endParaRPr lang="en-US" sz="2000" b="0" dirty="0"/>
+              </a:p>
+            </p:txBody>
+          </p:sp>
+        </mc:Choice>
+        <mc:Fallback>
+          <p:sp>
+            <p:nvSpPr>
+              <p:cNvPr id="10" name="TextBox 9">
+                <a:extLst>
+                  <a:ext uri="{FF2B5EF4-FFF2-40B4-BE49-F238E27FC236}">
+                    <a16:creationId xmlns:a16="http://schemas.microsoft.com/office/drawing/2014/main" id="{5E23468A-0974-CC43-BE55-A0BF887FABE5}"/>
+                  </a:ext>
+                </a:extLst>
+              </p:cNvPr>
+              <p:cNvSpPr txBox="1">
+                <a:spLocks noRot="1" noChangeAspect="1" noMove="1" noResize="1" noEditPoints="1" noAdjustHandles="1" noChangeArrowheads="1" noChangeShapeType="1" noTextEdit="1"/>
+              </p:cNvSpPr>
+              <p:nvPr/>
+            </p:nvSpPr>
+            <p:spPr>
+              <a:xfrm>
+                <a:off x="6223685" y="2974432"/>
+                <a:ext cx="576649" cy="400110"/>
+              </a:xfrm>
+              <a:prstGeom prst="rect">
+                <a:avLst/>
+              </a:prstGeom>
+              <a:blipFill>
+                <a:blip r:embed="rId8"/>
+                <a:stretch>
+                  <a:fillRect r="-8696"/>
+                </a:stretch>
+              </a:blipFill>
+            </p:spPr>
+            <p:txBody>
+              <a:bodyPr/>
+              <a:lstStyle/>
+              <a:p>
+                <a:r>
+                  <a:rPr lang="en-US">
+                    <a:noFill/>
+                  </a:rPr>
+                  <a:t> </a:t>
+                </a:r>
+              </a:p>
+            </p:txBody>
+          </p:sp>
+        </mc:Fallback>
+      </mc:AlternateContent>
+      <mc:AlternateContent xmlns:mc="http://schemas.openxmlformats.org/markup-compatibility/2006">
+        <mc:Choice xmlns:a14="http://schemas.microsoft.com/office/drawing/2010/main" Requires="a14">
+          <p:sp>
+            <p:nvSpPr>
+              <p:cNvPr id="11" name="TextBox 10">
+                <a:extLst>
+                  <a:ext uri="{FF2B5EF4-FFF2-40B4-BE49-F238E27FC236}">
+                    <a16:creationId xmlns:a16="http://schemas.microsoft.com/office/drawing/2014/main" id="{602FD54E-C4B3-4245-95D1-A00B2B390345}"/>
+                  </a:ext>
+                </a:extLst>
+              </p:cNvPr>
+              <p:cNvSpPr txBox="1"/>
+              <p:nvPr/>
+            </p:nvSpPr>
+            <p:spPr>
+              <a:xfrm>
+                <a:off x="7925656" y="2974432"/>
+                <a:ext cx="402799" cy="400110"/>
+              </a:xfrm>
+              <a:prstGeom prst="rect">
+                <a:avLst/>
+              </a:prstGeom>
+              <a:solidFill>
+                <a:schemeClr val="bg1"/>
+              </a:solidFill>
+            </p:spPr>
+            <p:txBody>
+              <a:bodyPr wrap="square" rtlCol="0">
+                <a:spAutoFit/>
+              </a:bodyPr>
+              <a:lstStyle/>
+              <a:p>
+                <a:pPr/>
+                <a14:m>
+                  <m:oMathPara xmlns:m="http://schemas.openxmlformats.org/officeDocument/2006/math">
+                    <m:oMathParaPr>
+                      <m:jc m:val="centerGroup"/>
+                    </m:oMathParaPr>
+                    <m:oMath xmlns:m="http://schemas.openxmlformats.org/officeDocument/2006/math">
+                      <m:sSub>
+                        <m:sSubPr>
+                          <m:ctrlPr>
+                            <a:rPr lang="en-US" sz="2000" b="0" i="1" dirty="0" smtClean="0">
+                              <a:latin typeface="Cambria Math" panose="02040503050406030204" pitchFamily="18" charset="0"/>
+                            </a:rPr>
+                          </m:ctrlPr>
+                        </m:sSubPr>
+                        <m:e>
+                          <m:r>
+                            <a:rPr lang="en-US" sz="2000" b="0" i="1" dirty="0" smtClean="0">
+                              <a:latin typeface="Cambria Math" panose="02040503050406030204" pitchFamily="18" charset="0"/>
+                            </a:rPr>
+                            <m:t>h</m:t>
+                          </m:r>
+                        </m:e>
+                        <m:sub>
+                          <m:r>
+                            <a:rPr lang="en-US" sz="2000" b="0" i="1" dirty="0" smtClean="0">
+                              <a:latin typeface="Cambria Math" panose="02040503050406030204" pitchFamily="18" charset="0"/>
+                            </a:rPr>
+                            <m:t>𝑡</m:t>
+                          </m:r>
+                        </m:sub>
+                      </m:sSub>
+                    </m:oMath>
+                  </m:oMathPara>
+                </a14:m>
+                <a:endParaRPr lang="en-US" sz="2000" b="0" dirty="0"/>
+              </a:p>
+            </p:txBody>
+          </p:sp>
+        </mc:Choice>
+        <mc:Fallback>
+          <p:sp>
+            <p:nvSpPr>
+              <p:cNvPr id="11" name="TextBox 10">
+                <a:extLst>
+                  <a:ext uri="{FF2B5EF4-FFF2-40B4-BE49-F238E27FC236}">
+                    <a16:creationId xmlns:a16="http://schemas.microsoft.com/office/drawing/2014/main" id="{602FD54E-C4B3-4245-95D1-A00B2B390345}"/>
+                  </a:ext>
+                </a:extLst>
+              </p:cNvPr>
+              <p:cNvSpPr txBox="1">
+                <a:spLocks noRot="1" noChangeAspect="1" noMove="1" noResize="1" noEditPoints="1" noAdjustHandles="1" noChangeArrowheads="1" noChangeShapeType="1" noTextEdit="1"/>
+              </p:cNvSpPr>
+              <p:nvPr/>
+            </p:nvSpPr>
+            <p:spPr>
+              <a:xfrm>
+                <a:off x="7925656" y="2974432"/>
+                <a:ext cx="402799" cy="400110"/>
+              </a:xfrm>
+              <a:prstGeom prst="rect">
+                <a:avLst/>
+              </a:prstGeom>
+              <a:blipFill>
+                <a:blip r:embed="rId9"/>
+                <a:stretch>
+                  <a:fillRect/>
+                </a:stretch>
+              </a:blipFill>
+            </p:spPr>
+            <p:txBody>
+              <a:bodyPr/>
+              <a:lstStyle/>
+              <a:p>
+                <a:r>
+                  <a:rPr lang="en-US">
+                    <a:noFill/>
+                  </a:rPr>
+                  <a:t> </a:t>
+                </a:r>
+              </a:p>
+            </p:txBody>
+          </p:sp>
+        </mc:Fallback>
+      </mc:AlternateContent>
+      <mc:AlternateContent xmlns:mc="http://schemas.openxmlformats.org/markup-compatibility/2006">
+        <mc:Choice xmlns:a14="http://schemas.microsoft.com/office/drawing/2010/main" Requires="a14">
+          <p:sp>
+            <p:nvSpPr>
+              <p:cNvPr id="12" name="TextBox 11">
+                <a:extLst>
+                  <a:ext uri="{FF2B5EF4-FFF2-40B4-BE49-F238E27FC236}">
+                    <a16:creationId xmlns:a16="http://schemas.microsoft.com/office/drawing/2014/main" id="{87F1E94D-2F9D-A74F-BC87-3708DD49EBD6}"/>
+                  </a:ext>
+                </a:extLst>
+              </p:cNvPr>
+              <p:cNvSpPr txBox="1"/>
+              <p:nvPr/>
+            </p:nvSpPr>
+            <p:spPr>
+              <a:xfrm>
+                <a:off x="9593816" y="2988276"/>
+                <a:ext cx="576649" cy="400110"/>
+              </a:xfrm>
+              <a:prstGeom prst="rect">
+                <a:avLst/>
+              </a:prstGeom>
+              <a:solidFill>
+                <a:schemeClr val="bg1"/>
+              </a:solidFill>
+            </p:spPr>
+            <p:txBody>
+              <a:bodyPr wrap="square" rtlCol="0">
+                <a:spAutoFit/>
+              </a:bodyPr>
+              <a:lstStyle/>
+              <a:p>
+                <a:pPr/>
+                <a14:m>
+                  <m:oMathPara xmlns:m="http://schemas.openxmlformats.org/officeDocument/2006/math">
+                    <m:oMathParaPr>
+                      <m:jc m:val="centerGroup"/>
+                    </m:oMathParaPr>
+                    <m:oMath xmlns:m="http://schemas.openxmlformats.org/officeDocument/2006/math">
+                      <m:sSub>
+                        <m:sSubPr>
+                          <m:ctrlPr>
+                            <a:rPr lang="en-US" sz="2000" b="0" i="1" dirty="0" smtClean="0">
+                              <a:latin typeface="Cambria Math" panose="02040503050406030204" pitchFamily="18" charset="0"/>
+                            </a:rPr>
+                          </m:ctrlPr>
+                        </m:sSubPr>
+                        <m:e>
+                          <m:r>
+                            <a:rPr lang="en-US" sz="2000" b="0" i="1" dirty="0" smtClean="0">
+                              <a:latin typeface="Cambria Math" panose="02040503050406030204" pitchFamily="18" charset="0"/>
+                            </a:rPr>
+                            <m:t>h</m:t>
+                          </m:r>
+                        </m:e>
+                        <m:sub>
+                          <m:r>
+                            <a:rPr lang="en-US" sz="2000" b="0" i="1" dirty="0" smtClean="0">
+                              <a:latin typeface="Cambria Math" panose="02040503050406030204" pitchFamily="18" charset="0"/>
+                            </a:rPr>
+                            <m:t>𝑡</m:t>
+                          </m:r>
+                          <m:r>
+                            <a:rPr lang="en-US" sz="2000" b="0" i="1" dirty="0" smtClean="0">
+                              <a:latin typeface="Cambria Math" panose="02040503050406030204" pitchFamily="18" charset="0"/>
+                            </a:rPr>
+                            <m:t>+1</m:t>
+                          </m:r>
+                        </m:sub>
+                      </m:sSub>
+                    </m:oMath>
+                  </m:oMathPara>
+                </a14:m>
+                <a:endParaRPr lang="en-US" sz="2000" b="0" dirty="0"/>
+              </a:p>
+            </p:txBody>
+          </p:sp>
+        </mc:Choice>
+        <mc:Fallback>
+          <p:sp>
+            <p:nvSpPr>
+              <p:cNvPr id="12" name="TextBox 11">
+                <a:extLst>
+                  <a:ext uri="{FF2B5EF4-FFF2-40B4-BE49-F238E27FC236}">
+                    <a16:creationId xmlns:a16="http://schemas.microsoft.com/office/drawing/2014/main" id="{87F1E94D-2F9D-A74F-BC87-3708DD49EBD6}"/>
+                  </a:ext>
+                </a:extLst>
+              </p:cNvPr>
+              <p:cNvSpPr txBox="1">
+                <a:spLocks noRot="1" noChangeAspect="1" noMove="1" noResize="1" noEditPoints="1" noAdjustHandles="1" noChangeArrowheads="1" noChangeShapeType="1" noTextEdit="1"/>
+              </p:cNvSpPr>
+              <p:nvPr/>
+            </p:nvSpPr>
+            <p:spPr>
+              <a:xfrm>
+                <a:off x="9593816" y="2988276"/>
+                <a:ext cx="576649" cy="400110"/>
+              </a:xfrm>
+              <a:prstGeom prst="rect">
+                <a:avLst/>
+              </a:prstGeom>
+              <a:blipFill>
+                <a:blip r:embed="rId10"/>
+                <a:stretch>
+                  <a:fillRect r="-8696"/>
+                </a:stretch>
+              </a:blipFill>
+            </p:spPr>
+            <p:txBody>
+              <a:bodyPr/>
+              <a:lstStyle/>
+              <a:p>
+                <a:r>
+                  <a:rPr lang="en-US">
+                    <a:noFill/>
+                  </a:rPr>
+                  <a:t> </a:t>
+                </a:r>
+              </a:p>
+            </p:txBody>
+          </p:sp>
+        </mc:Fallback>
+      </mc:AlternateContent>
+      <mc:AlternateContent xmlns:mc="http://schemas.openxmlformats.org/markup-compatibility/2006">
+        <mc:Choice xmlns:a14="http://schemas.microsoft.com/office/drawing/2010/main" Requires="a14">
+          <p:sp>
+            <p:nvSpPr>
+              <p:cNvPr id="13" name="TextBox 12">
+                <a:extLst>
+                  <a:ext uri="{FF2B5EF4-FFF2-40B4-BE49-F238E27FC236}">
+                    <a16:creationId xmlns:a16="http://schemas.microsoft.com/office/drawing/2014/main" id="{8EA51A93-E998-D242-A74F-087C98AB930B}"/>
+                  </a:ext>
+                </a:extLst>
+              </p:cNvPr>
+              <p:cNvSpPr txBox="1"/>
+              <p:nvPr/>
+            </p:nvSpPr>
+            <p:spPr>
+              <a:xfrm>
+                <a:off x="4924600" y="3027116"/>
+                <a:ext cx="576649" cy="400110"/>
+              </a:xfrm>
+              <a:prstGeom prst="rect">
+                <a:avLst/>
+              </a:prstGeom>
+              <a:solidFill>
+                <a:schemeClr val="bg1"/>
+              </a:solidFill>
+            </p:spPr>
+            <p:txBody>
+              <a:bodyPr wrap="square" rtlCol="0">
+                <a:spAutoFit/>
+              </a:bodyPr>
+              <a:lstStyle/>
+              <a:p>
+                <a:pPr/>
+                <a14:m>
+                  <m:oMathPara xmlns:m="http://schemas.openxmlformats.org/officeDocument/2006/math">
+                    <m:oMathParaPr>
+                      <m:jc m:val="centerGroup"/>
+                    </m:oMathParaPr>
+                    <m:oMath xmlns:m="http://schemas.openxmlformats.org/officeDocument/2006/math">
+                      <m:sSub>
+                        <m:sSubPr>
+                          <m:ctrlPr>
+                            <a:rPr lang="en-US" sz="2000" b="0" i="1" dirty="0" smtClean="0">
+                              <a:latin typeface="Cambria Math" panose="02040503050406030204" pitchFamily="18" charset="0"/>
+                            </a:rPr>
+                          </m:ctrlPr>
+                        </m:sSubPr>
+                        <m:e>
+                          <m:r>
+                            <a:rPr lang="en-US" sz="2000" b="0" i="1" dirty="0" smtClean="0">
+                              <a:latin typeface="Cambria Math" panose="02040503050406030204" pitchFamily="18" charset="0"/>
+                            </a:rPr>
+                            <m:t>𝑊</m:t>
+                          </m:r>
+                        </m:e>
+                        <m:sub>
+                          <m:r>
+                            <a:rPr lang="en-US" sz="2000" b="0" i="1" dirty="0" smtClean="0">
+                              <a:latin typeface="Cambria Math" panose="02040503050406030204" pitchFamily="18" charset="0"/>
+                            </a:rPr>
+                            <m:t>hh</m:t>
+                          </m:r>
+                        </m:sub>
+                      </m:sSub>
+                    </m:oMath>
+                  </m:oMathPara>
+                </a14:m>
+                <a:endParaRPr lang="en-US" sz="2000" b="0" dirty="0"/>
+              </a:p>
+            </p:txBody>
+          </p:sp>
+        </mc:Choice>
+        <mc:Fallback>
+          <p:sp>
+            <p:nvSpPr>
+              <p:cNvPr id="13" name="TextBox 12">
+                <a:extLst>
+                  <a:ext uri="{FF2B5EF4-FFF2-40B4-BE49-F238E27FC236}">
+                    <a16:creationId xmlns:a16="http://schemas.microsoft.com/office/drawing/2014/main" id="{8EA51A93-E998-D242-A74F-087C98AB930B}"/>
+                  </a:ext>
+                </a:extLst>
+              </p:cNvPr>
+              <p:cNvSpPr txBox="1">
+                <a:spLocks noRot="1" noChangeAspect="1" noMove="1" noResize="1" noEditPoints="1" noAdjustHandles="1" noChangeArrowheads="1" noChangeShapeType="1" noTextEdit="1"/>
+              </p:cNvSpPr>
+              <p:nvPr/>
+            </p:nvSpPr>
+            <p:spPr>
+              <a:xfrm>
+                <a:off x="4924600" y="3027116"/>
+                <a:ext cx="576649" cy="400110"/>
+              </a:xfrm>
+              <a:prstGeom prst="rect">
+                <a:avLst/>
+              </a:prstGeom>
+              <a:blipFill>
+                <a:blip r:embed="rId11"/>
+                <a:stretch>
+                  <a:fillRect r="-4348" b="-3125"/>
+                </a:stretch>
+              </a:blipFill>
+            </p:spPr>
+            <p:txBody>
+              <a:bodyPr/>
+              <a:lstStyle/>
+              <a:p>
+                <a:r>
+                  <a:rPr lang="en-US">
+                    <a:noFill/>
+                  </a:rPr>
+                  <a:t> </a:t>
+                </a:r>
+              </a:p>
+            </p:txBody>
+          </p:sp>
+        </mc:Fallback>
+      </mc:AlternateContent>
+      <mc:AlternateContent xmlns:mc="http://schemas.openxmlformats.org/markup-compatibility/2006">
+        <mc:Choice xmlns:a14="http://schemas.microsoft.com/office/drawing/2010/main" Requires="a14">
+          <p:sp>
+            <p:nvSpPr>
+              <p:cNvPr id="14" name="TextBox 13">
+                <a:extLst>
+                  <a:ext uri="{FF2B5EF4-FFF2-40B4-BE49-F238E27FC236}">
+                    <a16:creationId xmlns:a16="http://schemas.microsoft.com/office/drawing/2014/main" id="{A0DA0381-3AE3-CF4C-9450-7DDAED33C77D}"/>
+                  </a:ext>
+                </a:extLst>
+              </p:cNvPr>
+              <p:cNvSpPr txBox="1"/>
+              <p:nvPr/>
+            </p:nvSpPr>
+            <p:spPr>
+              <a:xfrm>
+                <a:off x="6595256" y="3635969"/>
+                <a:ext cx="576649" cy="400110"/>
+              </a:xfrm>
+              <a:prstGeom prst="rect">
+                <a:avLst/>
+              </a:prstGeom>
+              <a:solidFill>
+                <a:schemeClr val="bg1"/>
+              </a:solidFill>
+            </p:spPr>
+            <p:txBody>
+              <a:bodyPr wrap="square" rtlCol="0">
+                <a:spAutoFit/>
+              </a:bodyPr>
+              <a:lstStyle/>
+              <a:p>
+                <a:pPr/>
+                <a14:m>
+                  <m:oMathPara xmlns:m="http://schemas.openxmlformats.org/officeDocument/2006/math">
+                    <m:oMathParaPr>
+                      <m:jc m:val="centerGroup"/>
+                    </m:oMathParaPr>
+                    <m:oMath xmlns:m="http://schemas.openxmlformats.org/officeDocument/2006/math">
+                      <m:sSub>
+                        <m:sSubPr>
+                          <m:ctrlPr>
+                            <a:rPr lang="en-US" sz="2000" b="0" i="1" dirty="0" smtClean="0">
+                              <a:latin typeface="Cambria Math" panose="02040503050406030204" pitchFamily="18" charset="0"/>
+                            </a:rPr>
+                          </m:ctrlPr>
+                        </m:sSubPr>
+                        <m:e>
+                          <m:r>
+                            <a:rPr lang="en-US" sz="2000" b="0" i="1" dirty="0" smtClean="0">
+                              <a:latin typeface="Cambria Math" panose="02040503050406030204" pitchFamily="18" charset="0"/>
+                            </a:rPr>
+                            <m:t>𝑊</m:t>
+                          </m:r>
+                        </m:e>
+                        <m:sub>
+                          <m:r>
+                            <a:rPr lang="en-US" sz="2000" b="0" i="1" dirty="0" smtClean="0">
+                              <a:latin typeface="Cambria Math" panose="02040503050406030204" pitchFamily="18" charset="0"/>
+                            </a:rPr>
+                            <m:t>hh</m:t>
+                          </m:r>
+                        </m:sub>
+                      </m:sSub>
+                    </m:oMath>
+                  </m:oMathPara>
+                </a14:m>
+                <a:endParaRPr lang="en-US" sz="2000" b="0" dirty="0"/>
+              </a:p>
+            </p:txBody>
+          </p:sp>
+        </mc:Choice>
+        <mc:Fallback>
+          <p:sp>
+            <p:nvSpPr>
+              <p:cNvPr id="14" name="TextBox 13">
+                <a:extLst>
+                  <a:ext uri="{FF2B5EF4-FFF2-40B4-BE49-F238E27FC236}">
+                    <a16:creationId xmlns:a16="http://schemas.microsoft.com/office/drawing/2014/main" id="{A0DA0381-3AE3-CF4C-9450-7DDAED33C77D}"/>
+                  </a:ext>
+                </a:extLst>
+              </p:cNvPr>
+              <p:cNvSpPr txBox="1">
+                <a:spLocks noRot="1" noChangeAspect="1" noMove="1" noResize="1" noEditPoints="1" noAdjustHandles="1" noChangeArrowheads="1" noChangeShapeType="1" noTextEdit="1"/>
+              </p:cNvSpPr>
+              <p:nvPr/>
+            </p:nvSpPr>
+            <p:spPr>
+              <a:xfrm>
+                <a:off x="6595256" y="3635969"/>
+                <a:ext cx="576649" cy="400110"/>
+              </a:xfrm>
+              <a:prstGeom prst="rect">
+                <a:avLst/>
+              </a:prstGeom>
+              <a:blipFill>
+                <a:blip r:embed="rId12"/>
+                <a:stretch>
+                  <a:fillRect r="-4348" b="-3125"/>
+                </a:stretch>
+              </a:blipFill>
+            </p:spPr>
+            <p:txBody>
+              <a:bodyPr/>
+              <a:lstStyle/>
+              <a:p>
+                <a:r>
+                  <a:rPr lang="en-US">
+                    <a:noFill/>
+                  </a:rPr>
+                  <a:t> </a:t>
+                </a:r>
+              </a:p>
+            </p:txBody>
+          </p:sp>
+        </mc:Fallback>
+      </mc:AlternateContent>
+      <mc:AlternateContent xmlns:mc="http://schemas.openxmlformats.org/markup-compatibility/2006">
+        <mc:Choice xmlns:a14="http://schemas.microsoft.com/office/drawing/2010/main" Requires="a14">
+          <p:sp>
+            <p:nvSpPr>
+              <p:cNvPr id="15" name="TextBox 14">
+                <a:extLst>
+                  <a:ext uri="{FF2B5EF4-FFF2-40B4-BE49-F238E27FC236}">
+                    <a16:creationId xmlns:a16="http://schemas.microsoft.com/office/drawing/2014/main" id="{2FB30F63-3A44-A942-9CD0-4A1E75CF1FB2}"/>
+                  </a:ext>
+                </a:extLst>
+              </p:cNvPr>
+              <p:cNvSpPr txBox="1"/>
+              <p:nvPr/>
+            </p:nvSpPr>
+            <p:spPr>
+              <a:xfrm>
+                <a:off x="8114698" y="3635969"/>
+                <a:ext cx="576649" cy="400110"/>
+              </a:xfrm>
+              <a:prstGeom prst="rect">
+                <a:avLst/>
+              </a:prstGeom>
+              <a:solidFill>
+                <a:schemeClr val="bg1"/>
+              </a:solidFill>
+            </p:spPr>
+            <p:txBody>
+              <a:bodyPr wrap="square" rtlCol="0">
+                <a:spAutoFit/>
+              </a:bodyPr>
+              <a:lstStyle/>
+              <a:p>
+                <a:pPr/>
+                <a14:m>
+                  <m:oMathPara xmlns:m="http://schemas.openxmlformats.org/officeDocument/2006/math">
+                    <m:oMathParaPr>
+                      <m:jc m:val="centerGroup"/>
+                    </m:oMathParaPr>
+                    <m:oMath xmlns:m="http://schemas.openxmlformats.org/officeDocument/2006/math">
+                      <m:sSub>
+                        <m:sSubPr>
+                          <m:ctrlPr>
+                            <a:rPr lang="en-US" sz="2000" b="0" i="1" dirty="0" smtClean="0">
+                              <a:latin typeface="Cambria Math" panose="02040503050406030204" pitchFamily="18" charset="0"/>
+                            </a:rPr>
+                          </m:ctrlPr>
+                        </m:sSubPr>
+                        <m:e>
+                          <m:r>
+                            <a:rPr lang="en-US" sz="2000" b="0" i="1" dirty="0" smtClean="0">
+                              <a:latin typeface="Cambria Math" panose="02040503050406030204" pitchFamily="18" charset="0"/>
+                            </a:rPr>
+                            <m:t>𝑊</m:t>
+                          </m:r>
+                        </m:e>
+                        <m:sub>
+                          <m:r>
+                            <a:rPr lang="en-US" sz="2000" b="0" i="1" dirty="0" smtClean="0">
+                              <a:latin typeface="Cambria Math" panose="02040503050406030204" pitchFamily="18" charset="0"/>
+                            </a:rPr>
+                            <m:t>hh</m:t>
+                          </m:r>
+                        </m:sub>
+                      </m:sSub>
+                    </m:oMath>
+                  </m:oMathPara>
+                </a14:m>
+                <a:endParaRPr lang="en-US" sz="2000" b="0" dirty="0"/>
+              </a:p>
+            </p:txBody>
+          </p:sp>
+        </mc:Choice>
+        <mc:Fallback>
+          <p:sp>
+            <p:nvSpPr>
+              <p:cNvPr id="15" name="TextBox 14">
+                <a:extLst>
+                  <a:ext uri="{FF2B5EF4-FFF2-40B4-BE49-F238E27FC236}">
+                    <a16:creationId xmlns:a16="http://schemas.microsoft.com/office/drawing/2014/main" id="{2FB30F63-3A44-A942-9CD0-4A1E75CF1FB2}"/>
+                  </a:ext>
+                </a:extLst>
+              </p:cNvPr>
+              <p:cNvSpPr txBox="1">
+                <a:spLocks noRot="1" noChangeAspect="1" noMove="1" noResize="1" noEditPoints="1" noAdjustHandles="1" noChangeArrowheads="1" noChangeShapeType="1" noTextEdit="1"/>
+              </p:cNvSpPr>
+              <p:nvPr/>
+            </p:nvSpPr>
+            <p:spPr>
+              <a:xfrm>
+                <a:off x="8114698" y="3635969"/>
+                <a:ext cx="576649" cy="400110"/>
+              </a:xfrm>
+              <a:prstGeom prst="rect">
+                <a:avLst/>
+              </a:prstGeom>
+              <a:blipFill>
+                <a:blip r:embed="rId13"/>
+                <a:stretch>
+                  <a:fillRect r="-2128" b="-3125"/>
+                </a:stretch>
+              </a:blipFill>
+            </p:spPr>
+            <p:txBody>
+              <a:bodyPr/>
+              <a:lstStyle/>
+              <a:p>
+                <a:r>
+                  <a:rPr lang="en-US">
+                    <a:noFill/>
+                  </a:rPr>
+                  <a:t> </a:t>
+                </a:r>
+              </a:p>
+            </p:txBody>
+          </p:sp>
+        </mc:Fallback>
+      </mc:AlternateContent>
+      <mc:AlternateContent xmlns:mc="http://schemas.openxmlformats.org/markup-compatibility/2006">
+        <mc:Choice xmlns:a14="http://schemas.microsoft.com/office/drawing/2010/main" Requires="a14">
+          <p:sp>
+            <p:nvSpPr>
+              <p:cNvPr id="16" name="TextBox 15">
+                <a:extLst>
+                  <a:ext uri="{FF2B5EF4-FFF2-40B4-BE49-F238E27FC236}">
+                    <a16:creationId xmlns:a16="http://schemas.microsoft.com/office/drawing/2014/main" id="{2A089966-5290-1D45-AD21-5670AABA05E0}"/>
+                  </a:ext>
+                </a:extLst>
+              </p:cNvPr>
+              <p:cNvSpPr txBox="1"/>
+              <p:nvPr/>
+            </p:nvSpPr>
+            <p:spPr>
+              <a:xfrm>
+                <a:off x="9857426" y="3635969"/>
+                <a:ext cx="576649" cy="400110"/>
+              </a:xfrm>
+              <a:prstGeom prst="rect">
+                <a:avLst/>
+              </a:prstGeom>
+              <a:solidFill>
+                <a:schemeClr val="bg1"/>
+              </a:solidFill>
+            </p:spPr>
+            <p:txBody>
+              <a:bodyPr wrap="square" rtlCol="0">
+                <a:spAutoFit/>
+              </a:bodyPr>
+              <a:lstStyle/>
+              <a:p>
+                <a:pPr/>
+                <a14:m>
+                  <m:oMathPara xmlns:m="http://schemas.openxmlformats.org/officeDocument/2006/math">
+                    <m:oMathParaPr>
+                      <m:jc m:val="centerGroup"/>
+                    </m:oMathParaPr>
+                    <m:oMath xmlns:m="http://schemas.openxmlformats.org/officeDocument/2006/math">
+                      <m:sSub>
+                        <m:sSubPr>
+                          <m:ctrlPr>
+                            <a:rPr lang="en-US" sz="2000" b="0" i="1" dirty="0" smtClean="0">
+                              <a:latin typeface="Cambria Math" panose="02040503050406030204" pitchFamily="18" charset="0"/>
+                            </a:rPr>
+                          </m:ctrlPr>
+                        </m:sSubPr>
+                        <m:e>
+                          <m:r>
+                            <a:rPr lang="en-US" sz="2000" b="0" i="1" dirty="0" smtClean="0">
+                              <a:latin typeface="Cambria Math" panose="02040503050406030204" pitchFamily="18" charset="0"/>
+                            </a:rPr>
+                            <m:t>𝑊</m:t>
+                          </m:r>
+                        </m:e>
+                        <m:sub>
+                          <m:r>
+                            <a:rPr lang="en-US" sz="2000" b="0" i="1" dirty="0" smtClean="0">
+                              <a:latin typeface="Cambria Math" panose="02040503050406030204" pitchFamily="18" charset="0"/>
+                            </a:rPr>
+                            <m:t>hh</m:t>
+                          </m:r>
+                        </m:sub>
+                      </m:sSub>
+                    </m:oMath>
+                  </m:oMathPara>
+                </a14:m>
+                <a:endParaRPr lang="en-US" sz="2000" b="0" dirty="0"/>
+              </a:p>
+            </p:txBody>
+          </p:sp>
+        </mc:Choice>
+        <mc:Fallback>
+          <p:sp>
+            <p:nvSpPr>
+              <p:cNvPr id="16" name="TextBox 15">
+                <a:extLst>
+                  <a:ext uri="{FF2B5EF4-FFF2-40B4-BE49-F238E27FC236}">
+                    <a16:creationId xmlns:a16="http://schemas.microsoft.com/office/drawing/2014/main" id="{2A089966-5290-1D45-AD21-5670AABA05E0}"/>
+                  </a:ext>
+                </a:extLst>
+              </p:cNvPr>
+              <p:cNvSpPr txBox="1">
+                <a:spLocks noRot="1" noChangeAspect="1" noMove="1" noResize="1" noEditPoints="1" noAdjustHandles="1" noChangeArrowheads="1" noChangeShapeType="1" noTextEdit="1"/>
+              </p:cNvSpPr>
+              <p:nvPr/>
+            </p:nvSpPr>
+            <p:spPr>
+              <a:xfrm>
+                <a:off x="9857426" y="3635969"/>
+                <a:ext cx="576649" cy="400110"/>
+              </a:xfrm>
+              <a:prstGeom prst="rect">
+                <a:avLst/>
+              </a:prstGeom>
+              <a:blipFill>
+                <a:blip r:embed="rId14"/>
+                <a:stretch>
+                  <a:fillRect r="-4348" b="-3125"/>
+                </a:stretch>
+              </a:blipFill>
+            </p:spPr>
+            <p:txBody>
+              <a:bodyPr/>
+              <a:lstStyle/>
+              <a:p>
+                <a:r>
+                  <a:rPr lang="en-US">
+                    <a:noFill/>
+                  </a:rPr>
+                  <a:t> </a:t>
+                </a:r>
+              </a:p>
+            </p:txBody>
+          </p:sp>
+        </mc:Fallback>
+      </mc:AlternateContent>
+      <mc:AlternateContent xmlns:mc="http://schemas.openxmlformats.org/markup-compatibility/2006">
+        <mc:Choice xmlns:a14="http://schemas.microsoft.com/office/drawing/2010/main" Requires="a14">
+          <p:sp>
+            <p:nvSpPr>
+              <p:cNvPr id="17" name="TextBox 16">
+                <a:extLst>
+                  <a:ext uri="{FF2B5EF4-FFF2-40B4-BE49-F238E27FC236}">
+                    <a16:creationId xmlns:a16="http://schemas.microsoft.com/office/drawing/2014/main" id="{434ECC0C-0B3B-F946-8ED3-661D584C1A2B}"/>
+                  </a:ext>
+                </a:extLst>
+              </p:cNvPr>
+              <p:cNvSpPr txBox="1"/>
+              <p:nvPr/>
+            </p:nvSpPr>
+            <p:spPr>
+              <a:xfrm>
+                <a:off x="6174257" y="4103871"/>
+                <a:ext cx="484833" cy="400110"/>
+              </a:xfrm>
+              <a:prstGeom prst="rect">
+                <a:avLst/>
+              </a:prstGeom>
+              <a:solidFill>
+                <a:schemeClr val="bg1"/>
+              </a:solidFill>
+            </p:spPr>
+            <p:txBody>
+              <a:bodyPr wrap="square" rtlCol="0">
+                <a:spAutoFit/>
+              </a:bodyPr>
+              <a:lstStyle/>
+              <a:p>
+                <a:pPr/>
+                <a14:m>
+                  <m:oMathPara xmlns:m="http://schemas.openxmlformats.org/officeDocument/2006/math">
+                    <m:oMathParaPr>
+                      <m:jc m:val="centerGroup"/>
+                    </m:oMathParaPr>
+                    <m:oMath xmlns:m="http://schemas.openxmlformats.org/officeDocument/2006/math">
+                      <m:sSub>
+                        <m:sSubPr>
+                          <m:ctrlPr>
+                            <a:rPr lang="en-US" sz="2000" b="0" i="1" dirty="0" smtClean="0">
+                              <a:latin typeface="Cambria Math" panose="02040503050406030204" pitchFamily="18" charset="0"/>
+                            </a:rPr>
+                          </m:ctrlPr>
+                        </m:sSubPr>
+                        <m:e>
+                          <m:r>
+                            <a:rPr lang="en-US" sz="2000" b="0" i="1" dirty="0" smtClean="0">
+                              <a:latin typeface="Cambria Math" panose="02040503050406030204" pitchFamily="18" charset="0"/>
+                            </a:rPr>
+                            <m:t>𝑊</m:t>
+                          </m:r>
+                        </m:e>
+                        <m:sub>
+                          <m:r>
+                            <a:rPr lang="en-US" sz="2000" b="0" i="1" dirty="0" smtClean="0">
+                              <a:latin typeface="Cambria Math" panose="02040503050406030204" pitchFamily="18" charset="0"/>
+                            </a:rPr>
+                            <m:t>𝑥h</m:t>
+                          </m:r>
+                        </m:sub>
+                      </m:sSub>
+                    </m:oMath>
+                  </m:oMathPara>
+                </a14:m>
+                <a:endParaRPr lang="en-US" sz="2000" b="0" dirty="0"/>
+              </a:p>
+            </p:txBody>
+          </p:sp>
+        </mc:Choice>
+        <mc:Fallback>
+          <p:sp>
+            <p:nvSpPr>
+              <p:cNvPr id="17" name="TextBox 16">
+                <a:extLst>
+                  <a:ext uri="{FF2B5EF4-FFF2-40B4-BE49-F238E27FC236}">
+                    <a16:creationId xmlns:a16="http://schemas.microsoft.com/office/drawing/2014/main" id="{434ECC0C-0B3B-F946-8ED3-661D584C1A2B}"/>
+                  </a:ext>
+                </a:extLst>
+              </p:cNvPr>
+              <p:cNvSpPr txBox="1">
+                <a:spLocks noRot="1" noChangeAspect="1" noMove="1" noResize="1" noEditPoints="1" noAdjustHandles="1" noChangeArrowheads="1" noChangeShapeType="1" noTextEdit="1"/>
+              </p:cNvSpPr>
+              <p:nvPr/>
+            </p:nvSpPr>
+            <p:spPr>
+              <a:xfrm>
+                <a:off x="6174257" y="4103871"/>
+                <a:ext cx="484833" cy="400110"/>
+              </a:xfrm>
+              <a:prstGeom prst="rect">
+                <a:avLst/>
+              </a:prstGeom>
+              <a:blipFill>
+                <a:blip r:embed="rId15"/>
+                <a:stretch>
+                  <a:fillRect r="-20513" b="-3125"/>
+                </a:stretch>
+              </a:blipFill>
+            </p:spPr>
+            <p:txBody>
+              <a:bodyPr/>
+              <a:lstStyle/>
+              <a:p>
+                <a:r>
+                  <a:rPr lang="en-US">
+                    <a:noFill/>
+                  </a:rPr>
+                  <a:t> </a:t>
+                </a:r>
+              </a:p>
+            </p:txBody>
+          </p:sp>
+        </mc:Fallback>
+      </mc:AlternateContent>
+      <mc:AlternateContent xmlns:mc="http://schemas.openxmlformats.org/markup-compatibility/2006">
+        <mc:Choice xmlns:a14="http://schemas.microsoft.com/office/drawing/2010/main" Requires="a14">
+          <p:sp>
+            <p:nvSpPr>
+              <p:cNvPr id="18" name="TextBox 17">
+                <a:extLst>
+                  <a:ext uri="{FF2B5EF4-FFF2-40B4-BE49-F238E27FC236}">
+                    <a16:creationId xmlns:a16="http://schemas.microsoft.com/office/drawing/2014/main" id="{6677FFC9-66AC-5B42-AB0C-9308F1200D0F}"/>
+                  </a:ext>
+                </a:extLst>
+              </p:cNvPr>
+              <p:cNvSpPr txBox="1"/>
+              <p:nvPr/>
+            </p:nvSpPr>
+            <p:spPr>
+              <a:xfrm>
+                <a:off x="7831265" y="4103871"/>
+                <a:ext cx="484833" cy="400110"/>
+              </a:xfrm>
+              <a:prstGeom prst="rect">
+                <a:avLst/>
+              </a:prstGeom>
+              <a:solidFill>
+                <a:schemeClr val="bg1"/>
+              </a:solidFill>
+            </p:spPr>
+            <p:txBody>
+              <a:bodyPr wrap="square" rtlCol="0">
+                <a:spAutoFit/>
+              </a:bodyPr>
+              <a:lstStyle/>
+              <a:p>
+                <a:pPr/>
+                <a14:m>
+                  <m:oMathPara xmlns:m="http://schemas.openxmlformats.org/officeDocument/2006/math">
+                    <m:oMathParaPr>
+                      <m:jc m:val="centerGroup"/>
+                    </m:oMathParaPr>
+                    <m:oMath xmlns:m="http://schemas.openxmlformats.org/officeDocument/2006/math">
+                      <m:sSub>
+                        <m:sSubPr>
+                          <m:ctrlPr>
+                            <a:rPr lang="en-US" sz="2000" b="0" i="1" dirty="0" smtClean="0">
+                              <a:latin typeface="Cambria Math" panose="02040503050406030204" pitchFamily="18" charset="0"/>
+                            </a:rPr>
+                          </m:ctrlPr>
+                        </m:sSubPr>
+                        <m:e>
+                          <m:r>
+                            <a:rPr lang="en-US" sz="2000" b="0" i="1" dirty="0" smtClean="0">
+                              <a:latin typeface="Cambria Math" panose="02040503050406030204" pitchFamily="18" charset="0"/>
+                            </a:rPr>
+                            <m:t>𝑊</m:t>
+                          </m:r>
+                        </m:e>
+                        <m:sub>
+                          <m:r>
+                            <a:rPr lang="en-US" sz="2000" b="0" i="1" dirty="0" smtClean="0">
+                              <a:latin typeface="Cambria Math" panose="02040503050406030204" pitchFamily="18" charset="0"/>
+                            </a:rPr>
+                            <m:t>𝑥h</m:t>
+                          </m:r>
+                        </m:sub>
+                      </m:sSub>
+                    </m:oMath>
+                  </m:oMathPara>
+                </a14:m>
+                <a:endParaRPr lang="en-US" sz="2000" b="0" dirty="0"/>
+              </a:p>
+            </p:txBody>
+          </p:sp>
+        </mc:Choice>
+        <mc:Fallback>
+          <p:sp>
+            <p:nvSpPr>
+              <p:cNvPr id="18" name="TextBox 17">
+                <a:extLst>
+                  <a:ext uri="{FF2B5EF4-FFF2-40B4-BE49-F238E27FC236}">
+                    <a16:creationId xmlns:a16="http://schemas.microsoft.com/office/drawing/2014/main" id="{6677FFC9-66AC-5B42-AB0C-9308F1200D0F}"/>
+                  </a:ext>
+                </a:extLst>
+              </p:cNvPr>
+              <p:cNvSpPr txBox="1">
+                <a:spLocks noRot="1" noChangeAspect="1" noMove="1" noResize="1" noEditPoints="1" noAdjustHandles="1" noChangeArrowheads="1" noChangeShapeType="1" noTextEdit="1"/>
+              </p:cNvSpPr>
+              <p:nvPr/>
+            </p:nvSpPr>
+            <p:spPr>
+              <a:xfrm>
+                <a:off x="7831265" y="4103871"/>
+                <a:ext cx="484833" cy="400110"/>
+              </a:xfrm>
+              <a:prstGeom prst="rect">
+                <a:avLst/>
+              </a:prstGeom>
+              <a:blipFill>
+                <a:blip r:embed="rId16"/>
+                <a:stretch>
+                  <a:fillRect r="-23077" b="-3125"/>
+                </a:stretch>
+              </a:blipFill>
+            </p:spPr>
+            <p:txBody>
+              <a:bodyPr/>
+              <a:lstStyle/>
+              <a:p>
+                <a:r>
+                  <a:rPr lang="en-US">
+                    <a:noFill/>
+                  </a:rPr>
+                  <a:t> </a:t>
+                </a:r>
+              </a:p>
+            </p:txBody>
+          </p:sp>
+        </mc:Fallback>
+      </mc:AlternateContent>
+      <mc:AlternateContent xmlns:mc="http://schemas.openxmlformats.org/markup-compatibility/2006">
+        <mc:Choice xmlns:a14="http://schemas.microsoft.com/office/drawing/2010/main" Requires="a14">
+          <p:sp>
+            <p:nvSpPr>
+              <p:cNvPr id="19" name="TextBox 18">
+                <a:extLst>
+                  <a:ext uri="{FF2B5EF4-FFF2-40B4-BE49-F238E27FC236}">
+                    <a16:creationId xmlns:a16="http://schemas.microsoft.com/office/drawing/2014/main" id="{26175915-48D1-044B-9F55-AF5A78033B31}"/>
+                  </a:ext>
+                </a:extLst>
+              </p:cNvPr>
+              <p:cNvSpPr txBox="1"/>
+              <p:nvPr/>
+            </p:nvSpPr>
+            <p:spPr>
+              <a:xfrm>
+                <a:off x="9497363" y="4103871"/>
+                <a:ext cx="484833" cy="400110"/>
+              </a:xfrm>
+              <a:prstGeom prst="rect">
+                <a:avLst/>
+              </a:prstGeom>
+              <a:solidFill>
+                <a:schemeClr val="bg1"/>
+              </a:solidFill>
+            </p:spPr>
+            <p:txBody>
+              <a:bodyPr wrap="square" rtlCol="0">
+                <a:spAutoFit/>
+              </a:bodyPr>
+              <a:lstStyle/>
+              <a:p>
+                <a:pPr/>
+                <a14:m>
+                  <m:oMathPara xmlns:m="http://schemas.openxmlformats.org/officeDocument/2006/math">
+                    <m:oMathParaPr>
+                      <m:jc m:val="centerGroup"/>
+                    </m:oMathParaPr>
+                    <m:oMath xmlns:m="http://schemas.openxmlformats.org/officeDocument/2006/math">
+                      <m:sSub>
+                        <m:sSubPr>
+                          <m:ctrlPr>
+                            <a:rPr lang="en-US" sz="2000" b="0" i="1" dirty="0" smtClean="0">
+                              <a:latin typeface="Cambria Math" panose="02040503050406030204" pitchFamily="18" charset="0"/>
+                            </a:rPr>
+                          </m:ctrlPr>
+                        </m:sSubPr>
+                        <m:e>
+                          <m:r>
+                            <a:rPr lang="en-US" sz="2000" b="0" i="1" dirty="0" smtClean="0">
+                              <a:latin typeface="Cambria Math" panose="02040503050406030204" pitchFamily="18" charset="0"/>
+                            </a:rPr>
+                            <m:t>𝑊</m:t>
+                          </m:r>
+                        </m:e>
+                        <m:sub>
+                          <m:r>
+                            <a:rPr lang="en-US" sz="2000" b="0" i="1" dirty="0" smtClean="0">
+                              <a:latin typeface="Cambria Math" panose="02040503050406030204" pitchFamily="18" charset="0"/>
+                            </a:rPr>
+                            <m:t>𝑥h</m:t>
+                          </m:r>
+                        </m:sub>
+                      </m:sSub>
+                    </m:oMath>
+                  </m:oMathPara>
+                </a14:m>
+                <a:endParaRPr lang="en-US" sz="2000" b="0" dirty="0"/>
+              </a:p>
+            </p:txBody>
+          </p:sp>
+        </mc:Choice>
+        <mc:Fallback>
+          <p:sp>
+            <p:nvSpPr>
+              <p:cNvPr id="19" name="TextBox 18">
+                <a:extLst>
+                  <a:ext uri="{FF2B5EF4-FFF2-40B4-BE49-F238E27FC236}">
+                    <a16:creationId xmlns:a16="http://schemas.microsoft.com/office/drawing/2014/main" id="{26175915-48D1-044B-9F55-AF5A78033B31}"/>
+                  </a:ext>
+                </a:extLst>
+              </p:cNvPr>
+              <p:cNvSpPr txBox="1">
+                <a:spLocks noRot="1" noChangeAspect="1" noMove="1" noResize="1" noEditPoints="1" noAdjustHandles="1" noChangeArrowheads="1" noChangeShapeType="1" noTextEdit="1"/>
+              </p:cNvSpPr>
+              <p:nvPr/>
+            </p:nvSpPr>
+            <p:spPr>
+              <a:xfrm>
+                <a:off x="9497363" y="4103871"/>
+                <a:ext cx="484833" cy="400110"/>
+              </a:xfrm>
+              <a:prstGeom prst="rect">
+                <a:avLst/>
+              </a:prstGeom>
+              <a:blipFill>
+                <a:blip r:embed="rId17"/>
+                <a:stretch>
+                  <a:fillRect r="-23077" b="-3125"/>
+                </a:stretch>
+              </a:blipFill>
+            </p:spPr>
+            <p:txBody>
+              <a:bodyPr/>
+              <a:lstStyle/>
+              <a:p>
+                <a:r>
+                  <a:rPr lang="en-US">
+                    <a:noFill/>
+                  </a:rPr>
+                  <a:t> </a:t>
+                </a:r>
+              </a:p>
+            </p:txBody>
+          </p:sp>
+        </mc:Fallback>
+      </mc:AlternateContent>
+      <mc:AlternateContent xmlns:mc="http://schemas.openxmlformats.org/markup-compatibility/2006">
+        <mc:Choice xmlns:a14="http://schemas.microsoft.com/office/drawing/2010/main" Requires="a14">
+          <p:sp>
+            <p:nvSpPr>
+              <p:cNvPr id="20" name="TextBox 19">
+                <a:extLst>
+                  <a:ext uri="{FF2B5EF4-FFF2-40B4-BE49-F238E27FC236}">
+                    <a16:creationId xmlns:a16="http://schemas.microsoft.com/office/drawing/2014/main" id="{75C819FB-F148-7844-BD60-B437896155AD}"/>
+                  </a:ext>
+                </a:extLst>
+              </p:cNvPr>
+              <p:cNvSpPr txBox="1"/>
+              <p:nvPr/>
+            </p:nvSpPr>
+            <p:spPr>
+              <a:xfrm>
+                <a:off x="5479453" y="2587059"/>
+                <a:ext cx="568070" cy="424283"/>
+              </a:xfrm>
+              <a:prstGeom prst="rect">
+                <a:avLst/>
+              </a:prstGeom>
+              <a:solidFill>
+                <a:schemeClr val="bg1"/>
+              </a:solidFill>
+            </p:spPr>
+            <p:txBody>
+              <a:bodyPr wrap="square" rtlCol="0">
+                <a:spAutoFit/>
+              </a:bodyPr>
+              <a:lstStyle/>
+              <a:p>
+                <a:pPr/>
+                <a14:m>
+                  <m:oMathPara xmlns:m="http://schemas.openxmlformats.org/officeDocument/2006/math">
+                    <m:oMathParaPr>
+                      <m:jc m:val="centerGroup"/>
+                    </m:oMathParaPr>
+                    <m:oMath xmlns:m="http://schemas.openxmlformats.org/officeDocument/2006/math">
+                      <m:sSub>
+                        <m:sSubPr>
+                          <m:ctrlPr>
+                            <a:rPr lang="en-US" sz="2000" b="0" i="1" dirty="0" smtClean="0">
+                              <a:latin typeface="Cambria Math" panose="02040503050406030204" pitchFamily="18" charset="0"/>
+                            </a:rPr>
+                          </m:ctrlPr>
+                        </m:sSubPr>
+                        <m:e>
+                          <m:r>
+                            <a:rPr lang="en-US" sz="2000" b="0" i="1" dirty="0" smtClean="0">
+                              <a:latin typeface="Cambria Math" panose="02040503050406030204" pitchFamily="18" charset="0"/>
+                            </a:rPr>
+                            <m:t>𝑊</m:t>
+                          </m:r>
+                        </m:e>
+                        <m:sub>
+                          <m:r>
+                            <a:rPr lang="en-US" sz="2000" b="0" i="1" dirty="0" smtClean="0">
+                              <a:latin typeface="Cambria Math" panose="02040503050406030204" pitchFamily="18" charset="0"/>
+                            </a:rPr>
+                            <m:t>h𝑦</m:t>
+                          </m:r>
+                        </m:sub>
+                      </m:sSub>
+                    </m:oMath>
+                  </m:oMathPara>
+                </a14:m>
+                <a:endParaRPr lang="en-US" sz="2000" b="0" dirty="0"/>
+              </a:p>
+            </p:txBody>
+          </p:sp>
+        </mc:Choice>
+        <mc:Fallback>
+          <p:sp>
+            <p:nvSpPr>
+              <p:cNvPr id="20" name="TextBox 19">
+                <a:extLst>
+                  <a:ext uri="{FF2B5EF4-FFF2-40B4-BE49-F238E27FC236}">
+                    <a16:creationId xmlns:a16="http://schemas.microsoft.com/office/drawing/2014/main" id="{75C819FB-F148-7844-BD60-B437896155AD}"/>
+                  </a:ext>
+                </a:extLst>
+              </p:cNvPr>
+              <p:cNvSpPr txBox="1">
+                <a:spLocks noRot="1" noChangeAspect="1" noMove="1" noResize="1" noEditPoints="1" noAdjustHandles="1" noChangeArrowheads="1" noChangeShapeType="1" noTextEdit="1"/>
+              </p:cNvSpPr>
+              <p:nvPr/>
+            </p:nvSpPr>
+            <p:spPr>
+              <a:xfrm>
+                <a:off x="5479453" y="2587059"/>
+                <a:ext cx="568070" cy="424283"/>
+              </a:xfrm>
+              <a:prstGeom prst="rect">
+                <a:avLst/>
+              </a:prstGeom>
+              <a:blipFill>
+                <a:blip r:embed="rId18"/>
+                <a:stretch>
+                  <a:fillRect r="-8696" b="-8571"/>
+                </a:stretch>
+              </a:blipFill>
+            </p:spPr>
+            <p:txBody>
+              <a:bodyPr/>
+              <a:lstStyle/>
+              <a:p>
+                <a:r>
+                  <a:rPr lang="en-US">
+                    <a:noFill/>
+                  </a:rPr>
+                  <a:t> </a:t>
+                </a:r>
+              </a:p>
+            </p:txBody>
+          </p:sp>
+        </mc:Fallback>
+      </mc:AlternateContent>
+      <mc:AlternateContent xmlns:mc="http://schemas.openxmlformats.org/markup-compatibility/2006">
+        <mc:Choice xmlns:a14="http://schemas.microsoft.com/office/drawing/2010/main" Requires="a14">
+          <p:sp>
+            <p:nvSpPr>
+              <p:cNvPr id="21" name="TextBox 20">
+                <a:extLst>
+                  <a:ext uri="{FF2B5EF4-FFF2-40B4-BE49-F238E27FC236}">
+                    <a16:creationId xmlns:a16="http://schemas.microsoft.com/office/drawing/2014/main" id="{DFFB4031-77E8-A043-BCA8-F09281198682}"/>
+                  </a:ext>
+                </a:extLst>
+              </p:cNvPr>
+              <p:cNvSpPr txBox="1"/>
+              <p:nvPr/>
+            </p:nvSpPr>
+            <p:spPr>
+              <a:xfrm>
+                <a:off x="7094363" y="2562506"/>
+                <a:ext cx="612772" cy="424283"/>
+              </a:xfrm>
+              <a:prstGeom prst="rect">
+                <a:avLst/>
+              </a:prstGeom>
+              <a:solidFill>
+                <a:schemeClr val="bg1"/>
+              </a:solidFill>
+            </p:spPr>
+            <p:txBody>
+              <a:bodyPr wrap="square" rtlCol="0">
+                <a:spAutoFit/>
+              </a:bodyPr>
+              <a:lstStyle/>
+              <a:p>
+                <a:pPr/>
+                <a14:m>
+                  <m:oMathPara xmlns:m="http://schemas.openxmlformats.org/officeDocument/2006/math">
+                    <m:oMathParaPr>
+                      <m:jc m:val="centerGroup"/>
+                    </m:oMathParaPr>
+                    <m:oMath xmlns:m="http://schemas.openxmlformats.org/officeDocument/2006/math">
+                      <m:sSub>
+                        <m:sSubPr>
+                          <m:ctrlPr>
+                            <a:rPr lang="en-US" sz="2000" b="0" i="1" dirty="0" smtClean="0">
+                              <a:latin typeface="Cambria Math" panose="02040503050406030204" pitchFamily="18" charset="0"/>
+                            </a:rPr>
+                          </m:ctrlPr>
+                        </m:sSubPr>
+                        <m:e>
+                          <m:r>
+                            <a:rPr lang="en-US" sz="2000" b="0" i="1" dirty="0" smtClean="0">
+                              <a:latin typeface="Cambria Math" panose="02040503050406030204" pitchFamily="18" charset="0"/>
+                            </a:rPr>
+                            <m:t>𝑊</m:t>
+                          </m:r>
+                        </m:e>
+                        <m:sub>
+                          <m:r>
+                            <a:rPr lang="en-US" sz="2000" b="0" i="1" dirty="0" smtClean="0">
+                              <a:latin typeface="Cambria Math" panose="02040503050406030204" pitchFamily="18" charset="0"/>
+                            </a:rPr>
+                            <m:t>h𝑦</m:t>
+                          </m:r>
+                        </m:sub>
+                      </m:sSub>
+                    </m:oMath>
+                  </m:oMathPara>
+                </a14:m>
+                <a:endParaRPr lang="en-US" sz="2000" b="0" dirty="0"/>
+              </a:p>
+            </p:txBody>
+          </p:sp>
+        </mc:Choice>
+        <mc:Fallback>
+          <p:sp>
+            <p:nvSpPr>
+              <p:cNvPr id="21" name="TextBox 20">
+                <a:extLst>
+                  <a:ext uri="{FF2B5EF4-FFF2-40B4-BE49-F238E27FC236}">
+                    <a16:creationId xmlns:a16="http://schemas.microsoft.com/office/drawing/2014/main" id="{DFFB4031-77E8-A043-BCA8-F09281198682}"/>
+                  </a:ext>
+                </a:extLst>
+              </p:cNvPr>
+              <p:cNvSpPr txBox="1">
+                <a:spLocks noRot="1" noChangeAspect="1" noMove="1" noResize="1" noEditPoints="1" noAdjustHandles="1" noChangeArrowheads="1" noChangeShapeType="1" noTextEdit="1"/>
+              </p:cNvSpPr>
+              <p:nvPr/>
+            </p:nvSpPr>
+            <p:spPr>
+              <a:xfrm>
+                <a:off x="7094363" y="2562506"/>
+                <a:ext cx="612772" cy="424283"/>
+              </a:xfrm>
+              <a:prstGeom prst="rect">
+                <a:avLst/>
+              </a:prstGeom>
+              <a:blipFill>
+                <a:blip r:embed="rId19"/>
+                <a:stretch>
+                  <a:fillRect r="-2041" b="-8571"/>
+                </a:stretch>
+              </a:blipFill>
+            </p:spPr>
+            <p:txBody>
+              <a:bodyPr/>
+              <a:lstStyle/>
+              <a:p>
+                <a:r>
+                  <a:rPr lang="en-US">
+                    <a:noFill/>
+                  </a:rPr>
+                  <a:t> </a:t>
+                </a:r>
+              </a:p>
+            </p:txBody>
+          </p:sp>
+        </mc:Fallback>
+      </mc:AlternateContent>
+      <mc:AlternateContent xmlns:mc="http://schemas.openxmlformats.org/markup-compatibility/2006">
+        <mc:Choice xmlns:a14="http://schemas.microsoft.com/office/drawing/2010/main" Requires="a14">
+          <p:sp>
+            <p:nvSpPr>
+              <p:cNvPr id="22" name="TextBox 21">
+                <a:extLst>
+                  <a:ext uri="{FF2B5EF4-FFF2-40B4-BE49-F238E27FC236}">
+                    <a16:creationId xmlns:a16="http://schemas.microsoft.com/office/drawing/2014/main" id="{FD383C2E-0115-124B-8CF0-F06B62822363}"/>
+                  </a:ext>
+                </a:extLst>
+              </p:cNvPr>
+              <p:cNvSpPr txBox="1"/>
+              <p:nvPr/>
+            </p:nvSpPr>
+            <p:spPr>
+              <a:xfrm>
+                <a:off x="8828648" y="2562506"/>
+                <a:ext cx="576649" cy="424283"/>
+              </a:xfrm>
+              <a:prstGeom prst="rect">
+                <a:avLst/>
+              </a:prstGeom>
+              <a:solidFill>
+                <a:schemeClr val="bg1"/>
+              </a:solidFill>
+            </p:spPr>
+            <p:txBody>
+              <a:bodyPr wrap="square" rtlCol="0">
+                <a:spAutoFit/>
+              </a:bodyPr>
+              <a:lstStyle/>
+              <a:p>
+                <a:pPr/>
+                <a14:m>
+                  <m:oMathPara xmlns:m="http://schemas.openxmlformats.org/officeDocument/2006/math">
+                    <m:oMathParaPr>
+                      <m:jc m:val="centerGroup"/>
+                    </m:oMathParaPr>
+                    <m:oMath xmlns:m="http://schemas.openxmlformats.org/officeDocument/2006/math">
+                      <m:sSub>
+                        <m:sSubPr>
+                          <m:ctrlPr>
+                            <a:rPr lang="en-US" sz="2000" b="0" i="1" dirty="0" smtClean="0">
+                              <a:latin typeface="Cambria Math" panose="02040503050406030204" pitchFamily="18" charset="0"/>
+                            </a:rPr>
+                          </m:ctrlPr>
+                        </m:sSubPr>
+                        <m:e>
+                          <m:r>
+                            <a:rPr lang="en-US" sz="2000" b="0" i="1" dirty="0" smtClean="0">
+                              <a:latin typeface="Cambria Math" panose="02040503050406030204" pitchFamily="18" charset="0"/>
+                            </a:rPr>
+                            <m:t>𝑊</m:t>
+                          </m:r>
+                        </m:e>
+                        <m:sub>
+                          <m:r>
+                            <a:rPr lang="en-US" sz="2000" b="0" i="1" dirty="0" smtClean="0">
+                              <a:latin typeface="Cambria Math" panose="02040503050406030204" pitchFamily="18" charset="0"/>
+                            </a:rPr>
+                            <m:t>h𝑦</m:t>
+                          </m:r>
+                        </m:sub>
+                      </m:sSub>
+                    </m:oMath>
+                  </m:oMathPara>
+                </a14:m>
+                <a:endParaRPr lang="en-US" sz="2000" b="0" dirty="0"/>
+              </a:p>
+            </p:txBody>
+          </p:sp>
+        </mc:Choice>
+        <mc:Fallback>
+          <p:sp>
+            <p:nvSpPr>
+              <p:cNvPr id="22" name="TextBox 21">
+                <a:extLst>
+                  <a:ext uri="{FF2B5EF4-FFF2-40B4-BE49-F238E27FC236}">
+                    <a16:creationId xmlns:a16="http://schemas.microsoft.com/office/drawing/2014/main" id="{FD383C2E-0115-124B-8CF0-F06B62822363}"/>
+                  </a:ext>
+                </a:extLst>
+              </p:cNvPr>
+              <p:cNvSpPr txBox="1">
+                <a:spLocks noRot="1" noChangeAspect="1" noMove="1" noResize="1" noEditPoints="1" noAdjustHandles="1" noChangeArrowheads="1" noChangeShapeType="1" noTextEdit="1"/>
+              </p:cNvSpPr>
+              <p:nvPr/>
+            </p:nvSpPr>
+            <p:spPr>
+              <a:xfrm>
+                <a:off x="8828648" y="2562506"/>
+                <a:ext cx="576649" cy="424283"/>
+              </a:xfrm>
+              <a:prstGeom prst="rect">
+                <a:avLst/>
+              </a:prstGeom>
+              <a:blipFill>
+                <a:blip r:embed="rId20"/>
+                <a:stretch>
+                  <a:fillRect r="-6522" b="-8571"/>
+                </a:stretch>
+              </a:blipFill>
+            </p:spPr>
+            <p:txBody>
+              <a:bodyPr/>
+              <a:lstStyle/>
+              <a:p>
+                <a:r>
+                  <a:rPr lang="en-US">
+                    <a:noFill/>
+                  </a:rPr>
+                  <a:t> </a:t>
+                </a:r>
+              </a:p>
+            </p:txBody>
+          </p:sp>
+        </mc:Fallback>
+      </mc:AlternateContent>
+      <mc:AlternateContent xmlns:mc="http://schemas.openxmlformats.org/markup-compatibility/2006">
+        <mc:Choice xmlns:a14="http://schemas.microsoft.com/office/drawing/2010/main" Requires="a14">
+          <p:sp>
+            <p:nvSpPr>
+              <p:cNvPr id="23" name="TextBox 22">
+                <a:extLst>
+                  <a:ext uri="{FF2B5EF4-FFF2-40B4-BE49-F238E27FC236}">
+                    <a16:creationId xmlns:a16="http://schemas.microsoft.com/office/drawing/2014/main" id="{5EBB4F96-DC0B-7544-B5C4-93A4EBEDA771}"/>
+                  </a:ext>
+                </a:extLst>
+              </p:cNvPr>
+              <p:cNvSpPr txBox="1"/>
+              <p:nvPr/>
+            </p:nvSpPr>
+            <p:spPr>
+              <a:xfrm>
+                <a:off x="5744782" y="1674488"/>
+                <a:ext cx="605481" cy="400110"/>
+              </a:xfrm>
+              <a:prstGeom prst="rect">
+                <a:avLst/>
+              </a:prstGeom>
+              <a:solidFill>
+                <a:schemeClr val="bg1"/>
+              </a:solidFill>
+            </p:spPr>
+            <p:txBody>
+              <a:bodyPr wrap="square" rtlCol="0">
+                <a:spAutoFit/>
+              </a:bodyPr>
+              <a:lstStyle/>
+              <a:p>
+                <a:pPr/>
+                <a14:m>
+                  <m:oMathPara xmlns:m="http://schemas.openxmlformats.org/officeDocument/2006/math">
+                    <m:oMathParaPr>
+                      <m:jc m:val="centerGroup"/>
+                    </m:oMathParaPr>
+                    <m:oMath xmlns:m="http://schemas.openxmlformats.org/officeDocument/2006/math">
+                      <m:r>
+                        <a:rPr lang="en-US" sz="2000" i="1" dirty="0" smtClean="0">
+                          <a:latin typeface="Cambria Math" panose="02040503050406030204" pitchFamily="18" charset="0"/>
+                        </a:rPr>
+                        <m:t>𝑦</m:t>
+                      </m:r>
+                    </m:oMath>
+                  </m:oMathPara>
+                </a14:m>
+                <a:endParaRPr lang="en-US" sz="2000" dirty="0"/>
+              </a:p>
+            </p:txBody>
+          </p:sp>
+        </mc:Choice>
+        <mc:Fallback>
+          <p:sp>
+            <p:nvSpPr>
+              <p:cNvPr id="23" name="TextBox 22">
+                <a:extLst>
+                  <a:ext uri="{FF2B5EF4-FFF2-40B4-BE49-F238E27FC236}">
+                    <a16:creationId xmlns:a16="http://schemas.microsoft.com/office/drawing/2014/main" id="{5EBB4F96-DC0B-7544-B5C4-93A4EBEDA771}"/>
+                  </a:ext>
+                </a:extLst>
+              </p:cNvPr>
+              <p:cNvSpPr txBox="1">
+                <a:spLocks noRot="1" noChangeAspect="1" noMove="1" noResize="1" noEditPoints="1" noAdjustHandles="1" noChangeArrowheads="1" noChangeShapeType="1" noTextEdit="1"/>
+              </p:cNvSpPr>
+              <p:nvPr/>
+            </p:nvSpPr>
+            <p:spPr>
+              <a:xfrm>
+                <a:off x="5744782" y="1674488"/>
+                <a:ext cx="605481" cy="400110"/>
+              </a:xfrm>
+              <a:prstGeom prst="rect">
+                <a:avLst/>
+              </a:prstGeom>
+              <a:blipFill>
+                <a:blip r:embed="rId21"/>
+                <a:stretch>
+                  <a:fillRect b="-6250"/>
+                </a:stretch>
+              </a:blipFill>
+            </p:spPr>
+            <p:txBody>
+              <a:bodyPr/>
+              <a:lstStyle/>
+              <a:p>
+                <a:r>
+                  <a:rPr lang="en-US">
+                    <a:noFill/>
+                  </a:rPr>
+                  <a:t> </a:t>
+                </a:r>
+              </a:p>
+            </p:txBody>
+          </p:sp>
+        </mc:Fallback>
+      </mc:AlternateContent>
+      <mc:AlternateContent xmlns:mc="http://schemas.openxmlformats.org/markup-compatibility/2006">
+        <mc:Choice xmlns:a14="http://schemas.microsoft.com/office/drawing/2010/main" Requires="a14">
+          <p:sp>
+            <p:nvSpPr>
+              <p:cNvPr id="24" name="TextBox 23">
+                <a:extLst>
+                  <a:ext uri="{FF2B5EF4-FFF2-40B4-BE49-F238E27FC236}">
+                    <a16:creationId xmlns:a16="http://schemas.microsoft.com/office/drawing/2014/main" id="{5B9F96FB-5D36-5648-983A-5C52F1F48E67}"/>
+                  </a:ext>
+                </a:extLst>
+              </p:cNvPr>
+              <p:cNvSpPr txBox="1"/>
+              <p:nvPr/>
+            </p:nvSpPr>
+            <p:spPr>
+              <a:xfrm>
+                <a:off x="7400749" y="1674488"/>
+                <a:ext cx="605481" cy="400110"/>
+              </a:xfrm>
+              <a:prstGeom prst="rect">
+                <a:avLst/>
+              </a:prstGeom>
+              <a:solidFill>
+                <a:schemeClr val="bg1"/>
+              </a:solidFill>
+            </p:spPr>
+            <p:txBody>
+              <a:bodyPr wrap="square" rtlCol="0">
+                <a:spAutoFit/>
+              </a:bodyPr>
+              <a:lstStyle/>
+              <a:p>
+                <a:pPr/>
+                <a14:m>
+                  <m:oMathPara xmlns:m="http://schemas.openxmlformats.org/officeDocument/2006/math">
+                    <m:oMathParaPr>
+                      <m:jc m:val="centerGroup"/>
+                    </m:oMathParaPr>
+                    <m:oMath xmlns:m="http://schemas.openxmlformats.org/officeDocument/2006/math">
+                      <m:r>
+                        <a:rPr lang="en-US" sz="2000" i="1" dirty="0" smtClean="0">
+                          <a:latin typeface="Cambria Math" panose="02040503050406030204" pitchFamily="18" charset="0"/>
+                        </a:rPr>
+                        <m:t>𝑦</m:t>
+                      </m:r>
+                    </m:oMath>
+                  </m:oMathPara>
+                </a14:m>
+                <a:endParaRPr lang="en-US" sz="2000" dirty="0"/>
+              </a:p>
+            </p:txBody>
+          </p:sp>
+        </mc:Choice>
+        <mc:Fallback>
+          <p:sp>
+            <p:nvSpPr>
+              <p:cNvPr id="24" name="TextBox 23">
+                <a:extLst>
+                  <a:ext uri="{FF2B5EF4-FFF2-40B4-BE49-F238E27FC236}">
+                    <a16:creationId xmlns:a16="http://schemas.microsoft.com/office/drawing/2014/main" id="{5B9F96FB-5D36-5648-983A-5C52F1F48E67}"/>
+                  </a:ext>
+                </a:extLst>
+              </p:cNvPr>
+              <p:cNvSpPr txBox="1">
+                <a:spLocks noRot="1" noChangeAspect="1" noMove="1" noResize="1" noEditPoints="1" noAdjustHandles="1" noChangeArrowheads="1" noChangeShapeType="1" noTextEdit="1"/>
+              </p:cNvSpPr>
+              <p:nvPr/>
+            </p:nvSpPr>
+            <p:spPr>
+              <a:xfrm>
+                <a:off x="7400749" y="1674488"/>
+                <a:ext cx="605481" cy="400110"/>
+              </a:xfrm>
+              <a:prstGeom prst="rect">
+                <a:avLst/>
+              </a:prstGeom>
+              <a:blipFill>
+                <a:blip r:embed="rId22"/>
+                <a:stretch>
+                  <a:fillRect b="-6250"/>
+                </a:stretch>
+              </a:blipFill>
+            </p:spPr>
+            <p:txBody>
+              <a:bodyPr/>
+              <a:lstStyle/>
+              <a:p>
+                <a:r>
+                  <a:rPr lang="en-US">
+                    <a:noFill/>
+                  </a:rPr>
+                  <a:t> </a:t>
+                </a:r>
+              </a:p>
+            </p:txBody>
+          </p:sp>
+        </mc:Fallback>
+      </mc:AlternateContent>
+      <mc:AlternateContent xmlns:mc="http://schemas.openxmlformats.org/markup-compatibility/2006">
+        <mc:Choice xmlns:a14="http://schemas.microsoft.com/office/drawing/2010/main" Requires="a14">
+          <p:sp>
+            <p:nvSpPr>
+              <p:cNvPr id="25" name="TextBox 24">
+                <a:extLst>
+                  <a:ext uri="{FF2B5EF4-FFF2-40B4-BE49-F238E27FC236}">
+                    <a16:creationId xmlns:a16="http://schemas.microsoft.com/office/drawing/2014/main" id="{80DA5821-651E-F147-B9BB-D38F31E88174}"/>
+                  </a:ext>
+                </a:extLst>
+              </p:cNvPr>
+              <p:cNvSpPr txBox="1"/>
+              <p:nvPr/>
+            </p:nvSpPr>
+            <p:spPr>
+              <a:xfrm>
+                <a:off x="9056716" y="1703516"/>
+                <a:ext cx="605481" cy="400110"/>
+              </a:xfrm>
+              <a:prstGeom prst="rect">
+                <a:avLst/>
+              </a:prstGeom>
+              <a:solidFill>
+                <a:schemeClr val="bg1"/>
+              </a:solidFill>
+            </p:spPr>
+            <p:txBody>
+              <a:bodyPr wrap="square" rtlCol="0">
+                <a:spAutoFit/>
+              </a:bodyPr>
+              <a:lstStyle/>
+              <a:p>
+                <a:pPr/>
+                <a14:m>
+                  <m:oMathPara xmlns:m="http://schemas.openxmlformats.org/officeDocument/2006/math">
+                    <m:oMathParaPr>
+                      <m:jc m:val="centerGroup"/>
+                    </m:oMathParaPr>
+                    <m:oMath xmlns:m="http://schemas.openxmlformats.org/officeDocument/2006/math">
+                      <m:r>
+                        <a:rPr lang="en-US" sz="2000" i="1" dirty="0" smtClean="0">
+                          <a:latin typeface="Cambria Math" panose="02040503050406030204" pitchFamily="18" charset="0"/>
+                        </a:rPr>
+                        <m:t>𝑦</m:t>
+                      </m:r>
+                    </m:oMath>
+                  </m:oMathPara>
+                </a14:m>
+                <a:endParaRPr lang="en-US" sz="2000" dirty="0"/>
+              </a:p>
+            </p:txBody>
+          </p:sp>
+        </mc:Choice>
+        <mc:Fallback>
+          <p:sp>
+            <p:nvSpPr>
+              <p:cNvPr id="25" name="TextBox 24">
+                <a:extLst>
+                  <a:ext uri="{FF2B5EF4-FFF2-40B4-BE49-F238E27FC236}">
+                    <a16:creationId xmlns:a16="http://schemas.microsoft.com/office/drawing/2014/main" id="{80DA5821-651E-F147-B9BB-D38F31E88174}"/>
+                  </a:ext>
+                </a:extLst>
+              </p:cNvPr>
+              <p:cNvSpPr txBox="1">
+                <a:spLocks noRot="1" noChangeAspect="1" noMove="1" noResize="1" noEditPoints="1" noAdjustHandles="1" noChangeArrowheads="1" noChangeShapeType="1" noTextEdit="1"/>
+              </p:cNvSpPr>
+              <p:nvPr/>
+            </p:nvSpPr>
+            <p:spPr>
+              <a:xfrm>
+                <a:off x="9056716" y="1703516"/>
+                <a:ext cx="605481" cy="400110"/>
+              </a:xfrm>
+              <a:prstGeom prst="rect">
+                <a:avLst/>
+              </a:prstGeom>
+              <a:blipFill>
+                <a:blip r:embed="rId23"/>
+                <a:stretch>
+                  <a:fillRect b="-6061"/>
+                </a:stretch>
+              </a:blipFill>
+            </p:spPr>
+            <p:txBody>
+              <a:bodyPr/>
+              <a:lstStyle/>
+              <a:p>
+                <a:r>
+                  <a:rPr lang="en-US">
+                    <a:noFill/>
+                  </a:rPr>
+                  <a:t> </a:t>
+                </a:r>
+              </a:p>
+            </p:txBody>
+          </p:sp>
+        </mc:Fallback>
+      </mc:AlternateContent>
+      <p:sp>
+        <p:nvSpPr>
+          <p:cNvPr id="26" name="TextBox 25">
+            <a:extLst>
+              <a:ext uri="{FF2B5EF4-FFF2-40B4-BE49-F238E27FC236}">
+                <a16:creationId xmlns:a16="http://schemas.microsoft.com/office/drawing/2014/main" id="{1D30CD42-B122-6F4C-B37B-74E62542A594}"/>
+              </a:ext>
+            </a:extLst>
+          </p:cNvPr>
+          <p:cNvSpPr txBox="1"/>
+          <p:nvPr/>
+        </p:nvSpPr>
+        <p:spPr>
+          <a:xfrm>
+            <a:off x="5639995" y="4701181"/>
+            <a:ext cx="955261" cy="523220"/>
+          </a:xfrm>
+          <a:prstGeom prst="rect">
+            <a:avLst/>
+          </a:prstGeom>
+          <a:solidFill>
+            <a:schemeClr val="bg1"/>
+          </a:solidFill>
+        </p:spPr>
+        <p:txBody>
+          <a:bodyPr wrap="square" rtlCol="0">
+            <a:spAutoFit/>
+          </a:bodyPr>
+          <a:lstStyle/>
+          <a:p>
+            <a:r>
+              <a:rPr lang="en-US" sz="2800" dirty="0"/>
+              <a:t>snow</a:t>
+            </a:r>
+          </a:p>
+        </p:txBody>
+      </p:sp>
+      <p:sp>
+        <p:nvSpPr>
+          <p:cNvPr id="27" name="TextBox 26">
+            <a:extLst>
+              <a:ext uri="{FF2B5EF4-FFF2-40B4-BE49-F238E27FC236}">
+                <a16:creationId xmlns:a16="http://schemas.microsoft.com/office/drawing/2014/main" id="{29B1F8A0-A3F2-124C-A5D6-D14991C8E402}"/>
+              </a:ext>
+            </a:extLst>
+          </p:cNvPr>
+          <p:cNvSpPr txBox="1"/>
+          <p:nvPr/>
+        </p:nvSpPr>
+        <p:spPr>
+          <a:xfrm>
+            <a:off x="7298230" y="4695753"/>
+            <a:ext cx="1030225" cy="523220"/>
+          </a:xfrm>
+          <a:prstGeom prst="rect">
+            <a:avLst/>
+          </a:prstGeom>
+          <a:solidFill>
+            <a:schemeClr val="bg1"/>
+          </a:solidFill>
+        </p:spPr>
+        <p:txBody>
+          <a:bodyPr wrap="square" rtlCol="0">
+            <a:spAutoFit/>
+          </a:bodyPr>
+          <a:lstStyle/>
+          <a:p>
+            <a:r>
+              <a:rPr lang="en-US" sz="2800" dirty="0"/>
+              <a:t>white</a:t>
+            </a:r>
+          </a:p>
+        </p:txBody>
+      </p:sp>
+      <p:sp>
+        <p:nvSpPr>
+          <p:cNvPr id="28" name="TextBox 27">
+            <a:extLst>
+              <a:ext uri="{FF2B5EF4-FFF2-40B4-BE49-F238E27FC236}">
+                <a16:creationId xmlns:a16="http://schemas.microsoft.com/office/drawing/2014/main" id="{8798B1A5-BFAA-FD44-A234-3B8B9F370647}"/>
+              </a:ext>
+            </a:extLst>
+          </p:cNvPr>
+          <p:cNvSpPr txBox="1"/>
+          <p:nvPr/>
+        </p:nvSpPr>
+        <p:spPr>
+          <a:xfrm>
+            <a:off x="9274959" y="4695753"/>
+            <a:ext cx="895505" cy="523220"/>
+          </a:xfrm>
+          <a:prstGeom prst="rect">
+            <a:avLst/>
+          </a:prstGeom>
+          <a:solidFill>
+            <a:schemeClr val="bg1"/>
+          </a:solidFill>
+        </p:spPr>
+        <p:txBody>
+          <a:bodyPr wrap="square" rtlCol="0">
+            <a:spAutoFit/>
+          </a:bodyPr>
+          <a:lstStyle/>
+          <a:p>
+            <a:r>
+              <a:rPr lang="en-US" sz="2800" dirty="0"/>
+              <a:t>is</a:t>
+            </a:r>
+          </a:p>
+        </p:txBody>
+      </p:sp>
+      <p:sp>
+        <p:nvSpPr>
+          <p:cNvPr id="29" name="TextBox 28">
+            <a:extLst>
+              <a:ext uri="{FF2B5EF4-FFF2-40B4-BE49-F238E27FC236}">
+                <a16:creationId xmlns:a16="http://schemas.microsoft.com/office/drawing/2014/main" id="{A612F74D-A20B-2642-9C36-672F67265A99}"/>
+              </a:ext>
+            </a:extLst>
+          </p:cNvPr>
+          <p:cNvSpPr txBox="1"/>
+          <p:nvPr/>
+        </p:nvSpPr>
+        <p:spPr>
+          <a:xfrm>
+            <a:off x="5586264" y="1715012"/>
+            <a:ext cx="1103708" cy="523220"/>
+          </a:xfrm>
+          <a:prstGeom prst="rect">
+            <a:avLst/>
+          </a:prstGeom>
+          <a:solidFill>
+            <a:schemeClr val="bg1"/>
+          </a:solidFill>
+        </p:spPr>
+        <p:txBody>
+          <a:bodyPr wrap="square" rtlCol="0">
+            <a:spAutoFit/>
+          </a:bodyPr>
+          <a:lstStyle/>
+          <a:p>
+            <a:r>
+              <a:rPr lang="en-US" sz="2800" dirty="0"/>
+              <a:t>Noun</a:t>
+            </a:r>
+          </a:p>
+        </p:txBody>
+      </p:sp>
+      <p:sp>
+        <p:nvSpPr>
+          <p:cNvPr id="30" name="TextBox 29">
+            <a:extLst>
+              <a:ext uri="{FF2B5EF4-FFF2-40B4-BE49-F238E27FC236}">
+                <a16:creationId xmlns:a16="http://schemas.microsoft.com/office/drawing/2014/main" id="{941D3D9B-AB52-3342-AD98-44F3A6533FB1}"/>
+              </a:ext>
+            </a:extLst>
+          </p:cNvPr>
+          <p:cNvSpPr txBox="1"/>
+          <p:nvPr/>
+        </p:nvSpPr>
+        <p:spPr>
+          <a:xfrm>
+            <a:off x="7238709" y="1707998"/>
+            <a:ext cx="1103708" cy="523220"/>
+          </a:xfrm>
+          <a:prstGeom prst="rect">
+            <a:avLst/>
+          </a:prstGeom>
+          <a:solidFill>
+            <a:schemeClr val="bg1"/>
+          </a:solidFill>
+        </p:spPr>
+        <p:txBody>
+          <a:bodyPr wrap="square" rtlCol="0">
+            <a:spAutoFit/>
+          </a:bodyPr>
+          <a:lstStyle/>
+          <a:p>
+            <a:r>
+              <a:rPr lang="en-US" sz="2800" dirty="0"/>
+              <a:t>Noun</a:t>
+            </a:r>
+          </a:p>
+        </p:txBody>
+      </p:sp>
+      <p:sp>
+        <p:nvSpPr>
+          <p:cNvPr id="31" name="TextBox 30">
+            <a:extLst>
+              <a:ext uri="{FF2B5EF4-FFF2-40B4-BE49-F238E27FC236}">
+                <a16:creationId xmlns:a16="http://schemas.microsoft.com/office/drawing/2014/main" id="{0871CEB3-72A5-7143-BDE8-F580A9CD115D}"/>
+              </a:ext>
+            </a:extLst>
+          </p:cNvPr>
+          <p:cNvSpPr txBox="1"/>
+          <p:nvPr/>
+        </p:nvSpPr>
+        <p:spPr>
+          <a:xfrm>
+            <a:off x="9034657" y="1718257"/>
+            <a:ext cx="1135807" cy="523220"/>
+          </a:xfrm>
+          <a:prstGeom prst="rect">
+            <a:avLst/>
+          </a:prstGeom>
+          <a:solidFill>
+            <a:schemeClr val="bg1"/>
+          </a:solidFill>
+        </p:spPr>
+        <p:txBody>
+          <a:bodyPr wrap="square" rtlCol="0">
+            <a:spAutoFit/>
+          </a:bodyPr>
+          <a:lstStyle/>
+          <a:p>
+            <a:r>
+              <a:rPr lang="en-US" sz="2800" dirty="0"/>
+              <a:t>Verb</a:t>
+            </a:r>
+          </a:p>
+        </p:txBody>
+      </p:sp>
+    </p:spTree>
+    <p:extLst>
+      <p:ext uri="{BB962C8B-B14F-4D97-AF65-F5344CB8AC3E}">
+        <p14:creationId xmlns:p14="http://schemas.microsoft.com/office/powerpoint/2010/main" val="1452507824"/>
+      </p:ext>
+    </p:extLst>
+  </p:cSld>
+  <p:clrMapOvr>
+    <a:masterClrMapping/>
+  </p:clrMapOvr>
+</p:sld>
+</file>
+
+<file path=ppt/slides/slide12.xml><?xml version="1.0" encoding="utf-8"?>
+<p:sld xmlns:a="http://schemas.openxmlformats.org/drawingml/2006/main" xmlns:r="http://schemas.openxmlformats.org/officeDocument/2006/relationships" xmlns:p="http://schemas.openxmlformats.org/presentationml/2006/main">
+  <p:cSld>
+    <p:spTree>
+      <p:nvGrpSpPr>
+        <p:cNvPr id="1" name=""/>
+        <p:cNvGrpSpPr/>
+        <p:nvPr/>
+      </p:nvGrpSpPr>
+      <p:grpSpPr>
+        <a:xfrm>
+          <a:off x="0" y="0"/>
+          <a:ext cx="0" cy="0"/>
+          <a:chOff x="0" y="0"/>
+          <a:chExt cx="0" cy="0"/>
+        </a:xfrm>
+      </p:grpSpPr>
+      <p:pic>
+        <p:nvPicPr>
+          <p:cNvPr id="4" name="Picture 3" descr="Diagram, schematic&#10;&#10;Description automatically generated">
+            <a:extLst>
+              <a:ext uri="{FF2B5EF4-FFF2-40B4-BE49-F238E27FC236}">
+                <a16:creationId xmlns:a16="http://schemas.microsoft.com/office/drawing/2014/main" id="{E295E8DA-F514-244A-95BB-363D61A00CC6}"/>
+              </a:ext>
+            </a:extLst>
+          </p:cNvPr>
+          <p:cNvPicPr>
+            <a:picLocks noChangeAspect="1"/>
+          </p:cNvPicPr>
+          <p:nvPr/>
+        </p:nvPicPr>
+        <p:blipFill>
+          <a:blip r:embed="rId2"/>
+          <a:stretch>
+            <a:fillRect/>
+          </a:stretch>
+        </p:blipFill>
+        <p:spPr>
+          <a:xfrm>
+            <a:off x="1263650" y="1549400"/>
+            <a:ext cx="9664700" cy="3759200"/>
+          </a:xfrm>
+          <a:prstGeom prst="rect">
+            <a:avLst/>
+          </a:prstGeom>
+        </p:spPr>
+      </p:pic>
+      <mc:AlternateContent xmlns:mc="http://schemas.openxmlformats.org/markup-compatibility/2006">
+        <mc:Choice xmlns:a14="http://schemas.microsoft.com/office/drawing/2010/main" Requires="a14">
+          <p:sp>
+            <p:nvSpPr>
+              <p:cNvPr id="5" name="TextBox 4">
+                <a:extLst>
+                  <a:ext uri="{FF2B5EF4-FFF2-40B4-BE49-F238E27FC236}">
+                    <a16:creationId xmlns:a16="http://schemas.microsoft.com/office/drawing/2014/main" id="{759901A9-D980-0C40-8395-BDDBA7E34933}"/>
+                  </a:ext>
+                </a:extLst>
+              </p:cNvPr>
+              <p:cNvSpPr txBox="1"/>
+              <p:nvPr/>
+            </p:nvSpPr>
+            <p:spPr>
+              <a:xfrm>
+                <a:off x="1445741" y="1401805"/>
+                <a:ext cx="605481" cy="400110"/>
+              </a:xfrm>
+              <a:prstGeom prst="rect">
+                <a:avLst/>
+              </a:prstGeom>
+              <a:solidFill>
+                <a:schemeClr val="bg1"/>
+              </a:solidFill>
+            </p:spPr>
+            <p:txBody>
+              <a:bodyPr wrap="square" rtlCol="0">
+                <a:spAutoFit/>
+              </a:bodyPr>
+              <a:lstStyle/>
+              <a:p>
+                <a:pPr/>
+                <a14:m>
+                  <m:oMathPara xmlns:m="http://schemas.openxmlformats.org/officeDocument/2006/math">
+                    <m:oMathParaPr>
+                      <m:jc m:val="centerGroup"/>
+                    </m:oMathParaPr>
+                    <m:oMath xmlns:m="http://schemas.openxmlformats.org/officeDocument/2006/math">
+                      <m:r>
+                        <a:rPr lang="en-US" sz="2000" i="1" dirty="0" smtClean="0">
+                          <a:latin typeface="Cambria Math" panose="02040503050406030204" pitchFamily="18" charset="0"/>
+                        </a:rPr>
+                        <m:t>𝑦</m:t>
+                      </m:r>
+                    </m:oMath>
+                  </m:oMathPara>
+                </a14:m>
+                <a:endParaRPr lang="en-US" sz="2000" dirty="0"/>
+              </a:p>
+            </p:txBody>
+          </p:sp>
+        </mc:Choice>
+        <mc:Fallback>
+          <p:sp>
+            <p:nvSpPr>
+              <p:cNvPr id="5" name="TextBox 4">
+                <a:extLst>
+                  <a:ext uri="{FF2B5EF4-FFF2-40B4-BE49-F238E27FC236}">
+                    <a16:creationId xmlns:a16="http://schemas.microsoft.com/office/drawing/2014/main" id="{759901A9-D980-0C40-8395-BDDBA7E34933}"/>
+                  </a:ext>
+                </a:extLst>
+              </p:cNvPr>
+              <p:cNvSpPr txBox="1">
+                <a:spLocks noRot="1" noChangeAspect="1" noMove="1" noResize="1" noEditPoints="1" noAdjustHandles="1" noChangeArrowheads="1" noChangeShapeType="1" noTextEdit="1"/>
+              </p:cNvSpPr>
+              <p:nvPr/>
+            </p:nvSpPr>
+            <p:spPr>
+              <a:xfrm>
+                <a:off x="1445741" y="1401805"/>
+                <a:ext cx="605481" cy="400110"/>
+              </a:xfrm>
+              <a:prstGeom prst="rect">
+                <a:avLst/>
+              </a:prstGeom>
+              <a:blipFill>
+                <a:blip r:embed="rId3"/>
+                <a:stretch>
+                  <a:fillRect b="-3030"/>
+                </a:stretch>
+              </a:blipFill>
+            </p:spPr>
+            <p:txBody>
+              <a:bodyPr/>
+              <a:lstStyle/>
+              <a:p>
+                <a:r>
+                  <a:rPr lang="en-US">
+                    <a:noFill/>
+                  </a:rPr>
+                  <a:t> </a:t>
+                </a:r>
+              </a:p>
+            </p:txBody>
+          </p:sp>
+        </mc:Fallback>
+      </mc:AlternateContent>
+      <mc:AlternateContent xmlns:mc="http://schemas.openxmlformats.org/markup-compatibility/2006">
+        <mc:Choice xmlns:a14="http://schemas.microsoft.com/office/drawing/2010/main" Requires="a14">
+          <p:sp>
+            <p:nvSpPr>
+              <p:cNvPr id="6" name="TextBox 5">
+                <a:extLst>
+                  <a:ext uri="{FF2B5EF4-FFF2-40B4-BE49-F238E27FC236}">
+                    <a16:creationId xmlns:a16="http://schemas.microsoft.com/office/drawing/2014/main" id="{4041C7D4-870D-8B44-98AF-15908AE32E99}"/>
+                  </a:ext>
+                </a:extLst>
+              </p:cNvPr>
+              <p:cNvSpPr txBox="1"/>
+              <p:nvPr/>
+            </p:nvSpPr>
+            <p:spPr>
+              <a:xfrm>
+                <a:off x="1166253" y="2578802"/>
+                <a:ext cx="484833" cy="424283"/>
+              </a:xfrm>
+              <a:prstGeom prst="rect">
+                <a:avLst/>
+              </a:prstGeom>
+              <a:solidFill>
+                <a:schemeClr val="bg1"/>
+              </a:solidFill>
+            </p:spPr>
+            <p:txBody>
+              <a:bodyPr wrap="square" rtlCol="0">
+                <a:spAutoFit/>
+              </a:bodyPr>
+              <a:lstStyle/>
+              <a:p>
+                <a:pPr/>
+                <a14:m>
+                  <m:oMathPara xmlns:m="http://schemas.openxmlformats.org/officeDocument/2006/math">
+                    <m:oMathParaPr>
+                      <m:jc m:val="centerGroup"/>
+                    </m:oMathParaPr>
+                    <m:oMath xmlns:m="http://schemas.openxmlformats.org/officeDocument/2006/math">
+                      <m:sSub>
+                        <m:sSubPr>
+                          <m:ctrlPr>
+                            <a:rPr lang="en-US" sz="2000" b="0" i="1" dirty="0" smtClean="0">
+                              <a:latin typeface="Cambria Math" panose="02040503050406030204" pitchFamily="18" charset="0"/>
+                            </a:rPr>
+                          </m:ctrlPr>
+                        </m:sSubPr>
+                        <m:e>
+                          <m:r>
+                            <a:rPr lang="en-US" sz="2000" b="0" i="1" dirty="0" smtClean="0">
+                              <a:latin typeface="Cambria Math" panose="02040503050406030204" pitchFamily="18" charset="0"/>
+                            </a:rPr>
+                            <m:t>𝑊</m:t>
+                          </m:r>
+                        </m:e>
+                        <m:sub>
+                          <m:r>
+                            <a:rPr lang="en-US" sz="2000" b="0" i="1" dirty="0" smtClean="0">
+                              <a:latin typeface="Cambria Math" panose="02040503050406030204" pitchFamily="18" charset="0"/>
+                            </a:rPr>
+                            <m:t>h𝑦</m:t>
+                          </m:r>
+                        </m:sub>
+                      </m:sSub>
+                    </m:oMath>
+                  </m:oMathPara>
+                </a14:m>
+                <a:endParaRPr lang="en-US" sz="2000" b="0" dirty="0"/>
+              </a:p>
+            </p:txBody>
+          </p:sp>
+        </mc:Choice>
+        <mc:Fallback>
+          <p:sp>
+            <p:nvSpPr>
+              <p:cNvPr id="6" name="TextBox 5">
+                <a:extLst>
+                  <a:ext uri="{FF2B5EF4-FFF2-40B4-BE49-F238E27FC236}">
+                    <a16:creationId xmlns:a16="http://schemas.microsoft.com/office/drawing/2014/main" id="{4041C7D4-870D-8B44-98AF-15908AE32E99}"/>
+                  </a:ext>
+                </a:extLst>
+              </p:cNvPr>
+              <p:cNvSpPr txBox="1">
+                <a:spLocks noRot="1" noChangeAspect="1" noMove="1" noResize="1" noEditPoints="1" noAdjustHandles="1" noChangeArrowheads="1" noChangeShapeType="1" noTextEdit="1"/>
+              </p:cNvSpPr>
+              <p:nvPr/>
+            </p:nvSpPr>
+            <p:spPr>
+              <a:xfrm>
+                <a:off x="1166253" y="2578802"/>
+                <a:ext cx="484833" cy="424283"/>
+              </a:xfrm>
+              <a:prstGeom prst="rect">
+                <a:avLst/>
+              </a:prstGeom>
+              <a:blipFill>
+                <a:blip r:embed="rId4"/>
+                <a:stretch>
+                  <a:fillRect r="-25000" b="-8824"/>
+                </a:stretch>
+              </a:blipFill>
+            </p:spPr>
+            <p:txBody>
+              <a:bodyPr/>
+              <a:lstStyle/>
+              <a:p>
+                <a:r>
+                  <a:rPr lang="en-US">
+                    <a:noFill/>
+                  </a:rPr>
+                  <a:t> </a:t>
+                </a:r>
+              </a:p>
+            </p:txBody>
+          </p:sp>
+        </mc:Fallback>
+      </mc:AlternateContent>
+      <mc:AlternateContent xmlns:mc="http://schemas.openxmlformats.org/markup-compatibility/2006">
+        <mc:Choice xmlns:a14="http://schemas.microsoft.com/office/drawing/2010/main" Requires="a14">
+          <p:sp>
+            <p:nvSpPr>
+              <p:cNvPr id="7" name="TextBox 6">
+                <a:extLst>
+                  <a:ext uri="{FF2B5EF4-FFF2-40B4-BE49-F238E27FC236}">
+                    <a16:creationId xmlns:a16="http://schemas.microsoft.com/office/drawing/2014/main" id="{7786D73F-CEE5-6D43-95BA-A5F10A331132}"/>
+                  </a:ext>
+                </a:extLst>
+              </p:cNvPr>
+              <p:cNvSpPr txBox="1"/>
+              <p:nvPr/>
+            </p:nvSpPr>
+            <p:spPr>
+              <a:xfrm>
+                <a:off x="1047409" y="3164817"/>
+                <a:ext cx="484832" cy="400110"/>
+              </a:xfrm>
+              <a:prstGeom prst="rect">
+                <a:avLst/>
+              </a:prstGeom>
+              <a:solidFill>
+                <a:schemeClr val="bg1"/>
+              </a:solidFill>
+            </p:spPr>
+            <p:txBody>
+              <a:bodyPr wrap="square" rtlCol="0">
+                <a:spAutoFit/>
+              </a:bodyPr>
+              <a:lstStyle/>
+              <a:p>
+                <a:pPr/>
+                <a14:m>
+                  <m:oMathPara xmlns:m="http://schemas.openxmlformats.org/officeDocument/2006/math">
+                    <m:oMathParaPr>
+                      <m:jc m:val="centerGroup"/>
+                    </m:oMathParaPr>
+                    <m:oMath xmlns:m="http://schemas.openxmlformats.org/officeDocument/2006/math">
+                      <m:r>
+                        <a:rPr lang="en-US" sz="2000" b="0" i="1" dirty="0" smtClean="0">
+                          <a:latin typeface="Cambria Math" panose="02040503050406030204" pitchFamily="18" charset="0"/>
+                        </a:rPr>
+                        <m:t>h</m:t>
+                      </m:r>
+                    </m:oMath>
+                  </m:oMathPara>
+                </a14:m>
+                <a:endParaRPr lang="en-US" sz="2000" dirty="0"/>
+              </a:p>
+            </p:txBody>
+          </p:sp>
+        </mc:Choice>
+        <mc:Fallback>
+          <p:sp>
+            <p:nvSpPr>
+              <p:cNvPr id="7" name="TextBox 6">
+                <a:extLst>
+                  <a:ext uri="{FF2B5EF4-FFF2-40B4-BE49-F238E27FC236}">
+                    <a16:creationId xmlns:a16="http://schemas.microsoft.com/office/drawing/2014/main" id="{7786D73F-CEE5-6D43-95BA-A5F10A331132}"/>
+                  </a:ext>
+                </a:extLst>
+              </p:cNvPr>
+              <p:cNvSpPr txBox="1">
+                <a:spLocks noRot="1" noChangeAspect="1" noMove="1" noResize="1" noEditPoints="1" noAdjustHandles="1" noChangeArrowheads="1" noChangeShapeType="1" noTextEdit="1"/>
+              </p:cNvSpPr>
+              <p:nvPr/>
+            </p:nvSpPr>
+            <p:spPr>
+              <a:xfrm>
+                <a:off x="1047409" y="3164817"/>
+                <a:ext cx="484832" cy="400110"/>
+              </a:xfrm>
+              <a:prstGeom prst="rect">
+                <a:avLst/>
+              </a:prstGeom>
+              <a:blipFill>
+                <a:blip r:embed="rId5"/>
+                <a:stretch>
+                  <a:fillRect/>
+                </a:stretch>
+              </a:blipFill>
+            </p:spPr>
+            <p:txBody>
+              <a:bodyPr/>
+              <a:lstStyle/>
+              <a:p>
+                <a:r>
+                  <a:rPr lang="en-US">
+                    <a:noFill/>
+                  </a:rPr>
+                  <a:t> </a:t>
+                </a:r>
+              </a:p>
+            </p:txBody>
+          </p:sp>
+        </mc:Fallback>
+      </mc:AlternateContent>
+      <mc:AlternateContent xmlns:mc="http://schemas.openxmlformats.org/markup-compatibility/2006">
+        <mc:Choice xmlns:a14="http://schemas.microsoft.com/office/drawing/2010/main" Requires="a14">
+          <p:sp>
+            <p:nvSpPr>
+              <p:cNvPr id="8" name="TextBox 7">
+                <a:extLst>
+                  <a:ext uri="{FF2B5EF4-FFF2-40B4-BE49-F238E27FC236}">
+                    <a16:creationId xmlns:a16="http://schemas.microsoft.com/office/drawing/2014/main" id="{DB437709-CCA5-904E-B71D-594E8BF367AA}"/>
+                  </a:ext>
+                </a:extLst>
+              </p:cNvPr>
+              <p:cNvSpPr txBox="1"/>
+              <p:nvPr/>
+            </p:nvSpPr>
+            <p:spPr>
+              <a:xfrm>
+                <a:off x="1173890" y="4058735"/>
+                <a:ext cx="484833" cy="400110"/>
+              </a:xfrm>
+              <a:prstGeom prst="rect">
+                <a:avLst/>
+              </a:prstGeom>
+              <a:solidFill>
+                <a:schemeClr val="bg1"/>
+              </a:solidFill>
+            </p:spPr>
+            <p:txBody>
+              <a:bodyPr wrap="square" rtlCol="0">
+                <a:spAutoFit/>
+              </a:bodyPr>
+              <a:lstStyle/>
+              <a:p>
+                <a:pPr/>
+                <a14:m>
+                  <m:oMathPara xmlns:m="http://schemas.openxmlformats.org/officeDocument/2006/math">
+                    <m:oMathParaPr>
+                      <m:jc m:val="centerGroup"/>
+                    </m:oMathParaPr>
+                    <m:oMath xmlns:m="http://schemas.openxmlformats.org/officeDocument/2006/math">
+                      <m:sSub>
+                        <m:sSubPr>
+                          <m:ctrlPr>
+                            <a:rPr lang="en-US" sz="2000" b="0" i="1" dirty="0" smtClean="0">
+                              <a:latin typeface="Cambria Math" panose="02040503050406030204" pitchFamily="18" charset="0"/>
+                            </a:rPr>
+                          </m:ctrlPr>
+                        </m:sSubPr>
+                        <m:e>
+                          <m:r>
+                            <a:rPr lang="en-US" sz="2000" b="0" i="1" dirty="0" smtClean="0">
+                              <a:latin typeface="Cambria Math" panose="02040503050406030204" pitchFamily="18" charset="0"/>
+                            </a:rPr>
+                            <m:t>𝑊</m:t>
+                          </m:r>
+                        </m:e>
+                        <m:sub>
+                          <m:r>
+                            <a:rPr lang="en-US" sz="2000" b="0" i="1" dirty="0" smtClean="0">
+                              <a:latin typeface="Cambria Math" panose="02040503050406030204" pitchFamily="18" charset="0"/>
+                            </a:rPr>
+                            <m:t>𝑥h</m:t>
+                          </m:r>
+                        </m:sub>
+                      </m:sSub>
+                    </m:oMath>
+                  </m:oMathPara>
+                </a14:m>
+                <a:endParaRPr lang="en-US" sz="2000" b="0" dirty="0"/>
+              </a:p>
+            </p:txBody>
+          </p:sp>
+        </mc:Choice>
+        <mc:Fallback>
+          <p:sp>
+            <p:nvSpPr>
+              <p:cNvPr id="8" name="TextBox 7">
+                <a:extLst>
+                  <a:ext uri="{FF2B5EF4-FFF2-40B4-BE49-F238E27FC236}">
+                    <a16:creationId xmlns:a16="http://schemas.microsoft.com/office/drawing/2014/main" id="{DB437709-CCA5-904E-B71D-594E8BF367AA}"/>
+                  </a:ext>
+                </a:extLst>
+              </p:cNvPr>
+              <p:cNvSpPr txBox="1">
+                <a:spLocks noRot="1" noChangeAspect="1" noMove="1" noResize="1" noEditPoints="1" noAdjustHandles="1" noChangeArrowheads="1" noChangeShapeType="1" noTextEdit="1"/>
+              </p:cNvSpPr>
+              <p:nvPr/>
+            </p:nvSpPr>
+            <p:spPr>
+              <a:xfrm>
+                <a:off x="1173890" y="4058735"/>
+                <a:ext cx="484833" cy="400110"/>
+              </a:xfrm>
+              <a:prstGeom prst="rect">
+                <a:avLst/>
+              </a:prstGeom>
+              <a:blipFill>
+                <a:blip r:embed="rId6"/>
+                <a:stretch>
+                  <a:fillRect r="-23077" b="-3125"/>
+                </a:stretch>
+              </a:blipFill>
+            </p:spPr>
+            <p:txBody>
+              <a:bodyPr/>
+              <a:lstStyle/>
+              <a:p>
+                <a:r>
+                  <a:rPr lang="en-US">
+                    <a:noFill/>
+                  </a:rPr>
+                  <a:t> </a:t>
+                </a:r>
+              </a:p>
+            </p:txBody>
+          </p:sp>
+        </mc:Fallback>
+      </mc:AlternateContent>
+      <mc:AlternateContent xmlns:mc="http://schemas.openxmlformats.org/markup-compatibility/2006">
+        <mc:Choice xmlns:a14="http://schemas.microsoft.com/office/drawing/2010/main" Requires="a14">
+          <p:sp>
+            <p:nvSpPr>
+              <p:cNvPr id="9" name="TextBox 8">
+                <a:extLst>
+                  <a:ext uri="{FF2B5EF4-FFF2-40B4-BE49-F238E27FC236}">
+                    <a16:creationId xmlns:a16="http://schemas.microsoft.com/office/drawing/2014/main" id="{308A1884-0AF6-3542-84F8-20C55B730EF2}"/>
+                  </a:ext>
+                </a:extLst>
+              </p:cNvPr>
+              <p:cNvSpPr txBox="1"/>
+              <p:nvPr/>
+            </p:nvSpPr>
+            <p:spPr>
+              <a:xfrm>
+                <a:off x="2413684" y="2799091"/>
+                <a:ext cx="576649" cy="400110"/>
+              </a:xfrm>
+              <a:prstGeom prst="rect">
+                <a:avLst/>
+              </a:prstGeom>
+              <a:solidFill>
+                <a:schemeClr val="bg1"/>
+              </a:solidFill>
+            </p:spPr>
+            <p:txBody>
+              <a:bodyPr wrap="square" rtlCol="0">
+                <a:spAutoFit/>
+              </a:bodyPr>
+              <a:lstStyle/>
+              <a:p>
+                <a:pPr/>
+                <a14:m>
+                  <m:oMathPara xmlns:m="http://schemas.openxmlformats.org/officeDocument/2006/math">
+                    <m:oMathParaPr>
+                      <m:jc m:val="centerGroup"/>
+                    </m:oMathParaPr>
+                    <m:oMath xmlns:m="http://schemas.openxmlformats.org/officeDocument/2006/math">
+                      <m:sSub>
+                        <m:sSubPr>
+                          <m:ctrlPr>
+                            <a:rPr lang="en-US" sz="2000" b="0" i="1" dirty="0" smtClean="0">
+                              <a:latin typeface="Cambria Math" panose="02040503050406030204" pitchFamily="18" charset="0"/>
+                            </a:rPr>
+                          </m:ctrlPr>
+                        </m:sSubPr>
+                        <m:e>
+                          <m:r>
+                            <a:rPr lang="en-US" sz="2000" b="0" i="1" dirty="0" smtClean="0">
+                              <a:latin typeface="Cambria Math" panose="02040503050406030204" pitchFamily="18" charset="0"/>
+                            </a:rPr>
+                            <m:t>𝑊</m:t>
+                          </m:r>
+                        </m:e>
+                        <m:sub>
+                          <m:r>
+                            <a:rPr lang="en-US" sz="2000" b="0" i="1" dirty="0" smtClean="0">
+                              <a:latin typeface="Cambria Math" panose="02040503050406030204" pitchFamily="18" charset="0"/>
+                            </a:rPr>
+                            <m:t>hh</m:t>
+                          </m:r>
+                        </m:sub>
+                      </m:sSub>
+                    </m:oMath>
+                  </m:oMathPara>
+                </a14:m>
+                <a:endParaRPr lang="en-US" sz="2000" b="0" dirty="0"/>
+              </a:p>
+            </p:txBody>
+          </p:sp>
+        </mc:Choice>
+        <mc:Fallback>
+          <p:sp>
+            <p:nvSpPr>
+              <p:cNvPr id="9" name="TextBox 8">
+                <a:extLst>
+                  <a:ext uri="{FF2B5EF4-FFF2-40B4-BE49-F238E27FC236}">
+                    <a16:creationId xmlns:a16="http://schemas.microsoft.com/office/drawing/2014/main" id="{308A1884-0AF6-3542-84F8-20C55B730EF2}"/>
+                  </a:ext>
+                </a:extLst>
+              </p:cNvPr>
+              <p:cNvSpPr txBox="1">
+                <a:spLocks noRot="1" noChangeAspect="1" noMove="1" noResize="1" noEditPoints="1" noAdjustHandles="1" noChangeArrowheads="1" noChangeShapeType="1" noTextEdit="1"/>
+              </p:cNvSpPr>
+              <p:nvPr/>
+            </p:nvSpPr>
+            <p:spPr>
+              <a:xfrm>
+                <a:off x="2413684" y="2799091"/>
+                <a:ext cx="576649" cy="400110"/>
+              </a:xfrm>
+              <a:prstGeom prst="rect">
+                <a:avLst/>
+              </a:prstGeom>
+              <a:blipFill>
+                <a:blip r:embed="rId7"/>
+                <a:stretch>
+                  <a:fillRect r="-4348"/>
+                </a:stretch>
+              </a:blipFill>
+            </p:spPr>
+            <p:txBody>
+              <a:bodyPr/>
+              <a:lstStyle/>
+              <a:p>
+                <a:r>
+                  <a:rPr lang="en-US">
+                    <a:noFill/>
+                  </a:rPr>
+                  <a:t> </a:t>
+                </a:r>
+              </a:p>
+            </p:txBody>
+          </p:sp>
+        </mc:Fallback>
+      </mc:AlternateContent>
+      <mc:AlternateContent xmlns:mc="http://schemas.openxmlformats.org/markup-compatibility/2006">
+        <mc:Choice xmlns:a14="http://schemas.microsoft.com/office/drawing/2010/main" Requires="a14">
+          <p:sp>
+            <p:nvSpPr>
+              <p:cNvPr id="10" name="TextBox 9">
+                <a:extLst>
+                  <a:ext uri="{FF2B5EF4-FFF2-40B4-BE49-F238E27FC236}">
+                    <a16:creationId xmlns:a16="http://schemas.microsoft.com/office/drawing/2014/main" id="{5E23468A-0974-CC43-BE55-A0BF887FABE5}"/>
+                  </a:ext>
+                </a:extLst>
+              </p:cNvPr>
+              <p:cNvSpPr txBox="1"/>
+              <p:nvPr/>
+            </p:nvSpPr>
+            <p:spPr>
+              <a:xfrm>
+                <a:off x="6223685" y="2974432"/>
+                <a:ext cx="576649" cy="400110"/>
+              </a:xfrm>
+              <a:prstGeom prst="rect">
+                <a:avLst/>
+              </a:prstGeom>
+              <a:solidFill>
+                <a:schemeClr val="bg1"/>
+              </a:solidFill>
+            </p:spPr>
+            <p:txBody>
+              <a:bodyPr wrap="square" rtlCol="0">
+                <a:spAutoFit/>
+              </a:bodyPr>
+              <a:lstStyle/>
+              <a:p>
+                <a:pPr/>
+                <a14:m>
+                  <m:oMathPara xmlns:m="http://schemas.openxmlformats.org/officeDocument/2006/math">
+                    <m:oMathParaPr>
+                      <m:jc m:val="centerGroup"/>
+                    </m:oMathParaPr>
+                    <m:oMath xmlns:m="http://schemas.openxmlformats.org/officeDocument/2006/math">
+                      <m:sSub>
+                        <m:sSubPr>
+                          <m:ctrlPr>
+                            <a:rPr lang="en-US" sz="2000" b="0" i="1" dirty="0" smtClean="0">
+                              <a:latin typeface="Cambria Math" panose="02040503050406030204" pitchFamily="18" charset="0"/>
+                            </a:rPr>
+                          </m:ctrlPr>
+                        </m:sSubPr>
+                        <m:e>
+                          <m:r>
+                            <a:rPr lang="en-US" sz="2000" b="0" i="1" dirty="0" smtClean="0">
+                              <a:latin typeface="Cambria Math" panose="02040503050406030204" pitchFamily="18" charset="0"/>
+                            </a:rPr>
+                            <m:t>h</m:t>
+                          </m:r>
+                        </m:e>
+                        <m:sub>
+                          <m:r>
+                            <a:rPr lang="en-US" sz="2000" b="0" i="1" dirty="0" smtClean="0">
+                              <a:latin typeface="Cambria Math" panose="02040503050406030204" pitchFamily="18" charset="0"/>
+                            </a:rPr>
+                            <m:t>𝑡</m:t>
+                          </m:r>
+                          <m:r>
+                            <a:rPr lang="en-US" sz="2000" b="0" i="1" dirty="0" smtClean="0">
+                              <a:latin typeface="Cambria Math" panose="02040503050406030204" pitchFamily="18" charset="0"/>
+                            </a:rPr>
+                            <m:t>−1</m:t>
+                          </m:r>
+                        </m:sub>
+                      </m:sSub>
+                    </m:oMath>
+                  </m:oMathPara>
+                </a14:m>
+                <a:endParaRPr lang="en-US" sz="2000" b="0" dirty="0"/>
+              </a:p>
+            </p:txBody>
+          </p:sp>
+        </mc:Choice>
+        <mc:Fallback>
+          <p:sp>
+            <p:nvSpPr>
+              <p:cNvPr id="10" name="TextBox 9">
+                <a:extLst>
+                  <a:ext uri="{FF2B5EF4-FFF2-40B4-BE49-F238E27FC236}">
+                    <a16:creationId xmlns:a16="http://schemas.microsoft.com/office/drawing/2014/main" id="{5E23468A-0974-CC43-BE55-A0BF887FABE5}"/>
+                  </a:ext>
+                </a:extLst>
+              </p:cNvPr>
+              <p:cNvSpPr txBox="1">
+                <a:spLocks noRot="1" noChangeAspect="1" noMove="1" noResize="1" noEditPoints="1" noAdjustHandles="1" noChangeArrowheads="1" noChangeShapeType="1" noTextEdit="1"/>
+              </p:cNvSpPr>
+              <p:nvPr/>
+            </p:nvSpPr>
+            <p:spPr>
+              <a:xfrm>
+                <a:off x="6223685" y="2974432"/>
+                <a:ext cx="576649" cy="400110"/>
+              </a:xfrm>
+              <a:prstGeom prst="rect">
+                <a:avLst/>
+              </a:prstGeom>
+              <a:blipFill>
+                <a:blip r:embed="rId8"/>
+                <a:stretch>
+                  <a:fillRect r="-8696"/>
+                </a:stretch>
+              </a:blipFill>
+            </p:spPr>
+            <p:txBody>
+              <a:bodyPr/>
+              <a:lstStyle/>
+              <a:p>
+                <a:r>
+                  <a:rPr lang="en-US">
+                    <a:noFill/>
+                  </a:rPr>
+                  <a:t> </a:t>
+                </a:r>
+              </a:p>
+            </p:txBody>
+          </p:sp>
+        </mc:Fallback>
+      </mc:AlternateContent>
+      <mc:AlternateContent xmlns:mc="http://schemas.openxmlformats.org/markup-compatibility/2006">
+        <mc:Choice xmlns:a14="http://schemas.microsoft.com/office/drawing/2010/main" Requires="a14">
+          <p:sp>
+            <p:nvSpPr>
+              <p:cNvPr id="11" name="TextBox 10">
+                <a:extLst>
+                  <a:ext uri="{FF2B5EF4-FFF2-40B4-BE49-F238E27FC236}">
+                    <a16:creationId xmlns:a16="http://schemas.microsoft.com/office/drawing/2014/main" id="{602FD54E-C4B3-4245-95D1-A00B2B390345}"/>
+                  </a:ext>
+                </a:extLst>
+              </p:cNvPr>
+              <p:cNvSpPr txBox="1"/>
+              <p:nvPr/>
+            </p:nvSpPr>
+            <p:spPr>
+              <a:xfrm>
+                <a:off x="7925656" y="2974432"/>
+                <a:ext cx="402799" cy="400110"/>
+              </a:xfrm>
+              <a:prstGeom prst="rect">
+                <a:avLst/>
+              </a:prstGeom>
+              <a:solidFill>
+                <a:schemeClr val="bg1"/>
+              </a:solidFill>
+            </p:spPr>
+            <p:txBody>
+              <a:bodyPr wrap="square" rtlCol="0">
+                <a:spAutoFit/>
+              </a:bodyPr>
+              <a:lstStyle/>
+              <a:p>
+                <a:pPr/>
+                <a14:m>
+                  <m:oMathPara xmlns:m="http://schemas.openxmlformats.org/officeDocument/2006/math">
+                    <m:oMathParaPr>
+                      <m:jc m:val="centerGroup"/>
+                    </m:oMathParaPr>
+                    <m:oMath xmlns:m="http://schemas.openxmlformats.org/officeDocument/2006/math">
+                      <m:sSub>
+                        <m:sSubPr>
+                          <m:ctrlPr>
+                            <a:rPr lang="en-US" sz="2000" b="0" i="1" dirty="0" smtClean="0">
+                              <a:latin typeface="Cambria Math" panose="02040503050406030204" pitchFamily="18" charset="0"/>
+                            </a:rPr>
+                          </m:ctrlPr>
+                        </m:sSubPr>
+                        <m:e>
+                          <m:r>
+                            <a:rPr lang="en-US" sz="2000" b="0" i="1" dirty="0" smtClean="0">
+                              <a:latin typeface="Cambria Math" panose="02040503050406030204" pitchFamily="18" charset="0"/>
+                            </a:rPr>
+                            <m:t>h</m:t>
+                          </m:r>
+                        </m:e>
+                        <m:sub>
+                          <m:r>
+                            <a:rPr lang="en-US" sz="2000" b="0" i="1" dirty="0" smtClean="0">
+                              <a:latin typeface="Cambria Math" panose="02040503050406030204" pitchFamily="18" charset="0"/>
+                            </a:rPr>
+                            <m:t>𝑡</m:t>
+                          </m:r>
+                        </m:sub>
+                      </m:sSub>
+                    </m:oMath>
+                  </m:oMathPara>
+                </a14:m>
+                <a:endParaRPr lang="en-US" sz="2000" b="0" dirty="0"/>
+              </a:p>
+            </p:txBody>
+          </p:sp>
+        </mc:Choice>
+        <mc:Fallback>
+          <p:sp>
+            <p:nvSpPr>
+              <p:cNvPr id="11" name="TextBox 10">
+                <a:extLst>
+                  <a:ext uri="{FF2B5EF4-FFF2-40B4-BE49-F238E27FC236}">
+                    <a16:creationId xmlns:a16="http://schemas.microsoft.com/office/drawing/2014/main" id="{602FD54E-C4B3-4245-95D1-A00B2B390345}"/>
+                  </a:ext>
+                </a:extLst>
+              </p:cNvPr>
+              <p:cNvSpPr txBox="1">
+                <a:spLocks noRot="1" noChangeAspect="1" noMove="1" noResize="1" noEditPoints="1" noAdjustHandles="1" noChangeArrowheads="1" noChangeShapeType="1" noTextEdit="1"/>
+              </p:cNvSpPr>
+              <p:nvPr/>
+            </p:nvSpPr>
+            <p:spPr>
+              <a:xfrm>
+                <a:off x="7925656" y="2974432"/>
+                <a:ext cx="402799" cy="400110"/>
+              </a:xfrm>
+              <a:prstGeom prst="rect">
+                <a:avLst/>
+              </a:prstGeom>
+              <a:blipFill>
+                <a:blip r:embed="rId9"/>
+                <a:stretch>
+                  <a:fillRect/>
+                </a:stretch>
+              </a:blipFill>
+            </p:spPr>
+            <p:txBody>
+              <a:bodyPr/>
+              <a:lstStyle/>
+              <a:p>
+                <a:r>
+                  <a:rPr lang="en-US">
+                    <a:noFill/>
+                  </a:rPr>
+                  <a:t> </a:t>
+                </a:r>
+              </a:p>
+            </p:txBody>
+          </p:sp>
+        </mc:Fallback>
+      </mc:AlternateContent>
+      <mc:AlternateContent xmlns:mc="http://schemas.openxmlformats.org/markup-compatibility/2006">
+        <mc:Choice xmlns:a14="http://schemas.microsoft.com/office/drawing/2010/main" Requires="a14">
+          <p:sp>
+            <p:nvSpPr>
+              <p:cNvPr id="12" name="TextBox 11">
+                <a:extLst>
+                  <a:ext uri="{FF2B5EF4-FFF2-40B4-BE49-F238E27FC236}">
+                    <a16:creationId xmlns:a16="http://schemas.microsoft.com/office/drawing/2014/main" id="{87F1E94D-2F9D-A74F-BC87-3708DD49EBD6}"/>
+                  </a:ext>
+                </a:extLst>
+              </p:cNvPr>
+              <p:cNvSpPr txBox="1"/>
+              <p:nvPr/>
+            </p:nvSpPr>
+            <p:spPr>
+              <a:xfrm>
+                <a:off x="9593816" y="2988276"/>
+                <a:ext cx="576649" cy="400110"/>
+              </a:xfrm>
+              <a:prstGeom prst="rect">
+                <a:avLst/>
+              </a:prstGeom>
+              <a:solidFill>
+                <a:schemeClr val="bg1"/>
+              </a:solidFill>
+            </p:spPr>
+            <p:txBody>
+              <a:bodyPr wrap="square" rtlCol="0">
+                <a:spAutoFit/>
+              </a:bodyPr>
+              <a:lstStyle/>
+              <a:p>
+                <a:pPr/>
+                <a14:m>
+                  <m:oMathPara xmlns:m="http://schemas.openxmlformats.org/officeDocument/2006/math">
+                    <m:oMathParaPr>
+                      <m:jc m:val="centerGroup"/>
+                    </m:oMathParaPr>
+                    <m:oMath xmlns:m="http://schemas.openxmlformats.org/officeDocument/2006/math">
+                      <m:sSub>
+                        <m:sSubPr>
+                          <m:ctrlPr>
+                            <a:rPr lang="en-US" sz="2000" b="0" i="1" dirty="0" smtClean="0">
+                              <a:latin typeface="Cambria Math" panose="02040503050406030204" pitchFamily="18" charset="0"/>
+                            </a:rPr>
+                          </m:ctrlPr>
+                        </m:sSubPr>
+                        <m:e>
+                          <m:r>
+                            <a:rPr lang="en-US" sz="2000" b="0" i="1" dirty="0" smtClean="0">
+                              <a:latin typeface="Cambria Math" panose="02040503050406030204" pitchFamily="18" charset="0"/>
+                            </a:rPr>
+                            <m:t>h</m:t>
+                          </m:r>
+                        </m:e>
+                        <m:sub>
+                          <m:r>
+                            <a:rPr lang="en-US" sz="2000" b="0" i="1" dirty="0" smtClean="0">
+                              <a:latin typeface="Cambria Math" panose="02040503050406030204" pitchFamily="18" charset="0"/>
+                            </a:rPr>
+                            <m:t>𝑡</m:t>
+                          </m:r>
+                          <m:r>
+                            <a:rPr lang="en-US" sz="2000" b="0" i="1" dirty="0" smtClean="0">
+                              <a:latin typeface="Cambria Math" panose="02040503050406030204" pitchFamily="18" charset="0"/>
+                            </a:rPr>
+                            <m:t>+1</m:t>
+                          </m:r>
+                        </m:sub>
+                      </m:sSub>
+                    </m:oMath>
+                  </m:oMathPara>
+                </a14:m>
+                <a:endParaRPr lang="en-US" sz="2000" b="0" dirty="0"/>
+              </a:p>
+            </p:txBody>
+          </p:sp>
+        </mc:Choice>
+        <mc:Fallback>
+          <p:sp>
+            <p:nvSpPr>
+              <p:cNvPr id="12" name="TextBox 11">
+                <a:extLst>
+                  <a:ext uri="{FF2B5EF4-FFF2-40B4-BE49-F238E27FC236}">
+                    <a16:creationId xmlns:a16="http://schemas.microsoft.com/office/drawing/2014/main" id="{87F1E94D-2F9D-A74F-BC87-3708DD49EBD6}"/>
+                  </a:ext>
+                </a:extLst>
+              </p:cNvPr>
+              <p:cNvSpPr txBox="1">
+                <a:spLocks noRot="1" noChangeAspect="1" noMove="1" noResize="1" noEditPoints="1" noAdjustHandles="1" noChangeArrowheads="1" noChangeShapeType="1" noTextEdit="1"/>
+              </p:cNvSpPr>
+              <p:nvPr/>
+            </p:nvSpPr>
+            <p:spPr>
+              <a:xfrm>
+                <a:off x="9593816" y="2988276"/>
+                <a:ext cx="576649" cy="400110"/>
+              </a:xfrm>
+              <a:prstGeom prst="rect">
+                <a:avLst/>
+              </a:prstGeom>
+              <a:blipFill>
+                <a:blip r:embed="rId10"/>
+                <a:stretch>
+                  <a:fillRect r="-8696"/>
+                </a:stretch>
+              </a:blipFill>
+            </p:spPr>
+            <p:txBody>
+              <a:bodyPr/>
+              <a:lstStyle/>
+              <a:p>
+                <a:r>
+                  <a:rPr lang="en-US">
+                    <a:noFill/>
+                  </a:rPr>
+                  <a:t> </a:t>
+                </a:r>
+              </a:p>
+            </p:txBody>
+          </p:sp>
+        </mc:Fallback>
+      </mc:AlternateContent>
+      <mc:AlternateContent xmlns:mc="http://schemas.openxmlformats.org/markup-compatibility/2006">
+        <mc:Choice xmlns:a14="http://schemas.microsoft.com/office/drawing/2010/main" Requires="a14">
+          <p:sp>
+            <p:nvSpPr>
+              <p:cNvPr id="13" name="TextBox 12">
+                <a:extLst>
+                  <a:ext uri="{FF2B5EF4-FFF2-40B4-BE49-F238E27FC236}">
+                    <a16:creationId xmlns:a16="http://schemas.microsoft.com/office/drawing/2014/main" id="{8EA51A93-E998-D242-A74F-087C98AB930B}"/>
+                  </a:ext>
+                </a:extLst>
+              </p:cNvPr>
+              <p:cNvSpPr txBox="1"/>
+              <p:nvPr/>
+            </p:nvSpPr>
+            <p:spPr>
+              <a:xfrm>
+                <a:off x="4924600" y="3027116"/>
+                <a:ext cx="576649" cy="400110"/>
+              </a:xfrm>
+              <a:prstGeom prst="rect">
+                <a:avLst/>
+              </a:prstGeom>
+              <a:solidFill>
+                <a:schemeClr val="bg1"/>
+              </a:solidFill>
+            </p:spPr>
+            <p:txBody>
+              <a:bodyPr wrap="square" rtlCol="0">
+                <a:spAutoFit/>
+              </a:bodyPr>
+              <a:lstStyle/>
+              <a:p>
+                <a:pPr/>
+                <a14:m>
+                  <m:oMathPara xmlns:m="http://schemas.openxmlformats.org/officeDocument/2006/math">
+                    <m:oMathParaPr>
+                      <m:jc m:val="centerGroup"/>
+                    </m:oMathParaPr>
+                    <m:oMath xmlns:m="http://schemas.openxmlformats.org/officeDocument/2006/math">
+                      <m:sSub>
+                        <m:sSubPr>
+                          <m:ctrlPr>
+                            <a:rPr lang="en-US" sz="2000" b="0" i="1" dirty="0" smtClean="0">
+                              <a:latin typeface="Cambria Math" panose="02040503050406030204" pitchFamily="18" charset="0"/>
+                            </a:rPr>
+                          </m:ctrlPr>
+                        </m:sSubPr>
+                        <m:e>
+                          <m:r>
+                            <a:rPr lang="en-US" sz="2000" b="0" i="1" dirty="0" smtClean="0">
+                              <a:latin typeface="Cambria Math" panose="02040503050406030204" pitchFamily="18" charset="0"/>
+                            </a:rPr>
+                            <m:t>𝑊</m:t>
+                          </m:r>
+                        </m:e>
+                        <m:sub>
+                          <m:r>
+                            <a:rPr lang="en-US" sz="2000" b="0" i="1" dirty="0" smtClean="0">
+                              <a:latin typeface="Cambria Math" panose="02040503050406030204" pitchFamily="18" charset="0"/>
+                            </a:rPr>
+                            <m:t>hh</m:t>
+                          </m:r>
+                        </m:sub>
+                      </m:sSub>
+                    </m:oMath>
+                  </m:oMathPara>
+                </a14:m>
+                <a:endParaRPr lang="en-US" sz="2000" b="0" dirty="0"/>
+              </a:p>
+            </p:txBody>
+          </p:sp>
+        </mc:Choice>
+        <mc:Fallback>
+          <p:sp>
+            <p:nvSpPr>
+              <p:cNvPr id="13" name="TextBox 12">
+                <a:extLst>
+                  <a:ext uri="{FF2B5EF4-FFF2-40B4-BE49-F238E27FC236}">
+                    <a16:creationId xmlns:a16="http://schemas.microsoft.com/office/drawing/2014/main" id="{8EA51A93-E998-D242-A74F-087C98AB930B}"/>
+                  </a:ext>
+                </a:extLst>
+              </p:cNvPr>
+              <p:cNvSpPr txBox="1">
+                <a:spLocks noRot="1" noChangeAspect="1" noMove="1" noResize="1" noEditPoints="1" noAdjustHandles="1" noChangeArrowheads="1" noChangeShapeType="1" noTextEdit="1"/>
+              </p:cNvSpPr>
+              <p:nvPr/>
+            </p:nvSpPr>
+            <p:spPr>
+              <a:xfrm>
+                <a:off x="4924600" y="3027116"/>
+                <a:ext cx="576649" cy="400110"/>
+              </a:xfrm>
+              <a:prstGeom prst="rect">
+                <a:avLst/>
+              </a:prstGeom>
+              <a:blipFill>
+                <a:blip r:embed="rId11"/>
+                <a:stretch>
+                  <a:fillRect r="-4348" b="-3125"/>
+                </a:stretch>
+              </a:blipFill>
+            </p:spPr>
+            <p:txBody>
+              <a:bodyPr/>
+              <a:lstStyle/>
+              <a:p>
+                <a:r>
+                  <a:rPr lang="en-US">
+                    <a:noFill/>
+                  </a:rPr>
+                  <a:t> </a:t>
+                </a:r>
+              </a:p>
+            </p:txBody>
+          </p:sp>
+        </mc:Fallback>
+      </mc:AlternateContent>
+      <mc:AlternateContent xmlns:mc="http://schemas.openxmlformats.org/markup-compatibility/2006">
+        <mc:Choice xmlns:a14="http://schemas.microsoft.com/office/drawing/2010/main" Requires="a14">
+          <p:sp>
+            <p:nvSpPr>
+              <p:cNvPr id="14" name="TextBox 13">
+                <a:extLst>
+                  <a:ext uri="{FF2B5EF4-FFF2-40B4-BE49-F238E27FC236}">
+                    <a16:creationId xmlns:a16="http://schemas.microsoft.com/office/drawing/2014/main" id="{A0DA0381-3AE3-CF4C-9450-7DDAED33C77D}"/>
+                  </a:ext>
+                </a:extLst>
+              </p:cNvPr>
+              <p:cNvSpPr txBox="1"/>
+              <p:nvPr/>
+            </p:nvSpPr>
+            <p:spPr>
+              <a:xfrm>
+                <a:off x="6595256" y="3635969"/>
+                <a:ext cx="576649" cy="400110"/>
+              </a:xfrm>
+              <a:prstGeom prst="rect">
+                <a:avLst/>
+              </a:prstGeom>
+              <a:solidFill>
+                <a:schemeClr val="bg1"/>
+              </a:solidFill>
+            </p:spPr>
+            <p:txBody>
+              <a:bodyPr wrap="square" rtlCol="0">
+                <a:spAutoFit/>
+              </a:bodyPr>
+              <a:lstStyle/>
+              <a:p>
+                <a:pPr/>
+                <a14:m>
+                  <m:oMathPara xmlns:m="http://schemas.openxmlformats.org/officeDocument/2006/math">
+                    <m:oMathParaPr>
+                      <m:jc m:val="centerGroup"/>
+                    </m:oMathParaPr>
+                    <m:oMath xmlns:m="http://schemas.openxmlformats.org/officeDocument/2006/math">
+                      <m:sSub>
+                        <m:sSubPr>
+                          <m:ctrlPr>
+                            <a:rPr lang="en-US" sz="2000" b="0" i="1" dirty="0" smtClean="0">
+                              <a:latin typeface="Cambria Math" panose="02040503050406030204" pitchFamily="18" charset="0"/>
+                            </a:rPr>
+                          </m:ctrlPr>
+                        </m:sSubPr>
+                        <m:e>
+                          <m:r>
+                            <a:rPr lang="en-US" sz="2000" b="0" i="1" dirty="0" smtClean="0">
+                              <a:latin typeface="Cambria Math" panose="02040503050406030204" pitchFamily="18" charset="0"/>
+                            </a:rPr>
+                            <m:t>𝑊</m:t>
+                          </m:r>
+                        </m:e>
+                        <m:sub>
+                          <m:r>
+                            <a:rPr lang="en-US" sz="2000" b="0" i="1" dirty="0" smtClean="0">
+                              <a:latin typeface="Cambria Math" panose="02040503050406030204" pitchFamily="18" charset="0"/>
+                            </a:rPr>
+                            <m:t>hh</m:t>
+                          </m:r>
+                        </m:sub>
+                      </m:sSub>
+                    </m:oMath>
+                  </m:oMathPara>
+                </a14:m>
+                <a:endParaRPr lang="en-US" sz="2000" b="0" dirty="0"/>
+              </a:p>
+            </p:txBody>
+          </p:sp>
+        </mc:Choice>
+        <mc:Fallback>
+          <p:sp>
+            <p:nvSpPr>
+              <p:cNvPr id="14" name="TextBox 13">
+                <a:extLst>
+                  <a:ext uri="{FF2B5EF4-FFF2-40B4-BE49-F238E27FC236}">
+                    <a16:creationId xmlns:a16="http://schemas.microsoft.com/office/drawing/2014/main" id="{A0DA0381-3AE3-CF4C-9450-7DDAED33C77D}"/>
+                  </a:ext>
+                </a:extLst>
+              </p:cNvPr>
+              <p:cNvSpPr txBox="1">
+                <a:spLocks noRot="1" noChangeAspect="1" noMove="1" noResize="1" noEditPoints="1" noAdjustHandles="1" noChangeArrowheads="1" noChangeShapeType="1" noTextEdit="1"/>
+              </p:cNvSpPr>
+              <p:nvPr/>
+            </p:nvSpPr>
+            <p:spPr>
+              <a:xfrm>
+                <a:off x="6595256" y="3635969"/>
+                <a:ext cx="576649" cy="400110"/>
+              </a:xfrm>
+              <a:prstGeom prst="rect">
+                <a:avLst/>
+              </a:prstGeom>
+              <a:blipFill>
+                <a:blip r:embed="rId12"/>
+                <a:stretch>
+                  <a:fillRect r="-4348" b="-3125"/>
+                </a:stretch>
+              </a:blipFill>
+            </p:spPr>
+            <p:txBody>
+              <a:bodyPr/>
+              <a:lstStyle/>
+              <a:p>
+                <a:r>
+                  <a:rPr lang="en-US">
+                    <a:noFill/>
+                  </a:rPr>
+                  <a:t> </a:t>
+                </a:r>
+              </a:p>
+            </p:txBody>
+          </p:sp>
+        </mc:Fallback>
+      </mc:AlternateContent>
+      <mc:AlternateContent xmlns:mc="http://schemas.openxmlformats.org/markup-compatibility/2006">
+        <mc:Choice xmlns:a14="http://schemas.microsoft.com/office/drawing/2010/main" Requires="a14">
+          <p:sp>
+            <p:nvSpPr>
+              <p:cNvPr id="15" name="TextBox 14">
+                <a:extLst>
+                  <a:ext uri="{FF2B5EF4-FFF2-40B4-BE49-F238E27FC236}">
+                    <a16:creationId xmlns:a16="http://schemas.microsoft.com/office/drawing/2014/main" id="{2FB30F63-3A44-A942-9CD0-4A1E75CF1FB2}"/>
+                  </a:ext>
+                </a:extLst>
+              </p:cNvPr>
+              <p:cNvSpPr txBox="1"/>
+              <p:nvPr/>
+            </p:nvSpPr>
+            <p:spPr>
+              <a:xfrm>
+                <a:off x="8114698" y="3635969"/>
+                <a:ext cx="576649" cy="400110"/>
+              </a:xfrm>
+              <a:prstGeom prst="rect">
+                <a:avLst/>
+              </a:prstGeom>
+              <a:solidFill>
+                <a:schemeClr val="bg1"/>
+              </a:solidFill>
+            </p:spPr>
+            <p:txBody>
+              <a:bodyPr wrap="square" rtlCol="0">
+                <a:spAutoFit/>
+              </a:bodyPr>
+              <a:lstStyle/>
+              <a:p>
+                <a:pPr/>
+                <a14:m>
+                  <m:oMathPara xmlns:m="http://schemas.openxmlformats.org/officeDocument/2006/math">
+                    <m:oMathParaPr>
+                      <m:jc m:val="centerGroup"/>
+                    </m:oMathParaPr>
+                    <m:oMath xmlns:m="http://schemas.openxmlformats.org/officeDocument/2006/math">
+                      <m:sSub>
+                        <m:sSubPr>
+                          <m:ctrlPr>
+                            <a:rPr lang="en-US" sz="2000" b="0" i="1" dirty="0" smtClean="0">
+                              <a:latin typeface="Cambria Math" panose="02040503050406030204" pitchFamily="18" charset="0"/>
+                            </a:rPr>
+                          </m:ctrlPr>
+                        </m:sSubPr>
+                        <m:e>
+                          <m:r>
+                            <a:rPr lang="en-US" sz="2000" b="0" i="1" dirty="0" smtClean="0">
+                              <a:latin typeface="Cambria Math" panose="02040503050406030204" pitchFamily="18" charset="0"/>
+                            </a:rPr>
+                            <m:t>𝑊</m:t>
+                          </m:r>
+                        </m:e>
+                        <m:sub>
+                          <m:r>
+                            <a:rPr lang="en-US" sz="2000" b="0" i="1" dirty="0" smtClean="0">
+                              <a:latin typeface="Cambria Math" panose="02040503050406030204" pitchFamily="18" charset="0"/>
+                            </a:rPr>
+                            <m:t>hh</m:t>
+                          </m:r>
+                        </m:sub>
+                      </m:sSub>
+                    </m:oMath>
+                  </m:oMathPara>
+                </a14:m>
+                <a:endParaRPr lang="en-US" sz="2000" b="0" dirty="0"/>
+              </a:p>
+            </p:txBody>
+          </p:sp>
+        </mc:Choice>
+        <mc:Fallback>
+          <p:sp>
+            <p:nvSpPr>
+              <p:cNvPr id="15" name="TextBox 14">
+                <a:extLst>
+                  <a:ext uri="{FF2B5EF4-FFF2-40B4-BE49-F238E27FC236}">
+                    <a16:creationId xmlns:a16="http://schemas.microsoft.com/office/drawing/2014/main" id="{2FB30F63-3A44-A942-9CD0-4A1E75CF1FB2}"/>
+                  </a:ext>
+                </a:extLst>
+              </p:cNvPr>
+              <p:cNvSpPr txBox="1">
+                <a:spLocks noRot="1" noChangeAspect="1" noMove="1" noResize="1" noEditPoints="1" noAdjustHandles="1" noChangeArrowheads="1" noChangeShapeType="1" noTextEdit="1"/>
+              </p:cNvSpPr>
+              <p:nvPr/>
+            </p:nvSpPr>
+            <p:spPr>
+              <a:xfrm>
+                <a:off x="8114698" y="3635969"/>
+                <a:ext cx="576649" cy="400110"/>
+              </a:xfrm>
+              <a:prstGeom prst="rect">
+                <a:avLst/>
+              </a:prstGeom>
+              <a:blipFill>
+                <a:blip r:embed="rId13"/>
+                <a:stretch>
+                  <a:fillRect r="-2128" b="-3125"/>
+                </a:stretch>
+              </a:blipFill>
+            </p:spPr>
+            <p:txBody>
+              <a:bodyPr/>
+              <a:lstStyle/>
+              <a:p>
+                <a:r>
+                  <a:rPr lang="en-US">
+                    <a:noFill/>
+                  </a:rPr>
+                  <a:t> </a:t>
+                </a:r>
+              </a:p>
+            </p:txBody>
+          </p:sp>
+        </mc:Fallback>
+      </mc:AlternateContent>
+      <mc:AlternateContent xmlns:mc="http://schemas.openxmlformats.org/markup-compatibility/2006">
+        <mc:Choice xmlns:a14="http://schemas.microsoft.com/office/drawing/2010/main" Requires="a14">
+          <p:sp>
+            <p:nvSpPr>
+              <p:cNvPr id="16" name="TextBox 15">
+                <a:extLst>
+                  <a:ext uri="{FF2B5EF4-FFF2-40B4-BE49-F238E27FC236}">
+                    <a16:creationId xmlns:a16="http://schemas.microsoft.com/office/drawing/2014/main" id="{2A089966-5290-1D45-AD21-5670AABA05E0}"/>
+                  </a:ext>
+                </a:extLst>
+              </p:cNvPr>
+              <p:cNvSpPr txBox="1"/>
+              <p:nvPr/>
+            </p:nvSpPr>
+            <p:spPr>
+              <a:xfrm>
+                <a:off x="9857426" y="3635969"/>
+                <a:ext cx="576649" cy="400110"/>
+              </a:xfrm>
+              <a:prstGeom prst="rect">
+                <a:avLst/>
+              </a:prstGeom>
+              <a:solidFill>
+                <a:schemeClr val="bg1"/>
+              </a:solidFill>
+            </p:spPr>
+            <p:txBody>
+              <a:bodyPr wrap="square" rtlCol="0">
+                <a:spAutoFit/>
+              </a:bodyPr>
+              <a:lstStyle/>
+              <a:p>
+                <a:pPr/>
+                <a14:m>
+                  <m:oMathPara xmlns:m="http://schemas.openxmlformats.org/officeDocument/2006/math">
+                    <m:oMathParaPr>
+                      <m:jc m:val="centerGroup"/>
+                    </m:oMathParaPr>
+                    <m:oMath xmlns:m="http://schemas.openxmlformats.org/officeDocument/2006/math">
+                      <m:sSub>
+                        <m:sSubPr>
+                          <m:ctrlPr>
+                            <a:rPr lang="en-US" sz="2000" b="0" i="1" dirty="0" smtClean="0">
+                              <a:latin typeface="Cambria Math" panose="02040503050406030204" pitchFamily="18" charset="0"/>
+                            </a:rPr>
+                          </m:ctrlPr>
+                        </m:sSubPr>
+                        <m:e>
+                          <m:r>
+                            <a:rPr lang="en-US" sz="2000" b="0" i="1" dirty="0" smtClean="0">
+                              <a:latin typeface="Cambria Math" panose="02040503050406030204" pitchFamily="18" charset="0"/>
+                            </a:rPr>
+                            <m:t>𝑊</m:t>
+                          </m:r>
+                        </m:e>
+                        <m:sub>
+                          <m:r>
+                            <a:rPr lang="en-US" sz="2000" b="0" i="1" dirty="0" smtClean="0">
+                              <a:latin typeface="Cambria Math" panose="02040503050406030204" pitchFamily="18" charset="0"/>
+                            </a:rPr>
+                            <m:t>hh</m:t>
+                          </m:r>
+                        </m:sub>
+                      </m:sSub>
+                    </m:oMath>
+                  </m:oMathPara>
+                </a14:m>
+                <a:endParaRPr lang="en-US" sz="2000" b="0" dirty="0"/>
+              </a:p>
+            </p:txBody>
+          </p:sp>
+        </mc:Choice>
+        <mc:Fallback>
+          <p:sp>
+            <p:nvSpPr>
+              <p:cNvPr id="16" name="TextBox 15">
+                <a:extLst>
+                  <a:ext uri="{FF2B5EF4-FFF2-40B4-BE49-F238E27FC236}">
+                    <a16:creationId xmlns:a16="http://schemas.microsoft.com/office/drawing/2014/main" id="{2A089966-5290-1D45-AD21-5670AABA05E0}"/>
+                  </a:ext>
+                </a:extLst>
+              </p:cNvPr>
+              <p:cNvSpPr txBox="1">
+                <a:spLocks noRot="1" noChangeAspect="1" noMove="1" noResize="1" noEditPoints="1" noAdjustHandles="1" noChangeArrowheads="1" noChangeShapeType="1" noTextEdit="1"/>
+              </p:cNvSpPr>
+              <p:nvPr/>
+            </p:nvSpPr>
+            <p:spPr>
+              <a:xfrm>
+                <a:off x="9857426" y="3635969"/>
+                <a:ext cx="576649" cy="400110"/>
+              </a:xfrm>
+              <a:prstGeom prst="rect">
+                <a:avLst/>
+              </a:prstGeom>
+              <a:blipFill>
+                <a:blip r:embed="rId14"/>
+                <a:stretch>
+                  <a:fillRect r="-4348" b="-3125"/>
+                </a:stretch>
+              </a:blipFill>
+            </p:spPr>
+            <p:txBody>
+              <a:bodyPr/>
+              <a:lstStyle/>
+              <a:p>
+                <a:r>
+                  <a:rPr lang="en-US">
+                    <a:noFill/>
+                  </a:rPr>
+                  <a:t> </a:t>
+                </a:r>
+              </a:p>
+            </p:txBody>
+          </p:sp>
+        </mc:Fallback>
+      </mc:AlternateContent>
+      <mc:AlternateContent xmlns:mc="http://schemas.openxmlformats.org/markup-compatibility/2006">
+        <mc:Choice xmlns:a14="http://schemas.microsoft.com/office/drawing/2010/main" Requires="a14">
+          <p:sp>
+            <p:nvSpPr>
+              <p:cNvPr id="17" name="TextBox 16">
+                <a:extLst>
+                  <a:ext uri="{FF2B5EF4-FFF2-40B4-BE49-F238E27FC236}">
+                    <a16:creationId xmlns:a16="http://schemas.microsoft.com/office/drawing/2014/main" id="{434ECC0C-0B3B-F946-8ED3-661D584C1A2B}"/>
+                  </a:ext>
+                </a:extLst>
+              </p:cNvPr>
+              <p:cNvSpPr txBox="1"/>
+              <p:nvPr/>
+            </p:nvSpPr>
+            <p:spPr>
+              <a:xfrm>
+                <a:off x="6174257" y="4103871"/>
+                <a:ext cx="484833" cy="400110"/>
+              </a:xfrm>
+              <a:prstGeom prst="rect">
+                <a:avLst/>
+              </a:prstGeom>
+              <a:solidFill>
+                <a:schemeClr val="bg1"/>
+              </a:solidFill>
+            </p:spPr>
+            <p:txBody>
+              <a:bodyPr wrap="square" rtlCol="0">
+                <a:spAutoFit/>
+              </a:bodyPr>
+              <a:lstStyle/>
+              <a:p>
+                <a:pPr/>
+                <a14:m>
+                  <m:oMathPara xmlns:m="http://schemas.openxmlformats.org/officeDocument/2006/math">
+                    <m:oMathParaPr>
+                      <m:jc m:val="centerGroup"/>
+                    </m:oMathParaPr>
+                    <m:oMath xmlns:m="http://schemas.openxmlformats.org/officeDocument/2006/math">
+                      <m:sSub>
+                        <m:sSubPr>
+                          <m:ctrlPr>
+                            <a:rPr lang="en-US" sz="2000" b="0" i="1" dirty="0" smtClean="0">
+                              <a:latin typeface="Cambria Math" panose="02040503050406030204" pitchFamily="18" charset="0"/>
+                            </a:rPr>
+                          </m:ctrlPr>
+                        </m:sSubPr>
+                        <m:e>
+                          <m:r>
+                            <a:rPr lang="en-US" sz="2000" b="0" i="1" dirty="0" smtClean="0">
+                              <a:latin typeface="Cambria Math" panose="02040503050406030204" pitchFamily="18" charset="0"/>
+                            </a:rPr>
+                            <m:t>𝑊</m:t>
+                          </m:r>
+                        </m:e>
+                        <m:sub>
+                          <m:r>
+                            <a:rPr lang="en-US" sz="2000" b="0" i="1" dirty="0" smtClean="0">
+                              <a:latin typeface="Cambria Math" panose="02040503050406030204" pitchFamily="18" charset="0"/>
+                            </a:rPr>
+                            <m:t>𝑥h</m:t>
+                          </m:r>
+                        </m:sub>
+                      </m:sSub>
+                    </m:oMath>
+                  </m:oMathPara>
+                </a14:m>
+                <a:endParaRPr lang="en-US" sz="2000" b="0" dirty="0"/>
+              </a:p>
+            </p:txBody>
+          </p:sp>
+        </mc:Choice>
+        <mc:Fallback>
+          <p:sp>
+            <p:nvSpPr>
+              <p:cNvPr id="17" name="TextBox 16">
+                <a:extLst>
+                  <a:ext uri="{FF2B5EF4-FFF2-40B4-BE49-F238E27FC236}">
+                    <a16:creationId xmlns:a16="http://schemas.microsoft.com/office/drawing/2014/main" id="{434ECC0C-0B3B-F946-8ED3-661D584C1A2B}"/>
+                  </a:ext>
+                </a:extLst>
+              </p:cNvPr>
+              <p:cNvSpPr txBox="1">
+                <a:spLocks noRot="1" noChangeAspect="1" noMove="1" noResize="1" noEditPoints="1" noAdjustHandles="1" noChangeArrowheads="1" noChangeShapeType="1" noTextEdit="1"/>
+              </p:cNvSpPr>
+              <p:nvPr/>
+            </p:nvSpPr>
+            <p:spPr>
+              <a:xfrm>
+                <a:off x="6174257" y="4103871"/>
+                <a:ext cx="484833" cy="400110"/>
+              </a:xfrm>
+              <a:prstGeom prst="rect">
+                <a:avLst/>
+              </a:prstGeom>
+              <a:blipFill>
+                <a:blip r:embed="rId15"/>
+                <a:stretch>
+                  <a:fillRect r="-20513" b="-3125"/>
+                </a:stretch>
+              </a:blipFill>
+            </p:spPr>
+            <p:txBody>
+              <a:bodyPr/>
+              <a:lstStyle/>
+              <a:p>
+                <a:r>
+                  <a:rPr lang="en-US">
+                    <a:noFill/>
+                  </a:rPr>
+                  <a:t> </a:t>
+                </a:r>
+              </a:p>
+            </p:txBody>
+          </p:sp>
+        </mc:Fallback>
+      </mc:AlternateContent>
+      <mc:AlternateContent xmlns:mc="http://schemas.openxmlformats.org/markup-compatibility/2006">
+        <mc:Choice xmlns:a14="http://schemas.microsoft.com/office/drawing/2010/main" Requires="a14">
+          <p:sp>
+            <p:nvSpPr>
+              <p:cNvPr id="18" name="TextBox 17">
+                <a:extLst>
+                  <a:ext uri="{FF2B5EF4-FFF2-40B4-BE49-F238E27FC236}">
+                    <a16:creationId xmlns:a16="http://schemas.microsoft.com/office/drawing/2014/main" id="{6677FFC9-66AC-5B42-AB0C-9308F1200D0F}"/>
+                  </a:ext>
+                </a:extLst>
+              </p:cNvPr>
+              <p:cNvSpPr txBox="1"/>
+              <p:nvPr/>
+            </p:nvSpPr>
+            <p:spPr>
+              <a:xfrm>
+                <a:off x="7831265" y="4103871"/>
+                <a:ext cx="484833" cy="400110"/>
+              </a:xfrm>
+              <a:prstGeom prst="rect">
+                <a:avLst/>
+              </a:prstGeom>
+              <a:solidFill>
+                <a:schemeClr val="bg1"/>
+              </a:solidFill>
+            </p:spPr>
+            <p:txBody>
+              <a:bodyPr wrap="square" rtlCol="0">
+                <a:spAutoFit/>
+              </a:bodyPr>
+              <a:lstStyle/>
+              <a:p>
+                <a:pPr/>
+                <a14:m>
+                  <m:oMathPara xmlns:m="http://schemas.openxmlformats.org/officeDocument/2006/math">
+                    <m:oMathParaPr>
+                      <m:jc m:val="centerGroup"/>
+                    </m:oMathParaPr>
+                    <m:oMath xmlns:m="http://schemas.openxmlformats.org/officeDocument/2006/math">
+                      <m:sSub>
+                        <m:sSubPr>
+                          <m:ctrlPr>
+                            <a:rPr lang="en-US" sz="2000" b="0" i="1" dirty="0" smtClean="0">
+                              <a:latin typeface="Cambria Math" panose="02040503050406030204" pitchFamily="18" charset="0"/>
+                            </a:rPr>
+                          </m:ctrlPr>
+                        </m:sSubPr>
+                        <m:e>
+                          <m:r>
+                            <a:rPr lang="en-US" sz="2000" b="0" i="1" dirty="0" smtClean="0">
+                              <a:latin typeface="Cambria Math" panose="02040503050406030204" pitchFamily="18" charset="0"/>
+                            </a:rPr>
+                            <m:t>𝑊</m:t>
+                          </m:r>
+                        </m:e>
+                        <m:sub>
+                          <m:r>
+                            <a:rPr lang="en-US" sz="2000" b="0" i="1" dirty="0" smtClean="0">
+                              <a:latin typeface="Cambria Math" panose="02040503050406030204" pitchFamily="18" charset="0"/>
+                            </a:rPr>
+                            <m:t>𝑥h</m:t>
+                          </m:r>
+                        </m:sub>
+                      </m:sSub>
+                    </m:oMath>
+                  </m:oMathPara>
+                </a14:m>
+                <a:endParaRPr lang="en-US" sz="2000" b="0" dirty="0"/>
+              </a:p>
+            </p:txBody>
+          </p:sp>
+        </mc:Choice>
+        <mc:Fallback>
+          <p:sp>
+            <p:nvSpPr>
+              <p:cNvPr id="18" name="TextBox 17">
+                <a:extLst>
+                  <a:ext uri="{FF2B5EF4-FFF2-40B4-BE49-F238E27FC236}">
+                    <a16:creationId xmlns:a16="http://schemas.microsoft.com/office/drawing/2014/main" id="{6677FFC9-66AC-5B42-AB0C-9308F1200D0F}"/>
+                  </a:ext>
+                </a:extLst>
+              </p:cNvPr>
+              <p:cNvSpPr txBox="1">
+                <a:spLocks noRot="1" noChangeAspect="1" noMove="1" noResize="1" noEditPoints="1" noAdjustHandles="1" noChangeArrowheads="1" noChangeShapeType="1" noTextEdit="1"/>
+              </p:cNvSpPr>
+              <p:nvPr/>
+            </p:nvSpPr>
+            <p:spPr>
+              <a:xfrm>
+                <a:off x="7831265" y="4103871"/>
+                <a:ext cx="484833" cy="400110"/>
+              </a:xfrm>
+              <a:prstGeom prst="rect">
+                <a:avLst/>
+              </a:prstGeom>
+              <a:blipFill>
+                <a:blip r:embed="rId16"/>
+                <a:stretch>
+                  <a:fillRect r="-23077" b="-3125"/>
+                </a:stretch>
+              </a:blipFill>
+            </p:spPr>
+            <p:txBody>
+              <a:bodyPr/>
+              <a:lstStyle/>
+              <a:p>
+                <a:r>
+                  <a:rPr lang="en-US">
+                    <a:noFill/>
+                  </a:rPr>
+                  <a:t> </a:t>
+                </a:r>
+              </a:p>
+            </p:txBody>
+          </p:sp>
+        </mc:Fallback>
+      </mc:AlternateContent>
+      <mc:AlternateContent xmlns:mc="http://schemas.openxmlformats.org/markup-compatibility/2006">
+        <mc:Choice xmlns:a14="http://schemas.microsoft.com/office/drawing/2010/main" Requires="a14">
+          <p:sp>
+            <p:nvSpPr>
+              <p:cNvPr id="19" name="TextBox 18">
+                <a:extLst>
+                  <a:ext uri="{FF2B5EF4-FFF2-40B4-BE49-F238E27FC236}">
+                    <a16:creationId xmlns:a16="http://schemas.microsoft.com/office/drawing/2014/main" id="{26175915-48D1-044B-9F55-AF5A78033B31}"/>
+                  </a:ext>
+                </a:extLst>
+              </p:cNvPr>
+              <p:cNvSpPr txBox="1"/>
+              <p:nvPr/>
+            </p:nvSpPr>
+            <p:spPr>
+              <a:xfrm>
+                <a:off x="9497363" y="4103871"/>
+                <a:ext cx="484833" cy="400110"/>
+              </a:xfrm>
+              <a:prstGeom prst="rect">
+                <a:avLst/>
+              </a:prstGeom>
+              <a:solidFill>
+                <a:schemeClr val="bg1"/>
+              </a:solidFill>
+            </p:spPr>
+            <p:txBody>
+              <a:bodyPr wrap="square" rtlCol="0">
+                <a:spAutoFit/>
+              </a:bodyPr>
+              <a:lstStyle/>
+              <a:p>
+                <a:pPr/>
+                <a14:m>
+                  <m:oMathPara xmlns:m="http://schemas.openxmlformats.org/officeDocument/2006/math">
+                    <m:oMathParaPr>
+                      <m:jc m:val="centerGroup"/>
+                    </m:oMathParaPr>
+                    <m:oMath xmlns:m="http://schemas.openxmlformats.org/officeDocument/2006/math">
+                      <m:sSub>
+                        <m:sSubPr>
+                          <m:ctrlPr>
+                            <a:rPr lang="en-US" sz="2000" b="0" i="1" dirty="0" smtClean="0">
+                              <a:latin typeface="Cambria Math" panose="02040503050406030204" pitchFamily="18" charset="0"/>
+                            </a:rPr>
+                          </m:ctrlPr>
+                        </m:sSubPr>
+                        <m:e>
+                          <m:r>
+                            <a:rPr lang="en-US" sz="2000" b="0" i="1" dirty="0" smtClean="0">
+                              <a:latin typeface="Cambria Math" panose="02040503050406030204" pitchFamily="18" charset="0"/>
+                            </a:rPr>
+                            <m:t>𝑊</m:t>
+                          </m:r>
+                        </m:e>
+                        <m:sub>
+                          <m:r>
+                            <a:rPr lang="en-US" sz="2000" b="0" i="1" dirty="0" smtClean="0">
+                              <a:latin typeface="Cambria Math" panose="02040503050406030204" pitchFamily="18" charset="0"/>
+                            </a:rPr>
+                            <m:t>𝑥h</m:t>
+                          </m:r>
+                        </m:sub>
+                      </m:sSub>
+                    </m:oMath>
+                  </m:oMathPara>
+                </a14:m>
+                <a:endParaRPr lang="en-US" sz="2000" b="0" dirty="0"/>
+              </a:p>
+            </p:txBody>
+          </p:sp>
+        </mc:Choice>
+        <mc:Fallback>
+          <p:sp>
+            <p:nvSpPr>
+              <p:cNvPr id="19" name="TextBox 18">
+                <a:extLst>
+                  <a:ext uri="{FF2B5EF4-FFF2-40B4-BE49-F238E27FC236}">
+                    <a16:creationId xmlns:a16="http://schemas.microsoft.com/office/drawing/2014/main" id="{26175915-48D1-044B-9F55-AF5A78033B31}"/>
+                  </a:ext>
+                </a:extLst>
+              </p:cNvPr>
+              <p:cNvSpPr txBox="1">
+                <a:spLocks noRot="1" noChangeAspect="1" noMove="1" noResize="1" noEditPoints="1" noAdjustHandles="1" noChangeArrowheads="1" noChangeShapeType="1" noTextEdit="1"/>
+              </p:cNvSpPr>
+              <p:nvPr/>
+            </p:nvSpPr>
+            <p:spPr>
+              <a:xfrm>
+                <a:off x="9497363" y="4103871"/>
+                <a:ext cx="484833" cy="400110"/>
+              </a:xfrm>
+              <a:prstGeom prst="rect">
+                <a:avLst/>
+              </a:prstGeom>
+              <a:blipFill>
+                <a:blip r:embed="rId17"/>
+                <a:stretch>
+                  <a:fillRect r="-23077" b="-3125"/>
+                </a:stretch>
+              </a:blipFill>
+            </p:spPr>
+            <p:txBody>
+              <a:bodyPr/>
+              <a:lstStyle/>
+              <a:p>
+                <a:r>
+                  <a:rPr lang="en-US">
+                    <a:noFill/>
+                  </a:rPr>
+                  <a:t> </a:t>
+                </a:r>
+              </a:p>
+            </p:txBody>
+          </p:sp>
+        </mc:Fallback>
+      </mc:AlternateContent>
+      <mc:AlternateContent xmlns:mc="http://schemas.openxmlformats.org/markup-compatibility/2006">
+        <mc:Choice xmlns:a14="http://schemas.microsoft.com/office/drawing/2010/main" Requires="a14">
+          <p:sp>
+            <p:nvSpPr>
+              <p:cNvPr id="20" name="TextBox 19">
+                <a:extLst>
+                  <a:ext uri="{FF2B5EF4-FFF2-40B4-BE49-F238E27FC236}">
+                    <a16:creationId xmlns:a16="http://schemas.microsoft.com/office/drawing/2014/main" id="{75C819FB-F148-7844-BD60-B437896155AD}"/>
+                  </a:ext>
+                </a:extLst>
+              </p:cNvPr>
+              <p:cNvSpPr txBox="1"/>
+              <p:nvPr/>
+            </p:nvSpPr>
+            <p:spPr>
+              <a:xfrm>
+                <a:off x="5479453" y="2587059"/>
+                <a:ext cx="568070" cy="424283"/>
+              </a:xfrm>
+              <a:prstGeom prst="rect">
+                <a:avLst/>
+              </a:prstGeom>
+              <a:solidFill>
+                <a:schemeClr val="bg1"/>
+              </a:solidFill>
+            </p:spPr>
+            <p:txBody>
+              <a:bodyPr wrap="square" rtlCol="0">
+                <a:spAutoFit/>
+              </a:bodyPr>
+              <a:lstStyle/>
+              <a:p>
+                <a:pPr/>
+                <a14:m>
+                  <m:oMathPara xmlns:m="http://schemas.openxmlformats.org/officeDocument/2006/math">
+                    <m:oMathParaPr>
+                      <m:jc m:val="centerGroup"/>
+                    </m:oMathParaPr>
+                    <m:oMath xmlns:m="http://schemas.openxmlformats.org/officeDocument/2006/math">
+                      <m:sSub>
+                        <m:sSubPr>
+                          <m:ctrlPr>
+                            <a:rPr lang="en-US" sz="2000" b="0" i="1" dirty="0" smtClean="0">
+                              <a:solidFill>
+                                <a:schemeClr val="bg1"/>
+                              </a:solidFill>
+                              <a:latin typeface="Cambria Math" panose="02040503050406030204" pitchFamily="18" charset="0"/>
+                            </a:rPr>
+                          </m:ctrlPr>
+                        </m:sSubPr>
+                        <m:e>
+                          <m:r>
+                            <a:rPr lang="en-US" sz="2000" b="0" i="1" dirty="0" smtClean="0">
+                              <a:solidFill>
+                                <a:schemeClr val="bg1"/>
+                              </a:solidFill>
+                              <a:latin typeface="Cambria Math" panose="02040503050406030204" pitchFamily="18" charset="0"/>
+                            </a:rPr>
+                            <m:t>𝑊</m:t>
+                          </m:r>
+                        </m:e>
+                        <m:sub>
+                          <m:r>
+                            <a:rPr lang="en-US" sz="2000" b="0" i="1" dirty="0" smtClean="0">
+                              <a:solidFill>
+                                <a:schemeClr val="bg1"/>
+                              </a:solidFill>
+                              <a:latin typeface="Cambria Math" panose="02040503050406030204" pitchFamily="18" charset="0"/>
+                            </a:rPr>
+                            <m:t>h𝑦</m:t>
+                          </m:r>
+                        </m:sub>
+                      </m:sSub>
+                    </m:oMath>
+                  </m:oMathPara>
+                </a14:m>
+                <a:endParaRPr lang="en-US" sz="2000" b="0" dirty="0">
+                  <a:solidFill>
+                    <a:schemeClr val="bg1"/>
+                  </a:solidFill>
+                </a:endParaRPr>
+              </a:p>
+            </p:txBody>
+          </p:sp>
+        </mc:Choice>
+        <mc:Fallback>
+          <p:sp>
+            <p:nvSpPr>
+              <p:cNvPr id="20" name="TextBox 19">
+                <a:extLst>
+                  <a:ext uri="{FF2B5EF4-FFF2-40B4-BE49-F238E27FC236}">
+                    <a16:creationId xmlns:a16="http://schemas.microsoft.com/office/drawing/2014/main" id="{75C819FB-F148-7844-BD60-B437896155AD}"/>
+                  </a:ext>
+                </a:extLst>
+              </p:cNvPr>
+              <p:cNvSpPr txBox="1">
+                <a:spLocks noRot="1" noChangeAspect="1" noMove="1" noResize="1" noEditPoints="1" noAdjustHandles="1" noChangeArrowheads="1" noChangeShapeType="1" noTextEdit="1"/>
+              </p:cNvSpPr>
+              <p:nvPr/>
+            </p:nvSpPr>
+            <p:spPr>
+              <a:xfrm>
+                <a:off x="5479453" y="2587059"/>
+                <a:ext cx="568070" cy="424283"/>
+              </a:xfrm>
+              <a:prstGeom prst="rect">
+                <a:avLst/>
+              </a:prstGeom>
+              <a:blipFill>
+                <a:blip r:embed="rId18"/>
+                <a:stretch>
+                  <a:fillRect r="-8696" b="-8571"/>
+                </a:stretch>
+              </a:blipFill>
+            </p:spPr>
+            <p:txBody>
+              <a:bodyPr/>
+              <a:lstStyle/>
+              <a:p>
+                <a:r>
+                  <a:rPr lang="en-US">
+                    <a:noFill/>
+                  </a:rPr>
+                  <a:t> </a:t>
+                </a:r>
+              </a:p>
+            </p:txBody>
+          </p:sp>
+        </mc:Fallback>
+      </mc:AlternateContent>
+      <mc:AlternateContent xmlns:mc="http://schemas.openxmlformats.org/markup-compatibility/2006">
+        <mc:Choice xmlns:a14="http://schemas.microsoft.com/office/drawing/2010/main" Requires="a14">
+          <p:sp>
+            <p:nvSpPr>
+              <p:cNvPr id="21" name="TextBox 20">
+                <a:extLst>
+                  <a:ext uri="{FF2B5EF4-FFF2-40B4-BE49-F238E27FC236}">
+                    <a16:creationId xmlns:a16="http://schemas.microsoft.com/office/drawing/2014/main" id="{DFFB4031-77E8-A043-BCA8-F09281198682}"/>
+                  </a:ext>
+                </a:extLst>
+              </p:cNvPr>
+              <p:cNvSpPr txBox="1"/>
+              <p:nvPr/>
+            </p:nvSpPr>
+            <p:spPr>
+              <a:xfrm>
+                <a:off x="7094363" y="2562506"/>
+                <a:ext cx="612772" cy="424283"/>
+              </a:xfrm>
+              <a:prstGeom prst="rect">
+                <a:avLst/>
+              </a:prstGeom>
+              <a:solidFill>
+                <a:schemeClr val="bg1"/>
+              </a:solidFill>
+            </p:spPr>
+            <p:txBody>
+              <a:bodyPr wrap="square" rtlCol="0">
+                <a:spAutoFit/>
+              </a:bodyPr>
+              <a:lstStyle/>
+              <a:p>
+                <a:pPr/>
+                <a14:m>
+                  <m:oMathPara xmlns:m="http://schemas.openxmlformats.org/officeDocument/2006/math">
+                    <m:oMathParaPr>
+                      <m:jc m:val="centerGroup"/>
+                    </m:oMathParaPr>
+                    <m:oMath xmlns:m="http://schemas.openxmlformats.org/officeDocument/2006/math">
+                      <m:sSub>
+                        <m:sSubPr>
+                          <m:ctrlPr>
+                            <a:rPr lang="en-US" sz="2000" b="0" i="1" dirty="0" smtClean="0">
+                              <a:solidFill>
+                                <a:schemeClr val="bg1"/>
+                              </a:solidFill>
+                              <a:latin typeface="Cambria Math" panose="02040503050406030204" pitchFamily="18" charset="0"/>
+                            </a:rPr>
+                          </m:ctrlPr>
+                        </m:sSubPr>
+                        <m:e>
+                          <m:r>
+                            <a:rPr lang="en-US" sz="2000" b="0" i="1" dirty="0" smtClean="0">
+                              <a:solidFill>
+                                <a:schemeClr val="bg1"/>
+                              </a:solidFill>
+                              <a:latin typeface="Cambria Math" panose="02040503050406030204" pitchFamily="18" charset="0"/>
+                            </a:rPr>
+                            <m:t>𝑊</m:t>
+                          </m:r>
+                        </m:e>
+                        <m:sub>
+                          <m:r>
+                            <a:rPr lang="en-US" sz="2000" b="0" i="1" dirty="0" smtClean="0">
+                              <a:solidFill>
+                                <a:schemeClr val="bg1"/>
+                              </a:solidFill>
+                              <a:latin typeface="Cambria Math" panose="02040503050406030204" pitchFamily="18" charset="0"/>
+                            </a:rPr>
+                            <m:t>h𝑦</m:t>
+                          </m:r>
+                        </m:sub>
+                      </m:sSub>
+                    </m:oMath>
+                  </m:oMathPara>
+                </a14:m>
+                <a:endParaRPr lang="en-US" sz="2000" b="0" dirty="0">
+                  <a:solidFill>
+                    <a:schemeClr val="bg1"/>
+                  </a:solidFill>
+                </a:endParaRPr>
+              </a:p>
+            </p:txBody>
+          </p:sp>
+        </mc:Choice>
+        <mc:Fallback>
+          <p:sp>
+            <p:nvSpPr>
+              <p:cNvPr id="21" name="TextBox 20">
+                <a:extLst>
+                  <a:ext uri="{FF2B5EF4-FFF2-40B4-BE49-F238E27FC236}">
+                    <a16:creationId xmlns:a16="http://schemas.microsoft.com/office/drawing/2014/main" id="{DFFB4031-77E8-A043-BCA8-F09281198682}"/>
+                  </a:ext>
+                </a:extLst>
+              </p:cNvPr>
+              <p:cNvSpPr txBox="1">
+                <a:spLocks noRot="1" noChangeAspect="1" noMove="1" noResize="1" noEditPoints="1" noAdjustHandles="1" noChangeArrowheads="1" noChangeShapeType="1" noTextEdit="1"/>
+              </p:cNvSpPr>
+              <p:nvPr/>
+            </p:nvSpPr>
+            <p:spPr>
+              <a:xfrm>
+                <a:off x="7094363" y="2562506"/>
+                <a:ext cx="612772" cy="424283"/>
+              </a:xfrm>
+              <a:prstGeom prst="rect">
+                <a:avLst/>
+              </a:prstGeom>
+              <a:blipFill>
+                <a:blip r:embed="rId19"/>
+                <a:stretch>
+                  <a:fillRect r="-2041" b="-8571"/>
+                </a:stretch>
+              </a:blipFill>
+            </p:spPr>
+            <p:txBody>
+              <a:bodyPr/>
+              <a:lstStyle/>
+              <a:p>
+                <a:r>
+                  <a:rPr lang="en-US">
+                    <a:noFill/>
+                  </a:rPr>
+                  <a:t> </a:t>
+                </a:r>
+              </a:p>
+            </p:txBody>
+          </p:sp>
+        </mc:Fallback>
+      </mc:AlternateContent>
+      <mc:AlternateContent xmlns:mc="http://schemas.openxmlformats.org/markup-compatibility/2006">
+        <mc:Choice xmlns:a14="http://schemas.microsoft.com/office/drawing/2010/main" Requires="a14">
+          <p:sp>
+            <p:nvSpPr>
+              <p:cNvPr id="22" name="TextBox 21">
+                <a:extLst>
+                  <a:ext uri="{FF2B5EF4-FFF2-40B4-BE49-F238E27FC236}">
+                    <a16:creationId xmlns:a16="http://schemas.microsoft.com/office/drawing/2014/main" id="{FD383C2E-0115-124B-8CF0-F06B62822363}"/>
+                  </a:ext>
+                </a:extLst>
+              </p:cNvPr>
+              <p:cNvSpPr txBox="1"/>
+              <p:nvPr/>
+            </p:nvSpPr>
+            <p:spPr>
+              <a:xfrm>
+                <a:off x="8828648" y="2562506"/>
+                <a:ext cx="576649" cy="424283"/>
+              </a:xfrm>
+              <a:prstGeom prst="rect">
+                <a:avLst/>
+              </a:prstGeom>
+              <a:solidFill>
+                <a:schemeClr val="bg1"/>
+              </a:solidFill>
+            </p:spPr>
+            <p:txBody>
+              <a:bodyPr wrap="square" rtlCol="0">
+                <a:spAutoFit/>
+              </a:bodyPr>
+              <a:lstStyle/>
+              <a:p>
+                <a:pPr/>
+                <a14:m>
+                  <m:oMathPara xmlns:m="http://schemas.openxmlformats.org/officeDocument/2006/math">
+                    <m:oMathParaPr>
+                      <m:jc m:val="centerGroup"/>
+                    </m:oMathParaPr>
+                    <m:oMath xmlns:m="http://schemas.openxmlformats.org/officeDocument/2006/math">
+                      <m:sSub>
+                        <m:sSubPr>
+                          <m:ctrlPr>
+                            <a:rPr lang="en-US" sz="2000" b="0" i="1" dirty="0" smtClean="0">
+                              <a:solidFill>
+                                <a:schemeClr val="bg1"/>
+                              </a:solidFill>
+                              <a:latin typeface="Cambria Math" panose="02040503050406030204" pitchFamily="18" charset="0"/>
+                            </a:rPr>
+                          </m:ctrlPr>
+                        </m:sSubPr>
+                        <m:e>
+                          <m:r>
+                            <a:rPr lang="en-US" sz="2000" b="0" i="1" dirty="0" smtClean="0">
+                              <a:solidFill>
+                                <a:schemeClr val="bg1"/>
+                              </a:solidFill>
+                              <a:latin typeface="Cambria Math" panose="02040503050406030204" pitchFamily="18" charset="0"/>
+                            </a:rPr>
+                            <m:t>𝑊</m:t>
+                          </m:r>
+                        </m:e>
+                        <m:sub>
+                          <m:r>
+                            <a:rPr lang="en-US" sz="2000" b="0" i="1" dirty="0" smtClean="0">
+                              <a:solidFill>
+                                <a:schemeClr val="bg1"/>
+                              </a:solidFill>
+                              <a:latin typeface="Cambria Math" panose="02040503050406030204" pitchFamily="18" charset="0"/>
+                            </a:rPr>
+                            <m:t>h𝑦</m:t>
+                          </m:r>
+                        </m:sub>
+                      </m:sSub>
+                    </m:oMath>
+                  </m:oMathPara>
+                </a14:m>
+                <a:endParaRPr lang="en-US" sz="2000" b="0" dirty="0">
+                  <a:solidFill>
+                    <a:schemeClr val="bg1"/>
+                  </a:solidFill>
+                </a:endParaRPr>
+              </a:p>
+            </p:txBody>
+          </p:sp>
+        </mc:Choice>
+        <mc:Fallback>
+          <p:sp>
+            <p:nvSpPr>
+              <p:cNvPr id="22" name="TextBox 21">
+                <a:extLst>
+                  <a:ext uri="{FF2B5EF4-FFF2-40B4-BE49-F238E27FC236}">
+                    <a16:creationId xmlns:a16="http://schemas.microsoft.com/office/drawing/2014/main" id="{FD383C2E-0115-124B-8CF0-F06B62822363}"/>
+                  </a:ext>
+                </a:extLst>
+              </p:cNvPr>
+              <p:cNvSpPr txBox="1">
+                <a:spLocks noRot="1" noChangeAspect="1" noMove="1" noResize="1" noEditPoints="1" noAdjustHandles="1" noChangeArrowheads="1" noChangeShapeType="1" noTextEdit="1"/>
+              </p:cNvSpPr>
+              <p:nvPr/>
+            </p:nvSpPr>
+            <p:spPr>
+              <a:xfrm>
+                <a:off x="8828648" y="2562506"/>
+                <a:ext cx="576649" cy="424283"/>
+              </a:xfrm>
+              <a:prstGeom prst="rect">
+                <a:avLst/>
+              </a:prstGeom>
+              <a:blipFill>
+                <a:blip r:embed="rId20"/>
+                <a:stretch>
+                  <a:fillRect r="-6522" b="-8571"/>
+                </a:stretch>
+              </a:blipFill>
+            </p:spPr>
+            <p:txBody>
+              <a:bodyPr/>
+              <a:lstStyle/>
+              <a:p>
+                <a:r>
+                  <a:rPr lang="en-US">
+                    <a:noFill/>
+                  </a:rPr>
+                  <a:t> </a:t>
+                </a:r>
+              </a:p>
+            </p:txBody>
+          </p:sp>
+        </mc:Fallback>
+      </mc:AlternateContent>
+      <mc:AlternateContent xmlns:mc="http://schemas.openxmlformats.org/markup-compatibility/2006">
+        <mc:Choice xmlns:a14="http://schemas.microsoft.com/office/drawing/2010/main" Requires="a14">
+          <p:sp>
+            <p:nvSpPr>
+              <p:cNvPr id="23" name="TextBox 22">
+                <a:extLst>
+                  <a:ext uri="{FF2B5EF4-FFF2-40B4-BE49-F238E27FC236}">
+                    <a16:creationId xmlns:a16="http://schemas.microsoft.com/office/drawing/2014/main" id="{5EBB4F96-DC0B-7544-B5C4-93A4EBEDA771}"/>
+                  </a:ext>
+                </a:extLst>
+              </p:cNvPr>
+              <p:cNvSpPr txBox="1"/>
+              <p:nvPr/>
+            </p:nvSpPr>
+            <p:spPr>
+              <a:xfrm>
+                <a:off x="5744782" y="1674488"/>
+                <a:ext cx="605481" cy="400110"/>
+              </a:xfrm>
+              <a:prstGeom prst="rect">
+                <a:avLst/>
+              </a:prstGeom>
+              <a:solidFill>
+                <a:schemeClr val="bg1"/>
+              </a:solidFill>
+            </p:spPr>
+            <p:txBody>
+              <a:bodyPr wrap="square" rtlCol="0">
+                <a:spAutoFit/>
+              </a:bodyPr>
+              <a:lstStyle/>
+              <a:p>
+                <a:pPr/>
+                <a14:m>
+                  <m:oMathPara xmlns:m="http://schemas.openxmlformats.org/officeDocument/2006/math">
+                    <m:oMathParaPr>
+                      <m:jc m:val="centerGroup"/>
+                    </m:oMathParaPr>
+                    <m:oMath xmlns:m="http://schemas.openxmlformats.org/officeDocument/2006/math">
+                      <m:r>
+                        <a:rPr lang="en-US" sz="2000" i="1" dirty="0" smtClean="0">
+                          <a:latin typeface="Cambria Math" panose="02040503050406030204" pitchFamily="18" charset="0"/>
+                        </a:rPr>
+                        <m:t>𝑦</m:t>
+                      </m:r>
+                    </m:oMath>
+                  </m:oMathPara>
+                </a14:m>
+                <a:endParaRPr lang="en-US" sz="2000" dirty="0"/>
+              </a:p>
+            </p:txBody>
+          </p:sp>
+        </mc:Choice>
+        <mc:Fallback>
+          <p:sp>
+            <p:nvSpPr>
+              <p:cNvPr id="23" name="TextBox 22">
+                <a:extLst>
+                  <a:ext uri="{FF2B5EF4-FFF2-40B4-BE49-F238E27FC236}">
+                    <a16:creationId xmlns:a16="http://schemas.microsoft.com/office/drawing/2014/main" id="{5EBB4F96-DC0B-7544-B5C4-93A4EBEDA771}"/>
+                  </a:ext>
+                </a:extLst>
+              </p:cNvPr>
+              <p:cNvSpPr txBox="1">
+                <a:spLocks noRot="1" noChangeAspect="1" noMove="1" noResize="1" noEditPoints="1" noAdjustHandles="1" noChangeArrowheads="1" noChangeShapeType="1" noTextEdit="1"/>
+              </p:cNvSpPr>
+              <p:nvPr/>
+            </p:nvSpPr>
+            <p:spPr>
+              <a:xfrm>
+                <a:off x="5744782" y="1674488"/>
+                <a:ext cx="605481" cy="400110"/>
+              </a:xfrm>
+              <a:prstGeom prst="rect">
+                <a:avLst/>
+              </a:prstGeom>
+              <a:blipFill>
+                <a:blip r:embed="rId21"/>
+                <a:stretch>
+                  <a:fillRect b="-6250"/>
+                </a:stretch>
+              </a:blipFill>
+            </p:spPr>
+            <p:txBody>
+              <a:bodyPr/>
+              <a:lstStyle/>
+              <a:p>
+                <a:r>
+                  <a:rPr lang="en-US">
+                    <a:noFill/>
+                  </a:rPr>
+                  <a:t> </a:t>
+                </a:r>
+              </a:p>
+            </p:txBody>
+          </p:sp>
+        </mc:Fallback>
+      </mc:AlternateContent>
+      <mc:AlternateContent xmlns:mc="http://schemas.openxmlformats.org/markup-compatibility/2006">
+        <mc:Choice xmlns:a14="http://schemas.microsoft.com/office/drawing/2010/main" Requires="a14">
+          <p:sp>
+            <p:nvSpPr>
+              <p:cNvPr id="24" name="TextBox 23">
+                <a:extLst>
+                  <a:ext uri="{FF2B5EF4-FFF2-40B4-BE49-F238E27FC236}">
+                    <a16:creationId xmlns:a16="http://schemas.microsoft.com/office/drawing/2014/main" id="{5B9F96FB-5D36-5648-983A-5C52F1F48E67}"/>
+                  </a:ext>
+                </a:extLst>
+              </p:cNvPr>
+              <p:cNvSpPr txBox="1"/>
+              <p:nvPr/>
+            </p:nvSpPr>
+            <p:spPr>
+              <a:xfrm>
+                <a:off x="7400749" y="1674488"/>
+                <a:ext cx="605481" cy="400110"/>
+              </a:xfrm>
+              <a:prstGeom prst="rect">
+                <a:avLst/>
+              </a:prstGeom>
+              <a:solidFill>
+                <a:schemeClr val="bg1"/>
+              </a:solidFill>
+            </p:spPr>
+            <p:txBody>
+              <a:bodyPr wrap="square" rtlCol="0">
+                <a:spAutoFit/>
+              </a:bodyPr>
+              <a:lstStyle/>
+              <a:p>
+                <a:pPr/>
+                <a14:m>
+                  <m:oMathPara xmlns:m="http://schemas.openxmlformats.org/officeDocument/2006/math">
+                    <m:oMathParaPr>
+                      <m:jc m:val="centerGroup"/>
+                    </m:oMathParaPr>
+                    <m:oMath xmlns:m="http://schemas.openxmlformats.org/officeDocument/2006/math">
+                      <m:r>
+                        <a:rPr lang="en-US" sz="2000" i="1" dirty="0" smtClean="0">
+                          <a:latin typeface="Cambria Math" panose="02040503050406030204" pitchFamily="18" charset="0"/>
+                        </a:rPr>
+                        <m:t>𝑦</m:t>
+                      </m:r>
+                    </m:oMath>
+                  </m:oMathPara>
+                </a14:m>
+                <a:endParaRPr lang="en-US" sz="2000" dirty="0"/>
+              </a:p>
+            </p:txBody>
+          </p:sp>
+        </mc:Choice>
+        <mc:Fallback>
+          <p:sp>
+            <p:nvSpPr>
+              <p:cNvPr id="24" name="TextBox 23">
+                <a:extLst>
+                  <a:ext uri="{FF2B5EF4-FFF2-40B4-BE49-F238E27FC236}">
+                    <a16:creationId xmlns:a16="http://schemas.microsoft.com/office/drawing/2014/main" id="{5B9F96FB-5D36-5648-983A-5C52F1F48E67}"/>
+                  </a:ext>
+                </a:extLst>
+              </p:cNvPr>
+              <p:cNvSpPr txBox="1">
+                <a:spLocks noRot="1" noChangeAspect="1" noMove="1" noResize="1" noEditPoints="1" noAdjustHandles="1" noChangeArrowheads="1" noChangeShapeType="1" noTextEdit="1"/>
+              </p:cNvSpPr>
+              <p:nvPr/>
+            </p:nvSpPr>
+            <p:spPr>
+              <a:xfrm>
+                <a:off x="7400749" y="1674488"/>
+                <a:ext cx="605481" cy="400110"/>
+              </a:xfrm>
+              <a:prstGeom prst="rect">
+                <a:avLst/>
+              </a:prstGeom>
+              <a:blipFill>
+                <a:blip r:embed="rId22"/>
+                <a:stretch>
+                  <a:fillRect b="-6250"/>
+                </a:stretch>
+              </a:blipFill>
+            </p:spPr>
+            <p:txBody>
+              <a:bodyPr/>
+              <a:lstStyle/>
+              <a:p>
+                <a:r>
+                  <a:rPr lang="en-US">
+                    <a:noFill/>
+                  </a:rPr>
+                  <a:t> </a:t>
+                </a:r>
+              </a:p>
+            </p:txBody>
+          </p:sp>
+        </mc:Fallback>
+      </mc:AlternateContent>
+      <mc:AlternateContent xmlns:mc="http://schemas.openxmlformats.org/markup-compatibility/2006">
+        <mc:Choice xmlns:a14="http://schemas.microsoft.com/office/drawing/2010/main" Requires="a14">
+          <p:sp>
+            <p:nvSpPr>
+              <p:cNvPr id="25" name="TextBox 24">
+                <a:extLst>
+                  <a:ext uri="{FF2B5EF4-FFF2-40B4-BE49-F238E27FC236}">
+                    <a16:creationId xmlns:a16="http://schemas.microsoft.com/office/drawing/2014/main" id="{80DA5821-651E-F147-B9BB-D38F31E88174}"/>
+                  </a:ext>
+                </a:extLst>
+              </p:cNvPr>
+              <p:cNvSpPr txBox="1"/>
+              <p:nvPr/>
+            </p:nvSpPr>
+            <p:spPr>
+              <a:xfrm>
+                <a:off x="9056716" y="1703516"/>
+                <a:ext cx="605481" cy="400110"/>
+              </a:xfrm>
+              <a:prstGeom prst="rect">
+                <a:avLst/>
+              </a:prstGeom>
+              <a:solidFill>
+                <a:schemeClr val="bg1"/>
+              </a:solidFill>
+            </p:spPr>
+            <p:txBody>
+              <a:bodyPr wrap="square" rtlCol="0">
+                <a:spAutoFit/>
+              </a:bodyPr>
+              <a:lstStyle/>
+              <a:p>
+                <a:pPr/>
+                <a14:m>
+                  <m:oMathPara xmlns:m="http://schemas.openxmlformats.org/officeDocument/2006/math">
+                    <m:oMathParaPr>
+                      <m:jc m:val="centerGroup"/>
+                    </m:oMathParaPr>
+                    <m:oMath xmlns:m="http://schemas.openxmlformats.org/officeDocument/2006/math">
+                      <m:r>
+                        <a:rPr lang="en-US" sz="2000" i="1" dirty="0" smtClean="0">
+                          <a:latin typeface="Cambria Math" panose="02040503050406030204" pitchFamily="18" charset="0"/>
+                        </a:rPr>
+                        <m:t>𝑦</m:t>
+                      </m:r>
+                    </m:oMath>
+                  </m:oMathPara>
+                </a14:m>
+                <a:endParaRPr lang="en-US" sz="2000" dirty="0"/>
+              </a:p>
+            </p:txBody>
+          </p:sp>
+        </mc:Choice>
+        <mc:Fallback>
+          <p:sp>
+            <p:nvSpPr>
+              <p:cNvPr id="25" name="TextBox 24">
+                <a:extLst>
+                  <a:ext uri="{FF2B5EF4-FFF2-40B4-BE49-F238E27FC236}">
+                    <a16:creationId xmlns:a16="http://schemas.microsoft.com/office/drawing/2014/main" id="{80DA5821-651E-F147-B9BB-D38F31E88174}"/>
+                  </a:ext>
+                </a:extLst>
+              </p:cNvPr>
+              <p:cNvSpPr txBox="1">
+                <a:spLocks noRot="1" noChangeAspect="1" noMove="1" noResize="1" noEditPoints="1" noAdjustHandles="1" noChangeArrowheads="1" noChangeShapeType="1" noTextEdit="1"/>
+              </p:cNvSpPr>
+              <p:nvPr/>
+            </p:nvSpPr>
+            <p:spPr>
+              <a:xfrm>
+                <a:off x="9056716" y="1703516"/>
+                <a:ext cx="605481" cy="400110"/>
+              </a:xfrm>
+              <a:prstGeom prst="rect">
+                <a:avLst/>
+              </a:prstGeom>
+              <a:blipFill>
+                <a:blip r:embed="rId23"/>
+                <a:stretch>
+                  <a:fillRect b="-6061"/>
+                </a:stretch>
+              </a:blipFill>
+            </p:spPr>
+            <p:txBody>
+              <a:bodyPr/>
+              <a:lstStyle/>
+              <a:p>
+                <a:r>
+                  <a:rPr lang="en-US">
+                    <a:noFill/>
+                  </a:rPr>
+                  <a:t> </a:t>
+                </a:r>
+              </a:p>
+            </p:txBody>
+          </p:sp>
+        </mc:Fallback>
+      </mc:AlternateContent>
+      <p:sp>
+        <p:nvSpPr>
+          <p:cNvPr id="26" name="TextBox 25">
+            <a:extLst>
+              <a:ext uri="{FF2B5EF4-FFF2-40B4-BE49-F238E27FC236}">
+                <a16:creationId xmlns:a16="http://schemas.microsoft.com/office/drawing/2014/main" id="{1D30CD42-B122-6F4C-B37B-74E62542A594}"/>
+              </a:ext>
+            </a:extLst>
+          </p:cNvPr>
+          <p:cNvSpPr txBox="1"/>
+          <p:nvPr/>
+        </p:nvSpPr>
+        <p:spPr>
+          <a:xfrm>
+            <a:off x="5639995" y="4701181"/>
+            <a:ext cx="955261" cy="523220"/>
+          </a:xfrm>
+          <a:prstGeom prst="rect">
+            <a:avLst/>
+          </a:prstGeom>
+          <a:solidFill>
+            <a:schemeClr val="bg1"/>
+          </a:solidFill>
+        </p:spPr>
+        <p:txBody>
+          <a:bodyPr wrap="square" rtlCol="0">
+            <a:spAutoFit/>
+          </a:bodyPr>
+          <a:lstStyle/>
+          <a:p>
+            <a:r>
+              <a:rPr lang="en-US" sz="2800" dirty="0"/>
+              <a:t>snow</a:t>
+            </a:r>
+          </a:p>
+        </p:txBody>
+      </p:sp>
+      <p:sp>
+        <p:nvSpPr>
+          <p:cNvPr id="27" name="TextBox 26">
+            <a:extLst>
+              <a:ext uri="{FF2B5EF4-FFF2-40B4-BE49-F238E27FC236}">
+                <a16:creationId xmlns:a16="http://schemas.microsoft.com/office/drawing/2014/main" id="{29B1F8A0-A3F2-124C-A5D6-D14991C8E402}"/>
+              </a:ext>
+            </a:extLst>
+          </p:cNvPr>
+          <p:cNvSpPr txBox="1"/>
+          <p:nvPr/>
+        </p:nvSpPr>
+        <p:spPr>
+          <a:xfrm>
+            <a:off x="7298230" y="4695753"/>
+            <a:ext cx="1030225" cy="523220"/>
+          </a:xfrm>
+          <a:prstGeom prst="rect">
+            <a:avLst/>
+          </a:prstGeom>
+          <a:solidFill>
+            <a:schemeClr val="bg1"/>
+          </a:solidFill>
+        </p:spPr>
+        <p:txBody>
+          <a:bodyPr wrap="square" rtlCol="0">
+            <a:spAutoFit/>
+          </a:bodyPr>
+          <a:lstStyle/>
+          <a:p>
+            <a:r>
+              <a:rPr lang="en-US" sz="2800" dirty="0"/>
+              <a:t>white</a:t>
+            </a:r>
+          </a:p>
+        </p:txBody>
+      </p:sp>
+      <p:sp>
+        <p:nvSpPr>
+          <p:cNvPr id="28" name="TextBox 27">
+            <a:extLst>
+              <a:ext uri="{FF2B5EF4-FFF2-40B4-BE49-F238E27FC236}">
+                <a16:creationId xmlns:a16="http://schemas.microsoft.com/office/drawing/2014/main" id="{8798B1A5-BFAA-FD44-A234-3B8B9F370647}"/>
+              </a:ext>
+            </a:extLst>
+          </p:cNvPr>
+          <p:cNvSpPr txBox="1"/>
+          <p:nvPr/>
+        </p:nvSpPr>
+        <p:spPr>
+          <a:xfrm>
+            <a:off x="9274959" y="4695753"/>
+            <a:ext cx="895505" cy="523220"/>
+          </a:xfrm>
+          <a:prstGeom prst="rect">
+            <a:avLst/>
+          </a:prstGeom>
+          <a:solidFill>
+            <a:schemeClr val="bg1"/>
+          </a:solidFill>
+        </p:spPr>
+        <p:txBody>
+          <a:bodyPr wrap="square" rtlCol="0">
+            <a:spAutoFit/>
+          </a:bodyPr>
+          <a:lstStyle/>
+          <a:p>
+            <a:r>
+              <a:rPr lang="en-US" sz="2800" dirty="0"/>
+              <a:t>is</a:t>
+            </a:r>
+          </a:p>
+        </p:txBody>
+      </p:sp>
+      <p:sp>
+        <p:nvSpPr>
+          <p:cNvPr id="30" name="TextBox 29">
+            <a:extLst>
+              <a:ext uri="{FF2B5EF4-FFF2-40B4-BE49-F238E27FC236}">
+                <a16:creationId xmlns:a16="http://schemas.microsoft.com/office/drawing/2014/main" id="{941D3D9B-AB52-3342-AD98-44F3A6533FB1}"/>
+              </a:ext>
+            </a:extLst>
+          </p:cNvPr>
+          <p:cNvSpPr txBox="1"/>
+          <p:nvPr/>
+        </p:nvSpPr>
+        <p:spPr>
+          <a:xfrm>
+            <a:off x="7238709" y="1707998"/>
+            <a:ext cx="1103708" cy="523220"/>
+          </a:xfrm>
+          <a:prstGeom prst="rect">
+            <a:avLst/>
+          </a:prstGeom>
+          <a:solidFill>
+            <a:schemeClr val="bg1"/>
+          </a:solidFill>
+        </p:spPr>
+        <p:txBody>
+          <a:bodyPr wrap="square" rtlCol="0">
+            <a:spAutoFit/>
+          </a:bodyPr>
+          <a:lstStyle/>
+          <a:p>
+            <a:r>
+              <a:rPr lang="en-US" sz="2800" dirty="0"/>
+              <a:t>Noun</a:t>
+            </a:r>
+          </a:p>
+        </p:txBody>
+      </p:sp>
+      <p:sp>
+        <p:nvSpPr>
+          <p:cNvPr id="31" name="TextBox 30">
+            <a:extLst>
+              <a:ext uri="{FF2B5EF4-FFF2-40B4-BE49-F238E27FC236}">
+                <a16:creationId xmlns:a16="http://schemas.microsoft.com/office/drawing/2014/main" id="{0871CEB3-72A5-7143-BDE8-F580A9CD115D}"/>
+              </a:ext>
+            </a:extLst>
+          </p:cNvPr>
+          <p:cNvSpPr txBox="1"/>
+          <p:nvPr/>
+        </p:nvSpPr>
+        <p:spPr>
+          <a:xfrm>
+            <a:off x="9034657" y="1718257"/>
+            <a:ext cx="1135807" cy="523220"/>
+          </a:xfrm>
+          <a:prstGeom prst="rect">
+            <a:avLst/>
+          </a:prstGeom>
+          <a:solidFill>
+            <a:schemeClr val="bg1"/>
+          </a:solidFill>
+        </p:spPr>
+        <p:txBody>
+          <a:bodyPr wrap="square" rtlCol="0">
+            <a:spAutoFit/>
+          </a:bodyPr>
+          <a:lstStyle/>
+          <a:p>
+            <a:r>
+              <a:rPr lang="en-US" sz="2800" dirty="0"/>
+              <a:t>Verb</a:t>
+            </a:r>
+          </a:p>
+        </p:txBody>
+      </p:sp>
+      <p:sp>
+        <p:nvSpPr>
+          <p:cNvPr id="2" name="Oval 1">
+            <a:extLst>
+              <a:ext uri="{FF2B5EF4-FFF2-40B4-BE49-F238E27FC236}">
+                <a16:creationId xmlns:a16="http://schemas.microsoft.com/office/drawing/2014/main" id="{EC2F245C-81B7-9843-880A-ED1704266DDB}"/>
+              </a:ext>
+            </a:extLst>
+          </p:cNvPr>
+          <p:cNvSpPr/>
+          <p:nvPr/>
+        </p:nvSpPr>
+        <p:spPr>
+          <a:xfrm>
+            <a:off x="5628147" y="1173677"/>
+            <a:ext cx="1094007" cy="1101055"/>
+          </a:xfrm>
+          <a:prstGeom prst="ellipse">
+            <a:avLst/>
+          </a:prstGeom>
+          <a:solidFill>
+            <a:schemeClr val="bg1"/>
+          </a:solidFill>
+          <a:ln w="28575">
+            <a:solidFill>
+              <a:schemeClr val="accent1"/>
+            </a:solidFill>
+          </a:ln>
+        </p:spPr>
+        <p:style>
+          <a:lnRef idx="2">
+            <a:schemeClr val="accent1">
+              <a:shade val="50000"/>
+            </a:schemeClr>
+          </a:lnRef>
+          <a:fillRef idx="1">
+            <a:schemeClr val="accent1"/>
+          </a:fillRef>
+          <a:effectRef idx="0">
+            <a:schemeClr val="accent1"/>
+          </a:effectRef>
+          <a:fontRef idx="minor">
+            <a:schemeClr val="lt1"/>
+          </a:fontRef>
+        </p:style>
+        <p:txBody>
+          <a:bodyPr rtlCol="0" anchor="ctr"/>
+          <a:lstStyle/>
+          <a:p>
+            <a:pPr algn="ctr"/>
+            <a:r>
+              <a:rPr lang="en-US" sz="2000" dirty="0">
+                <a:solidFill>
+                  <a:schemeClr val="accent1"/>
+                </a:solidFill>
+              </a:rPr>
+              <a:t>Noun</a:t>
+            </a:r>
+          </a:p>
+        </p:txBody>
+      </p:sp>
+      <p:sp>
+        <p:nvSpPr>
+          <p:cNvPr id="32" name="Oval 31">
+            <a:extLst>
+              <a:ext uri="{FF2B5EF4-FFF2-40B4-BE49-F238E27FC236}">
+                <a16:creationId xmlns:a16="http://schemas.microsoft.com/office/drawing/2014/main" id="{B80E590F-3573-2340-8A9F-0417F00EC173}"/>
+              </a:ext>
+            </a:extLst>
+          </p:cNvPr>
+          <p:cNvSpPr/>
+          <p:nvPr/>
+        </p:nvSpPr>
+        <p:spPr>
+          <a:xfrm>
+            <a:off x="7234448" y="1167729"/>
+            <a:ext cx="1094007" cy="1101055"/>
+          </a:xfrm>
+          <a:prstGeom prst="ellipse">
+            <a:avLst/>
+          </a:prstGeom>
+          <a:solidFill>
+            <a:schemeClr val="bg1"/>
+          </a:solidFill>
+          <a:ln w="28575">
+            <a:solidFill>
+              <a:schemeClr val="accent1"/>
+            </a:solidFill>
+          </a:ln>
+        </p:spPr>
+        <p:style>
+          <a:lnRef idx="2">
+            <a:schemeClr val="accent1">
+              <a:shade val="50000"/>
+            </a:schemeClr>
+          </a:lnRef>
+          <a:fillRef idx="1">
+            <a:schemeClr val="accent1"/>
+          </a:fillRef>
+          <a:effectRef idx="0">
+            <a:schemeClr val="accent1"/>
+          </a:effectRef>
+          <a:fontRef idx="minor">
+            <a:schemeClr val="lt1"/>
+          </a:fontRef>
+        </p:style>
+        <p:txBody>
+          <a:bodyPr rtlCol="0" anchor="ctr"/>
+          <a:lstStyle/>
+          <a:p>
+            <a:pPr algn="ctr"/>
+            <a:r>
+              <a:rPr lang="en-US" sz="2000" dirty="0">
+                <a:solidFill>
+                  <a:schemeClr val="accent1"/>
+                </a:solidFill>
+              </a:rPr>
+              <a:t>Noun</a:t>
+            </a:r>
+          </a:p>
+        </p:txBody>
+      </p:sp>
+      <p:sp>
+        <p:nvSpPr>
+          <p:cNvPr id="33" name="Oval 32">
+            <a:extLst>
+              <a:ext uri="{FF2B5EF4-FFF2-40B4-BE49-F238E27FC236}">
+                <a16:creationId xmlns:a16="http://schemas.microsoft.com/office/drawing/2014/main" id="{BD69ED97-DD93-8C45-B811-68692B08973A}"/>
+              </a:ext>
+            </a:extLst>
+          </p:cNvPr>
+          <p:cNvSpPr/>
+          <p:nvPr/>
+        </p:nvSpPr>
+        <p:spPr>
+          <a:xfrm>
+            <a:off x="8926242" y="1165227"/>
+            <a:ext cx="1094007" cy="1101055"/>
+          </a:xfrm>
+          <a:prstGeom prst="ellipse">
+            <a:avLst/>
+          </a:prstGeom>
+          <a:solidFill>
+            <a:schemeClr val="bg1"/>
+          </a:solidFill>
+          <a:ln w="28575">
+            <a:solidFill>
+              <a:schemeClr val="accent1"/>
+            </a:solidFill>
+          </a:ln>
+        </p:spPr>
+        <p:style>
+          <a:lnRef idx="2">
+            <a:schemeClr val="accent1">
+              <a:shade val="50000"/>
+            </a:schemeClr>
+          </a:lnRef>
+          <a:fillRef idx="1">
+            <a:schemeClr val="accent1"/>
+          </a:fillRef>
+          <a:effectRef idx="0">
+            <a:schemeClr val="accent1"/>
+          </a:effectRef>
+          <a:fontRef idx="minor">
+            <a:schemeClr val="lt1"/>
+          </a:fontRef>
+        </p:style>
+        <p:txBody>
+          <a:bodyPr rtlCol="0" anchor="ctr"/>
+          <a:lstStyle/>
+          <a:p>
+            <a:pPr algn="ctr"/>
+            <a:r>
+              <a:rPr lang="en-US" sz="2000" dirty="0">
+                <a:solidFill>
+                  <a:schemeClr val="accent1"/>
+                </a:solidFill>
+              </a:rPr>
+              <a:t>Verb</a:t>
+            </a:r>
+          </a:p>
+        </p:txBody>
+      </p:sp>
+      <p:cxnSp>
+        <p:nvCxnSpPr>
+          <p:cNvPr id="34" name="Straight Arrow Connector 33">
+            <a:extLst>
+              <a:ext uri="{FF2B5EF4-FFF2-40B4-BE49-F238E27FC236}">
+                <a16:creationId xmlns:a16="http://schemas.microsoft.com/office/drawing/2014/main" id="{A8876026-7A8F-0C47-8603-BB168A521F0B}"/>
+              </a:ext>
+            </a:extLst>
+          </p:cNvPr>
+          <p:cNvCxnSpPr>
+            <a:stCxn id="2" idx="6"/>
+            <a:endCxn id="32" idx="2"/>
+          </p:cNvCxnSpPr>
+          <p:nvPr/>
+        </p:nvCxnSpPr>
+        <p:spPr>
+          <a:xfrm flipV="1">
+            <a:off x="6722154" y="1718257"/>
+            <a:ext cx="512294" cy="5948"/>
+          </a:xfrm>
+          <a:prstGeom prst="straightConnector1">
+            <a:avLst/>
+          </a:prstGeom>
+          <a:ln w="41275">
+            <a:tailEnd type="none"/>
+          </a:ln>
+        </p:spPr>
+        <p:style>
+          <a:lnRef idx="1">
+            <a:schemeClr val="accent1"/>
+          </a:lnRef>
+          <a:fillRef idx="0">
+            <a:schemeClr val="accent1"/>
+          </a:fillRef>
+          <a:effectRef idx="0">
+            <a:schemeClr val="accent1"/>
+          </a:effectRef>
+          <a:fontRef idx="minor">
+            <a:schemeClr val="tx1"/>
+          </a:fontRef>
+        </p:style>
+      </p:cxnSp>
+      <p:cxnSp>
+        <p:nvCxnSpPr>
+          <p:cNvPr id="35" name="Straight Arrow Connector 34">
+            <a:extLst>
+              <a:ext uri="{FF2B5EF4-FFF2-40B4-BE49-F238E27FC236}">
+                <a16:creationId xmlns:a16="http://schemas.microsoft.com/office/drawing/2014/main" id="{80FE6AE2-1DAE-1847-BC71-04E17056B534}"/>
+              </a:ext>
+            </a:extLst>
+          </p:cNvPr>
+          <p:cNvCxnSpPr>
+            <a:cxnSpLocks/>
+            <a:stCxn id="32" idx="6"/>
+            <a:endCxn id="33" idx="2"/>
+          </p:cNvCxnSpPr>
+          <p:nvPr/>
+        </p:nvCxnSpPr>
+        <p:spPr>
+          <a:xfrm flipV="1">
+            <a:off x="8328455" y="1715755"/>
+            <a:ext cx="597787" cy="2502"/>
+          </a:xfrm>
+          <a:prstGeom prst="straightConnector1">
+            <a:avLst/>
+          </a:prstGeom>
+          <a:ln w="41275">
+            <a:tailEnd type="none"/>
+          </a:ln>
+        </p:spPr>
+        <p:style>
+          <a:lnRef idx="1">
+            <a:schemeClr val="accent1"/>
+          </a:lnRef>
+          <a:fillRef idx="0">
+            <a:schemeClr val="accent1"/>
+          </a:fillRef>
+          <a:effectRef idx="0">
+            <a:schemeClr val="accent1"/>
+          </a:effectRef>
+          <a:fontRef idx="minor">
+            <a:schemeClr val="tx1"/>
+          </a:fontRef>
+        </p:style>
+      </p:cxnSp>
+      <p:sp>
+        <p:nvSpPr>
+          <p:cNvPr id="38" name="TextBox 37">
+            <a:extLst>
+              <a:ext uri="{FF2B5EF4-FFF2-40B4-BE49-F238E27FC236}">
+                <a16:creationId xmlns:a16="http://schemas.microsoft.com/office/drawing/2014/main" id="{23B1CC14-5467-3E40-B97C-E8D412D5C895}"/>
+              </a:ext>
+            </a:extLst>
+          </p:cNvPr>
+          <p:cNvSpPr txBox="1"/>
+          <p:nvPr/>
+        </p:nvSpPr>
+        <p:spPr>
+          <a:xfrm>
+            <a:off x="7277993" y="555114"/>
+            <a:ext cx="1756664" cy="646331"/>
+          </a:xfrm>
+          <a:prstGeom prst="rect">
+            <a:avLst/>
+          </a:prstGeom>
+          <a:noFill/>
+        </p:spPr>
+        <p:txBody>
+          <a:bodyPr wrap="square" rtlCol="0">
+            <a:spAutoFit/>
+          </a:bodyPr>
+          <a:lstStyle/>
+          <a:p>
+            <a:r>
+              <a:rPr lang="en-US" sz="3600" dirty="0">
+                <a:solidFill>
+                  <a:schemeClr val="accent1"/>
+                </a:solidFill>
+              </a:rPr>
+              <a:t>CRF</a:t>
+            </a:r>
+          </a:p>
+        </p:txBody>
+      </p:sp>
+      <p:sp>
+        <p:nvSpPr>
+          <p:cNvPr id="39" name="TextBox 38">
+            <a:extLst>
+              <a:ext uri="{FF2B5EF4-FFF2-40B4-BE49-F238E27FC236}">
+                <a16:creationId xmlns:a16="http://schemas.microsoft.com/office/drawing/2014/main" id="{CCED4224-D4E9-444F-B00A-506790F6654C}"/>
+              </a:ext>
+            </a:extLst>
+          </p:cNvPr>
+          <p:cNvSpPr txBox="1"/>
+          <p:nvPr/>
+        </p:nvSpPr>
+        <p:spPr>
+          <a:xfrm>
+            <a:off x="10573438" y="2790943"/>
+            <a:ext cx="1304798" cy="646331"/>
+          </a:xfrm>
+          <a:prstGeom prst="rect">
+            <a:avLst/>
+          </a:prstGeom>
+          <a:noFill/>
+        </p:spPr>
+        <p:txBody>
+          <a:bodyPr wrap="square" rtlCol="0">
+            <a:spAutoFit/>
+          </a:bodyPr>
+          <a:lstStyle/>
+          <a:p>
+            <a:r>
+              <a:rPr lang="en-US" sz="3600" dirty="0"/>
+              <a:t>LSTM</a:t>
+            </a:r>
+          </a:p>
+        </p:txBody>
+      </p:sp>
+      <p:sp>
+        <p:nvSpPr>
+          <p:cNvPr id="42" name="TextBox 41">
+            <a:extLst>
+              <a:ext uri="{FF2B5EF4-FFF2-40B4-BE49-F238E27FC236}">
+                <a16:creationId xmlns:a16="http://schemas.microsoft.com/office/drawing/2014/main" id="{1B987FB9-537B-5D47-8428-98158DFD3E24}"/>
+              </a:ext>
+            </a:extLst>
+          </p:cNvPr>
+          <p:cNvSpPr txBox="1"/>
+          <p:nvPr/>
+        </p:nvSpPr>
+        <p:spPr>
+          <a:xfrm>
+            <a:off x="5928270" y="2295226"/>
+            <a:ext cx="277519" cy="878464"/>
+          </a:xfrm>
+          <a:prstGeom prst="rect">
+            <a:avLst/>
+          </a:prstGeom>
+          <a:solidFill>
+            <a:schemeClr val="bg1"/>
+          </a:solidFill>
+        </p:spPr>
+        <p:txBody>
+          <a:bodyPr wrap="square" rtlCol="0">
+            <a:spAutoFit/>
+          </a:bodyPr>
+          <a:lstStyle/>
+          <a:p>
+            <a:endParaRPr lang="en-US" dirty="0"/>
+          </a:p>
+        </p:txBody>
+      </p:sp>
+      <p:sp>
+        <p:nvSpPr>
+          <p:cNvPr id="43" name="TextBox 42">
+            <a:extLst>
+              <a:ext uri="{FF2B5EF4-FFF2-40B4-BE49-F238E27FC236}">
+                <a16:creationId xmlns:a16="http://schemas.microsoft.com/office/drawing/2014/main" id="{B9C5D5E5-F0B3-7B46-885A-9C9BDDBB8C41}"/>
+              </a:ext>
+            </a:extLst>
+          </p:cNvPr>
+          <p:cNvSpPr txBox="1"/>
+          <p:nvPr/>
+        </p:nvSpPr>
+        <p:spPr>
+          <a:xfrm>
+            <a:off x="7612310" y="2292097"/>
+            <a:ext cx="277519" cy="878464"/>
+          </a:xfrm>
+          <a:prstGeom prst="rect">
+            <a:avLst/>
+          </a:prstGeom>
+          <a:solidFill>
+            <a:schemeClr val="bg1"/>
+          </a:solidFill>
+        </p:spPr>
+        <p:txBody>
+          <a:bodyPr wrap="square" rtlCol="0">
+            <a:spAutoFit/>
+          </a:bodyPr>
+          <a:lstStyle/>
+          <a:p>
+            <a:endParaRPr lang="en-US" dirty="0"/>
+          </a:p>
+        </p:txBody>
+      </p:sp>
+      <p:sp>
+        <p:nvSpPr>
+          <p:cNvPr id="44" name="TextBox 43">
+            <a:extLst>
+              <a:ext uri="{FF2B5EF4-FFF2-40B4-BE49-F238E27FC236}">
+                <a16:creationId xmlns:a16="http://schemas.microsoft.com/office/drawing/2014/main" id="{1F43BF10-4AF9-7749-8107-32EDF263FE9F}"/>
+              </a:ext>
+            </a:extLst>
+          </p:cNvPr>
+          <p:cNvSpPr txBox="1"/>
+          <p:nvPr/>
+        </p:nvSpPr>
+        <p:spPr>
+          <a:xfrm>
+            <a:off x="9296350" y="2288968"/>
+            <a:ext cx="277519" cy="878464"/>
+          </a:xfrm>
+          <a:prstGeom prst="rect">
+            <a:avLst/>
+          </a:prstGeom>
+          <a:solidFill>
+            <a:schemeClr val="bg1"/>
+          </a:solidFill>
+        </p:spPr>
+        <p:txBody>
+          <a:bodyPr wrap="square" rtlCol="0">
+            <a:spAutoFit/>
+          </a:bodyPr>
+          <a:lstStyle/>
+          <a:p>
+            <a:endParaRPr lang="en-US" dirty="0"/>
+          </a:p>
+        </p:txBody>
+      </p:sp>
+      <p:cxnSp>
+        <p:nvCxnSpPr>
+          <p:cNvPr id="40" name="Straight Arrow Connector 39">
+            <a:extLst>
+              <a:ext uri="{FF2B5EF4-FFF2-40B4-BE49-F238E27FC236}">
+                <a16:creationId xmlns:a16="http://schemas.microsoft.com/office/drawing/2014/main" id="{F1F2AD9C-7D76-F543-BC85-F88D36D4F289}"/>
+              </a:ext>
+            </a:extLst>
+          </p:cNvPr>
+          <p:cNvCxnSpPr>
+            <a:cxnSpLocks/>
+          </p:cNvCxnSpPr>
+          <p:nvPr/>
+        </p:nvCxnSpPr>
+        <p:spPr>
+          <a:xfrm>
+            <a:off x="6129663" y="2288968"/>
+            <a:ext cx="0" cy="910233"/>
+          </a:xfrm>
+          <a:prstGeom prst="straightConnector1">
+            <a:avLst/>
+          </a:prstGeom>
+          <a:ln w="41275">
+            <a:tailEnd type="none"/>
+          </a:ln>
+        </p:spPr>
+        <p:style>
+          <a:lnRef idx="1">
+            <a:schemeClr val="accent1"/>
+          </a:lnRef>
+          <a:fillRef idx="0">
+            <a:schemeClr val="accent1"/>
+          </a:fillRef>
+          <a:effectRef idx="0">
+            <a:schemeClr val="accent1"/>
+          </a:effectRef>
+          <a:fontRef idx="minor">
+            <a:schemeClr val="tx1"/>
+          </a:fontRef>
+        </p:style>
+      </p:cxnSp>
+      <p:cxnSp>
+        <p:nvCxnSpPr>
+          <p:cNvPr id="46" name="Straight Arrow Connector 45">
+            <a:extLst>
+              <a:ext uri="{FF2B5EF4-FFF2-40B4-BE49-F238E27FC236}">
+                <a16:creationId xmlns:a16="http://schemas.microsoft.com/office/drawing/2014/main" id="{34C2A30C-9CF2-B847-8B01-9743E6DFD8AC}"/>
+              </a:ext>
+            </a:extLst>
+          </p:cNvPr>
+          <p:cNvCxnSpPr>
+            <a:cxnSpLocks/>
+          </p:cNvCxnSpPr>
+          <p:nvPr/>
+        </p:nvCxnSpPr>
+        <p:spPr>
+          <a:xfrm>
+            <a:off x="7773073" y="2288968"/>
+            <a:ext cx="0" cy="910233"/>
+          </a:xfrm>
+          <a:prstGeom prst="straightConnector1">
+            <a:avLst/>
+          </a:prstGeom>
+          <a:ln w="41275">
+            <a:tailEnd type="none"/>
+          </a:ln>
+        </p:spPr>
+        <p:style>
+          <a:lnRef idx="1">
+            <a:schemeClr val="accent1"/>
+          </a:lnRef>
+          <a:fillRef idx="0">
+            <a:schemeClr val="accent1"/>
+          </a:fillRef>
+          <a:effectRef idx="0">
+            <a:schemeClr val="accent1"/>
+          </a:effectRef>
+          <a:fontRef idx="minor">
+            <a:schemeClr val="tx1"/>
+          </a:fontRef>
+        </p:style>
+      </p:cxnSp>
+      <p:cxnSp>
+        <p:nvCxnSpPr>
+          <p:cNvPr id="47" name="Straight Arrow Connector 46">
+            <a:extLst>
+              <a:ext uri="{FF2B5EF4-FFF2-40B4-BE49-F238E27FC236}">
+                <a16:creationId xmlns:a16="http://schemas.microsoft.com/office/drawing/2014/main" id="{8F68E347-B27F-7D42-96E5-B7B4E7BC2314}"/>
+              </a:ext>
+            </a:extLst>
+          </p:cNvPr>
+          <p:cNvCxnSpPr>
+            <a:cxnSpLocks/>
+          </p:cNvCxnSpPr>
+          <p:nvPr/>
+        </p:nvCxnSpPr>
+        <p:spPr>
+          <a:xfrm>
+            <a:off x="9416483" y="2288968"/>
+            <a:ext cx="0" cy="910233"/>
+          </a:xfrm>
+          <a:prstGeom prst="straightConnector1">
+            <a:avLst/>
+          </a:prstGeom>
+          <a:ln w="41275">
+            <a:tailEnd type="none"/>
+          </a:ln>
+        </p:spPr>
+        <p:style>
+          <a:lnRef idx="1">
+            <a:schemeClr val="accent1"/>
+          </a:lnRef>
+          <a:fillRef idx="0">
+            <a:schemeClr val="accent1"/>
+          </a:fillRef>
+          <a:effectRef idx="0">
+            <a:schemeClr val="accent1"/>
+          </a:effectRef>
+          <a:fontRef idx="minor">
+            <a:schemeClr val="tx1"/>
+          </a:fontRef>
+        </p:style>
+      </p:cxnSp>
+    </p:spTree>
+    <p:extLst>
+      <p:ext uri="{BB962C8B-B14F-4D97-AF65-F5344CB8AC3E}">
+        <p14:creationId xmlns:p14="http://schemas.microsoft.com/office/powerpoint/2010/main" val="2313376128"/>
+      </p:ext>
+    </p:extLst>
+  </p:cSld>
+  <p:clrMapOvr>
+    <a:masterClrMapping/>
+  </p:clrMapOvr>
+</p:sld>
+</file>
+
+<file path=ppt/slides/slide13.xml><?xml version="1.0" encoding="utf-8"?>
+<p:sld xmlns:a="http://schemas.openxmlformats.org/drawingml/2006/main" xmlns:r="http://schemas.openxmlformats.org/officeDocument/2006/relationships" xmlns:p="http://schemas.openxmlformats.org/presentationml/2006/main">
+  <p:cSld>
+    <p:spTree>
+      <p:nvGrpSpPr>
+        <p:cNvPr id="1" name=""/>
+        <p:cNvGrpSpPr/>
+        <p:nvPr/>
+      </p:nvGrpSpPr>
+      <p:grpSpPr>
+        <a:xfrm>
+          <a:off x="0" y="0"/>
+          <a:ext cx="0" cy="0"/>
+          <a:chOff x="0" y="0"/>
+          <a:chExt cx="0" cy="0"/>
+        </a:xfrm>
+      </p:grpSpPr>
+      <p:sp>
+        <p:nvSpPr>
+          <p:cNvPr id="4" name="Oval 3">
+            <a:extLst>
+              <a:ext uri="{FF2B5EF4-FFF2-40B4-BE49-F238E27FC236}">
+                <a16:creationId xmlns:a16="http://schemas.microsoft.com/office/drawing/2014/main" id="{A0EF7342-1349-4B4F-96DA-9364F9CA9F2E}"/>
+              </a:ext>
+            </a:extLst>
+          </p:cNvPr>
+          <p:cNvSpPr/>
+          <p:nvPr/>
+        </p:nvSpPr>
+        <p:spPr>
+          <a:xfrm>
+            <a:off x="4931870" y="5620135"/>
+            <a:ext cx="1281309" cy="1079771"/>
+          </a:xfrm>
+          <a:prstGeom prst="ellipse">
+            <a:avLst/>
+          </a:prstGeom>
+          <a:solidFill>
+            <a:schemeClr val="bg1">
+              <a:lumMod val="75000"/>
+            </a:schemeClr>
+          </a:solidFill>
+          <a:ln>
+            <a:solidFill>
+              <a:schemeClr val="tx1"/>
+            </a:solidFill>
+          </a:ln>
+        </p:spPr>
+        <p:style>
+          <a:lnRef idx="2">
+            <a:schemeClr val="accent1">
+              <a:shade val="50000"/>
+            </a:schemeClr>
+          </a:lnRef>
+          <a:fillRef idx="1">
+            <a:schemeClr val="accent1"/>
+          </a:fillRef>
+          <a:effectRef idx="0">
+            <a:schemeClr val="accent1"/>
+          </a:effectRef>
+          <a:fontRef idx="minor">
+            <a:schemeClr val="lt1"/>
+          </a:fontRef>
+        </p:style>
+        <p:txBody>
+          <a:bodyPr rtlCol="0" anchor="ctr"/>
+          <a:lstStyle/>
+          <a:p>
+            <a:pPr algn="ctr"/>
+            <a:r>
+              <a:rPr lang="en-US" dirty="0">
+                <a:solidFill>
+                  <a:schemeClr val="tx1"/>
+                </a:solidFill>
+              </a:rPr>
+              <a:t>Motors</a:t>
+            </a:r>
+            <a:endParaRPr lang="en-US" dirty="0"/>
+          </a:p>
+        </p:txBody>
+      </p:sp>
+      <p:sp>
+        <p:nvSpPr>
+          <p:cNvPr id="5" name="Oval 4">
+            <a:extLst>
+              <a:ext uri="{FF2B5EF4-FFF2-40B4-BE49-F238E27FC236}">
+                <a16:creationId xmlns:a16="http://schemas.microsoft.com/office/drawing/2014/main" id="{A0649F9F-FE13-9048-88F9-96F72F65FB82}"/>
+              </a:ext>
+            </a:extLst>
+          </p:cNvPr>
+          <p:cNvSpPr/>
+          <p:nvPr/>
+        </p:nvSpPr>
+        <p:spPr>
+          <a:xfrm>
+            <a:off x="3391098" y="5620135"/>
+            <a:ext cx="1108953" cy="1079771"/>
+          </a:xfrm>
+          <a:prstGeom prst="ellipse">
+            <a:avLst/>
+          </a:prstGeom>
+          <a:solidFill>
+            <a:schemeClr val="bg1">
+              <a:lumMod val="75000"/>
+            </a:schemeClr>
+          </a:solidFill>
+          <a:ln>
+            <a:solidFill>
+              <a:schemeClr val="tx1"/>
+            </a:solidFill>
+          </a:ln>
+        </p:spPr>
+        <p:style>
+          <a:lnRef idx="2">
+            <a:schemeClr val="accent1">
+              <a:shade val="50000"/>
+            </a:schemeClr>
+          </a:lnRef>
+          <a:fillRef idx="1">
+            <a:schemeClr val="accent1"/>
+          </a:fillRef>
+          <a:effectRef idx="0">
+            <a:schemeClr val="accent1"/>
+          </a:effectRef>
+          <a:fontRef idx="minor">
+            <a:schemeClr val="lt1"/>
+          </a:fontRef>
+        </p:style>
+        <p:txBody>
+          <a:bodyPr rtlCol="0" anchor="ctr"/>
+          <a:lstStyle/>
+          <a:p>
+            <a:pPr algn="ctr"/>
+            <a:r>
+              <a:rPr lang="en-US" dirty="0">
+                <a:solidFill>
+                  <a:schemeClr val="tx1"/>
+                </a:solidFill>
+              </a:rPr>
+              <a:t>Ford</a:t>
+            </a:r>
+            <a:endParaRPr lang="en-US" dirty="0"/>
+          </a:p>
+        </p:txBody>
+      </p:sp>
+      <p:sp>
+        <p:nvSpPr>
+          <p:cNvPr id="6" name="Oval 5">
+            <a:extLst>
+              <a:ext uri="{FF2B5EF4-FFF2-40B4-BE49-F238E27FC236}">
+                <a16:creationId xmlns:a16="http://schemas.microsoft.com/office/drawing/2014/main" id="{3BFAAE2F-D700-6640-A6EF-BF1205FD22AD}"/>
+              </a:ext>
+            </a:extLst>
+          </p:cNvPr>
+          <p:cNvSpPr/>
+          <p:nvPr/>
+        </p:nvSpPr>
+        <p:spPr>
+          <a:xfrm>
+            <a:off x="1773064" y="5620135"/>
+            <a:ext cx="1108953" cy="1079771"/>
+          </a:xfrm>
+          <a:prstGeom prst="ellipse">
+            <a:avLst/>
+          </a:prstGeom>
+          <a:solidFill>
+            <a:schemeClr val="bg1">
+              <a:lumMod val="75000"/>
+            </a:schemeClr>
+          </a:solidFill>
+          <a:ln>
+            <a:solidFill>
+              <a:schemeClr val="tx1"/>
+            </a:solidFill>
+          </a:ln>
+        </p:spPr>
+        <p:style>
+          <a:lnRef idx="2">
+            <a:schemeClr val="accent1">
+              <a:shade val="50000"/>
+            </a:schemeClr>
+          </a:lnRef>
+          <a:fillRef idx="1">
+            <a:schemeClr val="accent1"/>
+          </a:fillRef>
+          <a:effectRef idx="0">
+            <a:schemeClr val="accent1"/>
+          </a:effectRef>
+          <a:fontRef idx="minor">
+            <a:schemeClr val="lt1"/>
+          </a:fontRef>
+        </p:style>
+        <p:txBody>
+          <a:bodyPr rtlCol="0" anchor="ctr"/>
+          <a:lstStyle/>
+          <a:p>
+            <a:pPr algn="ctr"/>
+            <a:r>
+              <a:rPr lang="en-US" dirty="0">
+                <a:solidFill>
+                  <a:schemeClr val="tx1"/>
+                </a:solidFill>
+              </a:rPr>
+              <a:t>Henry</a:t>
+            </a:r>
+            <a:endParaRPr lang="en-US" dirty="0"/>
+          </a:p>
+        </p:txBody>
+      </p:sp>
+      <p:sp>
+        <p:nvSpPr>
+          <p:cNvPr id="9" name="Oval 8">
+            <a:extLst>
+              <a:ext uri="{FF2B5EF4-FFF2-40B4-BE49-F238E27FC236}">
+                <a16:creationId xmlns:a16="http://schemas.microsoft.com/office/drawing/2014/main" id="{5E1DF3A1-0197-034F-AEA2-D67995564BCB}"/>
+              </a:ext>
+            </a:extLst>
+          </p:cNvPr>
+          <p:cNvSpPr/>
+          <p:nvPr/>
+        </p:nvSpPr>
+        <p:spPr>
+          <a:xfrm>
+            <a:off x="4994934" y="4010924"/>
+            <a:ext cx="1108953" cy="1079771"/>
+          </a:xfrm>
+          <a:prstGeom prst="ellipse">
+            <a:avLst/>
+          </a:prstGeom>
+          <a:noFill/>
+          <a:ln>
+            <a:solidFill>
+              <a:schemeClr val="tx1"/>
+            </a:solidFill>
+          </a:ln>
+        </p:spPr>
+        <p:style>
+          <a:lnRef idx="2">
+            <a:schemeClr val="accent1">
+              <a:shade val="50000"/>
+            </a:schemeClr>
+          </a:lnRef>
+          <a:fillRef idx="1">
+            <a:schemeClr val="accent1"/>
+          </a:fillRef>
+          <a:effectRef idx="0">
+            <a:schemeClr val="accent1"/>
+          </a:effectRef>
+          <a:fontRef idx="minor">
+            <a:schemeClr val="lt1"/>
+          </a:fontRef>
+        </p:style>
+        <p:txBody>
+          <a:bodyPr rtlCol="0" anchor="ctr"/>
+          <a:lstStyle/>
+          <a:p>
+            <a:pPr algn="ctr"/>
+            <a:r>
+              <a:rPr lang="en-US" dirty="0">
+                <a:solidFill>
+                  <a:schemeClr val="tx1"/>
+                </a:solidFill>
+              </a:rPr>
+              <a:t>Org</a:t>
+            </a:r>
+            <a:endParaRPr lang="en-US" dirty="0"/>
+          </a:p>
+        </p:txBody>
+      </p:sp>
+      <p:sp>
+        <p:nvSpPr>
+          <p:cNvPr id="10" name="Oval 9">
+            <a:extLst>
+              <a:ext uri="{FF2B5EF4-FFF2-40B4-BE49-F238E27FC236}">
+                <a16:creationId xmlns:a16="http://schemas.microsoft.com/office/drawing/2014/main" id="{EED5E0B0-99CE-4F4E-8DA0-620C873EF568}"/>
+              </a:ext>
+            </a:extLst>
+          </p:cNvPr>
+          <p:cNvSpPr/>
+          <p:nvPr/>
+        </p:nvSpPr>
+        <p:spPr>
+          <a:xfrm>
+            <a:off x="3376900" y="4010924"/>
+            <a:ext cx="1108953" cy="1079771"/>
+          </a:xfrm>
+          <a:prstGeom prst="ellipse">
+            <a:avLst/>
+          </a:prstGeom>
+          <a:noFill/>
+          <a:ln>
+            <a:solidFill>
+              <a:schemeClr val="tx1"/>
+            </a:solidFill>
+          </a:ln>
+        </p:spPr>
+        <p:style>
+          <a:lnRef idx="2">
+            <a:schemeClr val="accent1">
+              <a:shade val="50000"/>
+            </a:schemeClr>
+          </a:lnRef>
+          <a:fillRef idx="1">
+            <a:schemeClr val="accent1"/>
+          </a:fillRef>
+          <a:effectRef idx="0">
+            <a:schemeClr val="accent1"/>
+          </a:effectRef>
+          <a:fontRef idx="minor">
+            <a:schemeClr val="lt1"/>
+          </a:fontRef>
+        </p:style>
+        <p:txBody>
+          <a:bodyPr rtlCol="0" anchor="ctr"/>
+          <a:lstStyle/>
+          <a:p>
+            <a:pPr algn="ctr"/>
+            <a:r>
+              <a:rPr lang="en-US" dirty="0">
+                <a:solidFill>
+                  <a:schemeClr val="tx1"/>
+                </a:solidFill>
+              </a:rPr>
+              <a:t>Org</a:t>
+            </a:r>
+            <a:endParaRPr lang="en-US" dirty="0"/>
+          </a:p>
+        </p:txBody>
+      </p:sp>
+      <p:sp>
+        <p:nvSpPr>
+          <p:cNvPr id="11" name="Oval 10">
+            <a:extLst>
+              <a:ext uri="{FF2B5EF4-FFF2-40B4-BE49-F238E27FC236}">
+                <a16:creationId xmlns:a16="http://schemas.microsoft.com/office/drawing/2014/main" id="{D5D27615-9829-1946-AD0D-9122A6C26F35}"/>
+              </a:ext>
+            </a:extLst>
+          </p:cNvPr>
+          <p:cNvSpPr/>
+          <p:nvPr/>
+        </p:nvSpPr>
+        <p:spPr>
+          <a:xfrm>
+            <a:off x="1758866" y="4010924"/>
+            <a:ext cx="1108953" cy="1079771"/>
+          </a:xfrm>
+          <a:prstGeom prst="ellipse">
+            <a:avLst/>
+          </a:prstGeom>
+          <a:noFill/>
+          <a:ln>
+            <a:solidFill>
+              <a:schemeClr val="tx1"/>
+            </a:solidFill>
+          </a:ln>
+        </p:spPr>
+        <p:style>
+          <a:lnRef idx="2">
+            <a:schemeClr val="accent1">
+              <a:shade val="50000"/>
+            </a:schemeClr>
+          </a:lnRef>
+          <a:fillRef idx="1">
+            <a:schemeClr val="accent1"/>
+          </a:fillRef>
+          <a:effectRef idx="0">
+            <a:schemeClr val="accent1"/>
+          </a:effectRef>
+          <a:fontRef idx="minor">
+            <a:schemeClr val="lt1"/>
+          </a:fontRef>
+        </p:style>
+        <p:txBody>
+          <a:bodyPr rtlCol="0" anchor="ctr"/>
+          <a:lstStyle/>
+          <a:p>
+            <a:pPr algn="ctr"/>
+            <a:r>
+              <a:rPr lang="en-US" dirty="0">
+                <a:solidFill>
+                  <a:schemeClr val="tx1"/>
+                </a:solidFill>
+              </a:rPr>
+              <a:t>Org</a:t>
+            </a:r>
+            <a:endParaRPr lang="en-US" dirty="0"/>
+          </a:p>
+        </p:txBody>
+      </p:sp>
+      <p:cxnSp>
+        <p:nvCxnSpPr>
+          <p:cNvPr id="12" name="Straight Arrow Connector 11">
+            <a:extLst>
+              <a:ext uri="{FF2B5EF4-FFF2-40B4-BE49-F238E27FC236}">
+                <a16:creationId xmlns:a16="http://schemas.microsoft.com/office/drawing/2014/main" id="{4BC91974-18B0-1248-9B38-1D82E9EF0495}"/>
+              </a:ext>
+            </a:extLst>
+          </p:cNvPr>
+          <p:cNvCxnSpPr>
+            <a:cxnSpLocks/>
+            <a:endCxn id="15" idx="2"/>
+          </p:cNvCxnSpPr>
+          <p:nvPr/>
+        </p:nvCxnSpPr>
+        <p:spPr>
+          <a:xfrm>
+            <a:off x="2867819" y="4550810"/>
+            <a:ext cx="509081" cy="0"/>
+          </a:xfrm>
+          <a:prstGeom prst="straightConnector1">
+            <a:avLst/>
+          </a:prstGeom>
+          <a:ln w="19050">
+            <a:solidFill>
+              <a:schemeClr val="tx1"/>
+            </a:solidFill>
+            <a:tailEnd type="triangle"/>
+          </a:ln>
+        </p:spPr>
+        <p:style>
+          <a:lnRef idx="1">
+            <a:schemeClr val="accent1"/>
+          </a:lnRef>
+          <a:fillRef idx="0">
+            <a:schemeClr val="accent1"/>
+          </a:fillRef>
+          <a:effectRef idx="0">
+            <a:schemeClr val="accent1"/>
+          </a:effectRef>
+          <a:fontRef idx="minor">
+            <a:schemeClr val="tx1"/>
+          </a:fontRef>
+        </p:style>
+      </p:cxnSp>
+      <p:cxnSp>
+        <p:nvCxnSpPr>
+          <p:cNvPr id="13" name="Straight Arrow Connector 12">
+            <a:extLst>
+              <a:ext uri="{FF2B5EF4-FFF2-40B4-BE49-F238E27FC236}">
+                <a16:creationId xmlns:a16="http://schemas.microsoft.com/office/drawing/2014/main" id="{F9292C17-BDBE-4645-9EB2-36503F8813F9}"/>
+              </a:ext>
+            </a:extLst>
+          </p:cNvPr>
+          <p:cNvCxnSpPr/>
+          <p:nvPr/>
+        </p:nvCxnSpPr>
+        <p:spPr>
+          <a:xfrm>
+            <a:off x="4485853" y="4550809"/>
+            <a:ext cx="509081" cy="0"/>
+          </a:xfrm>
+          <a:prstGeom prst="straightConnector1">
+            <a:avLst/>
+          </a:prstGeom>
+          <a:ln w="19050">
+            <a:solidFill>
+              <a:schemeClr val="tx1"/>
+            </a:solidFill>
+            <a:tailEnd type="triangle"/>
+          </a:ln>
+        </p:spPr>
+        <p:style>
+          <a:lnRef idx="1">
+            <a:schemeClr val="accent1"/>
+          </a:lnRef>
+          <a:fillRef idx="0">
+            <a:schemeClr val="accent1"/>
+          </a:fillRef>
+          <a:effectRef idx="0">
+            <a:schemeClr val="accent1"/>
+          </a:effectRef>
+          <a:fontRef idx="minor">
+            <a:schemeClr val="tx1"/>
+          </a:fontRef>
+        </p:style>
+      </p:cxnSp>
+      <p:sp>
+        <p:nvSpPr>
+          <p:cNvPr id="14" name="Oval 13">
+            <a:extLst>
+              <a:ext uri="{FF2B5EF4-FFF2-40B4-BE49-F238E27FC236}">
+                <a16:creationId xmlns:a16="http://schemas.microsoft.com/office/drawing/2014/main" id="{E01D2D6C-2EC6-3346-8EAF-BDC105298E0A}"/>
+              </a:ext>
+            </a:extLst>
+          </p:cNvPr>
+          <p:cNvSpPr/>
+          <p:nvPr/>
+        </p:nvSpPr>
+        <p:spPr>
+          <a:xfrm>
+            <a:off x="150560" y="4010924"/>
+            <a:ext cx="1108953" cy="1079771"/>
+          </a:xfrm>
+          <a:prstGeom prst="ellipse">
+            <a:avLst/>
+          </a:prstGeom>
+          <a:solidFill>
+            <a:schemeClr val="bg1">
+              <a:lumMod val="75000"/>
+            </a:schemeClr>
+          </a:solidFill>
+          <a:ln>
+            <a:solidFill>
+              <a:schemeClr val="tx1"/>
+            </a:solidFill>
+          </a:ln>
+        </p:spPr>
+        <p:style>
+          <a:lnRef idx="2">
+            <a:schemeClr val="accent1">
+              <a:shade val="50000"/>
+            </a:schemeClr>
+          </a:lnRef>
+          <a:fillRef idx="1">
+            <a:schemeClr val="accent1"/>
+          </a:fillRef>
+          <a:effectRef idx="0">
+            <a:schemeClr val="accent1"/>
+          </a:effectRef>
+          <a:fontRef idx="minor">
+            <a:schemeClr val="lt1"/>
+          </a:fontRef>
+        </p:style>
+        <p:txBody>
+          <a:bodyPr rtlCol="0" anchor="ctr"/>
+          <a:lstStyle/>
+          <a:p>
+            <a:pPr algn="ctr"/>
+            <a:r>
+              <a:rPr lang="en-US" dirty="0">
+                <a:solidFill>
+                  <a:schemeClr val="tx1"/>
+                </a:solidFill>
+              </a:rPr>
+              <a:t>start</a:t>
+            </a:r>
+            <a:endParaRPr lang="en-US" dirty="0"/>
+          </a:p>
+        </p:txBody>
+      </p:sp>
+      <p:cxnSp>
+        <p:nvCxnSpPr>
+          <p:cNvPr id="15" name="Straight Arrow Connector 14">
+            <a:extLst>
+              <a:ext uri="{FF2B5EF4-FFF2-40B4-BE49-F238E27FC236}">
+                <a16:creationId xmlns:a16="http://schemas.microsoft.com/office/drawing/2014/main" id="{B60D9482-7C47-1948-81F5-F88722168E3C}"/>
+              </a:ext>
+            </a:extLst>
+          </p:cNvPr>
+          <p:cNvCxnSpPr>
+            <a:cxnSpLocks/>
+          </p:cNvCxnSpPr>
+          <p:nvPr/>
+        </p:nvCxnSpPr>
+        <p:spPr>
+          <a:xfrm>
+            <a:off x="1259513" y="4550810"/>
+            <a:ext cx="499353" cy="0"/>
+          </a:xfrm>
+          <a:prstGeom prst="straightConnector1">
+            <a:avLst/>
+          </a:prstGeom>
+          <a:ln w="19050">
+            <a:solidFill>
+              <a:schemeClr val="tx1"/>
+            </a:solidFill>
+            <a:tailEnd type="triangle"/>
+          </a:ln>
+        </p:spPr>
+        <p:style>
+          <a:lnRef idx="1">
+            <a:schemeClr val="accent1"/>
+          </a:lnRef>
+          <a:fillRef idx="0">
+            <a:schemeClr val="accent1"/>
+          </a:fillRef>
+          <a:effectRef idx="0">
+            <a:schemeClr val="accent1"/>
+          </a:effectRef>
+          <a:fontRef idx="minor">
+            <a:schemeClr val="tx1"/>
+          </a:fontRef>
+        </p:style>
+      </p:cxnSp>
+      <p:cxnSp>
+        <p:nvCxnSpPr>
+          <p:cNvPr id="17" name="Straight Arrow Connector 16">
+            <a:extLst>
+              <a:ext uri="{FF2B5EF4-FFF2-40B4-BE49-F238E27FC236}">
+                <a16:creationId xmlns:a16="http://schemas.microsoft.com/office/drawing/2014/main" id="{7657AEFC-B0E5-1149-8949-BA2675C21931}"/>
+              </a:ext>
+            </a:extLst>
+          </p:cNvPr>
+          <p:cNvCxnSpPr/>
+          <p:nvPr/>
+        </p:nvCxnSpPr>
+        <p:spPr>
+          <a:xfrm>
+            <a:off x="6103887" y="4550809"/>
+            <a:ext cx="509081" cy="1"/>
+          </a:xfrm>
+          <a:prstGeom prst="straightConnector1">
+            <a:avLst/>
+          </a:prstGeom>
+          <a:ln w="19050">
+            <a:solidFill>
+              <a:schemeClr val="tx1"/>
+            </a:solidFill>
+            <a:tailEnd type="triangle"/>
+          </a:ln>
+        </p:spPr>
+        <p:style>
+          <a:lnRef idx="1">
+            <a:schemeClr val="accent1"/>
+          </a:lnRef>
+          <a:fillRef idx="0">
+            <a:schemeClr val="accent1"/>
+          </a:fillRef>
+          <a:effectRef idx="0">
+            <a:schemeClr val="accent1"/>
+          </a:effectRef>
+          <a:fontRef idx="minor">
+            <a:schemeClr val="tx1"/>
+          </a:fontRef>
+        </p:style>
+      </p:cxnSp>
+      <p:cxnSp>
+        <p:nvCxnSpPr>
+          <p:cNvPr id="22" name="Straight Arrow Connector 21">
+            <a:extLst>
+              <a:ext uri="{FF2B5EF4-FFF2-40B4-BE49-F238E27FC236}">
+                <a16:creationId xmlns:a16="http://schemas.microsoft.com/office/drawing/2014/main" id="{2F56631D-EEA5-4B46-8615-B85384E545FD}"/>
+              </a:ext>
+            </a:extLst>
+          </p:cNvPr>
+          <p:cNvCxnSpPr>
+            <a:stCxn id="11" idx="4"/>
+            <a:endCxn id="6" idx="0"/>
+          </p:cNvCxnSpPr>
+          <p:nvPr/>
+        </p:nvCxnSpPr>
+        <p:spPr>
+          <a:xfrm>
+            <a:off x="2313343" y="5090695"/>
+            <a:ext cx="14198" cy="529440"/>
+          </a:xfrm>
+          <a:prstGeom prst="straightConnector1">
+            <a:avLst/>
+          </a:prstGeom>
+          <a:ln w="19050">
+            <a:solidFill>
+              <a:schemeClr val="tx1"/>
+            </a:solidFill>
+            <a:tailEnd type="triangle"/>
+          </a:ln>
+        </p:spPr>
+        <p:style>
+          <a:lnRef idx="1">
+            <a:schemeClr val="accent1"/>
+          </a:lnRef>
+          <a:fillRef idx="0">
+            <a:schemeClr val="accent1"/>
+          </a:fillRef>
+          <a:effectRef idx="0">
+            <a:schemeClr val="accent1"/>
+          </a:effectRef>
+          <a:fontRef idx="minor">
+            <a:schemeClr val="tx1"/>
+          </a:fontRef>
+        </p:style>
+      </p:cxnSp>
+      <p:cxnSp>
+        <p:nvCxnSpPr>
+          <p:cNvPr id="23" name="Straight Arrow Connector 22">
+            <a:extLst>
+              <a:ext uri="{FF2B5EF4-FFF2-40B4-BE49-F238E27FC236}">
+                <a16:creationId xmlns:a16="http://schemas.microsoft.com/office/drawing/2014/main" id="{13DB4630-79D6-C44F-AC0E-6E97185EB478}"/>
+              </a:ext>
+            </a:extLst>
+          </p:cNvPr>
+          <p:cNvCxnSpPr>
+            <a:stCxn id="10" idx="4"/>
+            <a:endCxn id="5" idx="0"/>
+          </p:cNvCxnSpPr>
+          <p:nvPr/>
+        </p:nvCxnSpPr>
+        <p:spPr>
+          <a:xfrm>
+            <a:off x="3931377" y="5090695"/>
+            <a:ext cx="14198" cy="529440"/>
+          </a:xfrm>
+          <a:prstGeom prst="straightConnector1">
+            <a:avLst/>
+          </a:prstGeom>
+          <a:ln w="19050">
+            <a:solidFill>
+              <a:schemeClr val="tx1"/>
+            </a:solidFill>
+            <a:tailEnd type="triangle"/>
+          </a:ln>
+        </p:spPr>
+        <p:style>
+          <a:lnRef idx="1">
+            <a:schemeClr val="accent1"/>
+          </a:lnRef>
+          <a:fillRef idx="0">
+            <a:schemeClr val="accent1"/>
+          </a:fillRef>
+          <a:effectRef idx="0">
+            <a:schemeClr val="accent1"/>
+          </a:effectRef>
+          <a:fontRef idx="minor">
+            <a:schemeClr val="tx1"/>
+          </a:fontRef>
+        </p:style>
+      </p:cxnSp>
+      <p:cxnSp>
+        <p:nvCxnSpPr>
+          <p:cNvPr id="24" name="Straight Arrow Connector 23">
+            <a:extLst>
+              <a:ext uri="{FF2B5EF4-FFF2-40B4-BE49-F238E27FC236}">
+                <a16:creationId xmlns:a16="http://schemas.microsoft.com/office/drawing/2014/main" id="{EBA83CD7-64D8-7B4C-96D5-1E5F6AFF9157}"/>
+              </a:ext>
+            </a:extLst>
+          </p:cNvPr>
+          <p:cNvCxnSpPr/>
+          <p:nvPr/>
+        </p:nvCxnSpPr>
+        <p:spPr>
+          <a:xfrm>
+            <a:off x="5549411" y="5090695"/>
+            <a:ext cx="14198" cy="529440"/>
+          </a:xfrm>
+          <a:prstGeom prst="straightConnector1">
+            <a:avLst/>
+          </a:prstGeom>
+          <a:ln w="19050">
+            <a:solidFill>
+              <a:schemeClr val="tx1"/>
+            </a:solidFill>
+            <a:tailEnd type="triangle"/>
+          </a:ln>
+        </p:spPr>
+        <p:style>
+          <a:lnRef idx="1">
+            <a:schemeClr val="accent1"/>
+          </a:lnRef>
+          <a:fillRef idx="0">
+            <a:schemeClr val="accent1"/>
+          </a:fillRef>
+          <a:effectRef idx="0">
+            <a:schemeClr val="accent1"/>
+          </a:effectRef>
+          <a:fontRef idx="minor">
+            <a:schemeClr val="tx1"/>
+          </a:fontRef>
+        </p:style>
+      </p:cxnSp>
+      <p:sp>
+        <p:nvSpPr>
+          <p:cNvPr id="26" name="Oval 25">
+            <a:extLst>
+              <a:ext uri="{FF2B5EF4-FFF2-40B4-BE49-F238E27FC236}">
+                <a16:creationId xmlns:a16="http://schemas.microsoft.com/office/drawing/2014/main" id="{28F0EF14-F070-2C4E-848F-192A27F1158A}"/>
+              </a:ext>
+            </a:extLst>
+          </p:cNvPr>
+          <p:cNvSpPr/>
+          <p:nvPr/>
+        </p:nvSpPr>
+        <p:spPr>
+          <a:xfrm>
+            <a:off x="6597196" y="4010923"/>
+            <a:ext cx="1108953" cy="1079771"/>
+          </a:xfrm>
+          <a:prstGeom prst="ellipse">
+            <a:avLst/>
+          </a:prstGeom>
+          <a:noFill/>
+          <a:ln>
+            <a:solidFill>
+              <a:schemeClr val="tx1"/>
+            </a:solidFill>
+          </a:ln>
+        </p:spPr>
+        <p:style>
+          <a:lnRef idx="2">
+            <a:schemeClr val="accent1">
+              <a:shade val="50000"/>
+            </a:schemeClr>
+          </a:lnRef>
+          <a:fillRef idx="1">
+            <a:schemeClr val="accent1"/>
+          </a:fillRef>
+          <a:effectRef idx="0">
+            <a:schemeClr val="accent1"/>
+          </a:effectRef>
+          <a:fontRef idx="minor">
+            <a:schemeClr val="lt1"/>
+          </a:fontRef>
+        </p:style>
+        <p:txBody>
+          <a:bodyPr rtlCol="0" anchor="ctr"/>
+          <a:lstStyle/>
+          <a:p>
+            <a:pPr algn="ctr"/>
+            <a:r>
+              <a:rPr lang="en-US" dirty="0">
+                <a:solidFill>
+                  <a:schemeClr val="tx1"/>
+                </a:solidFill>
+              </a:rPr>
+              <a:t>O</a:t>
+            </a:r>
+            <a:endParaRPr lang="en-US" dirty="0"/>
+          </a:p>
+        </p:txBody>
+      </p:sp>
+      <p:cxnSp>
+        <p:nvCxnSpPr>
+          <p:cNvPr id="27" name="Straight Arrow Connector 26">
+            <a:extLst>
+              <a:ext uri="{FF2B5EF4-FFF2-40B4-BE49-F238E27FC236}">
+                <a16:creationId xmlns:a16="http://schemas.microsoft.com/office/drawing/2014/main" id="{64B7E38A-9E24-B643-8C01-9FE1976353EB}"/>
+              </a:ext>
+            </a:extLst>
+          </p:cNvPr>
+          <p:cNvCxnSpPr/>
+          <p:nvPr/>
+        </p:nvCxnSpPr>
+        <p:spPr>
+          <a:xfrm>
+            <a:off x="7706149" y="4550808"/>
+            <a:ext cx="509081" cy="1"/>
+          </a:xfrm>
+          <a:prstGeom prst="straightConnector1">
+            <a:avLst/>
+          </a:prstGeom>
+          <a:ln w="19050">
+            <a:solidFill>
+              <a:schemeClr val="tx1"/>
+            </a:solidFill>
+            <a:tailEnd type="triangle"/>
+          </a:ln>
+        </p:spPr>
+        <p:style>
+          <a:lnRef idx="1">
+            <a:schemeClr val="accent1"/>
+          </a:lnRef>
+          <a:fillRef idx="0">
+            <a:schemeClr val="accent1"/>
+          </a:fillRef>
+          <a:effectRef idx="0">
+            <a:schemeClr val="accent1"/>
+          </a:effectRef>
+          <a:fontRef idx="minor">
+            <a:schemeClr val="tx1"/>
+          </a:fontRef>
+        </p:style>
+      </p:cxnSp>
+      <p:sp>
+        <p:nvSpPr>
+          <p:cNvPr id="28" name="Oval 27">
+            <a:extLst>
+              <a:ext uri="{FF2B5EF4-FFF2-40B4-BE49-F238E27FC236}">
+                <a16:creationId xmlns:a16="http://schemas.microsoft.com/office/drawing/2014/main" id="{3F31F06A-5124-9948-8431-70AF50739E4B}"/>
+              </a:ext>
+            </a:extLst>
+          </p:cNvPr>
+          <p:cNvSpPr/>
+          <p:nvPr/>
+        </p:nvSpPr>
+        <p:spPr>
+          <a:xfrm>
+            <a:off x="6597195" y="5620134"/>
+            <a:ext cx="1108953" cy="1079771"/>
+          </a:xfrm>
+          <a:prstGeom prst="ellipse">
+            <a:avLst/>
+          </a:prstGeom>
+          <a:solidFill>
+            <a:schemeClr val="bg1">
+              <a:lumMod val="75000"/>
+            </a:schemeClr>
+          </a:solidFill>
+          <a:ln>
+            <a:solidFill>
+              <a:schemeClr val="tx1"/>
+            </a:solidFill>
+          </a:ln>
+        </p:spPr>
+        <p:style>
+          <a:lnRef idx="2">
+            <a:schemeClr val="accent1">
+              <a:shade val="50000"/>
+            </a:schemeClr>
+          </a:lnRef>
+          <a:fillRef idx="1">
+            <a:schemeClr val="accent1"/>
+          </a:fillRef>
+          <a:effectRef idx="0">
+            <a:schemeClr val="accent1"/>
+          </a:effectRef>
+          <a:fontRef idx="minor">
+            <a:schemeClr val="lt1"/>
+          </a:fontRef>
+        </p:style>
+        <p:txBody>
+          <a:bodyPr rtlCol="0" anchor="ctr"/>
+          <a:lstStyle/>
+          <a:p>
+            <a:pPr algn="ctr"/>
+            <a:r>
+              <a:rPr lang="en-US" dirty="0">
+                <a:solidFill>
+                  <a:schemeClr val="tx1"/>
+                </a:solidFill>
+              </a:rPr>
+              <a:t>was</a:t>
+            </a:r>
+            <a:endParaRPr lang="en-US" dirty="0"/>
+          </a:p>
+        </p:txBody>
+      </p:sp>
+      <p:cxnSp>
+        <p:nvCxnSpPr>
+          <p:cNvPr id="29" name="Straight Arrow Connector 28">
+            <a:extLst>
+              <a:ext uri="{FF2B5EF4-FFF2-40B4-BE49-F238E27FC236}">
+                <a16:creationId xmlns:a16="http://schemas.microsoft.com/office/drawing/2014/main" id="{3EE983BC-1588-1C4F-A0FB-35B5C6FF58FE}"/>
+              </a:ext>
+            </a:extLst>
+          </p:cNvPr>
+          <p:cNvCxnSpPr/>
+          <p:nvPr/>
+        </p:nvCxnSpPr>
+        <p:spPr>
+          <a:xfrm>
+            <a:off x="7123275" y="5090695"/>
+            <a:ext cx="14198" cy="529440"/>
+          </a:xfrm>
+          <a:prstGeom prst="straightConnector1">
+            <a:avLst/>
+          </a:prstGeom>
+          <a:ln w="19050">
+            <a:solidFill>
+              <a:schemeClr val="tx1"/>
+            </a:solidFill>
+            <a:tailEnd type="triangle"/>
+          </a:ln>
+        </p:spPr>
+        <p:style>
+          <a:lnRef idx="1">
+            <a:schemeClr val="accent1"/>
+          </a:lnRef>
+          <a:fillRef idx="0">
+            <a:schemeClr val="accent1"/>
+          </a:fillRef>
+          <a:effectRef idx="0">
+            <a:schemeClr val="accent1"/>
+          </a:effectRef>
+          <a:fontRef idx="minor">
+            <a:schemeClr val="tx1"/>
+          </a:fontRef>
+        </p:style>
+      </p:cxnSp>
+      <p:sp>
+        <p:nvSpPr>
+          <p:cNvPr id="49" name="Oval 48">
+            <a:extLst>
+              <a:ext uri="{FF2B5EF4-FFF2-40B4-BE49-F238E27FC236}">
+                <a16:creationId xmlns:a16="http://schemas.microsoft.com/office/drawing/2014/main" id="{44068A1F-D9F4-BD4D-8CD9-07A71EDB5490}"/>
+              </a:ext>
+            </a:extLst>
+          </p:cNvPr>
+          <p:cNvSpPr/>
+          <p:nvPr/>
+        </p:nvSpPr>
+        <p:spPr>
+          <a:xfrm>
+            <a:off x="4931869" y="2126545"/>
+            <a:ext cx="1281309" cy="1079771"/>
+          </a:xfrm>
+          <a:prstGeom prst="ellipse">
+            <a:avLst/>
+          </a:prstGeom>
+          <a:solidFill>
+            <a:schemeClr val="bg1">
+              <a:lumMod val="75000"/>
+            </a:schemeClr>
+          </a:solidFill>
+          <a:ln>
+            <a:solidFill>
+              <a:schemeClr val="tx1"/>
+            </a:solidFill>
+          </a:ln>
+        </p:spPr>
+        <p:style>
+          <a:lnRef idx="2">
+            <a:schemeClr val="accent1">
+              <a:shade val="50000"/>
+            </a:schemeClr>
+          </a:lnRef>
+          <a:fillRef idx="1">
+            <a:schemeClr val="accent1"/>
+          </a:fillRef>
+          <a:effectRef idx="0">
+            <a:schemeClr val="accent1"/>
+          </a:effectRef>
+          <a:fontRef idx="minor">
+            <a:schemeClr val="lt1"/>
+          </a:fontRef>
+        </p:style>
+        <p:txBody>
+          <a:bodyPr rtlCol="0" anchor="ctr"/>
+          <a:lstStyle/>
+          <a:p>
+            <a:pPr algn="ctr"/>
+            <a:r>
+              <a:rPr lang="en-US" dirty="0">
+                <a:solidFill>
+                  <a:schemeClr val="tx1"/>
+                </a:solidFill>
+              </a:rPr>
+              <a:t>Motors</a:t>
+            </a:r>
+            <a:endParaRPr lang="en-US" dirty="0"/>
+          </a:p>
+        </p:txBody>
+      </p:sp>
+      <p:sp>
+        <p:nvSpPr>
+          <p:cNvPr id="50" name="Oval 49">
+            <a:extLst>
+              <a:ext uri="{FF2B5EF4-FFF2-40B4-BE49-F238E27FC236}">
+                <a16:creationId xmlns:a16="http://schemas.microsoft.com/office/drawing/2014/main" id="{EC921D18-D3BF-DB41-A42F-92804A62DFAC}"/>
+              </a:ext>
+            </a:extLst>
+          </p:cNvPr>
+          <p:cNvSpPr/>
+          <p:nvPr/>
+        </p:nvSpPr>
+        <p:spPr>
+          <a:xfrm>
+            <a:off x="3391097" y="2126545"/>
+            <a:ext cx="1108953" cy="1079771"/>
+          </a:xfrm>
+          <a:prstGeom prst="ellipse">
+            <a:avLst/>
+          </a:prstGeom>
+          <a:solidFill>
+            <a:schemeClr val="bg1">
+              <a:lumMod val="75000"/>
+            </a:schemeClr>
+          </a:solidFill>
+          <a:ln>
+            <a:solidFill>
+              <a:schemeClr val="tx1"/>
+            </a:solidFill>
+          </a:ln>
+        </p:spPr>
+        <p:style>
+          <a:lnRef idx="2">
+            <a:schemeClr val="accent1">
+              <a:shade val="50000"/>
+            </a:schemeClr>
+          </a:lnRef>
+          <a:fillRef idx="1">
+            <a:schemeClr val="accent1"/>
+          </a:fillRef>
+          <a:effectRef idx="0">
+            <a:schemeClr val="accent1"/>
+          </a:effectRef>
+          <a:fontRef idx="minor">
+            <a:schemeClr val="lt1"/>
+          </a:fontRef>
+        </p:style>
+        <p:txBody>
+          <a:bodyPr rtlCol="0" anchor="ctr"/>
+          <a:lstStyle/>
+          <a:p>
+            <a:pPr algn="ctr"/>
+            <a:r>
+              <a:rPr lang="en-US" dirty="0">
+                <a:solidFill>
+                  <a:schemeClr val="tx1"/>
+                </a:solidFill>
+              </a:rPr>
+              <a:t>Ford</a:t>
+            </a:r>
+            <a:endParaRPr lang="en-US" dirty="0"/>
+          </a:p>
+        </p:txBody>
+      </p:sp>
+      <p:sp>
+        <p:nvSpPr>
+          <p:cNvPr id="51" name="Oval 50">
+            <a:extLst>
+              <a:ext uri="{FF2B5EF4-FFF2-40B4-BE49-F238E27FC236}">
+                <a16:creationId xmlns:a16="http://schemas.microsoft.com/office/drawing/2014/main" id="{D27ADF8F-DB95-804E-9B03-81F3FDD08733}"/>
+              </a:ext>
+            </a:extLst>
+          </p:cNvPr>
+          <p:cNvSpPr/>
+          <p:nvPr/>
+        </p:nvSpPr>
+        <p:spPr>
+          <a:xfrm>
+            <a:off x="1773063" y="2126545"/>
+            <a:ext cx="1108953" cy="1079771"/>
+          </a:xfrm>
+          <a:prstGeom prst="ellipse">
+            <a:avLst/>
+          </a:prstGeom>
+          <a:solidFill>
+            <a:schemeClr val="bg1">
+              <a:lumMod val="75000"/>
+            </a:schemeClr>
+          </a:solidFill>
+          <a:ln>
+            <a:solidFill>
+              <a:schemeClr val="tx1"/>
+            </a:solidFill>
+          </a:ln>
+        </p:spPr>
+        <p:style>
+          <a:lnRef idx="2">
+            <a:schemeClr val="accent1">
+              <a:shade val="50000"/>
+            </a:schemeClr>
+          </a:lnRef>
+          <a:fillRef idx="1">
+            <a:schemeClr val="accent1"/>
+          </a:fillRef>
+          <a:effectRef idx="0">
+            <a:schemeClr val="accent1"/>
+          </a:effectRef>
+          <a:fontRef idx="minor">
+            <a:schemeClr val="lt1"/>
+          </a:fontRef>
+        </p:style>
+        <p:txBody>
+          <a:bodyPr rtlCol="0" anchor="ctr"/>
+          <a:lstStyle/>
+          <a:p>
+            <a:pPr algn="ctr"/>
+            <a:r>
+              <a:rPr lang="en-US" dirty="0">
+                <a:solidFill>
+                  <a:schemeClr val="tx1"/>
+                </a:solidFill>
+              </a:rPr>
+              <a:t>Henry</a:t>
+            </a:r>
+            <a:endParaRPr lang="en-US" dirty="0"/>
+          </a:p>
+        </p:txBody>
+      </p:sp>
+      <p:sp>
+        <p:nvSpPr>
+          <p:cNvPr id="52" name="Oval 51">
+            <a:extLst>
+              <a:ext uri="{FF2B5EF4-FFF2-40B4-BE49-F238E27FC236}">
+                <a16:creationId xmlns:a16="http://schemas.microsoft.com/office/drawing/2014/main" id="{1D893B7C-05F7-FE4F-9D3E-50BA624624DF}"/>
+              </a:ext>
+            </a:extLst>
+          </p:cNvPr>
+          <p:cNvSpPr/>
+          <p:nvPr/>
+        </p:nvSpPr>
+        <p:spPr>
+          <a:xfrm>
+            <a:off x="4994933" y="517334"/>
+            <a:ext cx="1108953" cy="1079771"/>
+          </a:xfrm>
+          <a:prstGeom prst="ellipse">
+            <a:avLst/>
+          </a:prstGeom>
+          <a:noFill/>
+          <a:ln>
+            <a:solidFill>
+              <a:schemeClr val="tx1"/>
+            </a:solidFill>
+          </a:ln>
+        </p:spPr>
+        <p:style>
+          <a:lnRef idx="2">
+            <a:schemeClr val="accent1">
+              <a:shade val="50000"/>
+            </a:schemeClr>
+          </a:lnRef>
+          <a:fillRef idx="1">
+            <a:schemeClr val="accent1"/>
+          </a:fillRef>
+          <a:effectRef idx="0">
+            <a:schemeClr val="accent1"/>
+          </a:effectRef>
+          <a:fontRef idx="minor">
+            <a:schemeClr val="lt1"/>
+          </a:fontRef>
+        </p:style>
+        <p:txBody>
+          <a:bodyPr rtlCol="0" anchor="ctr"/>
+          <a:lstStyle/>
+          <a:p>
+            <a:pPr algn="ctr"/>
+            <a:r>
+              <a:rPr lang="en-US" dirty="0">
+                <a:solidFill>
+                  <a:schemeClr val="tx1"/>
+                </a:solidFill>
+              </a:rPr>
+              <a:t>I-Org</a:t>
+            </a:r>
+            <a:endParaRPr lang="en-US" dirty="0"/>
+          </a:p>
+        </p:txBody>
+      </p:sp>
+      <p:sp>
+        <p:nvSpPr>
+          <p:cNvPr id="53" name="Oval 52">
+            <a:extLst>
+              <a:ext uri="{FF2B5EF4-FFF2-40B4-BE49-F238E27FC236}">
+                <a16:creationId xmlns:a16="http://schemas.microsoft.com/office/drawing/2014/main" id="{D4FA2E3C-F084-8D42-B44D-7E2B255EBF71}"/>
+              </a:ext>
+            </a:extLst>
+          </p:cNvPr>
+          <p:cNvSpPr/>
+          <p:nvPr/>
+        </p:nvSpPr>
+        <p:spPr>
+          <a:xfrm>
+            <a:off x="3376899" y="517334"/>
+            <a:ext cx="1108953" cy="1079771"/>
+          </a:xfrm>
+          <a:prstGeom prst="ellipse">
+            <a:avLst/>
+          </a:prstGeom>
+          <a:noFill/>
+          <a:ln>
+            <a:solidFill>
+              <a:schemeClr val="tx1"/>
+            </a:solidFill>
+          </a:ln>
+        </p:spPr>
+        <p:style>
+          <a:lnRef idx="2">
+            <a:schemeClr val="accent1">
+              <a:shade val="50000"/>
+            </a:schemeClr>
+          </a:lnRef>
+          <a:fillRef idx="1">
+            <a:schemeClr val="accent1"/>
+          </a:fillRef>
+          <a:effectRef idx="0">
+            <a:schemeClr val="accent1"/>
+          </a:effectRef>
+          <a:fontRef idx="minor">
+            <a:schemeClr val="lt1"/>
+          </a:fontRef>
+        </p:style>
+        <p:txBody>
+          <a:bodyPr rtlCol="0" anchor="ctr"/>
+          <a:lstStyle/>
+          <a:p>
+            <a:pPr algn="ctr"/>
+            <a:r>
+              <a:rPr lang="en-US" dirty="0">
+                <a:solidFill>
+                  <a:schemeClr val="tx1"/>
+                </a:solidFill>
+              </a:rPr>
+              <a:t>I-Org</a:t>
+            </a:r>
+            <a:endParaRPr lang="en-US" dirty="0"/>
+          </a:p>
+        </p:txBody>
+      </p:sp>
+      <p:sp>
+        <p:nvSpPr>
+          <p:cNvPr id="54" name="Oval 53">
+            <a:extLst>
+              <a:ext uri="{FF2B5EF4-FFF2-40B4-BE49-F238E27FC236}">
+                <a16:creationId xmlns:a16="http://schemas.microsoft.com/office/drawing/2014/main" id="{F254030B-8CCD-3442-91C8-982E8D2AD20F}"/>
+              </a:ext>
+            </a:extLst>
+          </p:cNvPr>
+          <p:cNvSpPr/>
+          <p:nvPr/>
+        </p:nvSpPr>
+        <p:spPr>
+          <a:xfrm>
+            <a:off x="1758865" y="517334"/>
+            <a:ext cx="1108953" cy="1079771"/>
+          </a:xfrm>
+          <a:prstGeom prst="ellipse">
+            <a:avLst/>
+          </a:prstGeom>
+          <a:noFill/>
+          <a:ln>
+            <a:solidFill>
+              <a:schemeClr val="tx1"/>
+            </a:solidFill>
+          </a:ln>
+        </p:spPr>
+        <p:style>
+          <a:lnRef idx="2">
+            <a:schemeClr val="accent1">
+              <a:shade val="50000"/>
+            </a:schemeClr>
+          </a:lnRef>
+          <a:fillRef idx="1">
+            <a:schemeClr val="accent1"/>
+          </a:fillRef>
+          <a:effectRef idx="0">
+            <a:schemeClr val="accent1"/>
+          </a:effectRef>
+          <a:fontRef idx="minor">
+            <a:schemeClr val="lt1"/>
+          </a:fontRef>
+        </p:style>
+        <p:txBody>
+          <a:bodyPr rtlCol="0" anchor="ctr"/>
+          <a:lstStyle/>
+          <a:p>
+            <a:pPr algn="ctr"/>
+            <a:r>
+              <a:rPr lang="en-US" dirty="0">
+                <a:solidFill>
+                  <a:schemeClr val="tx1"/>
+                </a:solidFill>
+              </a:rPr>
+              <a:t>B-Org</a:t>
+            </a:r>
+            <a:endParaRPr lang="en-US" dirty="0"/>
+          </a:p>
+        </p:txBody>
+      </p:sp>
+      <p:cxnSp>
+        <p:nvCxnSpPr>
+          <p:cNvPr id="55" name="Straight Arrow Connector 54">
+            <a:extLst>
+              <a:ext uri="{FF2B5EF4-FFF2-40B4-BE49-F238E27FC236}">
+                <a16:creationId xmlns:a16="http://schemas.microsoft.com/office/drawing/2014/main" id="{C3530F23-7D18-0444-A870-5F0FC573B98D}"/>
+              </a:ext>
+            </a:extLst>
+          </p:cNvPr>
+          <p:cNvCxnSpPr>
+            <a:cxnSpLocks/>
+            <a:endCxn id="58" idx="2"/>
+          </p:cNvCxnSpPr>
+          <p:nvPr/>
+        </p:nvCxnSpPr>
+        <p:spPr>
+          <a:xfrm>
+            <a:off x="2867818" y="1057220"/>
+            <a:ext cx="509081" cy="0"/>
+          </a:xfrm>
+          <a:prstGeom prst="straightConnector1">
+            <a:avLst/>
+          </a:prstGeom>
+          <a:ln w="19050">
+            <a:solidFill>
+              <a:schemeClr val="tx1"/>
+            </a:solidFill>
+            <a:tailEnd type="triangle"/>
+          </a:ln>
+        </p:spPr>
+        <p:style>
+          <a:lnRef idx="1">
+            <a:schemeClr val="accent1"/>
+          </a:lnRef>
+          <a:fillRef idx="0">
+            <a:schemeClr val="accent1"/>
+          </a:fillRef>
+          <a:effectRef idx="0">
+            <a:schemeClr val="accent1"/>
+          </a:effectRef>
+          <a:fontRef idx="minor">
+            <a:schemeClr val="tx1"/>
+          </a:fontRef>
+        </p:style>
+      </p:cxnSp>
+      <p:cxnSp>
+        <p:nvCxnSpPr>
+          <p:cNvPr id="56" name="Straight Arrow Connector 55">
+            <a:extLst>
+              <a:ext uri="{FF2B5EF4-FFF2-40B4-BE49-F238E27FC236}">
+                <a16:creationId xmlns:a16="http://schemas.microsoft.com/office/drawing/2014/main" id="{DD3106EC-3D7F-C24C-8F6B-BB948DB1B040}"/>
+              </a:ext>
+            </a:extLst>
+          </p:cNvPr>
+          <p:cNvCxnSpPr/>
+          <p:nvPr/>
+        </p:nvCxnSpPr>
+        <p:spPr>
+          <a:xfrm>
+            <a:off x="4485852" y="1057219"/>
+            <a:ext cx="509081" cy="0"/>
+          </a:xfrm>
+          <a:prstGeom prst="straightConnector1">
+            <a:avLst/>
+          </a:prstGeom>
+          <a:ln w="19050">
+            <a:solidFill>
+              <a:schemeClr val="tx1"/>
+            </a:solidFill>
+            <a:tailEnd type="triangle"/>
+          </a:ln>
+        </p:spPr>
+        <p:style>
+          <a:lnRef idx="1">
+            <a:schemeClr val="accent1"/>
+          </a:lnRef>
+          <a:fillRef idx="0">
+            <a:schemeClr val="accent1"/>
+          </a:fillRef>
+          <a:effectRef idx="0">
+            <a:schemeClr val="accent1"/>
+          </a:effectRef>
+          <a:fontRef idx="minor">
+            <a:schemeClr val="tx1"/>
+          </a:fontRef>
+        </p:style>
+      </p:cxnSp>
+      <p:sp>
+        <p:nvSpPr>
+          <p:cNvPr id="57" name="Oval 56">
+            <a:extLst>
+              <a:ext uri="{FF2B5EF4-FFF2-40B4-BE49-F238E27FC236}">
+                <a16:creationId xmlns:a16="http://schemas.microsoft.com/office/drawing/2014/main" id="{A0CEF47C-B980-514F-A4D3-D2EF92B781A0}"/>
+              </a:ext>
+            </a:extLst>
+          </p:cNvPr>
+          <p:cNvSpPr/>
+          <p:nvPr/>
+        </p:nvSpPr>
+        <p:spPr>
+          <a:xfrm>
+            <a:off x="150559" y="517334"/>
+            <a:ext cx="1108953" cy="1079771"/>
+          </a:xfrm>
+          <a:prstGeom prst="ellipse">
+            <a:avLst/>
+          </a:prstGeom>
+          <a:solidFill>
+            <a:schemeClr val="bg1">
+              <a:lumMod val="75000"/>
+            </a:schemeClr>
+          </a:solidFill>
+          <a:ln>
+            <a:solidFill>
+              <a:schemeClr val="tx1"/>
+            </a:solidFill>
+          </a:ln>
+        </p:spPr>
+        <p:style>
+          <a:lnRef idx="2">
+            <a:schemeClr val="accent1">
+              <a:shade val="50000"/>
+            </a:schemeClr>
+          </a:lnRef>
+          <a:fillRef idx="1">
+            <a:schemeClr val="accent1"/>
+          </a:fillRef>
+          <a:effectRef idx="0">
+            <a:schemeClr val="accent1"/>
+          </a:effectRef>
+          <a:fontRef idx="minor">
+            <a:schemeClr val="lt1"/>
+          </a:fontRef>
+        </p:style>
+        <p:txBody>
+          <a:bodyPr rtlCol="0" anchor="ctr"/>
+          <a:lstStyle/>
+          <a:p>
+            <a:pPr algn="ctr"/>
+            <a:r>
+              <a:rPr lang="en-US" dirty="0">
+                <a:solidFill>
+                  <a:schemeClr val="tx1"/>
+                </a:solidFill>
+              </a:rPr>
+              <a:t>start</a:t>
+            </a:r>
+            <a:endParaRPr lang="en-US" dirty="0"/>
+          </a:p>
+        </p:txBody>
+      </p:sp>
+      <p:cxnSp>
+        <p:nvCxnSpPr>
+          <p:cNvPr id="58" name="Straight Arrow Connector 57">
+            <a:extLst>
+              <a:ext uri="{FF2B5EF4-FFF2-40B4-BE49-F238E27FC236}">
+                <a16:creationId xmlns:a16="http://schemas.microsoft.com/office/drawing/2014/main" id="{EB97527F-90C9-9D40-BA9D-122C3383DB9C}"/>
+              </a:ext>
+            </a:extLst>
+          </p:cNvPr>
+          <p:cNvCxnSpPr>
+            <a:cxnSpLocks/>
+          </p:cNvCxnSpPr>
+          <p:nvPr/>
+        </p:nvCxnSpPr>
+        <p:spPr>
+          <a:xfrm>
+            <a:off x="1259512" y="1057220"/>
+            <a:ext cx="499353" cy="0"/>
+          </a:xfrm>
+          <a:prstGeom prst="straightConnector1">
+            <a:avLst/>
+          </a:prstGeom>
+          <a:ln w="19050">
+            <a:solidFill>
+              <a:schemeClr val="tx1"/>
+            </a:solidFill>
+            <a:tailEnd type="triangle"/>
+          </a:ln>
+        </p:spPr>
+        <p:style>
+          <a:lnRef idx="1">
+            <a:schemeClr val="accent1"/>
+          </a:lnRef>
+          <a:fillRef idx="0">
+            <a:schemeClr val="accent1"/>
+          </a:fillRef>
+          <a:effectRef idx="0">
+            <a:schemeClr val="accent1"/>
+          </a:effectRef>
+          <a:fontRef idx="minor">
+            <a:schemeClr val="tx1"/>
+          </a:fontRef>
+        </p:style>
+      </p:cxnSp>
+      <p:cxnSp>
+        <p:nvCxnSpPr>
+          <p:cNvPr id="59" name="Straight Arrow Connector 58">
+            <a:extLst>
+              <a:ext uri="{FF2B5EF4-FFF2-40B4-BE49-F238E27FC236}">
+                <a16:creationId xmlns:a16="http://schemas.microsoft.com/office/drawing/2014/main" id="{766032B7-7DE7-1C46-BDC1-AECB192B6CD3}"/>
+              </a:ext>
+            </a:extLst>
+          </p:cNvPr>
+          <p:cNvCxnSpPr/>
+          <p:nvPr/>
+        </p:nvCxnSpPr>
+        <p:spPr>
+          <a:xfrm>
+            <a:off x="6103886" y="1057219"/>
+            <a:ext cx="509081" cy="1"/>
+          </a:xfrm>
+          <a:prstGeom prst="straightConnector1">
+            <a:avLst/>
+          </a:prstGeom>
+          <a:ln w="19050">
+            <a:solidFill>
+              <a:schemeClr val="tx1"/>
+            </a:solidFill>
+            <a:tailEnd type="triangle"/>
+          </a:ln>
+        </p:spPr>
+        <p:style>
+          <a:lnRef idx="1">
+            <a:schemeClr val="accent1"/>
+          </a:lnRef>
+          <a:fillRef idx="0">
+            <a:schemeClr val="accent1"/>
+          </a:fillRef>
+          <a:effectRef idx="0">
+            <a:schemeClr val="accent1"/>
+          </a:effectRef>
+          <a:fontRef idx="minor">
+            <a:schemeClr val="tx1"/>
+          </a:fontRef>
+        </p:style>
+      </p:cxnSp>
+      <p:cxnSp>
+        <p:nvCxnSpPr>
+          <p:cNvPr id="60" name="Straight Arrow Connector 59">
+            <a:extLst>
+              <a:ext uri="{FF2B5EF4-FFF2-40B4-BE49-F238E27FC236}">
+                <a16:creationId xmlns:a16="http://schemas.microsoft.com/office/drawing/2014/main" id="{09AB4C05-7A47-3348-B3F3-047FC03ED1B7}"/>
+              </a:ext>
+            </a:extLst>
+          </p:cNvPr>
+          <p:cNvCxnSpPr>
+            <a:stCxn id="54" idx="4"/>
+            <a:endCxn id="51" idx="0"/>
+          </p:cNvCxnSpPr>
+          <p:nvPr/>
+        </p:nvCxnSpPr>
+        <p:spPr>
+          <a:xfrm>
+            <a:off x="2313342" y="1597105"/>
+            <a:ext cx="14198" cy="529440"/>
+          </a:xfrm>
+          <a:prstGeom prst="straightConnector1">
+            <a:avLst/>
+          </a:prstGeom>
+          <a:ln w="19050">
+            <a:solidFill>
+              <a:schemeClr val="tx1"/>
+            </a:solidFill>
+            <a:tailEnd type="triangle"/>
+          </a:ln>
+        </p:spPr>
+        <p:style>
+          <a:lnRef idx="1">
+            <a:schemeClr val="accent1"/>
+          </a:lnRef>
+          <a:fillRef idx="0">
+            <a:schemeClr val="accent1"/>
+          </a:fillRef>
+          <a:effectRef idx="0">
+            <a:schemeClr val="accent1"/>
+          </a:effectRef>
+          <a:fontRef idx="minor">
+            <a:schemeClr val="tx1"/>
+          </a:fontRef>
+        </p:style>
+      </p:cxnSp>
+      <p:cxnSp>
+        <p:nvCxnSpPr>
+          <p:cNvPr id="61" name="Straight Arrow Connector 60">
+            <a:extLst>
+              <a:ext uri="{FF2B5EF4-FFF2-40B4-BE49-F238E27FC236}">
+                <a16:creationId xmlns:a16="http://schemas.microsoft.com/office/drawing/2014/main" id="{0F4D514D-E24C-874D-AF2C-32566D8A9E38}"/>
+              </a:ext>
+            </a:extLst>
+          </p:cNvPr>
+          <p:cNvCxnSpPr>
+            <a:stCxn id="53" idx="4"/>
+            <a:endCxn id="50" idx="0"/>
+          </p:cNvCxnSpPr>
+          <p:nvPr/>
+        </p:nvCxnSpPr>
+        <p:spPr>
+          <a:xfrm>
+            <a:off x="3931376" y="1597105"/>
+            <a:ext cx="14198" cy="529440"/>
+          </a:xfrm>
+          <a:prstGeom prst="straightConnector1">
+            <a:avLst/>
+          </a:prstGeom>
+          <a:ln w="19050">
+            <a:solidFill>
+              <a:schemeClr val="tx1"/>
+            </a:solidFill>
+            <a:tailEnd type="triangle"/>
+          </a:ln>
+        </p:spPr>
+        <p:style>
+          <a:lnRef idx="1">
+            <a:schemeClr val="accent1"/>
+          </a:lnRef>
+          <a:fillRef idx="0">
+            <a:schemeClr val="accent1"/>
+          </a:fillRef>
+          <a:effectRef idx="0">
+            <a:schemeClr val="accent1"/>
+          </a:effectRef>
+          <a:fontRef idx="minor">
+            <a:schemeClr val="tx1"/>
+          </a:fontRef>
+        </p:style>
+      </p:cxnSp>
+      <p:cxnSp>
+        <p:nvCxnSpPr>
+          <p:cNvPr id="62" name="Straight Arrow Connector 61">
+            <a:extLst>
+              <a:ext uri="{FF2B5EF4-FFF2-40B4-BE49-F238E27FC236}">
+                <a16:creationId xmlns:a16="http://schemas.microsoft.com/office/drawing/2014/main" id="{4D2D6B6D-9E94-0741-AD7D-68453807AABA}"/>
+              </a:ext>
+            </a:extLst>
+          </p:cNvPr>
+          <p:cNvCxnSpPr/>
+          <p:nvPr/>
+        </p:nvCxnSpPr>
+        <p:spPr>
+          <a:xfrm>
+            <a:off x="5549410" y="1597105"/>
+            <a:ext cx="14198" cy="529440"/>
+          </a:xfrm>
+          <a:prstGeom prst="straightConnector1">
+            <a:avLst/>
+          </a:prstGeom>
+          <a:ln w="19050">
+            <a:solidFill>
+              <a:schemeClr val="tx1"/>
+            </a:solidFill>
+            <a:tailEnd type="triangle"/>
+          </a:ln>
+        </p:spPr>
+        <p:style>
+          <a:lnRef idx="1">
+            <a:schemeClr val="accent1"/>
+          </a:lnRef>
+          <a:fillRef idx="0">
+            <a:schemeClr val="accent1"/>
+          </a:fillRef>
+          <a:effectRef idx="0">
+            <a:schemeClr val="accent1"/>
+          </a:effectRef>
+          <a:fontRef idx="minor">
+            <a:schemeClr val="tx1"/>
+          </a:fontRef>
+        </p:style>
+      </p:cxnSp>
+      <p:sp>
+        <p:nvSpPr>
+          <p:cNvPr id="63" name="Oval 62">
+            <a:extLst>
+              <a:ext uri="{FF2B5EF4-FFF2-40B4-BE49-F238E27FC236}">
+                <a16:creationId xmlns:a16="http://schemas.microsoft.com/office/drawing/2014/main" id="{4C39C0CE-1B49-254E-A775-22EE47673349}"/>
+              </a:ext>
+            </a:extLst>
+          </p:cNvPr>
+          <p:cNvSpPr/>
+          <p:nvPr/>
+        </p:nvSpPr>
+        <p:spPr>
+          <a:xfrm>
+            <a:off x="6597195" y="517333"/>
+            <a:ext cx="1108953" cy="1079771"/>
+          </a:xfrm>
+          <a:prstGeom prst="ellipse">
+            <a:avLst/>
+          </a:prstGeom>
+          <a:noFill/>
+          <a:ln>
+            <a:solidFill>
+              <a:schemeClr val="tx1"/>
+            </a:solidFill>
+          </a:ln>
+        </p:spPr>
+        <p:style>
+          <a:lnRef idx="2">
+            <a:schemeClr val="accent1">
+              <a:shade val="50000"/>
+            </a:schemeClr>
+          </a:lnRef>
+          <a:fillRef idx="1">
+            <a:schemeClr val="accent1"/>
+          </a:fillRef>
+          <a:effectRef idx="0">
+            <a:schemeClr val="accent1"/>
+          </a:effectRef>
+          <a:fontRef idx="minor">
+            <a:schemeClr val="lt1"/>
+          </a:fontRef>
+        </p:style>
+        <p:txBody>
+          <a:bodyPr rtlCol="0" anchor="ctr"/>
+          <a:lstStyle/>
+          <a:p>
+            <a:pPr algn="ctr"/>
+            <a:r>
+              <a:rPr lang="en-US" dirty="0">
+                <a:solidFill>
+                  <a:schemeClr val="tx1"/>
+                </a:solidFill>
+              </a:rPr>
+              <a:t>O</a:t>
+            </a:r>
+            <a:endParaRPr lang="en-US" dirty="0"/>
+          </a:p>
+        </p:txBody>
+      </p:sp>
+      <p:cxnSp>
+        <p:nvCxnSpPr>
+          <p:cNvPr id="64" name="Straight Arrow Connector 63">
+            <a:extLst>
+              <a:ext uri="{FF2B5EF4-FFF2-40B4-BE49-F238E27FC236}">
+                <a16:creationId xmlns:a16="http://schemas.microsoft.com/office/drawing/2014/main" id="{3EE23263-05F8-7846-90ED-22DC0ABA46AD}"/>
+              </a:ext>
+            </a:extLst>
+          </p:cNvPr>
+          <p:cNvCxnSpPr/>
+          <p:nvPr/>
+        </p:nvCxnSpPr>
+        <p:spPr>
+          <a:xfrm>
+            <a:off x="7706148" y="1057218"/>
+            <a:ext cx="509081" cy="1"/>
+          </a:xfrm>
+          <a:prstGeom prst="straightConnector1">
+            <a:avLst/>
+          </a:prstGeom>
+          <a:ln w="19050">
+            <a:solidFill>
+              <a:schemeClr val="tx1"/>
+            </a:solidFill>
+            <a:tailEnd type="triangle"/>
+          </a:ln>
+        </p:spPr>
+        <p:style>
+          <a:lnRef idx="1">
+            <a:schemeClr val="accent1"/>
+          </a:lnRef>
+          <a:fillRef idx="0">
+            <a:schemeClr val="accent1"/>
+          </a:fillRef>
+          <a:effectRef idx="0">
+            <a:schemeClr val="accent1"/>
+          </a:effectRef>
+          <a:fontRef idx="minor">
+            <a:schemeClr val="tx1"/>
+          </a:fontRef>
+        </p:style>
+      </p:cxnSp>
+      <p:sp>
+        <p:nvSpPr>
+          <p:cNvPr id="65" name="Oval 64">
+            <a:extLst>
+              <a:ext uri="{FF2B5EF4-FFF2-40B4-BE49-F238E27FC236}">
+                <a16:creationId xmlns:a16="http://schemas.microsoft.com/office/drawing/2014/main" id="{21AB8EA8-9858-B04C-92F6-2392717EC72B}"/>
+              </a:ext>
+            </a:extLst>
+          </p:cNvPr>
+          <p:cNvSpPr/>
+          <p:nvPr/>
+        </p:nvSpPr>
+        <p:spPr>
+          <a:xfrm>
+            <a:off x="6597194" y="2126544"/>
+            <a:ext cx="1108953" cy="1079771"/>
+          </a:xfrm>
+          <a:prstGeom prst="ellipse">
+            <a:avLst/>
+          </a:prstGeom>
+          <a:solidFill>
+            <a:schemeClr val="bg1">
+              <a:lumMod val="75000"/>
+            </a:schemeClr>
+          </a:solidFill>
+          <a:ln>
+            <a:solidFill>
+              <a:schemeClr val="tx1"/>
+            </a:solidFill>
+          </a:ln>
+        </p:spPr>
+        <p:style>
+          <a:lnRef idx="2">
+            <a:schemeClr val="accent1">
+              <a:shade val="50000"/>
+            </a:schemeClr>
+          </a:lnRef>
+          <a:fillRef idx="1">
+            <a:schemeClr val="accent1"/>
+          </a:fillRef>
+          <a:effectRef idx="0">
+            <a:schemeClr val="accent1"/>
+          </a:effectRef>
+          <a:fontRef idx="minor">
+            <a:schemeClr val="lt1"/>
+          </a:fontRef>
+        </p:style>
+        <p:txBody>
+          <a:bodyPr rtlCol="0" anchor="ctr"/>
+          <a:lstStyle/>
+          <a:p>
+            <a:pPr algn="ctr"/>
+            <a:r>
+              <a:rPr lang="en-US" dirty="0">
+                <a:solidFill>
+                  <a:schemeClr val="tx1"/>
+                </a:solidFill>
+              </a:rPr>
+              <a:t>was</a:t>
+            </a:r>
+            <a:endParaRPr lang="en-US" dirty="0"/>
+          </a:p>
+        </p:txBody>
+      </p:sp>
+      <p:cxnSp>
+        <p:nvCxnSpPr>
+          <p:cNvPr id="66" name="Straight Arrow Connector 65">
+            <a:extLst>
+              <a:ext uri="{FF2B5EF4-FFF2-40B4-BE49-F238E27FC236}">
+                <a16:creationId xmlns:a16="http://schemas.microsoft.com/office/drawing/2014/main" id="{8A87E7C8-019E-944C-A78A-EA9B4EF45412}"/>
+              </a:ext>
+            </a:extLst>
+          </p:cNvPr>
+          <p:cNvCxnSpPr/>
+          <p:nvPr/>
+        </p:nvCxnSpPr>
+        <p:spPr>
+          <a:xfrm>
+            <a:off x="7123274" y="1597105"/>
+            <a:ext cx="14198" cy="529440"/>
+          </a:xfrm>
+          <a:prstGeom prst="straightConnector1">
+            <a:avLst/>
+          </a:prstGeom>
+          <a:ln w="19050">
+            <a:solidFill>
+              <a:schemeClr val="tx1"/>
+            </a:solidFill>
+            <a:tailEnd type="triangle"/>
+          </a:ln>
+        </p:spPr>
+        <p:style>
+          <a:lnRef idx="1">
+            <a:schemeClr val="accent1"/>
+          </a:lnRef>
+          <a:fillRef idx="0">
+            <a:schemeClr val="accent1"/>
+          </a:fillRef>
+          <a:effectRef idx="0">
+            <a:schemeClr val="accent1"/>
+          </a:effectRef>
+          <a:fontRef idx="minor">
+            <a:schemeClr val="tx1"/>
+          </a:fontRef>
+        </p:style>
+      </p:cxnSp>
+    </p:spTree>
+    <p:extLst>
+      <p:ext uri="{BB962C8B-B14F-4D97-AF65-F5344CB8AC3E}">
+        <p14:creationId xmlns:p14="http://schemas.microsoft.com/office/powerpoint/2010/main" val="1518383254"/>
       </p:ext>
     </p:extLst>
   </p:cSld>
